--- a/Module_One/presentations/module_1_presentation.pptx
+++ b/Module_One/presentations/module_1_presentation.pptx
@@ -5,7 +5,7 @@
     <p:sldMasterId id="2147483655" r:id="rId1"/>
   </p:sldMasterIdLst>
   <p:notesMasterIdLst>
-    <p:notesMasterId r:id="rId36"/>
+    <p:notesMasterId r:id="rId43"/>
   </p:notesMasterIdLst>
   <p:sldIdLst>
     <p:sldId id="256" r:id="rId2"/>
@@ -42,6 +42,13 @@
     <p:sldId id="470" r:id="rId33"/>
     <p:sldId id="471" r:id="rId34"/>
     <p:sldId id="472" r:id="rId35"/>
+    <p:sldId id="473" r:id="rId36"/>
+    <p:sldId id="474" r:id="rId37"/>
+    <p:sldId id="475" r:id="rId38"/>
+    <p:sldId id="476" r:id="rId39"/>
+    <p:sldId id="477" r:id="rId40"/>
+    <p:sldId id="478" r:id="rId41"/>
+    <p:sldId id="479" r:id="rId42"/>
   </p:sldIdLst>
   <p:sldSz cx="9144000" cy="6858000" type="screen4x3"/>
   <p:notesSz cx="6858000" cy="9144000"/>
@@ -5534,6 +5541,811 @@
 </p:notes>
 </file>
 
+<file path=ppt/notesSlides/notesSlide35.xml><?xml version="1.0" encoding="utf-8"?>
+<p:notes xmlns:a="http://schemas.openxmlformats.org/drawingml/2006/main" xmlns:r="http://schemas.openxmlformats.org/officeDocument/2006/relationships" xmlns:p="http://schemas.openxmlformats.org/presentationml/2006/main" showMasterSp="0" showMasterPhAnim="0">
+  <p:cSld>
+    <p:spTree>
+      <p:nvGrpSpPr>
+        <p:cNvPr id="1" name="Shape 109"/>
+        <p:cNvGrpSpPr/>
+        <p:nvPr/>
+      </p:nvGrpSpPr>
+      <p:grpSpPr>
+        <a:xfrm>
+          <a:off x="0" y="0"/>
+          <a:ext cx="0" cy="0"/>
+          <a:chOff x="0" y="0"/>
+          <a:chExt cx="0" cy="0"/>
+        </a:xfrm>
+      </p:grpSpPr>
+      <p:sp>
+        <p:nvSpPr>
+          <p:cNvPr id="110" name="Shape 110"/>
+          <p:cNvSpPr>
+            <a:spLocks noGrp="1" noRot="1" noChangeAspect="1"/>
+          </p:cNvSpPr>
+          <p:nvPr>
+            <p:ph type="sldImg" idx="2"/>
+          </p:nvPr>
+        </p:nvSpPr>
+        <p:spPr>
+          <a:xfrm>
+            <a:off x="1143000" y="685800"/>
+            <a:ext cx="4572000" cy="3429000"/>
+          </a:xfrm>
+          <a:custGeom>
+            <a:avLst/>
+            <a:gdLst/>
+            <a:ahLst/>
+            <a:cxnLst/>
+            <a:rect l="0" t="0" r="0" b="0"/>
+            <a:pathLst>
+              <a:path w="120000" h="120000" extrusionOk="0">
+                <a:moveTo>
+                  <a:pt x="0" y="0"/>
+                </a:moveTo>
+                <a:lnTo>
+                  <a:pt x="120000" y="0"/>
+                </a:lnTo>
+                <a:lnTo>
+                  <a:pt x="120000" y="120000"/>
+                </a:lnTo>
+                <a:lnTo>
+                  <a:pt x="0" y="120000"/>
+                </a:lnTo>
+                <a:close/>
+              </a:path>
+            </a:pathLst>
+          </a:custGeom>
+        </p:spPr>
+      </p:sp>
+      <p:sp>
+        <p:nvSpPr>
+          <p:cNvPr id="111" name="Shape 111"/>
+          <p:cNvSpPr txBox="1">
+            <a:spLocks noGrp="1"/>
+          </p:cNvSpPr>
+          <p:nvPr>
+            <p:ph type="body" idx="1"/>
+          </p:nvPr>
+        </p:nvSpPr>
+        <p:spPr>
+          <a:xfrm>
+            <a:off x="685800" y="4343400"/>
+            <a:ext cx="5486399" cy="4114800"/>
+          </a:xfrm>
+          <a:prstGeom prst="rect">
+            <a:avLst/>
+          </a:prstGeom>
+        </p:spPr>
+        <p:txBody>
+          <a:bodyPr lIns="91425" tIns="91425" rIns="91425" bIns="91425" anchor="t" anchorCtr="0">
+            <a:noAutofit/>
+          </a:bodyPr>
+          <a:lstStyle/>
+          <a:p>
+            <a:pPr marL="0" marR="0" lvl="0" indent="0" algn="l" defTabSz="457200" rtl="0" eaLnBrk="1" fontAlgn="auto" latinLnBrk="0" hangingPunct="1">
+              <a:lnSpc>
+                <a:spcPct val="100000"/>
+              </a:lnSpc>
+              <a:spcBef>
+                <a:spcPts val="0"/>
+              </a:spcBef>
+              <a:spcAft>
+                <a:spcPts val="0"/>
+              </a:spcAft>
+              <a:buClrTx/>
+              <a:buSzTx/>
+              <a:buFontTx/>
+              <a:buNone/>
+              <a:tabLst/>
+              <a:defRPr/>
+            </a:pPr>
+            <a:endParaRPr dirty="0"/>
+          </a:p>
+        </p:txBody>
+      </p:sp>
+      <p:sp>
+        <p:nvSpPr>
+          <p:cNvPr id="112" name="Shape 112"/>
+          <p:cNvSpPr txBox="1">
+            <a:spLocks noGrp="1"/>
+          </p:cNvSpPr>
+          <p:nvPr>
+            <p:ph type="sldNum" idx="12"/>
+          </p:nvPr>
+        </p:nvSpPr>
+        <p:spPr>
+          <a:xfrm>
+            <a:off x="3884612" y="8685213"/>
+            <a:ext cx="2971799" cy="457200"/>
+          </a:xfrm>
+          <a:prstGeom prst="rect">
+            <a:avLst/>
+          </a:prstGeom>
+        </p:spPr>
+        <p:txBody>
+          <a:bodyPr lIns="91425" tIns="45700" rIns="91425" bIns="45700" anchor="b" anchorCtr="0">
+            <a:noAutofit/>
+          </a:bodyPr>
+          <a:lstStyle/>
+          <a:p>
+            <a:pPr lvl="0">
+              <a:spcBef>
+                <a:spcPts val="0"/>
+              </a:spcBef>
+              <a:buClr>
+                <a:srgbClr val="000000"/>
+              </a:buClr>
+              <a:buSzPct val="25000"/>
+              <a:buFont typeface="Arial"/>
+              <a:buNone/>
+            </a:pPr>
+            <a:fld id="{00000000-1234-1234-1234-123412341234}" type="slidenum">
+              <a:rPr lang="en-US"/>
+              <a:t>35</a:t>
+            </a:fld>
+            <a:endParaRPr lang="en-US"/>
+          </a:p>
+        </p:txBody>
+      </p:sp>
+    </p:spTree>
+    <p:extLst>
+      <p:ext uri="{BB962C8B-B14F-4D97-AF65-F5344CB8AC3E}">
+        <p14:creationId xmlns:p14="http://schemas.microsoft.com/office/powerpoint/2010/main" val="1417427310"/>
+      </p:ext>
+    </p:extLst>
+  </p:cSld>
+  <p:clrMapOvr>
+    <a:masterClrMapping/>
+  </p:clrMapOvr>
+</p:notes>
+</file>
+
+<file path=ppt/notesSlides/notesSlide36.xml><?xml version="1.0" encoding="utf-8"?>
+<p:notes xmlns:a="http://schemas.openxmlformats.org/drawingml/2006/main" xmlns:r="http://schemas.openxmlformats.org/officeDocument/2006/relationships" xmlns:p="http://schemas.openxmlformats.org/presentationml/2006/main" showMasterSp="0" showMasterPhAnim="0">
+  <p:cSld>
+    <p:spTree>
+      <p:nvGrpSpPr>
+        <p:cNvPr id="1" name="Shape 109"/>
+        <p:cNvGrpSpPr/>
+        <p:nvPr/>
+      </p:nvGrpSpPr>
+      <p:grpSpPr>
+        <a:xfrm>
+          <a:off x="0" y="0"/>
+          <a:ext cx="0" cy="0"/>
+          <a:chOff x="0" y="0"/>
+          <a:chExt cx="0" cy="0"/>
+        </a:xfrm>
+      </p:grpSpPr>
+      <p:sp>
+        <p:nvSpPr>
+          <p:cNvPr id="110" name="Shape 110"/>
+          <p:cNvSpPr>
+            <a:spLocks noGrp="1" noRot="1" noChangeAspect="1"/>
+          </p:cNvSpPr>
+          <p:nvPr>
+            <p:ph type="sldImg" idx="2"/>
+          </p:nvPr>
+        </p:nvSpPr>
+        <p:spPr>
+          <a:xfrm>
+            <a:off x="1143000" y="685800"/>
+            <a:ext cx="4572000" cy="3429000"/>
+          </a:xfrm>
+          <a:custGeom>
+            <a:avLst/>
+            <a:gdLst/>
+            <a:ahLst/>
+            <a:cxnLst/>
+            <a:rect l="0" t="0" r="0" b="0"/>
+            <a:pathLst>
+              <a:path w="120000" h="120000" extrusionOk="0">
+                <a:moveTo>
+                  <a:pt x="0" y="0"/>
+                </a:moveTo>
+                <a:lnTo>
+                  <a:pt x="120000" y="0"/>
+                </a:lnTo>
+                <a:lnTo>
+                  <a:pt x="120000" y="120000"/>
+                </a:lnTo>
+                <a:lnTo>
+                  <a:pt x="0" y="120000"/>
+                </a:lnTo>
+                <a:close/>
+              </a:path>
+            </a:pathLst>
+          </a:custGeom>
+        </p:spPr>
+      </p:sp>
+      <p:sp>
+        <p:nvSpPr>
+          <p:cNvPr id="111" name="Shape 111"/>
+          <p:cNvSpPr txBox="1">
+            <a:spLocks noGrp="1"/>
+          </p:cNvSpPr>
+          <p:nvPr>
+            <p:ph type="body" idx="1"/>
+          </p:nvPr>
+        </p:nvSpPr>
+        <p:spPr>
+          <a:xfrm>
+            <a:off x="685800" y="4343400"/>
+            <a:ext cx="5486399" cy="4114800"/>
+          </a:xfrm>
+          <a:prstGeom prst="rect">
+            <a:avLst/>
+          </a:prstGeom>
+        </p:spPr>
+        <p:txBody>
+          <a:bodyPr lIns="91425" tIns="91425" rIns="91425" bIns="91425" anchor="t" anchorCtr="0">
+            <a:noAutofit/>
+          </a:bodyPr>
+          <a:lstStyle/>
+          <a:p>
+            <a:pPr marL="0" marR="0" lvl="0" indent="0" algn="l" defTabSz="457200" rtl="0" eaLnBrk="1" fontAlgn="auto" latinLnBrk="0" hangingPunct="1">
+              <a:lnSpc>
+                <a:spcPct val="100000"/>
+              </a:lnSpc>
+              <a:spcBef>
+                <a:spcPts val="0"/>
+              </a:spcBef>
+              <a:spcAft>
+                <a:spcPts val="0"/>
+              </a:spcAft>
+              <a:buClrTx/>
+              <a:buSzTx/>
+              <a:buFontTx/>
+              <a:buNone/>
+              <a:tabLst/>
+              <a:defRPr/>
+            </a:pPr>
+            <a:endParaRPr dirty="0"/>
+          </a:p>
+        </p:txBody>
+      </p:sp>
+      <p:sp>
+        <p:nvSpPr>
+          <p:cNvPr id="112" name="Shape 112"/>
+          <p:cNvSpPr txBox="1">
+            <a:spLocks noGrp="1"/>
+          </p:cNvSpPr>
+          <p:nvPr>
+            <p:ph type="sldNum" idx="12"/>
+          </p:nvPr>
+        </p:nvSpPr>
+        <p:spPr>
+          <a:xfrm>
+            <a:off x="3884612" y="8685213"/>
+            <a:ext cx="2971799" cy="457200"/>
+          </a:xfrm>
+          <a:prstGeom prst="rect">
+            <a:avLst/>
+          </a:prstGeom>
+        </p:spPr>
+        <p:txBody>
+          <a:bodyPr lIns="91425" tIns="45700" rIns="91425" bIns="45700" anchor="b" anchorCtr="0">
+            <a:noAutofit/>
+          </a:bodyPr>
+          <a:lstStyle/>
+          <a:p>
+            <a:pPr lvl="0">
+              <a:spcBef>
+                <a:spcPts val="0"/>
+              </a:spcBef>
+              <a:buClr>
+                <a:srgbClr val="000000"/>
+              </a:buClr>
+              <a:buSzPct val="25000"/>
+              <a:buFont typeface="Arial"/>
+              <a:buNone/>
+            </a:pPr>
+            <a:fld id="{00000000-1234-1234-1234-123412341234}" type="slidenum">
+              <a:rPr lang="en-US"/>
+              <a:t>36</a:t>
+            </a:fld>
+            <a:endParaRPr lang="en-US"/>
+          </a:p>
+        </p:txBody>
+      </p:sp>
+    </p:spTree>
+    <p:extLst>
+      <p:ext uri="{BB962C8B-B14F-4D97-AF65-F5344CB8AC3E}">
+        <p14:creationId xmlns:p14="http://schemas.microsoft.com/office/powerpoint/2010/main" val="2146697127"/>
+      </p:ext>
+    </p:extLst>
+  </p:cSld>
+  <p:clrMapOvr>
+    <a:masterClrMapping/>
+  </p:clrMapOvr>
+</p:notes>
+</file>
+
+<file path=ppt/notesSlides/notesSlide37.xml><?xml version="1.0" encoding="utf-8"?>
+<p:notes xmlns:a="http://schemas.openxmlformats.org/drawingml/2006/main" xmlns:r="http://schemas.openxmlformats.org/officeDocument/2006/relationships" xmlns:p="http://schemas.openxmlformats.org/presentationml/2006/main" showMasterSp="0" showMasterPhAnim="0">
+  <p:cSld>
+    <p:spTree>
+      <p:nvGrpSpPr>
+        <p:cNvPr id="1" name="Shape 109"/>
+        <p:cNvGrpSpPr/>
+        <p:nvPr/>
+      </p:nvGrpSpPr>
+      <p:grpSpPr>
+        <a:xfrm>
+          <a:off x="0" y="0"/>
+          <a:ext cx="0" cy="0"/>
+          <a:chOff x="0" y="0"/>
+          <a:chExt cx="0" cy="0"/>
+        </a:xfrm>
+      </p:grpSpPr>
+      <p:sp>
+        <p:nvSpPr>
+          <p:cNvPr id="110" name="Shape 110"/>
+          <p:cNvSpPr>
+            <a:spLocks noGrp="1" noRot="1" noChangeAspect="1"/>
+          </p:cNvSpPr>
+          <p:nvPr>
+            <p:ph type="sldImg" idx="2"/>
+          </p:nvPr>
+        </p:nvSpPr>
+        <p:spPr>
+          <a:xfrm>
+            <a:off x="1143000" y="685800"/>
+            <a:ext cx="4572000" cy="3429000"/>
+          </a:xfrm>
+          <a:custGeom>
+            <a:avLst/>
+            <a:gdLst/>
+            <a:ahLst/>
+            <a:cxnLst/>
+            <a:rect l="0" t="0" r="0" b="0"/>
+            <a:pathLst>
+              <a:path w="120000" h="120000" extrusionOk="0">
+                <a:moveTo>
+                  <a:pt x="0" y="0"/>
+                </a:moveTo>
+                <a:lnTo>
+                  <a:pt x="120000" y="0"/>
+                </a:lnTo>
+                <a:lnTo>
+                  <a:pt x="120000" y="120000"/>
+                </a:lnTo>
+                <a:lnTo>
+                  <a:pt x="0" y="120000"/>
+                </a:lnTo>
+                <a:close/>
+              </a:path>
+            </a:pathLst>
+          </a:custGeom>
+        </p:spPr>
+      </p:sp>
+      <p:sp>
+        <p:nvSpPr>
+          <p:cNvPr id="111" name="Shape 111"/>
+          <p:cNvSpPr txBox="1">
+            <a:spLocks noGrp="1"/>
+          </p:cNvSpPr>
+          <p:nvPr>
+            <p:ph type="body" idx="1"/>
+          </p:nvPr>
+        </p:nvSpPr>
+        <p:spPr>
+          <a:xfrm>
+            <a:off x="685800" y="4343400"/>
+            <a:ext cx="5486399" cy="4114800"/>
+          </a:xfrm>
+          <a:prstGeom prst="rect">
+            <a:avLst/>
+          </a:prstGeom>
+        </p:spPr>
+        <p:txBody>
+          <a:bodyPr lIns="91425" tIns="91425" rIns="91425" bIns="91425" anchor="t" anchorCtr="0">
+            <a:noAutofit/>
+          </a:bodyPr>
+          <a:lstStyle/>
+          <a:p>
+            <a:pPr marL="0" marR="0" lvl="0" indent="0" algn="l" defTabSz="457200" rtl="0" eaLnBrk="1" fontAlgn="auto" latinLnBrk="0" hangingPunct="1">
+              <a:lnSpc>
+                <a:spcPct val="100000"/>
+              </a:lnSpc>
+              <a:spcBef>
+                <a:spcPts val="0"/>
+              </a:spcBef>
+              <a:spcAft>
+                <a:spcPts val="0"/>
+              </a:spcAft>
+              <a:buClrTx/>
+              <a:buSzTx/>
+              <a:buFontTx/>
+              <a:buNone/>
+              <a:tabLst/>
+              <a:defRPr/>
+            </a:pPr>
+            <a:endParaRPr dirty="0"/>
+          </a:p>
+        </p:txBody>
+      </p:sp>
+      <p:sp>
+        <p:nvSpPr>
+          <p:cNvPr id="112" name="Shape 112"/>
+          <p:cNvSpPr txBox="1">
+            <a:spLocks noGrp="1"/>
+          </p:cNvSpPr>
+          <p:nvPr>
+            <p:ph type="sldNum" idx="12"/>
+          </p:nvPr>
+        </p:nvSpPr>
+        <p:spPr>
+          <a:xfrm>
+            <a:off x="3884612" y="8685213"/>
+            <a:ext cx="2971799" cy="457200"/>
+          </a:xfrm>
+          <a:prstGeom prst="rect">
+            <a:avLst/>
+          </a:prstGeom>
+        </p:spPr>
+        <p:txBody>
+          <a:bodyPr lIns="91425" tIns="45700" rIns="91425" bIns="45700" anchor="b" anchorCtr="0">
+            <a:noAutofit/>
+          </a:bodyPr>
+          <a:lstStyle/>
+          <a:p>
+            <a:pPr lvl="0">
+              <a:spcBef>
+                <a:spcPts val="0"/>
+              </a:spcBef>
+              <a:buClr>
+                <a:srgbClr val="000000"/>
+              </a:buClr>
+              <a:buSzPct val="25000"/>
+              <a:buFont typeface="Arial"/>
+              <a:buNone/>
+            </a:pPr>
+            <a:fld id="{00000000-1234-1234-1234-123412341234}" type="slidenum">
+              <a:rPr lang="en-US"/>
+              <a:t>37</a:t>
+            </a:fld>
+            <a:endParaRPr lang="en-US"/>
+          </a:p>
+        </p:txBody>
+      </p:sp>
+    </p:spTree>
+    <p:extLst>
+      <p:ext uri="{BB962C8B-B14F-4D97-AF65-F5344CB8AC3E}">
+        <p14:creationId xmlns:p14="http://schemas.microsoft.com/office/powerpoint/2010/main" val="1315726856"/>
+      </p:ext>
+    </p:extLst>
+  </p:cSld>
+  <p:clrMapOvr>
+    <a:masterClrMapping/>
+  </p:clrMapOvr>
+</p:notes>
+</file>
+
+<file path=ppt/notesSlides/notesSlide38.xml><?xml version="1.0" encoding="utf-8"?>
+<p:notes xmlns:a="http://schemas.openxmlformats.org/drawingml/2006/main" xmlns:r="http://schemas.openxmlformats.org/officeDocument/2006/relationships" xmlns:p="http://schemas.openxmlformats.org/presentationml/2006/main" showMasterSp="0" showMasterPhAnim="0">
+  <p:cSld>
+    <p:spTree>
+      <p:nvGrpSpPr>
+        <p:cNvPr id="1" name="Shape 109"/>
+        <p:cNvGrpSpPr/>
+        <p:nvPr/>
+      </p:nvGrpSpPr>
+      <p:grpSpPr>
+        <a:xfrm>
+          <a:off x="0" y="0"/>
+          <a:ext cx="0" cy="0"/>
+          <a:chOff x="0" y="0"/>
+          <a:chExt cx="0" cy="0"/>
+        </a:xfrm>
+      </p:grpSpPr>
+      <p:sp>
+        <p:nvSpPr>
+          <p:cNvPr id="110" name="Shape 110"/>
+          <p:cNvSpPr>
+            <a:spLocks noGrp="1" noRot="1" noChangeAspect="1"/>
+          </p:cNvSpPr>
+          <p:nvPr>
+            <p:ph type="sldImg" idx="2"/>
+          </p:nvPr>
+        </p:nvSpPr>
+        <p:spPr>
+          <a:xfrm>
+            <a:off x="1143000" y="685800"/>
+            <a:ext cx="4572000" cy="3429000"/>
+          </a:xfrm>
+          <a:custGeom>
+            <a:avLst/>
+            <a:gdLst/>
+            <a:ahLst/>
+            <a:cxnLst/>
+            <a:rect l="0" t="0" r="0" b="0"/>
+            <a:pathLst>
+              <a:path w="120000" h="120000" extrusionOk="0">
+                <a:moveTo>
+                  <a:pt x="0" y="0"/>
+                </a:moveTo>
+                <a:lnTo>
+                  <a:pt x="120000" y="0"/>
+                </a:lnTo>
+                <a:lnTo>
+                  <a:pt x="120000" y="120000"/>
+                </a:lnTo>
+                <a:lnTo>
+                  <a:pt x="0" y="120000"/>
+                </a:lnTo>
+                <a:close/>
+              </a:path>
+            </a:pathLst>
+          </a:custGeom>
+        </p:spPr>
+      </p:sp>
+      <p:sp>
+        <p:nvSpPr>
+          <p:cNvPr id="111" name="Shape 111"/>
+          <p:cNvSpPr txBox="1">
+            <a:spLocks noGrp="1"/>
+          </p:cNvSpPr>
+          <p:nvPr>
+            <p:ph type="body" idx="1"/>
+          </p:nvPr>
+        </p:nvSpPr>
+        <p:spPr>
+          <a:xfrm>
+            <a:off x="685800" y="4343400"/>
+            <a:ext cx="5486399" cy="4114800"/>
+          </a:xfrm>
+          <a:prstGeom prst="rect">
+            <a:avLst/>
+          </a:prstGeom>
+        </p:spPr>
+        <p:txBody>
+          <a:bodyPr lIns="91425" tIns="91425" rIns="91425" bIns="91425" anchor="t" anchorCtr="0">
+            <a:noAutofit/>
+          </a:bodyPr>
+          <a:lstStyle/>
+          <a:p>
+            <a:pPr marL="0" marR="0" lvl="0" indent="0" algn="l" defTabSz="457200" rtl="0" eaLnBrk="1" fontAlgn="auto" latinLnBrk="0" hangingPunct="1">
+              <a:lnSpc>
+                <a:spcPct val="100000"/>
+              </a:lnSpc>
+              <a:spcBef>
+                <a:spcPts val="0"/>
+              </a:spcBef>
+              <a:spcAft>
+                <a:spcPts val="0"/>
+              </a:spcAft>
+              <a:buClrTx/>
+              <a:buSzTx/>
+              <a:buFontTx/>
+              <a:buNone/>
+              <a:tabLst/>
+              <a:defRPr/>
+            </a:pPr>
+            <a:endParaRPr dirty="0"/>
+          </a:p>
+        </p:txBody>
+      </p:sp>
+      <p:sp>
+        <p:nvSpPr>
+          <p:cNvPr id="112" name="Shape 112"/>
+          <p:cNvSpPr txBox="1">
+            <a:spLocks noGrp="1"/>
+          </p:cNvSpPr>
+          <p:nvPr>
+            <p:ph type="sldNum" idx="12"/>
+          </p:nvPr>
+        </p:nvSpPr>
+        <p:spPr>
+          <a:xfrm>
+            <a:off x="3884612" y="8685213"/>
+            <a:ext cx="2971799" cy="457200"/>
+          </a:xfrm>
+          <a:prstGeom prst="rect">
+            <a:avLst/>
+          </a:prstGeom>
+        </p:spPr>
+        <p:txBody>
+          <a:bodyPr lIns="91425" tIns="45700" rIns="91425" bIns="45700" anchor="b" anchorCtr="0">
+            <a:noAutofit/>
+          </a:bodyPr>
+          <a:lstStyle/>
+          <a:p>
+            <a:pPr lvl="0">
+              <a:spcBef>
+                <a:spcPts val="0"/>
+              </a:spcBef>
+              <a:buClr>
+                <a:srgbClr val="000000"/>
+              </a:buClr>
+              <a:buSzPct val="25000"/>
+              <a:buFont typeface="Arial"/>
+              <a:buNone/>
+            </a:pPr>
+            <a:fld id="{00000000-1234-1234-1234-123412341234}" type="slidenum">
+              <a:rPr lang="en-US"/>
+              <a:t>38</a:t>
+            </a:fld>
+            <a:endParaRPr lang="en-US"/>
+          </a:p>
+        </p:txBody>
+      </p:sp>
+    </p:spTree>
+    <p:extLst>
+      <p:ext uri="{BB962C8B-B14F-4D97-AF65-F5344CB8AC3E}">
+        <p14:creationId xmlns:p14="http://schemas.microsoft.com/office/powerpoint/2010/main" val="754685689"/>
+      </p:ext>
+    </p:extLst>
+  </p:cSld>
+  <p:clrMapOvr>
+    <a:masterClrMapping/>
+  </p:clrMapOvr>
+</p:notes>
+</file>
+
+<file path=ppt/notesSlides/notesSlide39.xml><?xml version="1.0" encoding="utf-8"?>
+<p:notes xmlns:a="http://schemas.openxmlformats.org/drawingml/2006/main" xmlns:r="http://schemas.openxmlformats.org/officeDocument/2006/relationships" xmlns:p="http://schemas.openxmlformats.org/presentationml/2006/main" showMasterSp="0" showMasterPhAnim="0">
+  <p:cSld>
+    <p:spTree>
+      <p:nvGrpSpPr>
+        <p:cNvPr id="1" name="Shape 109"/>
+        <p:cNvGrpSpPr/>
+        <p:nvPr/>
+      </p:nvGrpSpPr>
+      <p:grpSpPr>
+        <a:xfrm>
+          <a:off x="0" y="0"/>
+          <a:ext cx="0" cy="0"/>
+          <a:chOff x="0" y="0"/>
+          <a:chExt cx="0" cy="0"/>
+        </a:xfrm>
+      </p:grpSpPr>
+      <p:sp>
+        <p:nvSpPr>
+          <p:cNvPr id="110" name="Shape 110"/>
+          <p:cNvSpPr>
+            <a:spLocks noGrp="1" noRot="1" noChangeAspect="1"/>
+          </p:cNvSpPr>
+          <p:nvPr>
+            <p:ph type="sldImg" idx="2"/>
+          </p:nvPr>
+        </p:nvSpPr>
+        <p:spPr>
+          <a:xfrm>
+            <a:off x="1143000" y="685800"/>
+            <a:ext cx="4572000" cy="3429000"/>
+          </a:xfrm>
+          <a:custGeom>
+            <a:avLst/>
+            <a:gdLst/>
+            <a:ahLst/>
+            <a:cxnLst/>
+            <a:rect l="0" t="0" r="0" b="0"/>
+            <a:pathLst>
+              <a:path w="120000" h="120000" extrusionOk="0">
+                <a:moveTo>
+                  <a:pt x="0" y="0"/>
+                </a:moveTo>
+                <a:lnTo>
+                  <a:pt x="120000" y="0"/>
+                </a:lnTo>
+                <a:lnTo>
+                  <a:pt x="120000" y="120000"/>
+                </a:lnTo>
+                <a:lnTo>
+                  <a:pt x="0" y="120000"/>
+                </a:lnTo>
+                <a:close/>
+              </a:path>
+            </a:pathLst>
+          </a:custGeom>
+        </p:spPr>
+      </p:sp>
+      <p:sp>
+        <p:nvSpPr>
+          <p:cNvPr id="111" name="Shape 111"/>
+          <p:cNvSpPr txBox="1">
+            <a:spLocks noGrp="1"/>
+          </p:cNvSpPr>
+          <p:nvPr>
+            <p:ph type="body" idx="1"/>
+          </p:nvPr>
+        </p:nvSpPr>
+        <p:spPr>
+          <a:xfrm>
+            <a:off x="685800" y="4343400"/>
+            <a:ext cx="5486399" cy="4114800"/>
+          </a:xfrm>
+          <a:prstGeom prst="rect">
+            <a:avLst/>
+          </a:prstGeom>
+        </p:spPr>
+        <p:txBody>
+          <a:bodyPr lIns="91425" tIns="91425" rIns="91425" bIns="91425" anchor="t" anchorCtr="0">
+            <a:noAutofit/>
+          </a:bodyPr>
+          <a:lstStyle/>
+          <a:p>
+            <a:pPr marL="0" marR="0" lvl="0" indent="0" algn="l" defTabSz="457200" rtl="0" eaLnBrk="1" fontAlgn="auto" latinLnBrk="0" hangingPunct="1">
+              <a:lnSpc>
+                <a:spcPct val="100000"/>
+              </a:lnSpc>
+              <a:spcBef>
+                <a:spcPts val="0"/>
+              </a:spcBef>
+              <a:spcAft>
+                <a:spcPts val="0"/>
+              </a:spcAft>
+              <a:buClrTx/>
+              <a:buSzTx/>
+              <a:buFontTx/>
+              <a:buNone/>
+              <a:tabLst/>
+              <a:defRPr/>
+            </a:pPr>
+            <a:endParaRPr dirty="0"/>
+          </a:p>
+        </p:txBody>
+      </p:sp>
+      <p:sp>
+        <p:nvSpPr>
+          <p:cNvPr id="112" name="Shape 112"/>
+          <p:cNvSpPr txBox="1">
+            <a:spLocks noGrp="1"/>
+          </p:cNvSpPr>
+          <p:nvPr>
+            <p:ph type="sldNum" idx="12"/>
+          </p:nvPr>
+        </p:nvSpPr>
+        <p:spPr>
+          <a:xfrm>
+            <a:off x="3884612" y="8685213"/>
+            <a:ext cx="2971799" cy="457200"/>
+          </a:xfrm>
+          <a:prstGeom prst="rect">
+            <a:avLst/>
+          </a:prstGeom>
+        </p:spPr>
+        <p:txBody>
+          <a:bodyPr lIns="91425" tIns="45700" rIns="91425" bIns="45700" anchor="b" anchorCtr="0">
+            <a:noAutofit/>
+          </a:bodyPr>
+          <a:lstStyle/>
+          <a:p>
+            <a:pPr lvl="0">
+              <a:spcBef>
+                <a:spcPts val="0"/>
+              </a:spcBef>
+              <a:buClr>
+                <a:srgbClr val="000000"/>
+              </a:buClr>
+              <a:buSzPct val="25000"/>
+              <a:buFont typeface="Arial"/>
+              <a:buNone/>
+            </a:pPr>
+            <a:fld id="{00000000-1234-1234-1234-123412341234}" type="slidenum">
+              <a:rPr lang="en-US"/>
+              <a:t>39</a:t>
+            </a:fld>
+            <a:endParaRPr lang="en-US"/>
+          </a:p>
+        </p:txBody>
+      </p:sp>
+    </p:spTree>
+    <p:extLst>
+      <p:ext uri="{BB962C8B-B14F-4D97-AF65-F5344CB8AC3E}">
+        <p14:creationId xmlns:p14="http://schemas.microsoft.com/office/powerpoint/2010/main" val="1509813286"/>
+      </p:ext>
+    </p:extLst>
+  </p:cSld>
+  <p:clrMapOvr>
+    <a:masterClrMapping/>
+  </p:clrMapOvr>
+</p:notes>
+</file>
+
 <file path=ppt/notesSlides/notesSlide4.xml><?xml version="1.0" encoding="utf-8"?>
 <p:notes xmlns:a="http://schemas.openxmlformats.org/drawingml/2006/main" xmlns:r="http://schemas.openxmlformats.org/officeDocument/2006/relationships" xmlns:p="http://schemas.openxmlformats.org/presentationml/2006/main" showMasterSp="0" showMasterPhAnim="0">
   <p:cSld>
@@ -5672,6 +6484,328 @@
         </p:txBody>
       </p:sp>
     </p:spTree>
+  </p:cSld>
+  <p:clrMapOvr>
+    <a:masterClrMapping/>
+  </p:clrMapOvr>
+</p:notes>
+</file>
+
+<file path=ppt/notesSlides/notesSlide40.xml><?xml version="1.0" encoding="utf-8"?>
+<p:notes xmlns:a="http://schemas.openxmlformats.org/drawingml/2006/main" xmlns:r="http://schemas.openxmlformats.org/officeDocument/2006/relationships" xmlns:p="http://schemas.openxmlformats.org/presentationml/2006/main" showMasterSp="0" showMasterPhAnim="0">
+  <p:cSld>
+    <p:spTree>
+      <p:nvGrpSpPr>
+        <p:cNvPr id="1" name="Shape 109"/>
+        <p:cNvGrpSpPr/>
+        <p:nvPr/>
+      </p:nvGrpSpPr>
+      <p:grpSpPr>
+        <a:xfrm>
+          <a:off x="0" y="0"/>
+          <a:ext cx="0" cy="0"/>
+          <a:chOff x="0" y="0"/>
+          <a:chExt cx="0" cy="0"/>
+        </a:xfrm>
+      </p:grpSpPr>
+      <p:sp>
+        <p:nvSpPr>
+          <p:cNvPr id="110" name="Shape 110"/>
+          <p:cNvSpPr>
+            <a:spLocks noGrp="1" noRot="1" noChangeAspect="1"/>
+          </p:cNvSpPr>
+          <p:nvPr>
+            <p:ph type="sldImg" idx="2"/>
+          </p:nvPr>
+        </p:nvSpPr>
+        <p:spPr>
+          <a:xfrm>
+            <a:off x="1143000" y="685800"/>
+            <a:ext cx="4572000" cy="3429000"/>
+          </a:xfrm>
+          <a:custGeom>
+            <a:avLst/>
+            <a:gdLst/>
+            <a:ahLst/>
+            <a:cxnLst/>
+            <a:rect l="0" t="0" r="0" b="0"/>
+            <a:pathLst>
+              <a:path w="120000" h="120000" extrusionOk="0">
+                <a:moveTo>
+                  <a:pt x="0" y="0"/>
+                </a:moveTo>
+                <a:lnTo>
+                  <a:pt x="120000" y="0"/>
+                </a:lnTo>
+                <a:lnTo>
+                  <a:pt x="120000" y="120000"/>
+                </a:lnTo>
+                <a:lnTo>
+                  <a:pt x="0" y="120000"/>
+                </a:lnTo>
+                <a:close/>
+              </a:path>
+            </a:pathLst>
+          </a:custGeom>
+        </p:spPr>
+      </p:sp>
+      <p:sp>
+        <p:nvSpPr>
+          <p:cNvPr id="111" name="Shape 111"/>
+          <p:cNvSpPr txBox="1">
+            <a:spLocks noGrp="1"/>
+          </p:cNvSpPr>
+          <p:nvPr>
+            <p:ph type="body" idx="1"/>
+          </p:nvPr>
+        </p:nvSpPr>
+        <p:spPr>
+          <a:xfrm>
+            <a:off x="685800" y="4343400"/>
+            <a:ext cx="5486399" cy="4114800"/>
+          </a:xfrm>
+          <a:prstGeom prst="rect">
+            <a:avLst/>
+          </a:prstGeom>
+        </p:spPr>
+        <p:txBody>
+          <a:bodyPr lIns="91425" tIns="91425" rIns="91425" bIns="91425" anchor="t" anchorCtr="0">
+            <a:noAutofit/>
+          </a:bodyPr>
+          <a:lstStyle/>
+          <a:p>
+            <a:pPr marL="0" marR="0" lvl="0" indent="0" algn="l" defTabSz="457200" rtl="0" eaLnBrk="1" fontAlgn="auto" latinLnBrk="0" hangingPunct="1">
+              <a:lnSpc>
+                <a:spcPct val="100000"/>
+              </a:lnSpc>
+              <a:spcBef>
+                <a:spcPts val="0"/>
+              </a:spcBef>
+              <a:spcAft>
+                <a:spcPts val="0"/>
+              </a:spcAft>
+              <a:buClrTx/>
+              <a:buSzTx/>
+              <a:buFontTx/>
+              <a:buNone/>
+              <a:tabLst/>
+              <a:defRPr/>
+            </a:pPr>
+            <a:endParaRPr dirty="0"/>
+          </a:p>
+        </p:txBody>
+      </p:sp>
+      <p:sp>
+        <p:nvSpPr>
+          <p:cNvPr id="112" name="Shape 112"/>
+          <p:cNvSpPr txBox="1">
+            <a:spLocks noGrp="1"/>
+          </p:cNvSpPr>
+          <p:nvPr>
+            <p:ph type="sldNum" idx="12"/>
+          </p:nvPr>
+        </p:nvSpPr>
+        <p:spPr>
+          <a:xfrm>
+            <a:off x="3884612" y="8685213"/>
+            <a:ext cx="2971799" cy="457200"/>
+          </a:xfrm>
+          <a:prstGeom prst="rect">
+            <a:avLst/>
+          </a:prstGeom>
+        </p:spPr>
+        <p:txBody>
+          <a:bodyPr lIns="91425" tIns="45700" rIns="91425" bIns="45700" anchor="b" anchorCtr="0">
+            <a:noAutofit/>
+          </a:bodyPr>
+          <a:lstStyle/>
+          <a:p>
+            <a:pPr lvl="0">
+              <a:spcBef>
+                <a:spcPts val="0"/>
+              </a:spcBef>
+              <a:buClr>
+                <a:srgbClr val="000000"/>
+              </a:buClr>
+              <a:buSzPct val="25000"/>
+              <a:buFont typeface="Arial"/>
+              <a:buNone/>
+            </a:pPr>
+            <a:fld id="{00000000-1234-1234-1234-123412341234}" type="slidenum">
+              <a:rPr lang="en-US"/>
+              <a:t>40</a:t>
+            </a:fld>
+            <a:endParaRPr lang="en-US"/>
+          </a:p>
+        </p:txBody>
+      </p:sp>
+    </p:spTree>
+    <p:extLst>
+      <p:ext uri="{BB962C8B-B14F-4D97-AF65-F5344CB8AC3E}">
+        <p14:creationId xmlns:p14="http://schemas.microsoft.com/office/powerpoint/2010/main" val="1448233475"/>
+      </p:ext>
+    </p:extLst>
+  </p:cSld>
+  <p:clrMapOvr>
+    <a:masterClrMapping/>
+  </p:clrMapOvr>
+</p:notes>
+</file>
+
+<file path=ppt/notesSlides/notesSlide41.xml><?xml version="1.0" encoding="utf-8"?>
+<p:notes xmlns:a="http://schemas.openxmlformats.org/drawingml/2006/main" xmlns:r="http://schemas.openxmlformats.org/officeDocument/2006/relationships" xmlns:p="http://schemas.openxmlformats.org/presentationml/2006/main" showMasterSp="0" showMasterPhAnim="0">
+  <p:cSld>
+    <p:spTree>
+      <p:nvGrpSpPr>
+        <p:cNvPr id="1" name="Shape 109"/>
+        <p:cNvGrpSpPr/>
+        <p:nvPr/>
+      </p:nvGrpSpPr>
+      <p:grpSpPr>
+        <a:xfrm>
+          <a:off x="0" y="0"/>
+          <a:ext cx="0" cy="0"/>
+          <a:chOff x="0" y="0"/>
+          <a:chExt cx="0" cy="0"/>
+        </a:xfrm>
+      </p:grpSpPr>
+      <p:sp>
+        <p:nvSpPr>
+          <p:cNvPr id="110" name="Shape 110"/>
+          <p:cNvSpPr>
+            <a:spLocks noGrp="1" noRot="1" noChangeAspect="1"/>
+          </p:cNvSpPr>
+          <p:nvPr>
+            <p:ph type="sldImg" idx="2"/>
+          </p:nvPr>
+        </p:nvSpPr>
+        <p:spPr>
+          <a:xfrm>
+            <a:off x="1143000" y="685800"/>
+            <a:ext cx="4572000" cy="3429000"/>
+          </a:xfrm>
+          <a:custGeom>
+            <a:avLst/>
+            <a:gdLst/>
+            <a:ahLst/>
+            <a:cxnLst/>
+            <a:rect l="0" t="0" r="0" b="0"/>
+            <a:pathLst>
+              <a:path w="120000" h="120000" extrusionOk="0">
+                <a:moveTo>
+                  <a:pt x="0" y="0"/>
+                </a:moveTo>
+                <a:lnTo>
+                  <a:pt x="120000" y="0"/>
+                </a:lnTo>
+                <a:lnTo>
+                  <a:pt x="120000" y="120000"/>
+                </a:lnTo>
+                <a:lnTo>
+                  <a:pt x="0" y="120000"/>
+                </a:lnTo>
+                <a:close/>
+              </a:path>
+            </a:pathLst>
+          </a:custGeom>
+        </p:spPr>
+      </p:sp>
+      <p:sp>
+        <p:nvSpPr>
+          <p:cNvPr id="111" name="Shape 111"/>
+          <p:cNvSpPr txBox="1">
+            <a:spLocks noGrp="1"/>
+          </p:cNvSpPr>
+          <p:nvPr>
+            <p:ph type="body" idx="1"/>
+          </p:nvPr>
+        </p:nvSpPr>
+        <p:spPr>
+          <a:xfrm>
+            <a:off x="685800" y="4343400"/>
+            <a:ext cx="5486399" cy="4114800"/>
+          </a:xfrm>
+          <a:prstGeom prst="rect">
+            <a:avLst/>
+          </a:prstGeom>
+        </p:spPr>
+        <p:txBody>
+          <a:bodyPr lIns="91425" tIns="91425" rIns="91425" bIns="91425" anchor="t" anchorCtr="0">
+            <a:noAutofit/>
+          </a:bodyPr>
+          <a:lstStyle/>
+          <a:p>
+            <a:pPr marL="0" marR="0" lvl="0" indent="0" algn="l" defTabSz="457200" rtl="0" eaLnBrk="1" fontAlgn="auto" latinLnBrk="0" hangingPunct="1">
+              <a:lnSpc>
+                <a:spcPct val="100000"/>
+              </a:lnSpc>
+              <a:spcBef>
+                <a:spcPts val="0"/>
+              </a:spcBef>
+              <a:spcAft>
+                <a:spcPts val="0"/>
+              </a:spcAft>
+              <a:buClrTx/>
+              <a:buSzTx/>
+              <a:buFontTx/>
+              <a:buNone/>
+              <a:tabLst/>
+              <a:defRPr/>
+            </a:pPr>
+            <a:endParaRPr dirty="0"/>
+          </a:p>
+        </p:txBody>
+      </p:sp>
+      <p:sp>
+        <p:nvSpPr>
+          <p:cNvPr id="112" name="Shape 112"/>
+          <p:cNvSpPr txBox="1">
+            <a:spLocks noGrp="1"/>
+          </p:cNvSpPr>
+          <p:nvPr>
+            <p:ph type="sldNum" idx="12"/>
+          </p:nvPr>
+        </p:nvSpPr>
+        <p:spPr>
+          <a:xfrm>
+            <a:off x="3884612" y="8685213"/>
+            <a:ext cx="2971799" cy="457200"/>
+          </a:xfrm>
+          <a:prstGeom prst="rect">
+            <a:avLst/>
+          </a:prstGeom>
+        </p:spPr>
+        <p:txBody>
+          <a:bodyPr lIns="91425" tIns="45700" rIns="91425" bIns="45700" anchor="b" anchorCtr="0">
+            <a:noAutofit/>
+          </a:bodyPr>
+          <a:lstStyle/>
+          <a:p>
+            <a:pPr lvl="0">
+              <a:spcBef>
+                <a:spcPts val="0"/>
+              </a:spcBef>
+              <a:buClr>
+                <a:srgbClr val="000000"/>
+              </a:buClr>
+              <a:buSzPct val="25000"/>
+              <a:buFont typeface="Arial"/>
+              <a:buNone/>
+            </a:pPr>
+            <a:fld id="{00000000-1234-1234-1234-123412341234}" type="slidenum">
+              <a:rPr lang="en-US"/>
+              <a:t>41</a:t>
+            </a:fld>
+            <a:endParaRPr lang="en-US"/>
+          </a:p>
+        </p:txBody>
+      </p:sp>
+    </p:spTree>
+    <p:extLst>
+      <p:ext uri="{BB962C8B-B14F-4D97-AF65-F5344CB8AC3E}">
+        <p14:creationId xmlns:p14="http://schemas.microsoft.com/office/powerpoint/2010/main" val="820590152"/>
+      </p:ext>
+    </p:extLst>
   </p:cSld>
   <p:clrMapOvr>
     <a:masterClrMapping/>
@@ -17593,13 +18727,16 @@
             </a:r>
             <a:r>
               <a:rPr lang="en-US" dirty="0"/>
-              <a:t> directory will contain the binary files you compile and deploy- which makes your </a:t>
-            </a:r>
-            <a:r>
-              <a:rPr lang="en-US"/>
-              <a:t>code blazingly fast.</a:t>
-            </a:r>
-            <a:endParaRPr lang="en-US" dirty="0"/>
+              <a:t> directory will contain the binary files you compile and deploy- which makes your code blazingly fast. These are the </a:t>
+            </a:r>
+            <a:r>
+              <a:rPr lang="en-US" b="1" dirty="0"/>
+              <a:t>executable</a:t>
+            </a:r>
+            <a:r>
+              <a:rPr lang="en-US" dirty="0"/>
+              <a:t> files.</a:t>
+            </a:r>
           </a:p>
           <a:p>
             <a:pPr marL="1047750" lvl="2" indent="0">
@@ -17663,6 +18800,2159 @@
     <p:extLst>
       <p:ext uri="{BB962C8B-B14F-4D97-AF65-F5344CB8AC3E}">
         <p14:creationId xmlns:p14="http://schemas.microsoft.com/office/powerpoint/2010/main" val="3794581193"/>
+      </p:ext>
+    </p:extLst>
+  </p:cSld>
+  <p:clrMapOvr>
+    <a:masterClrMapping/>
+  </p:clrMapOvr>
+</p:sld>
+</file>
+
+<file path=ppt/slides/slide35.xml><?xml version="1.0" encoding="utf-8"?>
+<p:sld xmlns:a="http://schemas.openxmlformats.org/drawingml/2006/main" xmlns:r="http://schemas.openxmlformats.org/officeDocument/2006/relationships" xmlns:p="http://schemas.openxmlformats.org/presentationml/2006/main">
+  <p:cSld>
+    <p:spTree>
+      <p:nvGrpSpPr>
+        <p:cNvPr id="1" name="Shape 113"/>
+        <p:cNvGrpSpPr/>
+        <p:nvPr/>
+      </p:nvGrpSpPr>
+      <p:grpSpPr>
+        <a:xfrm>
+          <a:off x="0" y="0"/>
+          <a:ext cx="0" cy="0"/>
+          <a:chOff x="0" y="0"/>
+          <a:chExt cx="0" cy="0"/>
+        </a:xfrm>
+      </p:grpSpPr>
+      <p:sp>
+        <p:nvSpPr>
+          <p:cNvPr id="114" name="Shape 114"/>
+          <p:cNvSpPr txBox="1">
+            <a:spLocks noGrp="1"/>
+          </p:cNvSpPr>
+          <p:nvPr>
+            <p:ph type="title"/>
+          </p:nvPr>
+        </p:nvSpPr>
+        <p:spPr>
+          <a:xfrm>
+            <a:off x="76200" y="152400"/>
+            <a:ext cx="8991600" cy="671400"/>
+          </a:xfrm>
+          <a:prstGeom prst="rect">
+            <a:avLst/>
+          </a:prstGeom>
+        </p:spPr>
+        <p:txBody>
+          <a:bodyPr lIns="91425" tIns="91425" rIns="91425" bIns="91425" anchor="ctr" anchorCtr="0">
+            <a:noAutofit/>
+          </a:bodyPr>
+          <a:lstStyle/>
+          <a:p>
+            <a:pPr lvl="0">
+              <a:spcBef>
+                <a:spcPts val="0"/>
+              </a:spcBef>
+              <a:buNone/>
+            </a:pPr>
+            <a:r>
+              <a:rPr lang="en-US" dirty="0"/>
+              <a:t>Golang Setup (follow along)</a:t>
+            </a:r>
+            <a:endParaRPr dirty="0"/>
+          </a:p>
+        </p:txBody>
+      </p:sp>
+      <p:sp>
+        <p:nvSpPr>
+          <p:cNvPr id="115" name="Shape 115"/>
+          <p:cNvSpPr txBox="1">
+            <a:spLocks noGrp="1"/>
+          </p:cNvSpPr>
+          <p:nvPr>
+            <p:ph type="body" idx="1"/>
+          </p:nvPr>
+        </p:nvSpPr>
+        <p:spPr>
+          <a:xfrm>
+            <a:off x="76200" y="1323004"/>
+            <a:ext cx="8991600" cy="5077796"/>
+          </a:xfrm>
+          <a:prstGeom prst="rect">
+            <a:avLst/>
+          </a:prstGeom>
+        </p:spPr>
+        <p:txBody>
+          <a:bodyPr lIns="91425" tIns="91425" rIns="91425" bIns="91425" anchor="t" anchorCtr="0">
+            <a:noAutofit/>
+          </a:bodyPr>
+          <a:lstStyle/>
+          <a:p>
+            <a:pPr lvl="1">
+              <a:spcBef>
+                <a:spcPts val="0"/>
+              </a:spcBef>
+            </a:pPr>
+            <a:r>
+              <a:rPr lang="en-US" b="1" dirty="0"/>
+              <a:t> Structure within the workspace</a:t>
+            </a:r>
+          </a:p>
+          <a:p>
+            <a:pPr lvl="2">
+              <a:spcBef>
+                <a:spcPts val="0"/>
+              </a:spcBef>
+            </a:pPr>
+            <a:r>
+              <a:rPr lang="en-US" b="1" dirty="0"/>
+              <a:t> </a:t>
+            </a:r>
+            <a:r>
+              <a:rPr lang="en-US" dirty="0">
+                <a:solidFill>
+                  <a:schemeClr val="tx1"/>
+                </a:solidFill>
+                <a:highlight>
+                  <a:srgbClr val="FFFF00"/>
+                </a:highlight>
+                <a:latin typeface="American Typewriter" panose="02090604020004020304" pitchFamily="18" charset="77"/>
+              </a:rPr>
+              <a:t>/go/</a:t>
+            </a:r>
+            <a:r>
+              <a:rPr lang="en-US" dirty="0" err="1">
+                <a:solidFill>
+                  <a:schemeClr val="tx1"/>
+                </a:solidFill>
+                <a:highlight>
+                  <a:srgbClr val="FFFF00"/>
+                </a:highlight>
+                <a:latin typeface="American Typewriter" panose="02090604020004020304" pitchFamily="18" charset="77"/>
+              </a:rPr>
+              <a:t>src</a:t>
+            </a:r>
+            <a:r>
+              <a:rPr lang="en-US" dirty="0">
+                <a:solidFill>
+                  <a:schemeClr val="tx1"/>
+                </a:solidFill>
+                <a:highlight>
+                  <a:srgbClr val="FFFF00"/>
+                </a:highlight>
+                <a:latin typeface="American Typewriter" panose="02090604020004020304" pitchFamily="18" charset="77"/>
+              </a:rPr>
+              <a:t>/</a:t>
+            </a:r>
+            <a:r>
+              <a:rPr lang="en-US" dirty="0" err="1">
+                <a:solidFill>
+                  <a:schemeClr val="tx1"/>
+                </a:solidFill>
+                <a:highlight>
+                  <a:srgbClr val="FFFF00"/>
+                </a:highlight>
+                <a:latin typeface="American Typewriter" panose="02090604020004020304" pitchFamily="18" charset="77"/>
+              </a:rPr>
+              <a:t>github.com</a:t>
+            </a:r>
+            <a:r>
+              <a:rPr lang="en-US" dirty="0">
+                <a:solidFill>
+                  <a:schemeClr val="tx1"/>
+                </a:solidFill>
+                <a:highlight>
+                  <a:srgbClr val="FFFF00"/>
+                </a:highlight>
+                <a:latin typeface="American Typewriter" panose="02090604020004020304" pitchFamily="18" charset="77"/>
+              </a:rPr>
+              <a:t>/</a:t>
+            </a:r>
+          </a:p>
+          <a:p>
+            <a:pPr lvl="3">
+              <a:spcBef>
+                <a:spcPts val="0"/>
+              </a:spcBef>
+            </a:pPr>
+            <a:r>
+              <a:rPr lang="en-US" dirty="0"/>
+              <a:t>One level down from the top-level </a:t>
+            </a:r>
+            <a:r>
+              <a:rPr lang="en-US" dirty="0" err="1"/>
+              <a:t>src</a:t>
+            </a:r>
+            <a:r>
+              <a:rPr lang="en-US" dirty="0"/>
+              <a:t> folder will be a </a:t>
+            </a:r>
+            <a:r>
+              <a:rPr lang="en-US" b="1" dirty="0" err="1"/>
+              <a:t>github.com</a:t>
+            </a:r>
+            <a:r>
+              <a:rPr lang="en-US" dirty="0"/>
+              <a:t> folder. This is going to be the </a:t>
+            </a:r>
+            <a:r>
+              <a:rPr lang="en-US" b="1" dirty="0"/>
+              <a:t>root level directory for your repositories (make it in the </a:t>
+            </a:r>
+            <a:r>
+              <a:rPr lang="en-US" b="1" dirty="0" err="1"/>
+              <a:t>vm</a:t>
+            </a:r>
+            <a:r>
+              <a:rPr lang="en-US" b="1" dirty="0"/>
+              <a:t>)</a:t>
+            </a:r>
+            <a:endParaRPr lang="en-US" dirty="0"/>
+          </a:p>
+          <a:p>
+            <a:pPr lvl="3">
+              <a:spcBef>
+                <a:spcPts val="0"/>
+              </a:spcBef>
+            </a:pPr>
+            <a:r>
+              <a:rPr lang="en-US" dirty="0"/>
+              <a:t> So the “</a:t>
+            </a:r>
+            <a:r>
+              <a:rPr lang="en-US" dirty="0" err="1"/>
+              <a:t>github.com</a:t>
+            </a:r>
+            <a:r>
+              <a:rPr lang="en-US" dirty="0"/>
+              <a:t>” folder we want to initialize the metadata for the git repo…so here is where we’ll run our </a:t>
+            </a:r>
+            <a:r>
+              <a:rPr lang="en-US" i="1" dirty="0"/>
+              <a:t>git </a:t>
+            </a:r>
+            <a:r>
+              <a:rPr lang="en-US" i="1" dirty="0" err="1"/>
+              <a:t>init</a:t>
+            </a:r>
+            <a:r>
+              <a:rPr lang="en-US" i="1" dirty="0"/>
+              <a:t> </a:t>
+            </a:r>
+            <a:r>
+              <a:rPr lang="en-US" dirty="0"/>
+              <a:t>command. </a:t>
+            </a:r>
+          </a:p>
+          <a:p>
+            <a:pPr lvl="3">
+              <a:spcBef>
+                <a:spcPts val="0"/>
+              </a:spcBef>
+            </a:pPr>
+            <a:r>
+              <a:rPr lang="en-US" dirty="0"/>
+              <a:t> So this folder will have a series of sub-folders and (and this is essential)- </a:t>
+            </a:r>
+            <a:r>
+              <a:rPr lang="en-US" b="1" dirty="0"/>
+              <a:t>if you manage this folder correctly then each of the sub-folders in the </a:t>
+            </a:r>
+            <a:r>
+              <a:rPr lang="en-US" b="1" dirty="0" err="1"/>
+              <a:t>github.com</a:t>
+            </a:r>
+            <a:r>
+              <a:rPr lang="en-US" b="1" dirty="0"/>
+              <a:t> folder will represent it’s own repository</a:t>
+            </a:r>
+            <a:r>
+              <a:rPr lang="en-US" dirty="0"/>
+              <a:t>. </a:t>
+            </a:r>
+          </a:p>
+          <a:p>
+            <a:pPr lvl="3">
+              <a:spcBef>
+                <a:spcPts val="0"/>
+              </a:spcBef>
+            </a:pPr>
+            <a:r>
+              <a:rPr lang="en-US" dirty="0"/>
+              <a:t> So when you want to push data to a repo- from here.</a:t>
+            </a:r>
+          </a:p>
+        </p:txBody>
+      </p:sp>
+      <p:pic>
+        <p:nvPicPr>
+          <p:cNvPr id="2050" name="Picture 2" descr="Image result for github and golang">
+            <a:extLst>
+              <a:ext uri="{FF2B5EF4-FFF2-40B4-BE49-F238E27FC236}">
+                <a16:creationId xmlns:a16="http://schemas.microsoft.com/office/drawing/2014/main" id="{1509FCDA-9CF9-2A4F-BFE6-FA5979018014}"/>
+              </a:ext>
+            </a:extLst>
+          </p:cNvPr>
+          <p:cNvPicPr>
+            <a:picLocks noChangeAspect="1" noChangeArrowheads="1"/>
+          </p:cNvPicPr>
+          <p:nvPr/>
+        </p:nvPicPr>
+        <p:blipFill>
+          <a:blip r:embed="rId3">
+            <a:extLst>
+              <a:ext uri="{28A0092B-C50C-407E-A947-70E740481C1C}">
+                <a14:useLocalDpi xmlns:a14="http://schemas.microsoft.com/office/drawing/2010/main" val="0"/>
+              </a:ext>
+            </a:extLst>
+          </a:blip>
+          <a:srcRect/>
+          <a:stretch>
+            <a:fillRect/>
+          </a:stretch>
+        </p:blipFill>
+        <p:spPr bwMode="auto">
+          <a:xfrm>
+            <a:off x="2845942" y="4796202"/>
+            <a:ext cx="3494498" cy="1872868"/>
+          </a:xfrm>
+          <a:prstGeom prst="rect">
+            <a:avLst/>
+          </a:prstGeom>
+          <a:noFill/>
+          <a:extLst>
+            <a:ext uri="{909E8E84-426E-40DD-AFC4-6F175D3DCCD1}">
+              <a14:hiddenFill xmlns:a14="http://schemas.microsoft.com/office/drawing/2010/main">
+                <a:solidFill>
+                  <a:srgbClr val="FFFFFF"/>
+                </a:solidFill>
+              </a14:hiddenFill>
+            </a:ext>
+          </a:extLst>
+        </p:spPr>
+      </p:pic>
+    </p:spTree>
+    <p:extLst>
+      <p:ext uri="{BB962C8B-B14F-4D97-AF65-F5344CB8AC3E}">
+        <p14:creationId xmlns:p14="http://schemas.microsoft.com/office/powerpoint/2010/main" val="325407758"/>
+      </p:ext>
+    </p:extLst>
+  </p:cSld>
+  <p:clrMapOvr>
+    <a:masterClrMapping/>
+  </p:clrMapOvr>
+</p:sld>
+</file>
+
+<file path=ppt/slides/slide36.xml><?xml version="1.0" encoding="utf-8"?>
+<p:sld xmlns:a="http://schemas.openxmlformats.org/drawingml/2006/main" xmlns:r="http://schemas.openxmlformats.org/officeDocument/2006/relationships" xmlns:p="http://schemas.openxmlformats.org/presentationml/2006/main">
+  <p:cSld>
+    <p:spTree>
+      <p:nvGrpSpPr>
+        <p:cNvPr id="1" name="Shape 113"/>
+        <p:cNvGrpSpPr/>
+        <p:nvPr/>
+      </p:nvGrpSpPr>
+      <p:grpSpPr>
+        <a:xfrm>
+          <a:off x="0" y="0"/>
+          <a:ext cx="0" cy="0"/>
+          <a:chOff x="0" y="0"/>
+          <a:chExt cx="0" cy="0"/>
+        </a:xfrm>
+      </p:grpSpPr>
+      <p:sp>
+        <p:nvSpPr>
+          <p:cNvPr id="114" name="Shape 114"/>
+          <p:cNvSpPr txBox="1">
+            <a:spLocks noGrp="1"/>
+          </p:cNvSpPr>
+          <p:nvPr>
+            <p:ph type="title"/>
+          </p:nvPr>
+        </p:nvSpPr>
+        <p:spPr>
+          <a:xfrm>
+            <a:off x="76200" y="152400"/>
+            <a:ext cx="8991600" cy="671400"/>
+          </a:xfrm>
+          <a:prstGeom prst="rect">
+            <a:avLst/>
+          </a:prstGeom>
+        </p:spPr>
+        <p:txBody>
+          <a:bodyPr lIns="91425" tIns="91425" rIns="91425" bIns="91425" anchor="ctr" anchorCtr="0">
+            <a:noAutofit/>
+          </a:bodyPr>
+          <a:lstStyle/>
+          <a:p>
+            <a:pPr lvl="0">
+              <a:spcBef>
+                <a:spcPts val="0"/>
+              </a:spcBef>
+              <a:buNone/>
+            </a:pPr>
+            <a:r>
+              <a:rPr lang="en-US" dirty="0"/>
+              <a:t>Golang Setup (follow along)</a:t>
+            </a:r>
+            <a:endParaRPr dirty="0"/>
+          </a:p>
+        </p:txBody>
+      </p:sp>
+      <p:sp>
+        <p:nvSpPr>
+          <p:cNvPr id="115" name="Shape 115"/>
+          <p:cNvSpPr txBox="1">
+            <a:spLocks noGrp="1"/>
+          </p:cNvSpPr>
+          <p:nvPr>
+            <p:ph type="body" idx="1"/>
+          </p:nvPr>
+        </p:nvSpPr>
+        <p:spPr>
+          <a:xfrm>
+            <a:off x="76200" y="1323004"/>
+            <a:ext cx="8991600" cy="5077796"/>
+          </a:xfrm>
+          <a:prstGeom prst="rect">
+            <a:avLst/>
+          </a:prstGeom>
+        </p:spPr>
+        <p:txBody>
+          <a:bodyPr lIns="91425" tIns="91425" rIns="91425" bIns="91425" anchor="t" anchorCtr="0">
+            <a:noAutofit/>
+          </a:bodyPr>
+          <a:lstStyle/>
+          <a:p>
+            <a:pPr lvl="1">
+              <a:spcBef>
+                <a:spcPts val="0"/>
+              </a:spcBef>
+            </a:pPr>
+            <a:r>
+              <a:rPr lang="en-US" b="1" dirty="0"/>
+              <a:t> Structure within the workspace</a:t>
+            </a:r>
+          </a:p>
+          <a:p>
+            <a:pPr lvl="2">
+              <a:spcBef>
+                <a:spcPts val="0"/>
+              </a:spcBef>
+            </a:pPr>
+            <a:r>
+              <a:rPr lang="en-US" b="1" dirty="0"/>
+              <a:t> </a:t>
+            </a:r>
+            <a:r>
+              <a:rPr lang="en-US" dirty="0">
+                <a:solidFill>
+                  <a:schemeClr val="tx1"/>
+                </a:solidFill>
+                <a:highlight>
+                  <a:srgbClr val="FFFF00"/>
+                </a:highlight>
+                <a:latin typeface="American Typewriter" panose="02090604020004020304" pitchFamily="18" charset="77"/>
+              </a:rPr>
+              <a:t>/go/</a:t>
+            </a:r>
+            <a:r>
+              <a:rPr lang="en-US" dirty="0" err="1">
+                <a:solidFill>
+                  <a:schemeClr val="tx1"/>
+                </a:solidFill>
+                <a:highlight>
+                  <a:srgbClr val="FFFF00"/>
+                </a:highlight>
+                <a:latin typeface="American Typewriter" panose="02090604020004020304" pitchFamily="18" charset="77"/>
+              </a:rPr>
+              <a:t>src</a:t>
+            </a:r>
+            <a:r>
+              <a:rPr lang="en-US" dirty="0">
+                <a:solidFill>
+                  <a:schemeClr val="tx1"/>
+                </a:solidFill>
+                <a:highlight>
+                  <a:srgbClr val="FFFF00"/>
+                </a:highlight>
+                <a:latin typeface="American Typewriter" panose="02090604020004020304" pitchFamily="18" charset="77"/>
+              </a:rPr>
+              <a:t>/</a:t>
+            </a:r>
+            <a:r>
+              <a:rPr lang="en-US" dirty="0" err="1">
+                <a:solidFill>
+                  <a:schemeClr val="tx1"/>
+                </a:solidFill>
+                <a:highlight>
+                  <a:srgbClr val="FFFF00"/>
+                </a:highlight>
+                <a:latin typeface="American Typewriter" panose="02090604020004020304" pitchFamily="18" charset="77"/>
+              </a:rPr>
+              <a:t>github.com</a:t>
+            </a:r>
+            <a:r>
+              <a:rPr lang="en-US" dirty="0">
+                <a:solidFill>
+                  <a:schemeClr val="tx1"/>
+                </a:solidFill>
+                <a:highlight>
+                  <a:srgbClr val="FFFF00"/>
+                </a:highlight>
+                <a:latin typeface="American Typewriter" panose="02090604020004020304" pitchFamily="18" charset="77"/>
+              </a:rPr>
+              <a:t>/</a:t>
+            </a:r>
+            <a:r>
+              <a:rPr lang="en-US" dirty="0" err="1">
+                <a:solidFill>
+                  <a:schemeClr val="tx1"/>
+                </a:solidFill>
+                <a:highlight>
+                  <a:srgbClr val="FFFF00"/>
+                </a:highlight>
+                <a:latin typeface="American Typewriter" panose="02090604020004020304" pitchFamily="18" charset="77"/>
+              </a:rPr>
+              <a:t>golang_practice</a:t>
+            </a:r>
+            <a:endParaRPr lang="en-US" dirty="0">
+              <a:solidFill>
+                <a:schemeClr val="tx1"/>
+              </a:solidFill>
+              <a:highlight>
+                <a:srgbClr val="FFFF00"/>
+              </a:highlight>
+              <a:latin typeface="American Typewriter" panose="02090604020004020304" pitchFamily="18" charset="77"/>
+            </a:endParaRPr>
+          </a:p>
+          <a:p>
+            <a:pPr lvl="3">
+              <a:spcBef>
+                <a:spcPts val="0"/>
+              </a:spcBef>
+            </a:pPr>
+            <a:r>
+              <a:rPr lang="en-US" dirty="0">
+                <a:solidFill>
+                  <a:schemeClr val="tx1"/>
+                </a:solidFill>
+                <a:latin typeface="+mn-lt"/>
+              </a:rPr>
+              <a:t>So now we have created our first repository (</a:t>
+            </a:r>
+            <a:r>
+              <a:rPr lang="en-US" i="1" dirty="0" err="1">
+                <a:solidFill>
+                  <a:schemeClr val="tx1"/>
+                </a:solidFill>
+                <a:latin typeface="+mn-lt"/>
+              </a:rPr>
+              <a:t>golang</a:t>
+            </a:r>
+            <a:r>
+              <a:rPr lang="en-US" i="1" dirty="0">
+                <a:solidFill>
+                  <a:schemeClr val="tx1"/>
+                </a:solidFill>
+                <a:latin typeface="+mn-lt"/>
+              </a:rPr>
+              <a:t> practice</a:t>
+            </a:r>
+            <a:r>
+              <a:rPr lang="en-US" dirty="0">
+                <a:solidFill>
+                  <a:schemeClr val="tx1"/>
+                </a:solidFill>
+                <a:latin typeface="+mn-lt"/>
+              </a:rPr>
+              <a:t>). If you want to push this repo there’s a BUNCH of stuff you need to do (but feel free to do it- there’s a link in the lab section)</a:t>
+            </a:r>
+          </a:p>
+          <a:p>
+            <a:pPr lvl="3">
+              <a:spcBef>
+                <a:spcPts val="0"/>
+              </a:spcBef>
+            </a:pPr>
+            <a:r>
+              <a:rPr lang="en-US" dirty="0">
+                <a:solidFill>
+                  <a:schemeClr val="tx1"/>
+                </a:solidFill>
+                <a:latin typeface="+mn-lt"/>
+              </a:rPr>
+              <a:t>So if you wanted to create multiple repositories for different projects and upload each of them as a different repository to your </a:t>
+            </a:r>
+            <a:r>
+              <a:rPr lang="en-US" dirty="0" err="1">
+                <a:solidFill>
+                  <a:schemeClr val="tx1"/>
+                </a:solidFill>
+                <a:latin typeface="+mn-lt"/>
+              </a:rPr>
+              <a:t>github</a:t>
+            </a:r>
+            <a:r>
+              <a:rPr lang="en-US" dirty="0">
+                <a:solidFill>
+                  <a:schemeClr val="tx1"/>
+                </a:solidFill>
+                <a:latin typeface="+mn-lt"/>
+              </a:rPr>
+              <a:t> account- now you can just add them…so for this we have </a:t>
+            </a:r>
+            <a:r>
+              <a:rPr lang="en-US" b="1" dirty="0" err="1">
+                <a:solidFill>
+                  <a:schemeClr val="tx1"/>
+                </a:solidFill>
+                <a:latin typeface="+mn-lt"/>
+              </a:rPr>
+              <a:t>golang_practice</a:t>
+            </a:r>
+            <a:r>
+              <a:rPr lang="en-US" dirty="0">
+                <a:solidFill>
+                  <a:schemeClr val="tx1"/>
+                </a:solidFill>
+                <a:latin typeface="+mn-lt"/>
+              </a:rPr>
+              <a:t>….but you might also want </a:t>
+            </a:r>
+            <a:r>
+              <a:rPr lang="en-US" b="1" dirty="0">
+                <a:solidFill>
+                  <a:schemeClr val="tx1"/>
+                </a:solidFill>
+                <a:latin typeface="+mn-lt"/>
+              </a:rPr>
+              <a:t>/go/</a:t>
+            </a:r>
+            <a:r>
+              <a:rPr lang="en-US" b="1" dirty="0" err="1">
+                <a:solidFill>
+                  <a:schemeClr val="tx1"/>
+                </a:solidFill>
+                <a:latin typeface="+mn-lt"/>
+              </a:rPr>
+              <a:t>src</a:t>
+            </a:r>
+            <a:r>
+              <a:rPr lang="en-US" b="1" dirty="0">
+                <a:solidFill>
+                  <a:schemeClr val="tx1"/>
+                </a:solidFill>
+                <a:latin typeface="+mn-lt"/>
+              </a:rPr>
+              <a:t>/</a:t>
+            </a:r>
+            <a:r>
+              <a:rPr lang="en-US" b="1" dirty="0" err="1">
+                <a:solidFill>
+                  <a:schemeClr val="tx1"/>
+                </a:solidFill>
+                <a:latin typeface="+mn-lt"/>
+              </a:rPr>
+              <a:t>github.com</a:t>
+            </a:r>
+            <a:r>
+              <a:rPr lang="en-US" b="1" dirty="0">
+                <a:solidFill>
+                  <a:schemeClr val="tx1"/>
+                </a:solidFill>
+                <a:latin typeface="+mn-lt"/>
+              </a:rPr>
+              <a:t>/</a:t>
+            </a:r>
+            <a:r>
+              <a:rPr lang="en-US" b="1" dirty="0" err="1">
+                <a:solidFill>
+                  <a:schemeClr val="tx1"/>
+                </a:solidFill>
+                <a:latin typeface="+mn-lt"/>
+              </a:rPr>
+              <a:t>fern_is_awesome</a:t>
+            </a:r>
+            <a:r>
+              <a:rPr lang="en-US" dirty="0">
+                <a:solidFill>
+                  <a:schemeClr val="tx1"/>
+                </a:solidFill>
+                <a:latin typeface="+mn-lt"/>
+              </a:rPr>
+              <a:t> and go there and do a </a:t>
+            </a:r>
+            <a:r>
+              <a:rPr lang="en-US" b="1" dirty="0">
+                <a:solidFill>
+                  <a:schemeClr val="tx1"/>
+                </a:solidFill>
+                <a:latin typeface="+mn-lt"/>
+              </a:rPr>
+              <a:t>git </a:t>
+            </a:r>
+            <a:r>
+              <a:rPr lang="en-US" b="1" dirty="0" err="1">
+                <a:solidFill>
+                  <a:schemeClr val="tx1"/>
+                </a:solidFill>
+                <a:latin typeface="+mn-lt"/>
+              </a:rPr>
+              <a:t>init</a:t>
+            </a:r>
+            <a:r>
+              <a:rPr lang="en-US" dirty="0">
+                <a:solidFill>
+                  <a:schemeClr val="tx1"/>
+                </a:solidFill>
+                <a:latin typeface="+mn-lt"/>
+              </a:rPr>
+              <a:t>…and a </a:t>
+            </a:r>
+            <a:r>
+              <a:rPr lang="en-US" b="1" dirty="0">
+                <a:solidFill>
+                  <a:schemeClr val="tx1"/>
+                </a:solidFill>
+                <a:latin typeface="+mn-lt"/>
+              </a:rPr>
+              <a:t>/go/</a:t>
+            </a:r>
+            <a:r>
+              <a:rPr lang="en-US" b="1" dirty="0" err="1">
+                <a:solidFill>
+                  <a:schemeClr val="tx1"/>
+                </a:solidFill>
+                <a:latin typeface="+mn-lt"/>
+              </a:rPr>
+              <a:t>src</a:t>
+            </a:r>
+            <a:r>
+              <a:rPr lang="en-US" b="1" dirty="0">
+                <a:solidFill>
+                  <a:schemeClr val="tx1"/>
+                </a:solidFill>
+                <a:latin typeface="+mn-lt"/>
+              </a:rPr>
+              <a:t>/</a:t>
+            </a:r>
+            <a:r>
+              <a:rPr lang="en-US" b="1" dirty="0" err="1">
+                <a:solidFill>
+                  <a:schemeClr val="tx1"/>
+                </a:solidFill>
+                <a:latin typeface="+mn-lt"/>
+              </a:rPr>
+              <a:t>github.com</a:t>
+            </a:r>
+            <a:r>
+              <a:rPr lang="en-US" b="1" dirty="0">
+                <a:solidFill>
+                  <a:schemeClr val="tx1"/>
+                </a:solidFill>
+                <a:latin typeface="+mn-lt"/>
+              </a:rPr>
+              <a:t>/</a:t>
+            </a:r>
+            <a:r>
+              <a:rPr lang="en-US" b="1" dirty="0" err="1">
+                <a:solidFill>
+                  <a:schemeClr val="tx1"/>
+                </a:solidFill>
+                <a:latin typeface="+mn-lt"/>
+              </a:rPr>
+              <a:t>here_is_another_one</a:t>
+            </a:r>
+            <a:endParaRPr lang="en-US" dirty="0">
+              <a:solidFill>
+                <a:schemeClr val="tx1"/>
+              </a:solidFill>
+              <a:latin typeface="+mn-lt"/>
+            </a:endParaRPr>
+          </a:p>
+          <a:p>
+            <a:pPr marL="1485900" lvl="3" indent="0">
+              <a:spcBef>
+                <a:spcPts val="0"/>
+              </a:spcBef>
+              <a:buNone/>
+            </a:pPr>
+            <a:endParaRPr lang="en-US" dirty="0">
+              <a:solidFill>
+                <a:schemeClr val="tx1"/>
+              </a:solidFill>
+              <a:latin typeface="+mn-lt"/>
+            </a:endParaRPr>
+          </a:p>
+          <a:p>
+            <a:pPr lvl="3">
+              <a:spcBef>
+                <a:spcPts val="0"/>
+              </a:spcBef>
+            </a:pPr>
+            <a:endParaRPr lang="en-US" dirty="0">
+              <a:solidFill>
+                <a:schemeClr val="tx1"/>
+              </a:solidFill>
+              <a:latin typeface="+mn-lt"/>
+            </a:endParaRPr>
+          </a:p>
+        </p:txBody>
+      </p:sp>
+      <p:pic>
+        <p:nvPicPr>
+          <p:cNvPr id="1026" name="Picture 2" descr="Image result for github and golang">
+            <a:extLst>
+              <a:ext uri="{FF2B5EF4-FFF2-40B4-BE49-F238E27FC236}">
+                <a16:creationId xmlns:a16="http://schemas.microsoft.com/office/drawing/2014/main" id="{17FB3D30-AA61-1D41-9028-7144F591B79E}"/>
+              </a:ext>
+            </a:extLst>
+          </p:cNvPr>
+          <p:cNvPicPr>
+            <a:picLocks noChangeAspect="1" noChangeArrowheads="1"/>
+          </p:cNvPicPr>
+          <p:nvPr/>
+        </p:nvPicPr>
+        <p:blipFill>
+          <a:blip r:embed="rId3">
+            <a:extLst>
+              <a:ext uri="{28A0092B-C50C-407E-A947-70E740481C1C}">
+                <a14:useLocalDpi xmlns:a14="http://schemas.microsoft.com/office/drawing/2010/main" val="0"/>
+              </a:ext>
+            </a:extLst>
+          </a:blip>
+          <a:srcRect/>
+          <a:stretch>
+            <a:fillRect/>
+          </a:stretch>
+        </p:blipFill>
+        <p:spPr bwMode="auto">
+          <a:xfrm>
+            <a:off x="3380197" y="4771490"/>
+            <a:ext cx="2281291" cy="1901076"/>
+          </a:xfrm>
+          <a:prstGeom prst="rect">
+            <a:avLst/>
+          </a:prstGeom>
+          <a:noFill/>
+          <a:extLst>
+            <a:ext uri="{909E8E84-426E-40DD-AFC4-6F175D3DCCD1}">
+              <a14:hiddenFill xmlns:a14="http://schemas.microsoft.com/office/drawing/2010/main">
+                <a:solidFill>
+                  <a:srgbClr val="FFFFFF"/>
+                </a:solidFill>
+              </a14:hiddenFill>
+            </a:ext>
+          </a:extLst>
+        </p:spPr>
+      </p:pic>
+    </p:spTree>
+    <p:extLst>
+      <p:ext uri="{BB962C8B-B14F-4D97-AF65-F5344CB8AC3E}">
+        <p14:creationId xmlns:p14="http://schemas.microsoft.com/office/powerpoint/2010/main" val="258431940"/>
+      </p:ext>
+    </p:extLst>
+  </p:cSld>
+  <p:clrMapOvr>
+    <a:masterClrMapping/>
+  </p:clrMapOvr>
+</p:sld>
+</file>
+
+<file path=ppt/slides/slide37.xml><?xml version="1.0" encoding="utf-8"?>
+<p:sld xmlns:a="http://schemas.openxmlformats.org/drawingml/2006/main" xmlns:r="http://schemas.openxmlformats.org/officeDocument/2006/relationships" xmlns:p="http://schemas.openxmlformats.org/presentationml/2006/main">
+  <p:cSld>
+    <p:spTree>
+      <p:nvGrpSpPr>
+        <p:cNvPr id="1" name="Shape 113"/>
+        <p:cNvGrpSpPr/>
+        <p:nvPr/>
+      </p:nvGrpSpPr>
+      <p:grpSpPr>
+        <a:xfrm>
+          <a:off x="0" y="0"/>
+          <a:ext cx="0" cy="0"/>
+          <a:chOff x="0" y="0"/>
+          <a:chExt cx="0" cy="0"/>
+        </a:xfrm>
+      </p:grpSpPr>
+      <p:sp>
+        <p:nvSpPr>
+          <p:cNvPr id="114" name="Shape 114"/>
+          <p:cNvSpPr txBox="1">
+            <a:spLocks noGrp="1"/>
+          </p:cNvSpPr>
+          <p:nvPr>
+            <p:ph type="title"/>
+          </p:nvPr>
+        </p:nvSpPr>
+        <p:spPr>
+          <a:xfrm>
+            <a:off x="76200" y="152400"/>
+            <a:ext cx="8991600" cy="671400"/>
+          </a:xfrm>
+          <a:prstGeom prst="rect">
+            <a:avLst/>
+          </a:prstGeom>
+        </p:spPr>
+        <p:txBody>
+          <a:bodyPr lIns="91425" tIns="91425" rIns="91425" bIns="91425" anchor="ctr" anchorCtr="0">
+            <a:noAutofit/>
+          </a:bodyPr>
+          <a:lstStyle/>
+          <a:p>
+            <a:pPr lvl="0">
+              <a:spcBef>
+                <a:spcPts val="0"/>
+              </a:spcBef>
+              <a:buNone/>
+            </a:pPr>
+            <a:r>
+              <a:rPr lang="en-US" dirty="0"/>
+              <a:t>Golang Setup (follow along)</a:t>
+            </a:r>
+            <a:endParaRPr dirty="0"/>
+          </a:p>
+        </p:txBody>
+      </p:sp>
+      <p:sp>
+        <p:nvSpPr>
+          <p:cNvPr id="115" name="Shape 115"/>
+          <p:cNvSpPr txBox="1">
+            <a:spLocks noGrp="1"/>
+          </p:cNvSpPr>
+          <p:nvPr>
+            <p:ph type="body" idx="1"/>
+          </p:nvPr>
+        </p:nvSpPr>
+        <p:spPr>
+          <a:xfrm>
+            <a:off x="76200" y="1323004"/>
+            <a:ext cx="8991600" cy="5077796"/>
+          </a:xfrm>
+          <a:prstGeom prst="rect">
+            <a:avLst/>
+          </a:prstGeom>
+        </p:spPr>
+        <p:txBody>
+          <a:bodyPr lIns="91425" tIns="91425" rIns="91425" bIns="91425" anchor="t" anchorCtr="0">
+            <a:noAutofit/>
+          </a:bodyPr>
+          <a:lstStyle/>
+          <a:p>
+            <a:pPr lvl="1">
+              <a:spcBef>
+                <a:spcPts val="0"/>
+              </a:spcBef>
+            </a:pPr>
+            <a:r>
+              <a:rPr lang="en-US" b="1" dirty="0"/>
+              <a:t> Structure within the workspace</a:t>
+            </a:r>
+          </a:p>
+          <a:p>
+            <a:pPr lvl="2">
+              <a:spcBef>
+                <a:spcPts val="0"/>
+              </a:spcBef>
+            </a:pPr>
+            <a:r>
+              <a:rPr lang="en-US" b="1" dirty="0"/>
+              <a:t> </a:t>
+            </a:r>
+            <a:r>
+              <a:rPr lang="en-US" dirty="0">
+                <a:solidFill>
+                  <a:schemeClr val="tx1"/>
+                </a:solidFill>
+                <a:highlight>
+                  <a:srgbClr val="FFFF00"/>
+                </a:highlight>
+                <a:latin typeface="American Typewriter" panose="02090604020004020304" pitchFamily="18" charset="77"/>
+              </a:rPr>
+              <a:t>/go/</a:t>
+            </a:r>
+            <a:r>
+              <a:rPr lang="en-US" dirty="0" err="1">
+                <a:solidFill>
+                  <a:schemeClr val="tx1"/>
+                </a:solidFill>
+                <a:highlight>
+                  <a:srgbClr val="FFFF00"/>
+                </a:highlight>
+                <a:latin typeface="American Typewriter" panose="02090604020004020304" pitchFamily="18" charset="77"/>
+              </a:rPr>
+              <a:t>src</a:t>
+            </a:r>
+            <a:r>
+              <a:rPr lang="en-US" dirty="0">
+                <a:solidFill>
+                  <a:schemeClr val="tx1"/>
+                </a:solidFill>
+                <a:highlight>
+                  <a:srgbClr val="FFFF00"/>
+                </a:highlight>
+                <a:latin typeface="American Typewriter" panose="02090604020004020304" pitchFamily="18" charset="77"/>
+              </a:rPr>
+              <a:t>/</a:t>
+            </a:r>
+            <a:r>
+              <a:rPr lang="en-US" dirty="0" err="1">
+                <a:solidFill>
+                  <a:schemeClr val="tx1"/>
+                </a:solidFill>
+                <a:highlight>
+                  <a:srgbClr val="FFFF00"/>
+                </a:highlight>
+                <a:latin typeface="American Typewriter" panose="02090604020004020304" pitchFamily="18" charset="77"/>
+              </a:rPr>
+              <a:t>github.com</a:t>
+            </a:r>
+            <a:r>
+              <a:rPr lang="en-US" dirty="0">
+                <a:solidFill>
+                  <a:schemeClr val="tx1"/>
+                </a:solidFill>
+                <a:highlight>
+                  <a:srgbClr val="FFFF00"/>
+                </a:highlight>
+                <a:latin typeface="American Typewriter" panose="02090604020004020304" pitchFamily="18" charset="77"/>
+              </a:rPr>
+              <a:t>/</a:t>
+            </a:r>
+            <a:r>
+              <a:rPr lang="en-US" dirty="0" err="1">
+                <a:solidFill>
+                  <a:schemeClr val="tx1"/>
+                </a:solidFill>
+                <a:highlight>
+                  <a:srgbClr val="FFFF00"/>
+                </a:highlight>
+                <a:latin typeface="American Typewriter" panose="02090604020004020304" pitchFamily="18" charset="77"/>
+              </a:rPr>
+              <a:t>golang_practice</a:t>
+            </a:r>
+            <a:r>
+              <a:rPr lang="en-US" dirty="0">
+                <a:solidFill>
+                  <a:schemeClr val="tx1"/>
+                </a:solidFill>
+                <a:highlight>
+                  <a:srgbClr val="FFFF00"/>
+                </a:highlight>
+                <a:latin typeface="American Typewriter" panose="02090604020004020304" pitchFamily="18" charset="77"/>
+              </a:rPr>
+              <a:t>/</a:t>
+            </a:r>
+            <a:r>
+              <a:rPr lang="en-US" dirty="0" err="1">
+                <a:solidFill>
+                  <a:schemeClr val="tx1"/>
+                </a:solidFill>
+                <a:highlight>
+                  <a:srgbClr val="FFFF00"/>
+                </a:highlight>
+                <a:latin typeface="American Typewriter" panose="02090604020004020304" pitchFamily="18" charset="77"/>
+              </a:rPr>
+              <a:t>cmd</a:t>
+            </a:r>
+            <a:endParaRPr lang="en-US" dirty="0">
+              <a:solidFill>
+                <a:schemeClr val="tx1"/>
+              </a:solidFill>
+              <a:highlight>
+                <a:srgbClr val="FFFF00"/>
+              </a:highlight>
+              <a:latin typeface="American Typewriter" panose="02090604020004020304" pitchFamily="18" charset="77"/>
+            </a:endParaRPr>
+          </a:p>
+          <a:p>
+            <a:pPr lvl="3">
+              <a:spcBef>
+                <a:spcPts val="0"/>
+              </a:spcBef>
+            </a:pPr>
+            <a:r>
+              <a:rPr lang="en-US" dirty="0">
+                <a:solidFill>
+                  <a:schemeClr val="tx1"/>
+                </a:solidFill>
+                <a:latin typeface="+mn-lt"/>
+              </a:rPr>
+              <a:t>So from here I’m doing personal recommendations but this is what I’ve found works well. </a:t>
+            </a:r>
+          </a:p>
+          <a:p>
+            <a:pPr lvl="3">
+              <a:spcBef>
+                <a:spcPts val="0"/>
+              </a:spcBef>
+            </a:pPr>
+            <a:r>
+              <a:rPr lang="en-US" dirty="0">
+                <a:solidFill>
+                  <a:schemeClr val="tx1"/>
+                </a:solidFill>
+                <a:latin typeface="+mn-lt"/>
+              </a:rPr>
+              <a:t>The </a:t>
+            </a:r>
+            <a:r>
+              <a:rPr lang="en-US" b="1" dirty="0" err="1">
+                <a:solidFill>
+                  <a:schemeClr val="tx1"/>
+                </a:solidFill>
+                <a:latin typeface="+mn-lt"/>
+              </a:rPr>
+              <a:t>cmd</a:t>
+            </a:r>
+            <a:r>
+              <a:rPr lang="en-US" dirty="0">
+                <a:solidFill>
+                  <a:schemeClr val="tx1"/>
+                </a:solidFill>
+                <a:latin typeface="+mn-lt"/>
+              </a:rPr>
+              <a:t> folder is going to, basically, contain the “main” files (</a:t>
+            </a:r>
+            <a:r>
+              <a:rPr lang="en-US" b="1" dirty="0" err="1">
+                <a:solidFill>
+                  <a:schemeClr val="tx1"/>
+                </a:solidFill>
+                <a:latin typeface="+mn-lt"/>
+              </a:rPr>
+              <a:t>main.go</a:t>
+            </a:r>
+            <a:r>
+              <a:rPr lang="en-US" dirty="0">
+                <a:solidFill>
+                  <a:schemeClr val="tx1"/>
+                </a:solidFill>
+                <a:latin typeface="+mn-lt"/>
+              </a:rPr>
+              <a:t>) for our repo. It’s kind of the highest level of the repository and will house where we put the “MAIN” file that kicks off everything else. </a:t>
+            </a:r>
+          </a:p>
+          <a:p>
+            <a:pPr lvl="3">
+              <a:spcBef>
+                <a:spcPts val="0"/>
+              </a:spcBef>
+            </a:pPr>
+            <a:r>
+              <a:rPr lang="en-US" b="1" i="1" dirty="0">
+                <a:solidFill>
+                  <a:schemeClr val="tx1"/>
+                </a:solidFill>
+                <a:latin typeface="+mn-lt"/>
+              </a:rPr>
+              <a:t>Very little code should actually live here!!!</a:t>
+            </a:r>
+            <a:endParaRPr lang="en-US" i="1" u="sng" dirty="0">
+              <a:solidFill>
+                <a:schemeClr val="tx1"/>
+              </a:solidFill>
+              <a:latin typeface="+mn-lt"/>
+            </a:endParaRPr>
+          </a:p>
+          <a:p>
+            <a:pPr lvl="3">
+              <a:spcBef>
+                <a:spcPts val="0"/>
+              </a:spcBef>
+            </a:pPr>
+            <a:r>
+              <a:rPr lang="en-US" dirty="0">
+                <a:solidFill>
+                  <a:schemeClr val="tx1"/>
+                </a:solidFill>
+                <a:latin typeface="+mn-lt"/>
+              </a:rPr>
+              <a:t> The code in here should import other packages that end up doing the majority of the </a:t>
+            </a:r>
+            <a:r>
+              <a:rPr lang="en-US" i="1" dirty="0">
+                <a:solidFill>
+                  <a:schemeClr val="tx1"/>
+                </a:solidFill>
+                <a:latin typeface="+mn-lt"/>
+              </a:rPr>
+              <a:t>work</a:t>
+            </a:r>
+            <a:r>
+              <a:rPr lang="en-US" dirty="0">
+                <a:solidFill>
+                  <a:schemeClr val="tx1"/>
+                </a:solidFill>
+                <a:latin typeface="+mn-lt"/>
+              </a:rPr>
+              <a:t> of the application (we’ll talk more about the MAIN file later). </a:t>
+            </a:r>
+          </a:p>
+          <a:p>
+            <a:pPr lvl="3">
+              <a:spcBef>
+                <a:spcPts val="0"/>
+              </a:spcBef>
+            </a:pPr>
+            <a:r>
+              <a:rPr lang="en-US" dirty="0">
+                <a:solidFill>
+                  <a:schemeClr val="tx1"/>
+                </a:solidFill>
+                <a:latin typeface="+mn-lt"/>
+              </a:rPr>
+              <a:t>So MAIN basically calls each of the other packages and puts them in order.</a:t>
+            </a:r>
+          </a:p>
+          <a:p>
+            <a:pPr lvl="3">
+              <a:spcBef>
+                <a:spcPts val="0"/>
+              </a:spcBef>
+            </a:pPr>
+            <a:endParaRPr lang="en-US" dirty="0">
+              <a:solidFill>
+                <a:schemeClr val="tx1"/>
+              </a:solidFill>
+              <a:highlight>
+                <a:srgbClr val="FFFF00"/>
+              </a:highlight>
+              <a:latin typeface="American Typewriter" panose="02090604020004020304" pitchFamily="18" charset="77"/>
+            </a:endParaRPr>
+          </a:p>
+          <a:p>
+            <a:pPr marL="1485900" lvl="3" indent="0">
+              <a:spcBef>
+                <a:spcPts val="0"/>
+              </a:spcBef>
+              <a:buNone/>
+            </a:pPr>
+            <a:endParaRPr lang="en-US" dirty="0">
+              <a:solidFill>
+                <a:schemeClr val="tx1"/>
+              </a:solidFill>
+              <a:latin typeface="+mn-lt"/>
+            </a:endParaRPr>
+          </a:p>
+          <a:p>
+            <a:pPr lvl="3">
+              <a:spcBef>
+                <a:spcPts val="0"/>
+              </a:spcBef>
+            </a:pPr>
+            <a:endParaRPr lang="en-US" dirty="0">
+              <a:solidFill>
+                <a:schemeClr val="tx1"/>
+              </a:solidFill>
+              <a:latin typeface="+mn-lt"/>
+            </a:endParaRPr>
+          </a:p>
+        </p:txBody>
+      </p:sp>
+      <p:pic>
+        <p:nvPicPr>
+          <p:cNvPr id="3074" name="Picture 2" descr="Image result for github and golang">
+            <a:extLst>
+              <a:ext uri="{FF2B5EF4-FFF2-40B4-BE49-F238E27FC236}">
+                <a16:creationId xmlns:a16="http://schemas.microsoft.com/office/drawing/2014/main" id="{C59843F0-EF77-DC45-BE4F-7027195905FF}"/>
+              </a:ext>
+            </a:extLst>
+          </p:cNvPr>
+          <p:cNvPicPr>
+            <a:picLocks noChangeAspect="1" noChangeArrowheads="1"/>
+          </p:cNvPicPr>
+          <p:nvPr/>
+        </p:nvPicPr>
+        <p:blipFill>
+          <a:blip r:embed="rId3">
+            <a:extLst>
+              <a:ext uri="{28A0092B-C50C-407E-A947-70E740481C1C}">
+                <a14:useLocalDpi xmlns:a14="http://schemas.microsoft.com/office/drawing/2010/main" val="0"/>
+              </a:ext>
+            </a:extLst>
+          </a:blip>
+          <a:srcRect/>
+          <a:stretch>
+            <a:fillRect/>
+          </a:stretch>
+        </p:blipFill>
+        <p:spPr bwMode="auto">
+          <a:xfrm>
+            <a:off x="2589088" y="4889072"/>
+            <a:ext cx="3150956" cy="1600486"/>
+          </a:xfrm>
+          <a:prstGeom prst="rect">
+            <a:avLst/>
+          </a:prstGeom>
+          <a:noFill/>
+          <a:extLst>
+            <a:ext uri="{909E8E84-426E-40DD-AFC4-6F175D3DCCD1}">
+              <a14:hiddenFill xmlns:a14="http://schemas.microsoft.com/office/drawing/2010/main">
+                <a:solidFill>
+                  <a:srgbClr val="FFFFFF"/>
+                </a:solidFill>
+              </a14:hiddenFill>
+            </a:ext>
+          </a:extLst>
+        </p:spPr>
+      </p:pic>
+    </p:spTree>
+    <p:extLst>
+      <p:ext uri="{BB962C8B-B14F-4D97-AF65-F5344CB8AC3E}">
+        <p14:creationId xmlns:p14="http://schemas.microsoft.com/office/powerpoint/2010/main" val="2796306226"/>
+      </p:ext>
+    </p:extLst>
+  </p:cSld>
+  <p:clrMapOvr>
+    <a:masterClrMapping/>
+  </p:clrMapOvr>
+</p:sld>
+</file>
+
+<file path=ppt/slides/slide38.xml><?xml version="1.0" encoding="utf-8"?>
+<p:sld xmlns:a="http://schemas.openxmlformats.org/drawingml/2006/main" xmlns:r="http://schemas.openxmlformats.org/officeDocument/2006/relationships" xmlns:p="http://schemas.openxmlformats.org/presentationml/2006/main">
+  <p:cSld>
+    <p:spTree>
+      <p:nvGrpSpPr>
+        <p:cNvPr id="1" name="Shape 113"/>
+        <p:cNvGrpSpPr/>
+        <p:nvPr/>
+      </p:nvGrpSpPr>
+      <p:grpSpPr>
+        <a:xfrm>
+          <a:off x="0" y="0"/>
+          <a:ext cx="0" cy="0"/>
+          <a:chOff x="0" y="0"/>
+          <a:chExt cx="0" cy="0"/>
+        </a:xfrm>
+      </p:grpSpPr>
+      <p:sp>
+        <p:nvSpPr>
+          <p:cNvPr id="114" name="Shape 114"/>
+          <p:cNvSpPr txBox="1">
+            <a:spLocks noGrp="1"/>
+          </p:cNvSpPr>
+          <p:nvPr>
+            <p:ph type="title"/>
+          </p:nvPr>
+        </p:nvSpPr>
+        <p:spPr>
+          <a:xfrm>
+            <a:off x="76200" y="152400"/>
+            <a:ext cx="8991600" cy="671400"/>
+          </a:xfrm>
+          <a:prstGeom prst="rect">
+            <a:avLst/>
+          </a:prstGeom>
+        </p:spPr>
+        <p:txBody>
+          <a:bodyPr lIns="91425" tIns="91425" rIns="91425" bIns="91425" anchor="ctr" anchorCtr="0">
+            <a:noAutofit/>
+          </a:bodyPr>
+          <a:lstStyle/>
+          <a:p>
+            <a:pPr lvl="0">
+              <a:spcBef>
+                <a:spcPts val="0"/>
+              </a:spcBef>
+              <a:buNone/>
+            </a:pPr>
+            <a:r>
+              <a:rPr lang="en-US" dirty="0"/>
+              <a:t>Golang Setup (follow along)</a:t>
+            </a:r>
+            <a:endParaRPr dirty="0"/>
+          </a:p>
+        </p:txBody>
+      </p:sp>
+      <p:sp>
+        <p:nvSpPr>
+          <p:cNvPr id="115" name="Shape 115"/>
+          <p:cNvSpPr txBox="1">
+            <a:spLocks noGrp="1"/>
+          </p:cNvSpPr>
+          <p:nvPr>
+            <p:ph type="body" idx="1"/>
+          </p:nvPr>
+        </p:nvSpPr>
+        <p:spPr>
+          <a:xfrm>
+            <a:off x="76200" y="1323004"/>
+            <a:ext cx="8991600" cy="3999009"/>
+          </a:xfrm>
+          <a:prstGeom prst="rect">
+            <a:avLst/>
+          </a:prstGeom>
+        </p:spPr>
+        <p:txBody>
+          <a:bodyPr lIns="91425" tIns="91425" rIns="91425" bIns="91425" anchor="t" anchorCtr="0">
+            <a:noAutofit/>
+          </a:bodyPr>
+          <a:lstStyle/>
+          <a:p>
+            <a:pPr lvl="1">
+              <a:spcBef>
+                <a:spcPts val="0"/>
+              </a:spcBef>
+            </a:pPr>
+            <a:r>
+              <a:rPr lang="en-US" b="1" dirty="0"/>
+              <a:t> Structure within the workspace</a:t>
+            </a:r>
+          </a:p>
+          <a:p>
+            <a:pPr lvl="2">
+              <a:spcBef>
+                <a:spcPts val="0"/>
+              </a:spcBef>
+            </a:pPr>
+            <a:r>
+              <a:rPr lang="en-US" b="1" dirty="0"/>
+              <a:t> </a:t>
+            </a:r>
+            <a:r>
+              <a:rPr lang="en-US" dirty="0">
+                <a:solidFill>
+                  <a:schemeClr val="tx1"/>
+                </a:solidFill>
+                <a:highlight>
+                  <a:srgbClr val="FFFF00"/>
+                </a:highlight>
+                <a:latin typeface="American Typewriter" panose="02090604020004020304" pitchFamily="18" charset="77"/>
+              </a:rPr>
+              <a:t>/go/</a:t>
+            </a:r>
+            <a:r>
+              <a:rPr lang="en-US" dirty="0" err="1">
+                <a:solidFill>
+                  <a:schemeClr val="tx1"/>
+                </a:solidFill>
+                <a:highlight>
+                  <a:srgbClr val="FFFF00"/>
+                </a:highlight>
+                <a:latin typeface="American Typewriter" panose="02090604020004020304" pitchFamily="18" charset="77"/>
+              </a:rPr>
+              <a:t>src</a:t>
+            </a:r>
+            <a:r>
+              <a:rPr lang="en-US" dirty="0">
+                <a:solidFill>
+                  <a:schemeClr val="tx1"/>
+                </a:solidFill>
+                <a:highlight>
+                  <a:srgbClr val="FFFF00"/>
+                </a:highlight>
+                <a:latin typeface="American Typewriter" panose="02090604020004020304" pitchFamily="18" charset="77"/>
+              </a:rPr>
+              <a:t>/</a:t>
+            </a:r>
+            <a:r>
+              <a:rPr lang="en-US" dirty="0" err="1">
+                <a:solidFill>
+                  <a:schemeClr val="tx1"/>
+                </a:solidFill>
+                <a:highlight>
+                  <a:srgbClr val="FFFF00"/>
+                </a:highlight>
+                <a:latin typeface="American Typewriter" panose="02090604020004020304" pitchFamily="18" charset="77"/>
+              </a:rPr>
+              <a:t>github.com</a:t>
+            </a:r>
+            <a:r>
+              <a:rPr lang="en-US" dirty="0">
+                <a:solidFill>
+                  <a:schemeClr val="tx1"/>
+                </a:solidFill>
+                <a:highlight>
+                  <a:srgbClr val="FFFF00"/>
+                </a:highlight>
+                <a:latin typeface="American Typewriter" panose="02090604020004020304" pitchFamily="18" charset="77"/>
+              </a:rPr>
+              <a:t>/</a:t>
+            </a:r>
+            <a:r>
+              <a:rPr lang="en-US" dirty="0" err="1">
+                <a:solidFill>
+                  <a:schemeClr val="tx1"/>
+                </a:solidFill>
+                <a:highlight>
+                  <a:srgbClr val="FFFF00"/>
+                </a:highlight>
+                <a:latin typeface="American Typewriter" panose="02090604020004020304" pitchFamily="18" charset="77"/>
+              </a:rPr>
+              <a:t>golang_practice</a:t>
+            </a:r>
+            <a:r>
+              <a:rPr lang="en-US" dirty="0">
+                <a:solidFill>
+                  <a:schemeClr val="tx1"/>
+                </a:solidFill>
+                <a:highlight>
+                  <a:srgbClr val="FFFF00"/>
+                </a:highlight>
+                <a:latin typeface="American Typewriter" panose="02090604020004020304" pitchFamily="18" charset="77"/>
+              </a:rPr>
+              <a:t>/internal/</a:t>
+            </a:r>
+          </a:p>
+          <a:p>
+            <a:pPr lvl="3">
+              <a:spcBef>
+                <a:spcPts val="0"/>
+              </a:spcBef>
+            </a:pPr>
+            <a:r>
+              <a:rPr lang="en-US" dirty="0">
+                <a:solidFill>
+                  <a:schemeClr val="tx1"/>
+                </a:solidFill>
+                <a:latin typeface="+mn-lt"/>
+              </a:rPr>
+              <a:t>This is where we are going to put the packages we are going to use </a:t>
+            </a:r>
+            <a:r>
+              <a:rPr lang="en-US" b="1" dirty="0">
+                <a:solidFill>
+                  <a:schemeClr val="tx1"/>
+                </a:solidFill>
+                <a:latin typeface="+mn-lt"/>
+              </a:rPr>
+              <a:t>internally </a:t>
+            </a:r>
+            <a:r>
+              <a:rPr lang="en-US" dirty="0">
+                <a:solidFill>
+                  <a:schemeClr val="tx1"/>
+                </a:solidFill>
+                <a:latin typeface="+mn-lt"/>
+              </a:rPr>
+              <a:t>(duh!).</a:t>
+            </a:r>
+          </a:p>
+          <a:p>
+            <a:pPr lvl="3">
+              <a:spcBef>
+                <a:spcPts val="0"/>
+              </a:spcBef>
+            </a:pPr>
+            <a:r>
+              <a:rPr lang="en-US" dirty="0">
+                <a:solidFill>
+                  <a:schemeClr val="tx1"/>
+                </a:solidFill>
+                <a:latin typeface="+mn-lt"/>
+              </a:rPr>
+              <a:t>This is where </a:t>
+            </a:r>
+            <a:r>
+              <a:rPr lang="en-US" b="1" dirty="0">
+                <a:solidFill>
+                  <a:schemeClr val="tx1"/>
+                </a:solidFill>
+                <a:latin typeface="+mn-lt"/>
+              </a:rPr>
+              <a:t>90% of our *actual* coding will be done.</a:t>
+            </a:r>
+          </a:p>
+          <a:p>
+            <a:pPr lvl="3">
+              <a:spcBef>
+                <a:spcPts val="0"/>
+              </a:spcBef>
+            </a:pPr>
+            <a:r>
+              <a:rPr lang="en-US" dirty="0">
+                <a:solidFill>
+                  <a:schemeClr val="tx1"/>
+                </a:solidFill>
+                <a:latin typeface="+mn-lt"/>
+              </a:rPr>
+              <a:t> Basically the idea is that this is where you keep your </a:t>
+            </a:r>
+            <a:r>
+              <a:rPr lang="en-US" b="1" dirty="0">
+                <a:solidFill>
+                  <a:schemeClr val="tx1"/>
+                </a:solidFill>
+                <a:latin typeface="+mn-lt"/>
+              </a:rPr>
+              <a:t>private application code</a:t>
+            </a:r>
+            <a:r>
+              <a:rPr lang="en-US" dirty="0">
+                <a:solidFill>
+                  <a:schemeClr val="tx1"/>
+                </a:solidFill>
+                <a:latin typeface="+mn-lt"/>
+              </a:rPr>
+              <a:t> – the packages that you want to keep for your application to use. These are not, generally, understood as being “open to the public” for export. </a:t>
+            </a:r>
+          </a:p>
+          <a:p>
+            <a:pPr lvl="3">
+              <a:spcBef>
+                <a:spcPts val="0"/>
+              </a:spcBef>
+            </a:pPr>
+            <a:r>
+              <a:rPr lang="en-US" dirty="0">
+                <a:solidFill>
+                  <a:schemeClr val="tx1"/>
+                </a:solidFill>
+                <a:latin typeface="+mn-lt"/>
+              </a:rPr>
+              <a:t>So if I create a package that, for example, reverses the letters in word, and wanted to use that in another package within the application this is where I’d put it. </a:t>
+            </a:r>
+          </a:p>
+          <a:p>
+            <a:pPr lvl="3">
+              <a:spcBef>
+                <a:spcPts val="0"/>
+              </a:spcBef>
+            </a:pPr>
+            <a:endParaRPr lang="en-US" dirty="0">
+              <a:solidFill>
+                <a:schemeClr val="tx1"/>
+              </a:solidFill>
+              <a:latin typeface="+mn-lt"/>
+            </a:endParaRPr>
+          </a:p>
+          <a:p>
+            <a:pPr marL="1485900" lvl="3" indent="0">
+              <a:spcBef>
+                <a:spcPts val="0"/>
+              </a:spcBef>
+              <a:buNone/>
+            </a:pPr>
+            <a:endParaRPr lang="en-US" dirty="0">
+              <a:solidFill>
+                <a:schemeClr val="tx1"/>
+              </a:solidFill>
+              <a:latin typeface="+mn-lt"/>
+            </a:endParaRPr>
+          </a:p>
+          <a:p>
+            <a:pPr lvl="3">
+              <a:spcBef>
+                <a:spcPts val="0"/>
+              </a:spcBef>
+            </a:pPr>
+            <a:endParaRPr lang="en-US" dirty="0">
+              <a:solidFill>
+                <a:schemeClr val="tx1"/>
+              </a:solidFill>
+              <a:latin typeface="+mn-lt"/>
+            </a:endParaRPr>
+          </a:p>
+          <a:p>
+            <a:pPr marL="1485900" lvl="3" indent="0">
+              <a:spcBef>
+                <a:spcPts val="0"/>
+              </a:spcBef>
+              <a:buNone/>
+            </a:pPr>
+            <a:endParaRPr lang="en-US" dirty="0">
+              <a:solidFill>
+                <a:schemeClr val="tx1"/>
+              </a:solidFill>
+              <a:latin typeface="+mn-lt"/>
+            </a:endParaRPr>
+          </a:p>
+          <a:p>
+            <a:pPr lvl="3">
+              <a:spcBef>
+                <a:spcPts val="0"/>
+              </a:spcBef>
+            </a:pPr>
+            <a:endParaRPr lang="en-US" dirty="0">
+              <a:solidFill>
+                <a:schemeClr val="tx1"/>
+              </a:solidFill>
+              <a:latin typeface="+mn-lt"/>
+            </a:endParaRPr>
+          </a:p>
+        </p:txBody>
+      </p:sp>
+      <p:pic>
+        <p:nvPicPr>
+          <p:cNvPr id="1028" name="Picture 4" descr="Image result for golang gopher">
+            <a:extLst>
+              <a:ext uri="{FF2B5EF4-FFF2-40B4-BE49-F238E27FC236}">
+                <a16:creationId xmlns:a16="http://schemas.microsoft.com/office/drawing/2014/main" id="{65C27C06-9F15-484B-8262-F375D4C405A7}"/>
+              </a:ext>
+            </a:extLst>
+          </p:cNvPr>
+          <p:cNvPicPr>
+            <a:picLocks noChangeAspect="1" noChangeArrowheads="1"/>
+          </p:cNvPicPr>
+          <p:nvPr/>
+        </p:nvPicPr>
+        <p:blipFill>
+          <a:blip r:embed="rId3">
+            <a:extLst>
+              <a:ext uri="{28A0092B-C50C-407E-A947-70E740481C1C}">
+                <a14:useLocalDpi xmlns:a14="http://schemas.microsoft.com/office/drawing/2010/main" val="0"/>
+              </a:ext>
+            </a:extLst>
+          </a:blip>
+          <a:srcRect/>
+          <a:stretch>
+            <a:fillRect/>
+          </a:stretch>
+        </p:blipFill>
+        <p:spPr bwMode="auto">
+          <a:xfrm>
+            <a:off x="3733318" y="4627203"/>
+            <a:ext cx="1677364" cy="1916987"/>
+          </a:xfrm>
+          <a:prstGeom prst="rect">
+            <a:avLst/>
+          </a:prstGeom>
+          <a:noFill/>
+          <a:extLst>
+            <a:ext uri="{909E8E84-426E-40DD-AFC4-6F175D3DCCD1}">
+              <a14:hiddenFill xmlns:a14="http://schemas.microsoft.com/office/drawing/2010/main">
+                <a:solidFill>
+                  <a:srgbClr val="FFFFFF"/>
+                </a:solidFill>
+              </a14:hiddenFill>
+            </a:ext>
+          </a:extLst>
+        </p:spPr>
+      </p:pic>
+    </p:spTree>
+    <p:extLst>
+      <p:ext uri="{BB962C8B-B14F-4D97-AF65-F5344CB8AC3E}">
+        <p14:creationId xmlns:p14="http://schemas.microsoft.com/office/powerpoint/2010/main" val="1117394169"/>
+      </p:ext>
+    </p:extLst>
+  </p:cSld>
+  <p:clrMapOvr>
+    <a:masterClrMapping/>
+  </p:clrMapOvr>
+</p:sld>
+</file>
+
+<file path=ppt/slides/slide39.xml><?xml version="1.0" encoding="utf-8"?>
+<p:sld xmlns:a="http://schemas.openxmlformats.org/drawingml/2006/main" xmlns:r="http://schemas.openxmlformats.org/officeDocument/2006/relationships" xmlns:p="http://schemas.openxmlformats.org/presentationml/2006/main">
+  <p:cSld>
+    <p:spTree>
+      <p:nvGrpSpPr>
+        <p:cNvPr id="1" name="Shape 113"/>
+        <p:cNvGrpSpPr/>
+        <p:nvPr/>
+      </p:nvGrpSpPr>
+      <p:grpSpPr>
+        <a:xfrm>
+          <a:off x="0" y="0"/>
+          <a:ext cx="0" cy="0"/>
+          <a:chOff x="0" y="0"/>
+          <a:chExt cx="0" cy="0"/>
+        </a:xfrm>
+      </p:grpSpPr>
+      <p:sp>
+        <p:nvSpPr>
+          <p:cNvPr id="114" name="Shape 114"/>
+          <p:cNvSpPr txBox="1">
+            <a:spLocks noGrp="1"/>
+          </p:cNvSpPr>
+          <p:nvPr>
+            <p:ph type="title"/>
+          </p:nvPr>
+        </p:nvSpPr>
+        <p:spPr>
+          <a:xfrm>
+            <a:off x="76200" y="152400"/>
+            <a:ext cx="8991600" cy="671400"/>
+          </a:xfrm>
+          <a:prstGeom prst="rect">
+            <a:avLst/>
+          </a:prstGeom>
+        </p:spPr>
+        <p:txBody>
+          <a:bodyPr lIns="91425" tIns="91425" rIns="91425" bIns="91425" anchor="ctr" anchorCtr="0">
+            <a:noAutofit/>
+          </a:bodyPr>
+          <a:lstStyle/>
+          <a:p>
+            <a:pPr lvl="0">
+              <a:spcBef>
+                <a:spcPts val="0"/>
+              </a:spcBef>
+              <a:buNone/>
+            </a:pPr>
+            <a:r>
+              <a:rPr lang="en-US" dirty="0"/>
+              <a:t>Golang Setup (follow along)</a:t>
+            </a:r>
+            <a:endParaRPr dirty="0"/>
+          </a:p>
+        </p:txBody>
+      </p:sp>
+      <p:sp>
+        <p:nvSpPr>
+          <p:cNvPr id="115" name="Shape 115"/>
+          <p:cNvSpPr txBox="1">
+            <a:spLocks noGrp="1"/>
+          </p:cNvSpPr>
+          <p:nvPr>
+            <p:ph type="body" idx="1"/>
+          </p:nvPr>
+        </p:nvSpPr>
+        <p:spPr>
+          <a:xfrm>
+            <a:off x="76200" y="1323004"/>
+            <a:ext cx="8991600" cy="3999009"/>
+          </a:xfrm>
+          <a:prstGeom prst="rect">
+            <a:avLst/>
+          </a:prstGeom>
+        </p:spPr>
+        <p:txBody>
+          <a:bodyPr lIns="91425" tIns="91425" rIns="91425" bIns="91425" anchor="t" anchorCtr="0">
+            <a:noAutofit/>
+          </a:bodyPr>
+          <a:lstStyle/>
+          <a:p>
+            <a:pPr lvl="1">
+              <a:spcBef>
+                <a:spcPts val="0"/>
+              </a:spcBef>
+            </a:pPr>
+            <a:r>
+              <a:rPr lang="en-US" b="1" dirty="0"/>
+              <a:t> Structure within the workspace</a:t>
+            </a:r>
+          </a:p>
+          <a:p>
+            <a:pPr lvl="2">
+              <a:spcBef>
+                <a:spcPts val="0"/>
+              </a:spcBef>
+            </a:pPr>
+            <a:r>
+              <a:rPr lang="en-US" b="1" dirty="0"/>
+              <a:t> </a:t>
+            </a:r>
+            <a:r>
+              <a:rPr lang="en-US" dirty="0">
+                <a:solidFill>
+                  <a:schemeClr val="tx1"/>
+                </a:solidFill>
+                <a:highlight>
+                  <a:srgbClr val="FFFF00"/>
+                </a:highlight>
+                <a:latin typeface="American Typewriter" panose="02090604020004020304" pitchFamily="18" charset="77"/>
+              </a:rPr>
+              <a:t>/go/</a:t>
+            </a:r>
+            <a:r>
+              <a:rPr lang="en-US" dirty="0" err="1">
+                <a:solidFill>
+                  <a:schemeClr val="tx1"/>
+                </a:solidFill>
+                <a:highlight>
+                  <a:srgbClr val="FFFF00"/>
+                </a:highlight>
+                <a:latin typeface="American Typewriter" panose="02090604020004020304" pitchFamily="18" charset="77"/>
+              </a:rPr>
+              <a:t>src</a:t>
+            </a:r>
+            <a:r>
+              <a:rPr lang="en-US" dirty="0">
+                <a:solidFill>
+                  <a:schemeClr val="tx1"/>
+                </a:solidFill>
+                <a:highlight>
+                  <a:srgbClr val="FFFF00"/>
+                </a:highlight>
+                <a:latin typeface="American Typewriter" panose="02090604020004020304" pitchFamily="18" charset="77"/>
+              </a:rPr>
+              <a:t>/</a:t>
+            </a:r>
+            <a:r>
+              <a:rPr lang="en-US" dirty="0" err="1">
+                <a:solidFill>
+                  <a:schemeClr val="tx1"/>
+                </a:solidFill>
+                <a:highlight>
+                  <a:srgbClr val="FFFF00"/>
+                </a:highlight>
+                <a:latin typeface="American Typewriter" panose="02090604020004020304" pitchFamily="18" charset="77"/>
+              </a:rPr>
+              <a:t>github.com</a:t>
+            </a:r>
+            <a:r>
+              <a:rPr lang="en-US" dirty="0">
+                <a:solidFill>
+                  <a:schemeClr val="tx1"/>
+                </a:solidFill>
+                <a:highlight>
+                  <a:srgbClr val="FFFF00"/>
+                </a:highlight>
+                <a:latin typeface="American Typewriter" panose="02090604020004020304" pitchFamily="18" charset="77"/>
+              </a:rPr>
+              <a:t>/</a:t>
+            </a:r>
+            <a:r>
+              <a:rPr lang="en-US" dirty="0" err="1">
+                <a:solidFill>
+                  <a:schemeClr val="tx1"/>
+                </a:solidFill>
+                <a:highlight>
+                  <a:srgbClr val="FFFF00"/>
+                </a:highlight>
+                <a:latin typeface="American Typewriter" panose="02090604020004020304" pitchFamily="18" charset="77"/>
+              </a:rPr>
+              <a:t>golang_practice</a:t>
+            </a:r>
+            <a:r>
+              <a:rPr lang="en-US" dirty="0">
+                <a:solidFill>
+                  <a:schemeClr val="tx1"/>
+                </a:solidFill>
+                <a:highlight>
+                  <a:srgbClr val="FFFF00"/>
+                </a:highlight>
+                <a:latin typeface="American Typewriter" panose="02090604020004020304" pitchFamily="18" charset="77"/>
+              </a:rPr>
+              <a:t>/</a:t>
+            </a:r>
+            <a:r>
+              <a:rPr lang="en-US" dirty="0" err="1">
+                <a:solidFill>
+                  <a:schemeClr val="tx1"/>
+                </a:solidFill>
+                <a:highlight>
+                  <a:srgbClr val="FFFF00"/>
+                </a:highlight>
+                <a:latin typeface="American Typewriter" panose="02090604020004020304" pitchFamily="18" charset="77"/>
+              </a:rPr>
+              <a:t>pkg</a:t>
+            </a:r>
+            <a:r>
+              <a:rPr lang="en-US" dirty="0">
+                <a:solidFill>
+                  <a:schemeClr val="tx1"/>
+                </a:solidFill>
+                <a:highlight>
+                  <a:srgbClr val="FFFF00"/>
+                </a:highlight>
+                <a:latin typeface="American Typewriter" panose="02090604020004020304" pitchFamily="18" charset="77"/>
+              </a:rPr>
+              <a:t>/</a:t>
+            </a:r>
+          </a:p>
+          <a:p>
+            <a:pPr lvl="3">
+              <a:spcBef>
+                <a:spcPts val="0"/>
+              </a:spcBef>
+            </a:pPr>
+            <a:r>
+              <a:rPr lang="en-US" dirty="0">
+                <a:solidFill>
+                  <a:schemeClr val="tx1"/>
+                </a:solidFill>
+                <a:latin typeface="+mn-lt"/>
+              </a:rPr>
+              <a:t>This is where we will stick our </a:t>
+            </a:r>
+            <a:r>
+              <a:rPr lang="en-US" b="1" dirty="0">
+                <a:solidFill>
+                  <a:schemeClr val="tx1"/>
+                </a:solidFill>
+                <a:latin typeface="+mn-lt"/>
+              </a:rPr>
+              <a:t>public packages</a:t>
+            </a:r>
+            <a:r>
+              <a:rPr lang="en-US" dirty="0">
+                <a:solidFill>
+                  <a:schemeClr val="tx1"/>
+                </a:solidFill>
+                <a:latin typeface="+mn-lt"/>
+              </a:rPr>
+              <a:t> (notice that we no longer have an “internal” directory in there.</a:t>
+            </a:r>
+          </a:p>
+          <a:p>
+            <a:pPr lvl="3">
+              <a:spcBef>
+                <a:spcPts val="0"/>
+              </a:spcBef>
+            </a:pPr>
+            <a:r>
+              <a:rPr lang="en-US" dirty="0">
+                <a:solidFill>
+                  <a:schemeClr val="tx1"/>
+                </a:solidFill>
+                <a:latin typeface="+mn-lt"/>
+              </a:rPr>
+              <a:t>These are the packages that others can download with </a:t>
+            </a:r>
+            <a:r>
+              <a:rPr lang="en-US" b="1" dirty="0">
+                <a:solidFill>
+                  <a:schemeClr val="tx1"/>
+                </a:solidFill>
+                <a:latin typeface="+mn-lt"/>
+              </a:rPr>
+              <a:t>go get</a:t>
+            </a:r>
+            <a:r>
+              <a:rPr lang="en-US" dirty="0">
+                <a:solidFill>
+                  <a:schemeClr val="tx1"/>
+                </a:solidFill>
+                <a:latin typeface="+mn-lt"/>
+              </a:rPr>
+              <a:t> (which we’ll talk about shortly). </a:t>
+            </a:r>
+          </a:p>
+          <a:p>
+            <a:pPr lvl="3">
+              <a:spcBef>
+                <a:spcPts val="0"/>
+              </a:spcBef>
+            </a:pPr>
+            <a:r>
+              <a:rPr lang="en-US" dirty="0">
+                <a:solidFill>
+                  <a:schemeClr val="tx1"/>
+                </a:solidFill>
+                <a:latin typeface="+mn-lt"/>
+              </a:rPr>
+              <a:t> This is also where you will put any code that you are happy for the public to use so please make sure that it works!</a:t>
+            </a:r>
+          </a:p>
+          <a:p>
+            <a:pPr lvl="3">
+              <a:spcBef>
+                <a:spcPts val="0"/>
+              </a:spcBef>
+            </a:pPr>
+            <a:endParaRPr lang="en-US" dirty="0">
+              <a:solidFill>
+                <a:schemeClr val="tx1"/>
+              </a:solidFill>
+              <a:latin typeface="+mn-lt"/>
+            </a:endParaRPr>
+          </a:p>
+          <a:p>
+            <a:pPr marL="1485900" lvl="3" indent="0">
+              <a:spcBef>
+                <a:spcPts val="0"/>
+              </a:spcBef>
+              <a:buNone/>
+            </a:pPr>
+            <a:endParaRPr lang="en-US" dirty="0">
+              <a:solidFill>
+                <a:schemeClr val="tx1"/>
+              </a:solidFill>
+              <a:latin typeface="+mn-lt"/>
+            </a:endParaRPr>
+          </a:p>
+          <a:p>
+            <a:pPr lvl="3">
+              <a:spcBef>
+                <a:spcPts val="0"/>
+              </a:spcBef>
+            </a:pPr>
+            <a:endParaRPr lang="en-US" dirty="0">
+              <a:solidFill>
+                <a:schemeClr val="tx1"/>
+              </a:solidFill>
+              <a:latin typeface="+mn-lt"/>
+            </a:endParaRPr>
+          </a:p>
+          <a:p>
+            <a:pPr marL="1485900" lvl="3" indent="0">
+              <a:spcBef>
+                <a:spcPts val="0"/>
+              </a:spcBef>
+              <a:buNone/>
+            </a:pPr>
+            <a:endParaRPr lang="en-US" dirty="0">
+              <a:solidFill>
+                <a:schemeClr val="tx1"/>
+              </a:solidFill>
+              <a:latin typeface="+mn-lt"/>
+            </a:endParaRPr>
+          </a:p>
+          <a:p>
+            <a:pPr lvl="3">
+              <a:spcBef>
+                <a:spcPts val="0"/>
+              </a:spcBef>
+            </a:pPr>
+            <a:endParaRPr lang="en-US" dirty="0">
+              <a:solidFill>
+                <a:schemeClr val="tx1"/>
+              </a:solidFill>
+              <a:latin typeface="+mn-lt"/>
+            </a:endParaRPr>
+          </a:p>
+        </p:txBody>
+      </p:sp>
+      <p:pic>
+        <p:nvPicPr>
+          <p:cNvPr id="2050" name="Picture 2" descr="Image result for golang gopher">
+            <a:extLst>
+              <a:ext uri="{FF2B5EF4-FFF2-40B4-BE49-F238E27FC236}">
+                <a16:creationId xmlns:a16="http://schemas.microsoft.com/office/drawing/2014/main" id="{2C08CAFC-6E80-D44E-94D4-4D9391101241}"/>
+              </a:ext>
+            </a:extLst>
+          </p:cNvPr>
+          <p:cNvPicPr>
+            <a:picLocks noChangeAspect="1" noChangeArrowheads="1"/>
+          </p:cNvPicPr>
+          <p:nvPr/>
+        </p:nvPicPr>
+        <p:blipFill>
+          <a:blip r:embed="rId3">
+            <a:extLst>
+              <a:ext uri="{28A0092B-C50C-407E-A947-70E740481C1C}">
+                <a14:useLocalDpi xmlns:a14="http://schemas.microsoft.com/office/drawing/2010/main" val="0"/>
+              </a:ext>
+            </a:extLst>
+          </a:blip>
+          <a:srcRect/>
+          <a:stretch>
+            <a:fillRect/>
+          </a:stretch>
+        </p:blipFill>
+        <p:spPr bwMode="auto">
+          <a:xfrm flipH="1">
+            <a:off x="3014108" y="3819489"/>
+            <a:ext cx="3325046" cy="2527300"/>
+          </a:xfrm>
+          <a:prstGeom prst="rect">
+            <a:avLst/>
+          </a:prstGeom>
+          <a:noFill/>
+          <a:extLst>
+            <a:ext uri="{909E8E84-426E-40DD-AFC4-6F175D3DCCD1}">
+              <a14:hiddenFill xmlns:a14="http://schemas.microsoft.com/office/drawing/2010/main">
+                <a:solidFill>
+                  <a:srgbClr val="FFFFFF"/>
+                </a:solidFill>
+              </a14:hiddenFill>
+            </a:ext>
+          </a:extLst>
+        </p:spPr>
+      </p:pic>
+    </p:spTree>
+    <p:extLst>
+      <p:ext uri="{BB962C8B-B14F-4D97-AF65-F5344CB8AC3E}">
+        <p14:creationId xmlns:p14="http://schemas.microsoft.com/office/powerpoint/2010/main" val="2527557042"/>
       </p:ext>
     </p:extLst>
   </p:cSld>
@@ -17927,6 +21217,1147 @@
         </p:spPr>
       </p:pic>
     </p:spTree>
+  </p:cSld>
+  <p:clrMapOvr>
+    <a:masterClrMapping/>
+  </p:clrMapOvr>
+</p:sld>
+</file>
+
+<file path=ppt/slides/slide40.xml><?xml version="1.0" encoding="utf-8"?>
+<p:sld xmlns:a="http://schemas.openxmlformats.org/drawingml/2006/main" xmlns:r="http://schemas.openxmlformats.org/officeDocument/2006/relationships" xmlns:p="http://schemas.openxmlformats.org/presentationml/2006/main">
+  <p:cSld>
+    <p:spTree>
+      <p:nvGrpSpPr>
+        <p:cNvPr id="1" name="Shape 113"/>
+        <p:cNvGrpSpPr/>
+        <p:nvPr/>
+      </p:nvGrpSpPr>
+      <p:grpSpPr>
+        <a:xfrm>
+          <a:off x="0" y="0"/>
+          <a:ext cx="0" cy="0"/>
+          <a:chOff x="0" y="0"/>
+          <a:chExt cx="0" cy="0"/>
+        </a:xfrm>
+      </p:grpSpPr>
+      <p:sp>
+        <p:nvSpPr>
+          <p:cNvPr id="114" name="Shape 114"/>
+          <p:cNvSpPr txBox="1">
+            <a:spLocks noGrp="1"/>
+          </p:cNvSpPr>
+          <p:nvPr>
+            <p:ph type="title"/>
+          </p:nvPr>
+        </p:nvSpPr>
+        <p:spPr>
+          <a:xfrm>
+            <a:off x="76200" y="152400"/>
+            <a:ext cx="8991600" cy="671400"/>
+          </a:xfrm>
+          <a:prstGeom prst="rect">
+            <a:avLst/>
+          </a:prstGeom>
+        </p:spPr>
+        <p:txBody>
+          <a:bodyPr lIns="91425" tIns="91425" rIns="91425" bIns="91425" anchor="ctr" anchorCtr="0">
+            <a:noAutofit/>
+          </a:bodyPr>
+          <a:lstStyle/>
+          <a:p>
+            <a:pPr lvl="0">
+              <a:spcBef>
+                <a:spcPts val="0"/>
+              </a:spcBef>
+              <a:buNone/>
+            </a:pPr>
+            <a:r>
+              <a:rPr lang="en-US" dirty="0"/>
+              <a:t>Golang Setup (follow along)</a:t>
+            </a:r>
+            <a:endParaRPr dirty="0"/>
+          </a:p>
+        </p:txBody>
+      </p:sp>
+      <p:sp>
+        <p:nvSpPr>
+          <p:cNvPr id="115" name="Shape 115"/>
+          <p:cNvSpPr txBox="1">
+            <a:spLocks noGrp="1"/>
+          </p:cNvSpPr>
+          <p:nvPr>
+            <p:ph type="body" idx="1"/>
+          </p:nvPr>
+        </p:nvSpPr>
+        <p:spPr>
+          <a:xfrm>
+            <a:off x="76200" y="1323004"/>
+            <a:ext cx="8991600" cy="3999009"/>
+          </a:xfrm>
+          <a:prstGeom prst="rect">
+            <a:avLst/>
+          </a:prstGeom>
+        </p:spPr>
+        <p:txBody>
+          <a:bodyPr lIns="91425" tIns="91425" rIns="91425" bIns="91425" anchor="t" anchorCtr="0">
+            <a:noAutofit/>
+          </a:bodyPr>
+          <a:lstStyle/>
+          <a:p>
+            <a:pPr lvl="1">
+              <a:spcBef>
+                <a:spcPts val="0"/>
+              </a:spcBef>
+            </a:pPr>
+            <a:r>
+              <a:rPr lang="en-US" b="1" dirty="0"/>
+              <a:t> Structure within the workspace</a:t>
+            </a:r>
+          </a:p>
+          <a:p>
+            <a:pPr lvl="2">
+              <a:spcBef>
+                <a:spcPts val="0"/>
+              </a:spcBef>
+            </a:pPr>
+            <a:r>
+              <a:rPr lang="en-US" b="1" dirty="0"/>
+              <a:t> </a:t>
+            </a:r>
+            <a:r>
+              <a:rPr lang="en-US" dirty="0">
+                <a:solidFill>
+                  <a:schemeClr val="tx1"/>
+                </a:solidFill>
+                <a:highlight>
+                  <a:srgbClr val="FFFF00"/>
+                </a:highlight>
+                <a:latin typeface="American Typewriter" panose="02090604020004020304" pitchFamily="18" charset="77"/>
+              </a:rPr>
+              <a:t>/go/</a:t>
+            </a:r>
+            <a:r>
+              <a:rPr lang="en-US" dirty="0" err="1">
+                <a:solidFill>
+                  <a:schemeClr val="tx1"/>
+                </a:solidFill>
+                <a:highlight>
+                  <a:srgbClr val="FFFF00"/>
+                </a:highlight>
+                <a:latin typeface="American Typewriter" panose="02090604020004020304" pitchFamily="18" charset="77"/>
+              </a:rPr>
+              <a:t>src</a:t>
+            </a:r>
+            <a:r>
+              <a:rPr lang="en-US" dirty="0">
+                <a:solidFill>
+                  <a:schemeClr val="tx1"/>
+                </a:solidFill>
+                <a:highlight>
+                  <a:srgbClr val="FFFF00"/>
+                </a:highlight>
+                <a:latin typeface="American Typewriter" panose="02090604020004020304" pitchFamily="18" charset="77"/>
+              </a:rPr>
+              <a:t>/</a:t>
+            </a:r>
+            <a:r>
+              <a:rPr lang="en-US" dirty="0" err="1">
+                <a:solidFill>
+                  <a:schemeClr val="tx1"/>
+                </a:solidFill>
+                <a:highlight>
+                  <a:srgbClr val="FFFF00"/>
+                </a:highlight>
+                <a:latin typeface="American Typewriter" panose="02090604020004020304" pitchFamily="18" charset="77"/>
+              </a:rPr>
+              <a:t>github.com</a:t>
+            </a:r>
+            <a:r>
+              <a:rPr lang="en-US" dirty="0">
+                <a:solidFill>
+                  <a:schemeClr val="tx1"/>
+                </a:solidFill>
+                <a:highlight>
+                  <a:srgbClr val="FFFF00"/>
+                </a:highlight>
+                <a:latin typeface="American Typewriter" panose="02090604020004020304" pitchFamily="18" charset="77"/>
+              </a:rPr>
+              <a:t>/</a:t>
+            </a:r>
+            <a:r>
+              <a:rPr lang="en-US" dirty="0" err="1">
+                <a:solidFill>
+                  <a:schemeClr val="tx1"/>
+                </a:solidFill>
+                <a:highlight>
+                  <a:srgbClr val="FFFF00"/>
+                </a:highlight>
+                <a:latin typeface="American Typewriter" panose="02090604020004020304" pitchFamily="18" charset="77"/>
+              </a:rPr>
+              <a:t>golang_practice</a:t>
+            </a:r>
+            <a:r>
+              <a:rPr lang="en-US" dirty="0">
+                <a:solidFill>
+                  <a:schemeClr val="tx1"/>
+                </a:solidFill>
+                <a:highlight>
+                  <a:srgbClr val="FFFF00"/>
+                </a:highlight>
+                <a:latin typeface="American Typewriter" panose="02090604020004020304" pitchFamily="18" charset="77"/>
+              </a:rPr>
+              <a:t>/vendor/</a:t>
+            </a:r>
+          </a:p>
+          <a:p>
+            <a:pPr lvl="3">
+              <a:spcBef>
+                <a:spcPts val="0"/>
+              </a:spcBef>
+            </a:pPr>
+            <a:r>
+              <a:rPr lang="en-US" dirty="0">
+                <a:solidFill>
+                  <a:schemeClr val="tx1"/>
+                </a:solidFill>
+                <a:latin typeface="+mn-lt"/>
+              </a:rPr>
+              <a:t>A lot of us are used to using package dependency programs like </a:t>
+            </a:r>
+            <a:r>
+              <a:rPr lang="en-US" b="1" dirty="0" err="1">
+                <a:solidFill>
+                  <a:schemeClr val="tx1"/>
+                </a:solidFill>
+                <a:latin typeface="+mn-lt"/>
+              </a:rPr>
+              <a:t>requirements.txt</a:t>
+            </a:r>
+            <a:r>
+              <a:rPr lang="en-US" b="1" dirty="0">
+                <a:solidFill>
+                  <a:schemeClr val="tx1"/>
+                </a:solidFill>
+                <a:latin typeface="+mn-lt"/>
+              </a:rPr>
+              <a:t> (python)</a:t>
+            </a:r>
+            <a:r>
+              <a:rPr lang="en-US" dirty="0">
+                <a:solidFill>
+                  <a:schemeClr val="tx1"/>
+                </a:solidFill>
+                <a:latin typeface="+mn-lt"/>
+              </a:rPr>
+              <a:t> or </a:t>
+            </a:r>
+            <a:r>
+              <a:rPr lang="en-US" b="1" dirty="0" err="1">
+                <a:solidFill>
+                  <a:schemeClr val="tx1"/>
+                </a:solidFill>
+                <a:latin typeface="+mn-lt"/>
+              </a:rPr>
+              <a:t>package.lock</a:t>
+            </a:r>
+            <a:r>
+              <a:rPr lang="en-US" dirty="0">
+                <a:solidFill>
+                  <a:schemeClr val="tx1"/>
+                </a:solidFill>
+                <a:latin typeface="+mn-lt"/>
+              </a:rPr>
+              <a:t> and then running a simple </a:t>
+            </a:r>
+            <a:r>
+              <a:rPr lang="en-US" b="1" dirty="0" err="1">
+                <a:solidFill>
+                  <a:schemeClr val="tx1"/>
+                </a:solidFill>
+                <a:latin typeface="+mn-lt"/>
+              </a:rPr>
+              <a:t>npm</a:t>
+            </a:r>
+            <a:r>
+              <a:rPr lang="en-US" b="1" dirty="0">
+                <a:solidFill>
+                  <a:schemeClr val="tx1"/>
+                </a:solidFill>
+                <a:latin typeface="+mn-lt"/>
+              </a:rPr>
+              <a:t> </a:t>
+            </a:r>
+            <a:r>
+              <a:rPr lang="en-US" b="1" dirty="0" err="1">
+                <a:solidFill>
+                  <a:schemeClr val="tx1"/>
+                </a:solidFill>
+                <a:latin typeface="+mn-lt"/>
+              </a:rPr>
+              <a:t>init</a:t>
+            </a:r>
+            <a:r>
+              <a:rPr lang="en-US" b="1" dirty="0">
+                <a:solidFill>
+                  <a:schemeClr val="tx1"/>
+                </a:solidFill>
+                <a:latin typeface="+mn-lt"/>
+              </a:rPr>
+              <a:t> </a:t>
+            </a:r>
+            <a:r>
+              <a:rPr lang="en-US" dirty="0">
+                <a:solidFill>
+                  <a:schemeClr val="tx1"/>
+                </a:solidFill>
+                <a:latin typeface="+mn-lt"/>
+              </a:rPr>
+              <a:t>or </a:t>
+            </a:r>
+            <a:r>
+              <a:rPr lang="en-US" b="1" dirty="0">
+                <a:solidFill>
+                  <a:schemeClr val="tx1"/>
+                </a:solidFill>
+                <a:latin typeface="+mn-lt"/>
+              </a:rPr>
+              <a:t>pip install –r </a:t>
+            </a:r>
+            <a:r>
+              <a:rPr lang="en-US" b="1" dirty="0" err="1">
+                <a:solidFill>
+                  <a:schemeClr val="tx1"/>
+                </a:solidFill>
+                <a:latin typeface="+mn-lt"/>
+              </a:rPr>
+              <a:t>requirements.txt</a:t>
+            </a:r>
+            <a:r>
+              <a:rPr lang="en-US" dirty="0">
+                <a:solidFill>
+                  <a:schemeClr val="tx1"/>
+                </a:solidFill>
+                <a:latin typeface="+mn-lt"/>
+              </a:rPr>
+              <a:t> to load our dependencies.</a:t>
+            </a:r>
+          </a:p>
+          <a:p>
+            <a:pPr lvl="3">
+              <a:spcBef>
+                <a:spcPts val="0"/>
+              </a:spcBef>
+            </a:pPr>
+            <a:r>
+              <a:rPr lang="en-US" dirty="0">
+                <a:solidFill>
+                  <a:schemeClr val="tx1"/>
+                </a:solidFill>
+                <a:latin typeface="+mn-lt"/>
+              </a:rPr>
+              <a:t>Golang is relatively new and package management hasn’t been </a:t>
+            </a:r>
+            <a:r>
+              <a:rPr lang="en-US" i="1" dirty="0">
+                <a:solidFill>
+                  <a:schemeClr val="tx1"/>
+                </a:solidFill>
+                <a:latin typeface="+mn-lt"/>
+              </a:rPr>
+              <a:t>completely</a:t>
+            </a:r>
+            <a:r>
+              <a:rPr lang="en-US" b="1" i="1" dirty="0">
+                <a:solidFill>
+                  <a:schemeClr val="tx1"/>
+                </a:solidFill>
+                <a:latin typeface="+mn-lt"/>
+              </a:rPr>
+              <a:t> </a:t>
+            </a:r>
+            <a:r>
+              <a:rPr lang="en-US" dirty="0">
+                <a:solidFill>
+                  <a:schemeClr val="tx1"/>
+                </a:solidFill>
+                <a:latin typeface="+mn-lt"/>
+              </a:rPr>
+              <a:t>figured out yet…but right now the leader in package management is, by far, </a:t>
+            </a:r>
+            <a:r>
+              <a:rPr lang="en-US" b="1" dirty="0">
+                <a:solidFill>
+                  <a:schemeClr val="tx1"/>
+                </a:solidFill>
+                <a:latin typeface="+mn-lt"/>
+              </a:rPr>
+              <a:t>dep</a:t>
+            </a:r>
+            <a:r>
+              <a:rPr lang="en-US" dirty="0">
+                <a:solidFill>
+                  <a:schemeClr val="tx1"/>
+                </a:solidFill>
+                <a:latin typeface="+mn-lt"/>
+              </a:rPr>
+              <a:t>. </a:t>
+            </a:r>
+          </a:p>
+          <a:p>
+            <a:pPr lvl="3">
+              <a:spcBef>
+                <a:spcPts val="0"/>
+              </a:spcBef>
+            </a:pPr>
+            <a:r>
+              <a:rPr lang="en-US" dirty="0">
+                <a:solidFill>
+                  <a:schemeClr val="tx1"/>
+                </a:solidFill>
+                <a:latin typeface="+mn-lt"/>
+              </a:rPr>
+              <a:t>Anyways- WHEN you get dependencies- you’ll stick them in </a:t>
+            </a:r>
+            <a:r>
+              <a:rPr lang="en-US" b="1" dirty="0">
+                <a:solidFill>
+                  <a:schemeClr val="tx1"/>
+                </a:solidFill>
+                <a:latin typeface="+mn-lt"/>
+              </a:rPr>
+              <a:t>vendor</a:t>
+            </a:r>
+            <a:r>
+              <a:rPr lang="en-US" dirty="0">
+                <a:solidFill>
+                  <a:schemeClr val="tx1"/>
+                </a:solidFill>
+                <a:latin typeface="+mn-lt"/>
+              </a:rPr>
+              <a:t>. The dependency manager </a:t>
+            </a:r>
+            <a:r>
+              <a:rPr lang="en-US" b="1" dirty="0">
+                <a:solidFill>
+                  <a:schemeClr val="tx1"/>
+                </a:solidFill>
+                <a:latin typeface="+mn-lt"/>
+              </a:rPr>
+              <a:t>dep</a:t>
+            </a:r>
+            <a:r>
+              <a:rPr lang="en-US" dirty="0">
+                <a:solidFill>
+                  <a:schemeClr val="tx1"/>
+                </a:solidFill>
+                <a:latin typeface="+mn-lt"/>
+              </a:rPr>
+              <a:t> knows to look in this folder and load those dependencies for the program to work.</a:t>
+            </a:r>
+          </a:p>
+          <a:p>
+            <a:pPr lvl="3">
+              <a:spcBef>
+                <a:spcPts val="0"/>
+              </a:spcBef>
+            </a:pPr>
+            <a:endParaRPr lang="en-US" dirty="0">
+              <a:solidFill>
+                <a:schemeClr val="tx1"/>
+              </a:solidFill>
+              <a:latin typeface="+mn-lt"/>
+            </a:endParaRPr>
+          </a:p>
+          <a:p>
+            <a:pPr marL="1485900" lvl="3" indent="0">
+              <a:spcBef>
+                <a:spcPts val="0"/>
+              </a:spcBef>
+              <a:buNone/>
+            </a:pPr>
+            <a:endParaRPr lang="en-US" dirty="0">
+              <a:solidFill>
+                <a:schemeClr val="tx1"/>
+              </a:solidFill>
+              <a:latin typeface="+mn-lt"/>
+            </a:endParaRPr>
+          </a:p>
+          <a:p>
+            <a:pPr lvl="3">
+              <a:spcBef>
+                <a:spcPts val="0"/>
+              </a:spcBef>
+            </a:pPr>
+            <a:endParaRPr lang="en-US" dirty="0">
+              <a:solidFill>
+                <a:schemeClr val="tx1"/>
+              </a:solidFill>
+              <a:latin typeface="+mn-lt"/>
+            </a:endParaRPr>
+          </a:p>
+          <a:p>
+            <a:pPr marL="1485900" lvl="3" indent="0">
+              <a:spcBef>
+                <a:spcPts val="0"/>
+              </a:spcBef>
+              <a:buNone/>
+            </a:pPr>
+            <a:endParaRPr lang="en-US" dirty="0">
+              <a:solidFill>
+                <a:schemeClr val="tx1"/>
+              </a:solidFill>
+              <a:latin typeface="+mn-lt"/>
+            </a:endParaRPr>
+          </a:p>
+          <a:p>
+            <a:pPr marL="1485900" lvl="3" indent="0">
+              <a:spcBef>
+                <a:spcPts val="0"/>
+              </a:spcBef>
+              <a:buNone/>
+            </a:pPr>
+            <a:endParaRPr lang="en-US" dirty="0">
+              <a:solidFill>
+                <a:schemeClr val="tx1"/>
+              </a:solidFill>
+              <a:latin typeface="+mn-lt"/>
+            </a:endParaRPr>
+          </a:p>
+        </p:txBody>
+      </p:sp>
+      <p:pic>
+        <p:nvPicPr>
+          <p:cNvPr id="3074" name="Picture 2" descr="Image result for golang gopher">
+            <a:extLst>
+              <a:ext uri="{FF2B5EF4-FFF2-40B4-BE49-F238E27FC236}">
+                <a16:creationId xmlns:a16="http://schemas.microsoft.com/office/drawing/2014/main" id="{0C2ADD57-93F3-2347-9107-41B30213484B}"/>
+              </a:ext>
+            </a:extLst>
+          </p:cNvPr>
+          <p:cNvPicPr>
+            <a:picLocks noChangeAspect="1" noChangeArrowheads="1"/>
+          </p:cNvPicPr>
+          <p:nvPr/>
+        </p:nvPicPr>
+        <p:blipFill>
+          <a:blip r:embed="rId3">
+            <a:extLst>
+              <a:ext uri="{28A0092B-C50C-407E-A947-70E740481C1C}">
+                <a14:useLocalDpi xmlns:a14="http://schemas.microsoft.com/office/drawing/2010/main" val="0"/>
+              </a:ext>
+            </a:extLst>
+          </a:blip>
+          <a:srcRect/>
+          <a:stretch>
+            <a:fillRect/>
+          </a:stretch>
+        </p:blipFill>
+        <p:spPr bwMode="auto">
+          <a:xfrm>
+            <a:off x="1695806" y="4965415"/>
+            <a:ext cx="5588000" cy="1447800"/>
+          </a:xfrm>
+          <a:prstGeom prst="rect">
+            <a:avLst/>
+          </a:prstGeom>
+          <a:noFill/>
+          <a:extLst>
+            <a:ext uri="{909E8E84-426E-40DD-AFC4-6F175D3DCCD1}">
+              <a14:hiddenFill xmlns:a14="http://schemas.microsoft.com/office/drawing/2010/main">
+                <a:solidFill>
+                  <a:srgbClr val="FFFFFF"/>
+                </a:solidFill>
+              </a14:hiddenFill>
+            </a:ext>
+          </a:extLst>
+        </p:spPr>
+      </p:pic>
+    </p:spTree>
+    <p:extLst>
+      <p:ext uri="{BB962C8B-B14F-4D97-AF65-F5344CB8AC3E}">
+        <p14:creationId xmlns:p14="http://schemas.microsoft.com/office/powerpoint/2010/main" val="2349271279"/>
+      </p:ext>
+    </p:extLst>
+  </p:cSld>
+  <p:clrMapOvr>
+    <a:masterClrMapping/>
+  </p:clrMapOvr>
+</p:sld>
+</file>
+
+<file path=ppt/slides/slide41.xml><?xml version="1.0" encoding="utf-8"?>
+<p:sld xmlns:a="http://schemas.openxmlformats.org/drawingml/2006/main" xmlns:r="http://schemas.openxmlformats.org/officeDocument/2006/relationships" xmlns:p="http://schemas.openxmlformats.org/presentationml/2006/main">
+  <p:cSld>
+    <p:spTree>
+      <p:nvGrpSpPr>
+        <p:cNvPr id="1" name="Shape 113"/>
+        <p:cNvGrpSpPr/>
+        <p:nvPr/>
+      </p:nvGrpSpPr>
+      <p:grpSpPr>
+        <a:xfrm>
+          <a:off x="0" y="0"/>
+          <a:ext cx="0" cy="0"/>
+          <a:chOff x="0" y="0"/>
+          <a:chExt cx="0" cy="0"/>
+        </a:xfrm>
+      </p:grpSpPr>
+      <p:sp>
+        <p:nvSpPr>
+          <p:cNvPr id="114" name="Shape 114"/>
+          <p:cNvSpPr txBox="1">
+            <a:spLocks noGrp="1"/>
+          </p:cNvSpPr>
+          <p:nvPr>
+            <p:ph type="title"/>
+          </p:nvPr>
+        </p:nvSpPr>
+        <p:spPr>
+          <a:xfrm>
+            <a:off x="76200" y="152400"/>
+            <a:ext cx="8991600" cy="671400"/>
+          </a:xfrm>
+          <a:prstGeom prst="rect">
+            <a:avLst/>
+          </a:prstGeom>
+        </p:spPr>
+        <p:txBody>
+          <a:bodyPr lIns="91425" tIns="91425" rIns="91425" bIns="91425" anchor="ctr" anchorCtr="0">
+            <a:noAutofit/>
+          </a:bodyPr>
+          <a:lstStyle/>
+          <a:p>
+            <a:pPr lvl="0">
+              <a:spcBef>
+                <a:spcPts val="0"/>
+              </a:spcBef>
+              <a:buNone/>
+            </a:pPr>
+            <a:r>
+              <a:rPr lang="en-US" dirty="0"/>
+              <a:t>Golang Setup (follow along)</a:t>
+            </a:r>
+            <a:endParaRPr dirty="0"/>
+          </a:p>
+        </p:txBody>
+      </p:sp>
+      <p:sp>
+        <p:nvSpPr>
+          <p:cNvPr id="115" name="Shape 115"/>
+          <p:cNvSpPr txBox="1">
+            <a:spLocks noGrp="1"/>
+          </p:cNvSpPr>
+          <p:nvPr>
+            <p:ph type="body" idx="1"/>
+          </p:nvPr>
+        </p:nvSpPr>
+        <p:spPr>
+          <a:xfrm>
+            <a:off x="76200" y="1323004"/>
+            <a:ext cx="8991600" cy="4070929"/>
+          </a:xfrm>
+          <a:prstGeom prst="rect">
+            <a:avLst/>
+          </a:prstGeom>
+        </p:spPr>
+        <p:txBody>
+          <a:bodyPr lIns="91425" tIns="91425" rIns="91425" bIns="91425" anchor="t" anchorCtr="0">
+            <a:noAutofit/>
+          </a:bodyPr>
+          <a:lstStyle/>
+          <a:p>
+            <a:pPr lvl="1">
+              <a:spcBef>
+                <a:spcPts val="0"/>
+              </a:spcBef>
+            </a:pPr>
+            <a:r>
+              <a:rPr lang="en-US" b="1" dirty="0"/>
+              <a:t> Structure within the workspace</a:t>
+            </a:r>
+          </a:p>
+          <a:p>
+            <a:pPr lvl="2">
+              <a:spcBef>
+                <a:spcPts val="0"/>
+              </a:spcBef>
+            </a:pPr>
+            <a:r>
+              <a:rPr lang="en-US" b="1" dirty="0"/>
+              <a:t> </a:t>
+            </a:r>
+            <a:r>
+              <a:rPr lang="en-US" dirty="0">
+                <a:solidFill>
+                  <a:schemeClr val="tx1"/>
+                </a:solidFill>
+                <a:highlight>
+                  <a:srgbClr val="FFFF00"/>
+                </a:highlight>
+                <a:latin typeface="American Typewriter" panose="02090604020004020304" pitchFamily="18" charset="77"/>
+              </a:rPr>
+              <a:t>/go/</a:t>
+            </a:r>
+            <a:r>
+              <a:rPr lang="en-US" dirty="0" err="1">
+                <a:solidFill>
+                  <a:schemeClr val="tx1"/>
+                </a:solidFill>
+                <a:highlight>
+                  <a:srgbClr val="FFFF00"/>
+                </a:highlight>
+                <a:latin typeface="American Typewriter" panose="02090604020004020304" pitchFamily="18" charset="77"/>
+              </a:rPr>
+              <a:t>src</a:t>
+            </a:r>
+            <a:r>
+              <a:rPr lang="en-US" dirty="0">
+                <a:solidFill>
+                  <a:schemeClr val="tx1"/>
+                </a:solidFill>
+                <a:highlight>
+                  <a:srgbClr val="FFFF00"/>
+                </a:highlight>
+                <a:latin typeface="American Typewriter" panose="02090604020004020304" pitchFamily="18" charset="77"/>
+              </a:rPr>
+              <a:t>/</a:t>
+            </a:r>
+            <a:r>
+              <a:rPr lang="en-US" dirty="0" err="1">
+                <a:solidFill>
+                  <a:schemeClr val="tx1"/>
+                </a:solidFill>
+                <a:highlight>
+                  <a:srgbClr val="FFFF00"/>
+                </a:highlight>
+                <a:latin typeface="American Typewriter" panose="02090604020004020304" pitchFamily="18" charset="77"/>
+              </a:rPr>
+              <a:t>github.com</a:t>
+            </a:r>
+            <a:r>
+              <a:rPr lang="en-US" dirty="0">
+                <a:solidFill>
+                  <a:schemeClr val="tx1"/>
+                </a:solidFill>
+                <a:highlight>
+                  <a:srgbClr val="FFFF00"/>
+                </a:highlight>
+                <a:latin typeface="American Typewriter" panose="02090604020004020304" pitchFamily="18" charset="77"/>
+              </a:rPr>
+              <a:t>/</a:t>
+            </a:r>
+            <a:r>
+              <a:rPr lang="en-US" dirty="0" err="1">
+                <a:solidFill>
+                  <a:schemeClr val="tx1"/>
+                </a:solidFill>
+                <a:highlight>
+                  <a:srgbClr val="FFFF00"/>
+                </a:highlight>
+                <a:latin typeface="American Typewriter" panose="02090604020004020304" pitchFamily="18" charset="77"/>
+              </a:rPr>
+              <a:t>golang_practice</a:t>
+            </a:r>
+            <a:r>
+              <a:rPr lang="en-US" dirty="0">
+                <a:solidFill>
+                  <a:schemeClr val="tx1"/>
+                </a:solidFill>
+                <a:highlight>
+                  <a:srgbClr val="FFFF00"/>
+                </a:highlight>
+                <a:latin typeface="American Typewriter" panose="02090604020004020304" pitchFamily="18" charset="77"/>
+              </a:rPr>
+              <a:t>/vendor/</a:t>
+            </a:r>
+          </a:p>
+          <a:p>
+            <a:pPr lvl="3">
+              <a:spcBef>
+                <a:spcPts val="0"/>
+              </a:spcBef>
+            </a:pPr>
+            <a:r>
+              <a:rPr lang="en-US" dirty="0">
+                <a:solidFill>
+                  <a:schemeClr val="tx1"/>
+                </a:solidFill>
+                <a:latin typeface="+mn-lt"/>
+              </a:rPr>
+              <a:t>A lot of us are used to using package dependency programs like </a:t>
+            </a:r>
+            <a:r>
+              <a:rPr lang="en-US" b="1" dirty="0" err="1">
+                <a:solidFill>
+                  <a:schemeClr val="tx1"/>
+                </a:solidFill>
+                <a:latin typeface="+mn-lt"/>
+              </a:rPr>
+              <a:t>requirements.txt</a:t>
+            </a:r>
+            <a:r>
+              <a:rPr lang="en-US" b="1" dirty="0">
+                <a:solidFill>
+                  <a:schemeClr val="tx1"/>
+                </a:solidFill>
+                <a:latin typeface="+mn-lt"/>
+              </a:rPr>
+              <a:t> (python)</a:t>
+            </a:r>
+            <a:r>
+              <a:rPr lang="en-US" dirty="0">
+                <a:solidFill>
+                  <a:schemeClr val="tx1"/>
+                </a:solidFill>
+                <a:latin typeface="+mn-lt"/>
+              </a:rPr>
+              <a:t> or </a:t>
+            </a:r>
+            <a:r>
+              <a:rPr lang="en-US" b="1" dirty="0" err="1">
+                <a:solidFill>
+                  <a:schemeClr val="tx1"/>
+                </a:solidFill>
+                <a:latin typeface="+mn-lt"/>
+              </a:rPr>
+              <a:t>package.lock</a:t>
+            </a:r>
+            <a:r>
+              <a:rPr lang="en-US" dirty="0">
+                <a:solidFill>
+                  <a:schemeClr val="tx1"/>
+                </a:solidFill>
+                <a:latin typeface="+mn-lt"/>
+              </a:rPr>
+              <a:t> and then running a simple </a:t>
+            </a:r>
+            <a:r>
+              <a:rPr lang="en-US" b="1" dirty="0" err="1">
+                <a:solidFill>
+                  <a:schemeClr val="tx1"/>
+                </a:solidFill>
+                <a:latin typeface="+mn-lt"/>
+              </a:rPr>
+              <a:t>npm</a:t>
+            </a:r>
+            <a:r>
+              <a:rPr lang="en-US" b="1" dirty="0">
+                <a:solidFill>
+                  <a:schemeClr val="tx1"/>
+                </a:solidFill>
+                <a:latin typeface="+mn-lt"/>
+              </a:rPr>
+              <a:t> </a:t>
+            </a:r>
+            <a:r>
+              <a:rPr lang="en-US" b="1" dirty="0" err="1">
+                <a:solidFill>
+                  <a:schemeClr val="tx1"/>
+                </a:solidFill>
+                <a:latin typeface="+mn-lt"/>
+              </a:rPr>
+              <a:t>init</a:t>
+            </a:r>
+            <a:r>
+              <a:rPr lang="en-US" b="1" dirty="0">
+                <a:solidFill>
+                  <a:schemeClr val="tx1"/>
+                </a:solidFill>
+                <a:latin typeface="+mn-lt"/>
+              </a:rPr>
+              <a:t> </a:t>
+            </a:r>
+            <a:r>
+              <a:rPr lang="en-US" dirty="0">
+                <a:solidFill>
+                  <a:schemeClr val="tx1"/>
+                </a:solidFill>
+                <a:latin typeface="+mn-lt"/>
+              </a:rPr>
+              <a:t>or </a:t>
+            </a:r>
+            <a:r>
+              <a:rPr lang="en-US" b="1" dirty="0">
+                <a:solidFill>
+                  <a:schemeClr val="tx1"/>
+                </a:solidFill>
+                <a:latin typeface="+mn-lt"/>
+              </a:rPr>
+              <a:t>pip install –r </a:t>
+            </a:r>
+            <a:r>
+              <a:rPr lang="en-US" b="1" dirty="0" err="1">
+                <a:solidFill>
+                  <a:schemeClr val="tx1"/>
+                </a:solidFill>
+                <a:latin typeface="+mn-lt"/>
+              </a:rPr>
+              <a:t>requirements.txt</a:t>
+            </a:r>
+            <a:r>
+              <a:rPr lang="en-US" dirty="0">
+                <a:solidFill>
+                  <a:schemeClr val="tx1"/>
+                </a:solidFill>
+                <a:latin typeface="+mn-lt"/>
+              </a:rPr>
+              <a:t> to load our dependencies.</a:t>
+            </a:r>
+          </a:p>
+          <a:p>
+            <a:pPr lvl="3">
+              <a:spcBef>
+                <a:spcPts val="0"/>
+              </a:spcBef>
+            </a:pPr>
+            <a:r>
+              <a:rPr lang="en-US" dirty="0">
+                <a:solidFill>
+                  <a:schemeClr val="tx1"/>
+                </a:solidFill>
+                <a:latin typeface="+mn-lt"/>
+              </a:rPr>
+              <a:t>Golang is relatively new and package management hasn’t been </a:t>
+            </a:r>
+            <a:r>
+              <a:rPr lang="en-US" i="1" dirty="0">
+                <a:solidFill>
+                  <a:schemeClr val="tx1"/>
+                </a:solidFill>
+                <a:latin typeface="+mn-lt"/>
+              </a:rPr>
+              <a:t>completely</a:t>
+            </a:r>
+            <a:r>
+              <a:rPr lang="en-US" b="1" i="1" dirty="0">
+                <a:solidFill>
+                  <a:schemeClr val="tx1"/>
+                </a:solidFill>
+                <a:latin typeface="+mn-lt"/>
+              </a:rPr>
+              <a:t> </a:t>
+            </a:r>
+            <a:r>
+              <a:rPr lang="en-US" dirty="0">
+                <a:solidFill>
+                  <a:schemeClr val="tx1"/>
+                </a:solidFill>
+                <a:latin typeface="+mn-lt"/>
+              </a:rPr>
+              <a:t>figured out yet…but right now the leader in package management is, by far, </a:t>
+            </a:r>
+            <a:r>
+              <a:rPr lang="en-US" b="1" dirty="0">
+                <a:solidFill>
+                  <a:schemeClr val="tx1"/>
+                </a:solidFill>
+                <a:latin typeface="+mn-lt"/>
+              </a:rPr>
+              <a:t>dep</a:t>
+            </a:r>
+            <a:r>
+              <a:rPr lang="en-US" dirty="0">
+                <a:solidFill>
+                  <a:schemeClr val="tx1"/>
+                </a:solidFill>
+                <a:latin typeface="+mn-lt"/>
+              </a:rPr>
+              <a:t>. </a:t>
+            </a:r>
+          </a:p>
+          <a:p>
+            <a:pPr lvl="3">
+              <a:spcBef>
+                <a:spcPts val="0"/>
+              </a:spcBef>
+            </a:pPr>
+            <a:r>
+              <a:rPr lang="en-US" dirty="0">
+                <a:solidFill>
+                  <a:schemeClr val="tx1"/>
+                </a:solidFill>
+                <a:latin typeface="+mn-lt"/>
+              </a:rPr>
+              <a:t>Anyways- WHEN you get dependencies- you’ll stick them in </a:t>
+            </a:r>
+            <a:r>
+              <a:rPr lang="en-US" b="1" dirty="0">
+                <a:solidFill>
+                  <a:schemeClr val="tx1"/>
+                </a:solidFill>
+                <a:latin typeface="+mn-lt"/>
+              </a:rPr>
+              <a:t>vendor</a:t>
+            </a:r>
+            <a:r>
+              <a:rPr lang="en-US" dirty="0">
+                <a:solidFill>
+                  <a:schemeClr val="tx1"/>
+                </a:solidFill>
+                <a:latin typeface="+mn-lt"/>
+              </a:rPr>
+              <a:t>. The dependency manager </a:t>
+            </a:r>
+            <a:r>
+              <a:rPr lang="en-US" b="1" dirty="0">
+                <a:solidFill>
+                  <a:schemeClr val="tx1"/>
+                </a:solidFill>
+                <a:latin typeface="+mn-lt"/>
+              </a:rPr>
+              <a:t>dep</a:t>
+            </a:r>
+            <a:r>
+              <a:rPr lang="en-US" dirty="0">
+                <a:solidFill>
+                  <a:schemeClr val="tx1"/>
+                </a:solidFill>
+                <a:latin typeface="+mn-lt"/>
+              </a:rPr>
+              <a:t> knows to look in this folder and load those dependencies for the program to work.</a:t>
+            </a:r>
+          </a:p>
+          <a:p>
+            <a:pPr lvl="3">
+              <a:spcBef>
+                <a:spcPts val="0"/>
+              </a:spcBef>
+            </a:pPr>
+            <a:r>
+              <a:rPr lang="en-US" dirty="0">
+                <a:solidFill>
+                  <a:schemeClr val="tx1"/>
+                </a:solidFill>
+                <a:latin typeface="+mn-lt"/>
+              </a:rPr>
+              <a:t>So you’ll basically, with dep, and the package list in vendor, be able to load dependencies looking at this folder.</a:t>
+            </a:r>
+          </a:p>
+          <a:p>
+            <a:pPr lvl="3">
+              <a:spcBef>
+                <a:spcPts val="0"/>
+              </a:spcBef>
+            </a:pPr>
+            <a:endParaRPr lang="en-US" dirty="0">
+              <a:solidFill>
+                <a:schemeClr val="tx1"/>
+              </a:solidFill>
+              <a:latin typeface="+mn-lt"/>
+            </a:endParaRPr>
+          </a:p>
+          <a:p>
+            <a:pPr marL="1485900" lvl="3" indent="0">
+              <a:spcBef>
+                <a:spcPts val="0"/>
+              </a:spcBef>
+              <a:buNone/>
+            </a:pPr>
+            <a:endParaRPr lang="en-US" dirty="0">
+              <a:solidFill>
+                <a:schemeClr val="tx1"/>
+              </a:solidFill>
+              <a:latin typeface="+mn-lt"/>
+            </a:endParaRPr>
+          </a:p>
+          <a:p>
+            <a:pPr marL="1485900" lvl="3" indent="0">
+              <a:spcBef>
+                <a:spcPts val="0"/>
+              </a:spcBef>
+              <a:buNone/>
+            </a:pPr>
+            <a:endParaRPr lang="en-US" dirty="0">
+              <a:solidFill>
+                <a:schemeClr val="tx1"/>
+              </a:solidFill>
+              <a:latin typeface="+mn-lt"/>
+            </a:endParaRPr>
+          </a:p>
+          <a:p>
+            <a:pPr marL="1485900" lvl="3" indent="0">
+              <a:spcBef>
+                <a:spcPts val="0"/>
+              </a:spcBef>
+              <a:buNone/>
+            </a:pPr>
+            <a:endParaRPr lang="en-US" dirty="0">
+              <a:solidFill>
+                <a:schemeClr val="tx1"/>
+              </a:solidFill>
+              <a:latin typeface="+mn-lt"/>
+            </a:endParaRPr>
+          </a:p>
+          <a:p>
+            <a:pPr marL="1485900" lvl="3" indent="0">
+              <a:spcBef>
+                <a:spcPts val="0"/>
+              </a:spcBef>
+              <a:buNone/>
+            </a:pPr>
+            <a:endParaRPr lang="en-US" dirty="0">
+              <a:solidFill>
+                <a:schemeClr val="tx1"/>
+              </a:solidFill>
+              <a:latin typeface="+mn-lt"/>
+            </a:endParaRPr>
+          </a:p>
+        </p:txBody>
+      </p:sp>
+      <p:pic>
+        <p:nvPicPr>
+          <p:cNvPr id="4100" name="Picture 4" descr="Image result for golang gopher">
+            <a:extLst>
+              <a:ext uri="{FF2B5EF4-FFF2-40B4-BE49-F238E27FC236}">
+                <a16:creationId xmlns:a16="http://schemas.microsoft.com/office/drawing/2014/main" id="{C2E379D0-58D8-AD42-AE5C-CD66FE87C736}"/>
+              </a:ext>
+            </a:extLst>
+          </p:cNvPr>
+          <p:cNvPicPr>
+            <a:picLocks noChangeAspect="1" noChangeArrowheads="1"/>
+          </p:cNvPicPr>
+          <p:nvPr/>
+        </p:nvPicPr>
+        <p:blipFill>
+          <a:blip r:embed="rId3">
+            <a:extLst>
+              <a:ext uri="{28A0092B-C50C-407E-A947-70E740481C1C}">
+                <a14:useLocalDpi xmlns:a14="http://schemas.microsoft.com/office/drawing/2010/main" val="0"/>
+              </a:ext>
+            </a:extLst>
+          </a:blip>
+          <a:srcRect/>
+          <a:stretch>
+            <a:fillRect/>
+          </a:stretch>
+        </p:blipFill>
+        <p:spPr bwMode="auto">
+          <a:xfrm flipH="1">
+            <a:off x="6611848" y="5178175"/>
+            <a:ext cx="1011576" cy="1380380"/>
+          </a:xfrm>
+          <a:prstGeom prst="rect">
+            <a:avLst/>
+          </a:prstGeom>
+          <a:noFill/>
+          <a:extLst>
+            <a:ext uri="{909E8E84-426E-40DD-AFC4-6F175D3DCCD1}">
+              <a14:hiddenFill xmlns:a14="http://schemas.microsoft.com/office/drawing/2010/main">
+                <a:solidFill>
+                  <a:srgbClr val="FFFFFF"/>
+                </a:solidFill>
+              </a14:hiddenFill>
+            </a:ext>
+          </a:extLst>
+        </p:spPr>
+      </p:pic>
+    </p:spTree>
+    <p:extLst>
+      <p:ext uri="{BB962C8B-B14F-4D97-AF65-F5344CB8AC3E}">
+        <p14:creationId xmlns:p14="http://schemas.microsoft.com/office/powerpoint/2010/main" val="1569860871"/>
+      </p:ext>
+    </p:extLst>
   </p:cSld>
   <p:clrMapOvr>
     <a:masterClrMapping/>

--- a/Module_One/presentations/module_1_presentation.pptx
+++ b/Module_One/presentations/module_1_presentation.pptx
@@ -5,7 +5,7 @@
     <p:sldMasterId id="2147483655" r:id="rId1"/>
   </p:sldMasterIdLst>
   <p:notesMasterIdLst>
-    <p:notesMasterId r:id="rId43"/>
+    <p:notesMasterId r:id="rId47"/>
   </p:notesMasterIdLst>
   <p:sldIdLst>
     <p:sldId id="256" r:id="rId2"/>
@@ -49,6 +49,10 @@
     <p:sldId id="477" r:id="rId40"/>
     <p:sldId id="478" r:id="rId41"/>
     <p:sldId id="479" r:id="rId42"/>
+    <p:sldId id="480" r:id="rId43"/>
+    <p:sldId id="481" r:id="rId44"/>
+    <p:sldId id="482" r:id="rId45"/>
+    <p:sldId id="483" r:id="rId46"/>
   </p:sldIdLst>
   <p:sldSz cx="9144000" cy="6858000" type="screen4x3"/>
   <p:notesSz cx="6858000" cy="9144000"/>
@@ -6804,6 +6808,650 @@
     <p:extLst>
       <p:ext uri="{BB962C8B-B14F-4D97-AF65-F5344CB8AC3E}">
         <p14:creationId xmlns:p14="http://schemas.microsoft.com/office/powerpoint/2010/main" val="820590152"/>
+      </p:ext>
+    </p:extLst>
+  </p:cSld>
+  <p:clrMapOvr>
+    <a:masterClrMapping/>
+  </p:clrMapOvr>
+</p:notes>
+</file>
+
+<file path=ppt/notesSlides/notesSlide42.xml><?xml version="1.0" encoding="utf-8"?>
+<p:notes xmlns:a="http://schemas.openxmlformats.org/drawingml/2006/main" xmlns:r="http://schemas.openxmlformats.org/officeDocument/2006/relationships" xmlns:p="http://schemas.openxmlformats.org/presentationml/2006/main" showMasterSp="0" showMasterPhAnim="0">
+  <p:cSld>
+    <p:spTree>
+      <p:nvGrpSpPr>
+        <p:cNvPr id="1" name="Shape 109"/>
+        <p:cNvGrpSpPr/>
+        <p:nvPr/>
+      </p:nvGrpSpPr>
+      <p:grpSpPr>
+        <a:xfrm>
+          <a:off x="0" y="0"/>
+          <a:ext cx="0" cy="0"/>
+          <a:chOff x="0" y="0"/>
+          <a:chExt cx="0" cy="0"/>
+        </a:xfrm>
+      </p:grpSpPr>
+      <p:sp>
+        <p:nvSpPr>
+          <p:cNvPr id="110" name="Shape 110"/>
+          <p:cNvSpPr>
+            <a:spLocks noGrp="1" noRot="1" noChangeAspect="1"/>
+          </p:cNvSpPr>
+          <p:nvPr>
+            <p:ph type="sldImg" idx="2"/>
+          </p:nvPr>
+        </p:nvSpPr>
+        <p:spPr>
+          <a:xfrm>
+            <a:off x="1143000" y="685800"/>
+            <a:ext cx="4572000" cy="3429000"/>
+          </a:xfrm>
+          <a:custGeom>
+            <a:avLst/>
+            <a:gdLst/>
+            <a:ahLst/>
+            <a:cxnLst/>
+            <a:rect l="0" t="0" r="0" b="0"/>
+            <a:pathLst>
+              <a:path w="120000" h="120000" extrusionOk="0">
+                <a:moveTo>
+                  <a:pt x="0" y="0"/>
+                </a:moveTo>
+                <a:lnTo>
+                  <a:pt x="120000" y="0"/>
+                </a:lnTo>
+                <a:lnTo>
+                  <a:pt x="120000" y="120000"/>
+                </a:lnTo>
+                <a:lnTo>
+                  <a:pt x="0" y="120000"/>
+                </a:lnTo>
+                <a:close/>
+              </a:path>
+            </a:pathLst>
+          </a:custGeom>
+        </p:spPr>
+      </p:sp>
+      <p:sp>
+        <p:nvSpPr>
+          <p:cNvPr id="111" name="Shape 111"/>
+          <p:cNvSpPr txBox="1">
+            <a:spLocks noGrp="1"/>
+          </p:cNvSpPr>
+          <p:nvPr>
+            <p:ph type="body" idx="1"/>
+          </p:nvPr>
+        </p:nvSpPr>
+        <p:spPr>
+          <a:xfrm>
+            <a:off x="685800" y="4343400"/>
+            <a:ext cx="5486399" cy="4114800"/>
+          </a:xfrm>
+          <a:prstGeom prst="rect">
+            <a:avLst/>
+          </a:prstGeom>
+        </p:spPr>
+        <p:txBody>
+          <a:bodyPr lIns="91425" tIns="91425" rIns="91425" bIns="91425" anchor="t" anchorCtr="0">
+            <a:noAutofit/>
+          </a:bodyPr>
+          <a:lstStyle/>
+          <a:p>
+            <a:pPr marL="0" marR="0" lvl="0" indent="0" algn="l" defTabSz="457200" rtl="0" eaLnBrk="1" fontAlgn="auto" latinLnBrk="0" hangingPunct="1">
+              <a:lnSpc>
+                <a:spcPct val="100000"/>
+              </a:lnSpc>
+              <a:spcBef>
+                <a:spcPts val="0"/>
+              </a:spcBef>
+              <a:spcAft>
+                <a:spcPts val="0"/>
+              </a:spcAft>
+              <a:buClrTx/>
+              <a:buSzTx/>
+              <a:buFontTx/>
+              <a:buNone/>
+              <a:tabLst/>
+              <a:defRPr/>
+            </a:pPr>
+            <a:endParaRPr dirty="0"/>
+          </a:p>
+        </p:txBody>
+      </p:sp>
+      <p:sp>
+        <p:nvSpPr>
+          <p:cNvPr id="112" name="Shape 112"/>
+          <p:cNvSpPr txBox="1">
+            <a:spLocks noGrp="1"/>
+          </p:cNvSpPr>
+          <p:nvPr>
+            <p:ph type="sldNum" idx="12"/>
+          </p:nvPr>
+        </p:nvSpPr>
+        <p:spPr>
+          <a:xfrm>
+            <a:off x="3884612" y="8685213"/>
+            <a:ext cx="2971799" cy="457200"/>
+          </a:xfrm>
+          <a:prstGeom prst="rect">
+            <a:avLst/>
+          </a:prstGeom>
+        </p:spPr>
+        <p:txBody>
+          <a:bodyPr lIns="91425" tIns="45700" rIns="91425" bIns="45700" anchor="b" anchorCtr="0">
+            <a:noAutofit/>
+          </a:bodyPr>
+          <a:lstStyle/>
+          <a:p>
+            <a:pPr lvl="0">
+              <a:spcBef>
+                <a:spcPts val="0"/>
+              </a:spcBef>
+              <a:buClr>
+                <a:srgbClr val="000000"/>
+              </a:buClr>
+              <a:buSzPct val="25000"/>
+              <a:buFont typeface="Arial"/>
+              <a:buNone/>
+            </a:pPr>
+            <a:fld id="{00000000-1234-1234-1234-123412341234}" type="slidenum">
+              <a:rPr lang="en-US"/>
+              <a:t>42</a:t>
+            </a:fld>
+            <a:endParaRPr lang="en-US"/>
+          </a:p>
+        </p:txBody>
+      </p:sp>
+    </p:spTree>
+    <p:extLst>
+      <p:ext uri="{BB962C8B-B14F-4D97-AF65-F5344CB8AC3E}">
+        <p14:creationId xmlns:p14="http://schemas.microsoft.com/office/powerpoint/2010/main" val="2031606903"/>
+      </p:ext>
+    </p:extLst>
+  </p:cSld>
+  <p:clrMapOvr>
+    <a:masterClrMapping/>
+  </p:clrMapOvr>
+</p:notes>
+</file>
+
+<file path=ppt/notesSlides/notesSlide43.xml><?xml version="1.0" encoding="utf-8"?>
+<p:notes xmlns:a="http://schemas.openxmlformats.org/drawingml/2006/main" xmlns:r="http://schemas.openxmlformats.org/officeDocument/2006/relationships" xmlns:p="http://schemas.openxmlformats.org/presentationml/2006/main" showMasterSp="0" showMasterPhAnim="0">
+  <p:cSld>
+    <p:spTree>
+      <p:nvGrpSpPr>
+        <p:cNvPr id="1" name="Shape 109"/>
+        <p:cNvGrpSpPr/>
+        <p:nvPr/>
+      </p:nvGrpSpPr>
+      <p:grpSpPr>
+        <a:xfrm>
+          <a:off x="0" y="0"/>
+          <a:ext cx="0" cy="0"/>
+          <a:chOff x="0" y="0"/>
+          <a:chExt cx="0" cy="0"/>
+        </a:xfrm>
+      </p:grpSpPr>
+      <p:sp>
+        <p:nvSpPr>
+          <p:cNvPr id="110" name="Shape 110"/>
+          <p:cNvSpPr>
+            <a:spLocks noGrp="1" noRot="1" noChangeAspect="1"/>
+          </p:cNvSpPr>
+          <p:nvPr>
+            <p:ph type="sldImg" idx="2"/>
+          </p:nvPr>
+        </p:nvSpPr>
+        <p:spPr>
+          <a:xfrm>
+            <a:off x="1143000" y="685800"/>
+            <a:ext cx="4572000" cy="3429000"/>
+          </a:xfrm>
+          <a:custGeom>
+            <a:avLst/>
+            <a:gdLst/>
+            <a:ahLst/>
+            <a:cxnLst/>
+            <a:rect l="0" t="0" r="0" b="0"/>
+            <a:pathLst>
+              <a:path w="120000" h="120000" extrusionOk="0">
+                <a:moveTo>
+                  <a:pt x="0" y="0"/>
+                </a:moveTo>
+                <a:lnTo>
+                  <a:pt x="120000" y="0"/>
+                </a:lnTo>
+                <a:lnTo>
+                  <a:pt x="120000" y="120000"/>
+                </a:lnTo>
+                <a:lnTo>
+                  <a:pt x="0" y="120000"/>
+                </a:lnTo>
+                <a:close/>
+              </a:path>
+            </a:pathLst>
+          </a:custGeom>
+        </p:spPr>
+      </p:sp>
+      <p:sp>
+        <p:nvSpPr>
+          <p:cNvPr id="111" name="Shape 111"/>
+          <p:cNvSpPr txBox="1">
+            <a:spLocks noGrp="1"/>
+          </p:cNvSpPr>
+          <p:nvPr>
+            <p:ph type="body" idx="1"/>
+          </p:nvPr>
+        </p:nvSpPr>
+        <p:spPr>
+          <a:xfrm>
+            <a:off x="685800" y="4343400"/>
+            <a:ext cx="5486399" cy="4114800"/>
+          </a:xfrm>
+          <a:prstGeom prst="rect">
+            <a:avLst/>
+          </a:prstGeom>
+        </p:spPr>
+        <p:txBody>
+          <a:bodyPr lIns="91425" tIns="91425" rIns="91425" bIns="91425" anchor="t" anchorCtr="0">
+            <a:noAutofit/>
+          </a:bodyPr>
+          <a:lstStyle/>
+          <a:p>
+            <a:pPr marL="0" marR="0" lvl="0" indent="0" algn="l" defTabSz="457200" rtl="0" eaLnBrk="1" fontAlgn="auto" latinLnBrk="0" hangingPunct="1">
+              <a:lnSpc>
+                <a:spcPct val="100000"/>
+              </a:lnSpc>
+              <a:spcBef>
+                <a:spcPts val="0"/>
+              </a:spcBef>
+              <a:spcAft>
+                <a:spcPts val="0"/>
+              </a:spcAft>
+              <a:buClrTx/>
+              <a:buSzTx/>
+              <a:buFontTx/>
+              <a:buNone/>
+              <a:tabLst/>
+              <a:defRPr/>
+            </a:pPr>
+            <a:endParaRPr dirty="0"/>
+          </a:p>
+        </p:txBody>
+      </p:sp>
+      <p:sp>
+        <p:nvSpPr>
+          <p:cNvPr id="112" name="Shape 112"/>
+          <p:cNvSpPr txBox="1">
+            <a:spLocks noGrp="1"/>
+          </p:cNvSpPr>
+          <p:nvPr>
+            <p:ph type="sldNum" idx="12"/>
+          </p:nvPr>
+        </p:nvSpPr>
+        <p:spPr>
+          <a:xfrm>
+            <a:off x="3884612" y="8685213"/>
+            <a:ext cx="2971799" cy="457200"/>
+          </a:xfrm>
+          <a:prstGeom prst="rect">
+            <a:avLst/>
+          </a:prstGeom>
+        </p:spPr>
+        <p:txBody>
+          <a:bodyPr lIns="91425" tIns="45700" rIns="91425" bIns="45700" anchor="b" anchorCtr="0">
+            <a:noAutofit/>
+          </a:bodyPr>
+          <a:lstStyle/>
+          <a:p>
+            <a:pPr lvl="0">
+              <a:spcBef>
+                <a:spcPts val="0"/>
+              </a:spcBef>
+              <a:buClr>
+                <a:srgbClr val="000000"/>
+              </a:buClr>
+              <a:buSzPct val="25000"/>
+              <a:buFont typeface="Arial"/>
+              <a:buNone/>
+            </a:pPr>
+            <a:fld id="{00000000-1234-1234-1234-123412341234}" type="slidenum">
+              <a:rPr lang="en-US"/>
+              <a:t>43</a:t>
+            </a:fld>
+            <a:endParaRPr lang="en-US"/>
+          </a:p>
+        </p:txBody>
+      </p:sp>
+    </p:spTree>
+    <p:extLst>
+      <p:ext uri="{BB962C8B-B14F-4D97-AF65-F5344CB8AC3E}">
+        <p14:creationId xmlns:p14="http://schemas.microsoft.com/office/powerpoint/2010/main" val="1051152186"/>
+      </p:ext>
+    </p:extLst>
+  </p:cSld>
+  <p:clrMapOvr>
+    <a:masterClrMapping/>
+  </p:clrMapOvr>
+</p:notes>
+</file>
+
+<file path=ppt/notesSlides/notesSlide44.xml><?xml version="1.0" encoding="utf-8"?>
+<p:notes xmlns:a="http://schemas.openxmlformats.org/drawingml/2006/main" xmlns:r="http://schemas.openxmlformats.org/officeDocument/2006/relationships" xmlns:p="http://schemas.openxmlformats.org/presentationml/2006/main" showMasterSp="0" showMasterPhAnim="0">
+  <p:cSld>
+    <p:spTree>
+      <p:nvGrpSpPr>
+        <p:cNvPr id="1" name="Shape 109"/>
+        <p:cNvGrpSpPr/>
+        <p:nvPr/>
+      </p:nvGrpSpPr>
+      <p:grpSpPr>
+        <a:xfrm>
+          <a:off x="0" y="0"/>
+          <a:ext cx="0" cy="0"/>
+          <a:chOff x="0" y="0"/>
+          <a:chExt cx="0" cy="0"/>
+        </a:xfrm>
+      </p:grpSpPr>
+      <p:sp>
+        <p:nvSpPr>
+          <p:cNvPr id="110" name="Shape 110"/>
+          <p:cNvSpPr>
+            <a:spLocks noGrp="1" noRot="1" noChangeAspect="1"/>
+          </p:cNvSpPr>
+          <p:nvPr>
+            <p:ph type="sldImg" idx="2"/>
+          </p:nvPr>
+        </p:nvSpPr>
+        <p:spPr>
+          <a:xfrm>
+            <a:off x="1143000" y="685800"/>
+            <a:ext cx="4572000" cy="3429000"/>
+          </a:xfrm>
+          <a:custGeom>
+            <a:avLst/>
+            <a:gdLst/>
+            <a:ahLst/>
+            <a:cxnLst/>
+            <a:rect l="0" t="0" r="0" b="0"/>
+            <a:pathLst>
+              <a:path w="120000" h="120000" extrusionOk="0">
+                <a:moveTo>
+                  <a:pt x="0" y="0"/>
+                </a:moveTo>
+                <a:lnTo>
+                  <a:pt x="120000" y="0"/>
+                </a:lnTo>
+                <a:lnTo>
+                  <a:pt x="120000" y="120000"/>
+                </a:lnTo>
+                <a:lnTo>
+                  <a:pt x="0" y="120000"/>
+                </a:lnTo>
+                <a:close/>
+              </a:path>
+            </a:pathLst>
+          </a:custGeom>
+        </p:spPr>
+      </p:sp>
+      <p:sp>
+        <p:nvSpPr>
+          <p:cNvPr id="111" name="Shape 111"/>
+          <p:cNvSpPr txBox="1">
+            <a:spLocks noGrp="1"/>
+          </p:cNvSpPr>
+          <p:nvPr>
+            <p:ph type="body" idx="1"/>
+          </p:nvPr>
+        </p:nvSpPr>
+        <p:spPr>
+          <a:xfrm>
+            <a:off x="685800" y="4343400"/>
+            <a:ext cx="5486399" cy="4114800"/>
+          </a:xfrm>
+          <a:prstGeom prst="rect">
+            <a:avLst/>
+          </a:prstGeom>
+        </p:spPr>
+        <p:txBody>
+          <a:bodyPr lIns="91425" tIns="91425" rIns="91425" bIns="91425" anchor="t" anchorCtr="0">
+            <a:noAutofit/>
+          </a:bodyPr>
+          <a:lstStyle/>
+          <a:p>
+            <a:pPr marL="0" marR="0" lvl="0" indent="0" algn="l" defTabSz="457200" rtl="0" eaLnBrk="1" fontAlgn="auto" latinLnBrk="0" hangingPunct="1">
+              <a:lnSpc>
+                <a:spcPct val="100000"/>
+              </a:lnSpc>
+              <a:spcBef>
+                <a:spcPts val="0"/>
+              </a:spcBef>
+              <a:spcAft>
+                <a:spcPts val="0"/>
+              </a:spcAft>
+              <a:buClrTx/>
+              <a:buSzTx/>
+              <a:buFontTx/>
+              <a:buNone/>
+              <a:tabLst/>
+              <a:defRPr/>
+            </a:pPr>
+            <a:endParaRPr dirty="0"/>
+          </a:p>
+        </p:txBody>
+      </p:sp>
+      <p:sp>
+        <p:nvSpPr>
+          <p:cNvPr id="112" name="Shape 112"/>
+          <p:cNvSpPr txBox="1">
+            <a:spLocks noGrp="1"/>
+          </p:cNvSpPr>
+          <p:nvPr>
+            <p:ph type="sldNum" idx="12"/>
+          </p:nvPr>
+        </p:nvSpPr>
+        <p:spPr>
+          <a:xfrm>
+            <a:off x="3884612" y="8685213"/>
+            <a:ext cx="2971799" cy="457200"/>
+          </a:xfrm>
+          <a:prstGeom prst="rect">
+            <a:avLst/>
+          </a:prstGeom>
+        </p:spPr>
+        <p:txBody>
+          <a:bodyPr lIns="91425" tIns="45700" rIns="91425" bIns="45700" anchor="b" anchorCtr="0">
+            <a:noAutofit/>
+          </a:bodyPr>
+          <a:lstStyle/>
+          <a:p>
+            <a:pPr lvl="0">
+              <a:spcBef>
+                <a:spcPts val="0"/>
+              </a:spcBef>
+              <a:buClr>
+                <a:srgbClr val="000000"/>
+              </a:buClr>
+              <a:buSzPct val="25000"/>
+              <a:buFont typeface="Arial"/>
+              <a:buNone/>
+            </a:pPr>
+            <a:fld id="{00000000-1234-1234-1234-123412341234}" type="slidenum">
+              <a:rPr lang="en-US"/>
+              <a:t>44</a:t>
+            </a:fld>
+            <a:endParaRPr lang="en-US"/>
+          </a:p>
+        </p:txBody>
+      </p:sp>
+    </p:spTree>
+    <p:extLst>
+      <p:ext uri="{BB962C8B-B14F-4D97-AF65-F5344CB8AC3E}">
+        <p14:creationId xmlns:p14="http://schemas.microsoft.com/office/powerpoint/2010/main" val="2094768168"/>
+      </p:ext>
+    </p:extLst>
+  </p:cSld>
+  <p:clrMapOvr>
+    <a:masterClrMapping/>
+  </p:clrMapOvr>
+</p:notes>
+</file>
+
+<file path=ppt/notesSlides/notesSlide45.xml><?xml version="1.0" encoding="utf-8"?>
+<p:notes xmlns:a="http://schemas.openxmlformats.org/drawingml/2006/main" xmlns:r="http://schemas.openxmlformats.org/officeDocument/2006/relationships" xmlns:p="http://schemas.openxmlformats.org/presentationml/2006/main" showMasterSp="0" showMasterPhAnim="0">
+  <p:cSld>
+    <p:spTree>
+      <p:nvGrpSpPr>
+        <p:cNvPr id="1" name="Shape 109"/>
+        <p:cNvGrpSpPr/>
+        <p:nvPr/>
+      </p:nvGrpSpPr>
+      <p:grpSpPr>
+        <a:xfrm>
+          <a:off x="0" y="0"/>
+          <a:ext cx="0" cy="0"/>
+          <a:chOff x="0" y="0"/>
+          <a:chExt cx="0" cy="0"/>
+        </a:xfrm>
+      </p:grpSpPr>
+      <p:sp>
+        <p:nvSpPr>
+          <p:cNvPr id="110" name="Shape 110"/>
+          <p:cNvSpPr>
+            <a:spLocks noGrp="1" noRot="1" noChangeAspect="1"/>
+          </p:cNvSpPr>
+          <p:nvPr>
+            <p:ph type="sldImg" idx="2"/>
+          </p:nvPr>
+        </p:nvSpPr>
+        <p:spPr>
+          <a:xfrm>
+            <a:off x="1143000" y="685800"/>
+            <a:ext cx="4572000" cy="3429000"/>
+          </a:xfrm>
+          <a:custGeom>
+            <a:avLst/>
+            <a:gdLst/>
+            <a:ahLst/>
+            <a:cxnLst/>
+            <a:rect l="0" t="0" r="0" b="0"/>
+            <a:pathLst>
+              <a:path w="120000" h="120000" extrusionOk="0">
+                <a:moveTo>
+                  <a:pt x="0" y="0"/>
+                </a:moveTo>
+                <a:lnTo>
+                  <a:pt x="120000" y="0"/>
+                </a:lnTo>
+                <a:lnTo>
+                  <a:pt x="120000" y="120000"/>
+                </a:lnTo>
+                <a:lnTo>
+                  <a:pt x="0" y="120000"/>
+                </a:lnTo>
+                <a:close/>
+              </a:path>
+            </a:pathLst>
+          </a:custGeom>
+        </p:spPr>
+      </p:sp>
+      <p:sp>
+        <p:nvSpPr>
+          <p:cNvPr id="111" name="Shape 111"/>
+          <p:cNvSpPr txBox="1">
+            <a:spLocks noGrp="1"/>
+          </p:cNvSpPr>
+          <p:nvPr>
+            <p:ph type="body" idx="1"/>
+          </p:nvPr>
+        </p:nvSpPr>
+        <p:spPr>
+          <a:xfrm>
+            <a:off x="685800" y="4343400"/>
+            <a:ext cx="5486399" cy="4114800"/>
+          </a:xfrm>
+          <a:prstGeom prst="rect">
+            <a:avLst/>
+          </a:prstGeom>
+        </p:spPr>
+        <p:txBody>
+          <a:bodyPr lIns="91425" tIns="91425" rIns="91425" bIns="91425" anchor="t" anchorCtr="0">
+            <a:noAutofit/>
+          </a:bodyPr>
+          <a:lstStyle/>
+          <a:p>
+            <a:pPr marL="0" marR="0" lvl="0" indent="0" algn="l" defTabSz="457200" rtl="0" eaLnBrk="1" fontAlgn="auto" latinLnBrk="0" hangingPunct="1">
+              <a:lnSpc>
+                <a:spcPct val="100000"/>
+              </a:lnSpc>
+              <a:spcBef>
+                <a:spcPts val="0"/>
+              </a:spcBef>
+              <a:spcAft>
+                <a:spcPts val="0"/>
+              </a:spcAft>
+              <a:buClrTx/>
+              <a:buSzTx/>
+              <a:buFontTx/>
+              <a:buNone/>
+              <a:tabLst/>
+              <a:defRPr/>
+            </a:pPr>
+            <a:endParaRPr dirty="0"/>
+          </a:p>
+        </p:txBody>
+      </p:sp>
+      <p:sp>
+        <p:nvSpPr>
+          <p:cNvPr id="112" name="Shape 112"/>
+          <p:cNvSpPr txBox="1">
+            <a:spLocks noGrp="1"/>
+          </p:cNvSpPr>
+          <p:nvPr>
+            <p:ph type="sldNum" idx="12"/>
+          </p:nvPr>
+        </p:nvSpPr>
+        <p:spPr>
+          <a:xfrm>
+            <a:off x="3884612" y="8685213"/>
+            <a:ext cx="2971799" cy="457200"/>
+          </a:xfrm>
+          <a:prstGeom prst="rect">
+            <a:avLst/>
+          </a:prstGeom>
+        </p:spPr>
+        <p:txBody>
+          <a:bodyPr lIns="91425" tIns="45700" rIns="91425" bIns="45700" anchor="b" anchorCtr="0">
+            <a:noAutofit/>
+          </a:bodyPr>
+          <a:lstStyle/>
+          <a:p>
+            <a:pPr lvl="0">
+              <a:spcBef>
+                <a:spcPts val="0"/>
+              </a:spcBef>
+              <a:buClr>
+                <a:srgbClr val="000000"/>
+              </a:buClr>
+              <a:buSzPct val="25000"/>
+              <a:buFont typeface="Arial"/>
+              <a:buNone/>
+            </a:pPr>
+            <a:fld id="{00000000-1234-1234-1234-123412341234}" type="slidenum">
+              <a:rPr lang="en-US"/>
+              <a:t>45</a:t>
+            </a:fld>
+            <a:endParaRPr lang="en-US"/>
+          </a:p>
+        </p:txBody>
+      </p:sp>
+    </p:spTree>
+    <p:extLst>
+      <p:ext uri="{BB962C8B-B14F-4D97-AF65-F5344CB8AC3E}">
+        <p14:creationId xmlns:p14="http://schemas.microsoft.com/office/powerpoint/2010/main" val="313233885"/>
       </p:ext>
     </p:extLst>
   </p:cSld>
@@ -22356,6 +23004,2772 @@
     <p:extLst>
       <p:ext uri="{BB962C8B-B14F-4D97-AF65-F5344CB8AC3E}">
         <p14:creationId xmlns:p14="http://schemas.microsoft.com/office/powerpoint/2010/main" val="1569860871"/>
+      </p:ext>
+    </p:extLst>
+  </p:cSld>
+  <p:clrMapOvr>
+    <a:masterClrMapping/>
+  </p:clrMapOvr>
+</p:sld>
+</file>
+
+<file path=ppt/slides/slide42.xml><?xml version="1.0" encoding="utf-8"?>
+<p:sld xmlns:a="http://schemas.openxmlformats.org/drawingml/2006/main" xmlns:r="http://schemas.openxmlformats.org/officeDocument/2006/relationships" xmlns:p="http://schemas.openxmlformats.org/presentationml/2006/main">
+  <p:cSld>
+    <p:spTree>
+      <p:nvGrpSpPr>
+        <p:cNvPr id="1" name="Shape 113"/>
+        <p:cNvGrpSpPr/>
+        <p:nvPr/>
+      </p:nvGrpSpPr>
+      <p:grpSpPr>
+        <a:xfrm>
+          <a:off x="0" y="0"/>
+          <a:ext cx="0" cy="0"/>
+          <a:chOff x="0" y="0"/>
+          <a:chExt cx="0" cy="0"/>
+        </a:xfrm>
+      </p:grpSpPr>
+      <p:sp>
+        <p:nvSpPr>
+          <p:cNvPr id="114" name="Shape 114"/>
+          <p:cNvSpPr txBox="1">
+            <a:spLocks noGrp="1"/>
+          </p:cNvSpPr>
+          <p:nvPr>
+            <p:ph type="title"/>
+          </p:nvPr>
+        </p:nvSpPr>
+        <p:spPr>
+          <a:xfrm>
+            <a:off x="76200" y="152400"/>
+            <a:ext cx="8991600" cy="671400"/>
+          </a:xfrm>
+          <a:prstGeom prst="rect">
+            <a:avLst/>
+          </a:prstGeom>
+        </p:spPr>
+        <p:txBody>
+          <a:bodyPr lIns="91425" tIns="91425" rIns="91425" bIns="91425" anchor="ctr" anchorCtr="0">
+            <a:noAutofit/>
+          </a:bodyPr>
+          <a:lstStyle/>
+          <a:p>
+            <a:pPr lvl="0">
+              <a:spcBef>
+                <a:spcPts val="0"/>
+              </a:spcBef>
+              <a:buNone/>
+            </a:pPr>
+            <a:r>
+              <a:rPr lang="en-US" dirty="0"/>
+              <a:t>Golang Setup (follow along)</a:t>
+            </a:r>
+            <a:endParaRPr dirty="0"/>
+          </a:p>
+        </p:txBody>
+      </p:sp>
+      <p:sp>
+        <p:nvSpPr>
+          <p:cNvPr id="115" name="Shape 115"/>
+          <p:cNvSpPr txBox="1">
+            <a:spLocks noGrp="1"/>
+          </p:cNvSpPr>
+          <p:nvPr>
+            <p:ph type="body" idx="1"/>
+          </p:nvPr>
+        </p:nvSpPr>
+        <p:spPr>
+          <a:xfrm>
+            <a:off x="76200" y="1240810"/>
+            <a:ext cx="8991600" cy="4070929"/>
+          </a:xfrm>
+          <a:prstGeom prst="rect">
+            <a:avLst/>
+          </a:prstGeom>
+        </p:spPr>
+        <p:txBody>
+          <a:bodyPr lIns="91425" tIns="91425" rIns="91425" bIns="91425" anchor="t" anchorCtr="0">
+            <a:noAutofit/>
+          </a:bodyPr>
+          <a:lstStyle/>
+          <a:p>
+            <a:pPr lvl="1">
+              <a:spcBef>
+                <a:spcPts val="0"/>
+              </a:spcBef>
+            </a:pPr>
+            <a:r>
+              <a:rPr lang="en-US" b="1" dirty="0"/>
+              <a:t> Other possible directories:</a:t>
+            </a:r>
+          </a:p>
+          <a:p>
+            <a:pPr lvl="2">
+              <a:spcBef>
+                <a:spcPts val="0"/>
+              </a:spcBef>
+            </a:pPr>
+            <a:r>
+              <a:rPr lang="en-US" b="1" dirty="0"/>
+              <a:t> </a:t>
+            </a:r>
+            <a:r>
+              <a:rPr lang="en-US" dirty="0">
+                <a:solidFill>
+                  <a:schemeClr val="tx1"/>
+                </a:solidFill>
+                <a:highlight>
+                  <a:srgbClr val="FFFF00"/>
+                </a:highlight>
+                <a:latin typeface="American Typewriter" panose="02090604020004020304" pitchFamily="18" charset="77"/>
+              </a:rPr>
+              <a:t>/go/</a:t>
+            </a:r>
+            <a:r>
+              <a:rPr lang="en-US" dirty="0" err="1">
+                <a:solidFill>
+                  <a:schemeClr val="tx1"/>
+                </a:solidFill>
+                <a:highlight>
+                  <a:srgbClr val="FFFF00"/>
+                </a:highlight>
+                <a:latin typeface="American Typewriter" panose="02090604020004020304" pitchFamily="18" charset="77"/>
+              </a:rPr>
+              <a:t>src</a:t>
+            </a:r>
+            <a:r>
+              <a:rPr lang="en-US" dirty="0">
+                <a:solidFill>
+                  <a:schemeClr val="tx1"/>
+                </a:solidFill>
+                <a:highlight>
+                  <a:srgbClr val="FFFF00"/>
+                </a:highlight>
+                <a:latin typeface="American Typewriter" panose="02090604020004020304" pitchFamily="18" charset="77"/>
+              </a:rPr>
+              <a:t>/</a:t>
+            </a:r>
+            <a:r>
+              <a:rPr lang="en-US" dirty="0" err="1">
+                <a:solidFill>
+                  <a:schemeClr val="tx1"/>
+                </a:solidFill>
+                <a:highlight>
+                  <a:srgbClr val="FFFF00"/>
+                </a:highlight>
+                <a:latin typeface="American Typewriter" panose="02090604020004020304" pitchFamily="18" charset="77"/>
+              </a:rPr>
+              <a:t>github.com</a:t>
+            </a:r>
+            <a:r>
+              <a:rPr lang="en-US" dirty="0">
+                <a:solidFill>
+                  <a:schemeClr val="tx1"/>
+                </a:solidFill>
+                <a:highlight>
+                  <a:srgbClr val="FFFF00"/>
+                </a:highlight>
+                <a:latin typeface="American Typewriter" panose="02090604020004020304" pitchFamily="18" charset="77"/>
+              </a:rPr>
+              <a:t>/</a:t>
+            </a:r>
+            <a:r>
+              <a:rPr lang="en-US" dirty="0" err="1">
+                <a:solidFill>
+                  <a:schemeClr val="tx1"/>
+                </a:solidFill>
+                <a:highlight>
+                  <a:srgbClr val="FFFF00"/>
+                </a:highlight>
+                <a:latin typeface="American Typewriter" panose="02090604020004020304" pitchFamily="18" charset="77"/>
+              </a:rPr>
+              <a:t>golang_practice</a:t>
+            </a:r>
+            <a:r>
+              <a:rPr lang="en-US" dirty="0">
+                <a:solidFill>
+                  <a:schemeClr val="tx1"/>
+                </a:solidFill>
+                <a:highlight>
+                  <a:srgbClr val="FFFF00"/>
+                </a:highlight>
+                <a:latin typeface="American Typewriter" panose="02090604020004020304" pitchFamily="18" charset="77"/>
+              </a:rPr>
+              <a:t>/</a:t>
+            </a:r>
+            <a:r>
+              <a:rPr lang="en-US" dirty="0" err="1">
+                <a:solidFill>
+                  <a:schemeClr val="tx1"/>
+                </a:solidFill>
+                <a:highlight>
+                  <a:srgbClr val="FFFF00"/>
+                </a:highlight>
+                <a:latin typeface="American Typewriter" panose="02090604020004020304" pitchFamily="18" charset="77"/>
+              </a:rPr>
+              <a:t>api</a:t>
+            </a:r>
+            <a:r>
+              <a:rPr lang="en-US" dirty="0">
+                <a:solidFill>
+                  <a:schemeClr val="tx1"/>
+                </a:solidFill>
+                <a:highlight>
+                  <a:srgbClr val="FFFF00"/>
+                </a:highlight>
+                <a:latin typeface="American Typewriter" panose="02090604020004020304" pitchFamily="18" charset="77"/>
+              </a:rPr>
+              <a:t>/</a:t>
+            </a:r>
+          </a:p>
+          <a:p>
+            <a:pPr lvl="3">
+              <a:spcBef>
+                <a:spcPts val="0"/>
+              </a:spcBef>
+            </a:pPr>
+            <a:r>
+              <a:rPr lang="en-US" dirty="0">
+                <a:solidFill>
+                  <a:schemeClr val="tx1"/>
+                </a:solidFill>
+                <a:latin typeface="+mn-lt"/>
+              </a:rPr>
+              <a:t>If you have an API you can put rules here (NA for this project)</a:t>
+            </a:r>
+          </a:p>
+          <a:p>
+            <a:pPr lvl="2">
+              <a:spcBef>
+                <a:spcPts val="0"/>
+              </a:spcBef>
+            </a:pPr>
+            <a:r>
+              <a:rPr lang="en-US" dirty="0">
+                <a:solidFill>
+                  <a:schemeClr val="tx1"/>
+                </a:solidFill>
+                <a:highlight>
+                  <a:srgbClr val="FFFF00"/>
+                </a:highlight>
+                <a:latin typeface="American Typewriter" panose="02090604020004020304" pitchFamily="18" charset="77"/>
+              </a:rPr>
+              <a:t>/go/</a:t>
+            </a:r>
+            <a:r>
+              <a:rPr lang="en-US" dirty="0" err="1">
+                <a:solidFill>
+                  <a:schemeClr val="tx1"/>
+                </a:solidFill>
+                <a:highlight>
+                  <a:srgbClr val="FFFF00"/>
+                </a:highlight>
+                <a:latin typeface="American Typewriter" panose="02090604020004020304" pitchFamily="18" charset="77"/>
+              </a:rPr>
+              <a:t>src</a:t>
+            </a:r>
+            <a:r>
+              <a:rPr lang="en-US" dirty="0">
+                <a:solidFill>
+                  <a:schemeClr val="tx1"/>
+                </a:solidFill>
+                <a:highlight>
+                  <a:srgbClr val="FFFF00"/>
+                </a:highlight>
+                <a:latin typeface="American Typewriter" panose="02090604020004020304" pitchFamily="18" charset="77"/>
+              </a:rPr>
+              <a:t>/</a:t>
+            </a:r>
+            <a:r>
+              <a:rPr lang="en-US" dirty="0" err="1">
+                <a:solidFill>
+                  <a:schemeClr val="tx1"/>
+                </a:solidFill>
+                <a:highlight>
+                  <a:srgbClr val="FFFF00"/>
+                </a:highlight>
+                <a:latin typeface="American Typewriter" panose="02090604020004020304" pitchFamily="18" charset="77"/>
+              </a:rPr>
+              <a:t>github.com</a:t>
+            </a:r>
+            <a:r>
+              <a:rPr lang="en-US" dirty="0">
+                <a:solidFill>
+                  <a:schemeClr val="tx1"/>
+                </a:solidFill>
+                <a:highlight>
+                  <a:srgbClr val="FFFF00"/>
+                </a:highlight>
+                <a:latin typeface="American Typewriter" panose="02090604020004020304" pitchFamily="18" charset="77"/>
+              </a:rPr>
+              <a:t>/</a:t>
+            </a:r>
+            <a:r>
+              <a:rPr lang="en-US" dirty="0" err="1">
+                <a:solidFill>
+                  <a:schemeClr val="tx1"/>
+                </a:solidFill>
+                <a:highlight>
+                  <a:srgbClr val="FFFF00"/>
+                </a:highlight>
+                <a:latin typeface="American Typewriter" panose="02090604020004020304" pitchFamily="18" charset="77"/>
+              </a:rPr>
+              <a:t>golang_practice</a:t>
+            </a:r>
+            <a:r>
+              <a:rPr lang="en-US" dirty="0">
+                <a:solidFill>
+                  <a:schemeClr val="tx1"/>
+                </a:solidFill>
+                <a:highlight>
+                  <a:srgbClr val="FFFF00"/>
+                </a:highlight>
+                <a:latin typeface="American Typewriter" panose="02090604020004020304" pitchFamily="18" charset="77"/>
+              </a:rPr>
+              <a:t>/web</a:t>
+            </a:r>
+          </a:p>
+          <a:p>
+            <a:pPr lvl="3">
+              <a:spcBef>
+                <a:spcPts val="0"/>
+              </a:spcBef>
+            </a:pPr>
+            <a:r>
+              <a:rPr lang="en-US" dirty="0">
+                <a:solidFill>
+                  <a:schemeClr val="tx1"/>
+                </a:solidFill>
+                <a:latin typeface="+mn-lt"/>
+              </a:rPr>
+              <a:t>If we want to make a website server in </a:t>
+            </a:r>
+            <a:r>
+              <a:rPr lang="en-US" dirty="0" err="1">
+                <a:solidFill>
+                  <a:schemeClr val="tx1"/>
+                </a:solidFill>
+                <a:latin typeface="+mn-lt"/>
+              </a:rPr>
+              <a:t>goLang</a:t>
+            </a:r>
+            <a:r>
+              <a:rPr lang="en-US" dirty="0">
+                <a:solidFill>
+                  <a:schemeClr val="tx1"/>
+                </a:solidFill>
+                <a:latin typeface="+mn-lt"/>
+              </a:rPr>
+              <a:t> we’ll put things like our static web assets, templates, </a:t>
+            </a:r>
+            <a:r>
+              <a:rPr lang="en-US" dirty="0" err="1">
+                <a:solidFill>
+                  <a:schemeClr val="tx1"/>
+                </a:solidFill>
+                <a:latin typeface="+mn-lt"/>
+              </a:rPr>
+              <a:t>etc</a:t>
+            </a:r>
+            <a:r>
+              <a:rPr lang="en-US" dirty="0">
+                <a:solidFill>
+                  <a:schemeClr val="tx1"/>
+                </a:solidFill>
+                <a:latin typeface="+mn-lt"/>
+              </a:rPr>
+              <a:t> in here.</a:t>
+            </a:r>
+          </a:p>
+          <a:p>
+            <a:pPr lvl="2">
+              <a:spcBef>
+                <a:spcPts val="0"/>
+              </a:spcBef>
+            </a:pPr>
+            <a:r>
+              <a:rPr lang="en-US" dirty="0">
+                <a:solidFill>
+                  <a:schemeClr val="tx1"/>
+                </a:solidFill>
+                <a:highlight>
+                  <a:srgbClr val="FFFF00"/>
+                </a:highlight>
+                <a:latin typeface="American Typewriter" panose="02090604020004020304" pitchFamily="18" charset="77"/>
+              </a:rPr>
+              <a:t>/go/</a:t>
+            </a:r>
+            <a:r>
+              <a:rPr lang="en-US" dirty="0" err="1">
+                <a:solidFill>
+                  <a:schemeClr val="tx1"/>
+                </a:solidFill>
+                <a:highlight>
+                  <a:srgbClr val="FFFF00"/>
+                </a:highlight>
+                <a:latin typeface="American Typewriter" panose="02090604020004020304" pitchFamily="18" charset="77"/>
+              </a:rPr>
+              <a:t>src</a:t>
+            </a:r>
+            <a:r>
+              <a:rPr lang="en-US" dirty="0">
+                <a:solidFill>
+                  <a:schemeClr val="tx1"/>
+                </a:solidFill>
+                <a:highlight>
+                  <a:srgbClr val="FFFF00"/>
+                </a:highlight>
+                <a:latin typeface="American Typewriter" panose="02090604020004020304" pitchFamily="18" charset="77"/>
+              </a:rPr>
+              <a:t>/</a:t>
+            </a:r>
+            <a:r>
+              <a:rPr lang="en-US" dirty="0" err="1">
+                <a:solidFill>
+                  <a:schemeClr val="tx1"/>
+                </a:solidFill>
+                <a:highlight>
+                  <a:srgbClr val="FFFF00"/>
+                </a:highlight>
+                <a:latin typeface="American Typewriter" panose="02090604020004020304" pitchFamily="18" charset="77"/>
+              </a:rPr>
+              <a:t>github.com</a:t>
+            </a:r>
+            <a:r>
+              <a:rPr lang="en-US" dirty="0">
+                <a:solidFill>
+                  <a:schemeClr val="tx1"/>
+                </a:solidFill>
+                <a:highlight>
+                  <a:srgbClr val="FFFF00"/>
+                </a:highlight>
+                <a:latin typeface="American Typewriter" panose="02090604020004020304" pitchFamily="18" charset="77"/>
+              </a:rPr>
+              <a:t>/</a:t>
+            </a:r>
+            <a:r>
+              <a:rPr lang="en-US" dirty="0" err="1">
+                <a:solidFill>
+                  <a:schemeClr val="tx1"/>
+                </a:solidFill>
+                <a:highlight>
+                  <a:srgbClr val="FFFF00"/>
+                </a:highlight>
+                <a:latin typeface="American Typewriter" panose="02090604020004020304" pitchFamily="18" charset="77"/>
+              </a:rPr>
+              <a:t>golang_practice</a:t>
+            </a:r>
+            <a:r>
+              <a:rPr lang="en-US" dirty="0">
+                <a:solidFill>
+                  <a:schemeClr val="tx1"/>
+                </a:solidFill>
+                <a:highlight>
+                  <a:srgbClr val="FFFF00"/>
+                </a:highlight>
+                <a:latin typeface="American Typewriter" panose="02090604020004020304" pitchFamily="18" charset="77"/>
+              </a:rPr>
+              <a:t>/configs</a:t>
+            </a:r>
+          </a:p>
+          <a:p>
+            <a:pPr lvl="3">
+              <a:spcBef>
+                <a:spcPts val="0"/>
+              </a:spcBef>
+            </a:pPr>
+            <a:r>
+              <a:rPr lang="en-US" dirty="0">
+                <a:solidFill>
+                  <a:schemeClr val="tx1"/>
+                </a:solidFill>
+                <a:latin typeface="+mn-lt"/>
+              </a:rPr>
+              <a:t>Config files go here- so passwords, </a:t>
+            </a:r>
+            <a:r>
+              <a:rPr lang="en-US" dirty="0" err="1">
+                <a:solidFill>
+                  <a:schemeClr val="tx1"/>
+                </a:solidFill>
+                <a:latin typeface="+mn-lt"/>
+              </a:rPr>
+              <a:t>json</a:t>
+            </a:r>
+            <a:r>
+              <a:rPr lang="en-US" dirty="0">
+                <a:solidFill>
+                  <a:schemeClr val="tx1"/>
+                </a:solidFill>
+                <a:latin typeface="+mn-lt"/>
+              </a:rPr>
+              <a:t> files, vault files, </a:t>
+            </a:r>
+            <a:r>
+              <a:rPr lang="en-US" dirty="0" err="1">
+                <a:solidFill>
+                  <a:schemeClr val="tx1"/>
+                </a:solidFill>
+                <a:latin typeface="+mn-lt"/>
+              </a:rPr>
+              <a:t>etc</a:t>
+            </a:r>
+            <a:endParaRPr lang="en-US" dirty="0">
+              <a:solidFill>
+                <a:schemeClr val="tx1"/>
+              </a:solidFill>
+              <a:latin typeface="+mn-lt"/>
+            </a:endParaRPr>
+          </a:p>
+          <a:p>
+            <a:pPr lvl="2">
+              <a:spcBef>
+                <a:spcPts val="0"/>
+              </a:spcBef>
+            </a:pPr>
+            <a:r>
+              <a:rPr lang="en-US" dirty="0">
+                <a:solidFill>
+                  <a:schemeClr val="tx1"/>
+                </a:solidFill>
+                <a:highlight>
+                  <a:srgbClr val="FFFF00"/>
+                </a:highlight>
+                <a:latin typeface="American Typewriter" panose="02090604020004020304" pitchFamily="18" charset="77"/>
+              </a:rPr>
+              <a:t>/go/</a:t>
+            </a:r>
+            <a:r>
+              <a:rPr lang="en-US" dirty="0" err="1">
+                <a:solidFill>
+                  <a:schemeClr val="tx1"/>
+                </a:solidFill>
+                <a:highlight>
+                  <a:srgbClr val="FFFF00"/>
+                </a:highlight>
+                <a:latin typeface="American Typewriter" panose="02090604020004020304" pitchFamily="18" charset="77"/>
+              </a:rPr>
+              <a:t>src</a:t>
+            </a:r>
+            <a:r>
+              <a:rPr lang="en-US" dirty="0">
+                <a:solidFill>
+                  <a:schemeClr val="tx1"/>
+                </a:solidFill>
+                <a:highlight>
+                  <a:srgbClr val="FFFF00"/>
+                </a:highlight>
+                <a:latin typeface="American Typewriter" panose="02090604020004020304" pitchFamily="18" charset="77"/>
+              </a:rPr>
+              <a:t>/</a:t>
+            </a:r>
+            <a:r>
+              <a:rPr lang="en-US" dirty="0" err="1">
+                <a:solidFill>
+                  <a:schemeClr val="tx1"/>
+                </a:solidFill>
+                <a:highlight>
+                  <a:srgbClr val="FFFF00"/>
+                </a:highlight>
+                <a:latin typeface="American Typewriter" panose="02090604020004020304" pitchFamily="18" charset="77"/>
+              </a:rPr>
+              <a:t>github.com</a:t>
+            </a:r>
+            <a:r>
+              <a:rPr lang="en-US" dirty="0">
+                <a:solidFill>
+                  <a:schemeClr val="tx1"/>
+                </a:solidFill>
+                <a:highlight>
+                  <a:srgbClr val="FFFF00"/>
+                </a:highlight>
+                <a:latin typeface="American Typewriter" panose="02090604020004020304" pitchFamily="18" charset="77"/>
+              </a:rPr>
+              <a:t>/</a:t>
+            </a:r>
+            <a:r>
+              <a:rPr lang="en-US" dirty="0" err="1">
+                <a:solidFill>
+                  <a:schemeClr val="tx1"/>
+                </a:solidFill>
+                <a:highlight>
+                  <a:srgbClr val="FFFF00"/>
+                </a:highlight>
+                <a:latin typeface="American Typewriter" panose="02090604020004020304" pitchFamily="18" charset="77"/>
+              </a:rPr>
+              <a:t>golang_practice</a:t>
+            </a:r>
+            <a:r>
+              <a:rPr lang="en-US" dirty="0">
+                <a:solidFill>
+                  <a:schemeClr val="tx1"/>
+                </a:solidFill>
+                <a:highlight>
+                  <a:srgbClr val="FFFF00"/>
+                </a:highlight>
+                <a:latin typeface="American Typewriter" panose="02090604020004020304" pitchFamily="18" charset="77"/>
+              </a:rPr>
+              <a:t>/</a:t>
+            </a:r>
+            <a:r>
+              <a:rPr lang="en-US" dirty="0" err="1">
+                <a:solidFill>
+                  <a:schemeClr val="tx1"/>
+                </a:solidFill>
+                <a:highlight>
+                  <a:srgbClr val="FFFF00"/>
+                </a:highlight>
+                <a:latin typeface="American Typewriter" panose="02090604020004020304" pitchFamily="18" charset="77"/>
+              </a:rPr>
+              <a:t>init</a:t>
+            </a:r>
+            <a:endParaRPr lang="en-US" dirty="0">
+              <a:solidFill>
+                <a:schemeClr val="tx1"/>
+              </a:solidFill>
+              <a:highlight>
+                <a:srgbClr val="FFFF00"/>
+              </a:highlight>
+              <a:latin typeface="American Typewriter" panose="02090604020004020304" pitchFamily="18" charset="77"/>
+            </a:endParaRPr>
+          </a:p>
+          <a:p>
+            <a:pPr lvl="3">
+              <a:spcBef>
+                <a:spcPts val="0"/>
+              </a:spcBef>
+            </a:pPr>
+            <a:r>
+              <a:rPr lang="en-US" dirty="0">
+                <a:solidFill>
+                  <a:schemeClr val="tx1"/>
+                </a:solidFill>
+                <a:latin typeface="+mn-lt"/>
+              </a:rPr>
+              <a:t>Your </a:t>
+            </a:r>
+            <a:r>
+              <a:rPr lang="en-US" dirty="0" err="1">
+                <a:solidFill>
+                  <a:schemeClr val="tx1"/>
+                </a:solidFill>
+                <a:latin typeface="+mn-lt"/>
+              </a:rPr>
+              <a:t>init</a:t>
+            </a:r>
+            <a:r>
+              <a:rPr lang="en-US" dirty="0">
+                <a:solidFill>
+                  <a:schemeClr val="tx1"/>
+                </a:solidFill>
+                <a:latin typeface="+mn-lt"/>
+              </a:rPr>
+              <a:t> scripts- like </a:t>
+            </a:r>
+            <a:r>
+              <a:rPr lang="en-US" dirty="0" err="1">
+                <a:solidFill>
+                  <a:schemeClr val="tx1"/>
+                </a:solidFill>
+                <a:latin typeface="+mn-lt"/>
+              </a:rPr>
+              <a:t>supervisord</a:t>
+            </a:r>
+            <a:r>
+              <a:rPr lang="en-US" dirty="0">
+                <a:solidFill>
+                  <a:schemeClr val="tx1"/>
+                </a:solidFill>
+                <a:latin typeface="+mn-lt"/>
+              </a:rPr>
+              <a:t> or </a:t>
+            </a:r>
+            <a:r>
+              <a:rPr lang="en-US" dirty="0" err="1">
+                <a:solidFill>
+                  <a:schemeClr val="tx1"/>
+                </a:solidFill>
+                <a:latin typeface="+mn-lt"/>
+              </a:rPr>
+              <a:t>runit</a:t>
+            </a:r>
+            <a:endParaRPr lang="en-US" dirty="0">
+              <a:solidFill>
+                <a:schemeClr val="tx1"/>
+              </a:solidFill>
+              <a:latin typeface="+mn-lt"/>
+            </a:endParaRPr>
+          </a:p>
+          <a:p>
+            <a:pPr lvl="2">
+              <a:spcBef>
+                <a:spcPts val="0"/>
+              </a:spcBef>
+            </a:pPr>
+            <a:r>
+              <a:rPr lang="en-US" dirty="0">
+                <a:solidFill>
+                  <a:schemeClr val="tx1"/>
+                </a:solidFill>
+                <a:highlight>
+                  <a:srgbClr val="FFFF00"/>
+                </a:highlight>
+                <a:latin typeface="American Typewriter" panose="02090604020004020304" pitchFamily="18" charset="77"/>
+              </a:rPr>
+              <a:t>/go/</a:t>
+            </a:r>
+            <a:r>
+              <a:rPr lang="en-US" dirty="0" err="1">
+                <a:solidFill>
+                  <a:schemeClr val="tx1"/>
+                </a:solidFill>
+                <a:highlight>
+                  <a:srgbClr val="FFFF00"/>
+                </a:highlight>
+                <a:latin typeface="American Typewriter" panose="02090604020004020304" pitchFamily="18" charset="77"/>
+              </a:rPr>
+              <a:t>src</a:t>
+            </a:r>
+            <a:r>
+              <a:rPr lang="en-US" dirty="0">
+                <a:solidFill>
+                  <a:schemeClr val="tx1"/>
+                </a:solidFill>
+                <a:highlight>
+                  <a:srgbClr val="FFFF00"/>
+                </a:highlight>
+                <a:latin typeface="American Typewriter" panose="02090604020004020304" pitchFamily="18" charset="77"/>
+              </a:rPr>
+              <a:t>/</a:t>
+            </a:r>
+            <a:r>
+              <a:rPr lang="en-US" dirty="0" err="1">
+                <a:solidFill>
+                  <a:schemeClr val="tx1"/>
+                </a:solidFill>
+                <a:highlight>
+                  <a:srgbClr val="FFFF00"/>
+                </a:highlight>
+                <a:latin typeface="American Typewriter" panose="02090604020004020304" pitchFamily="18" charset="77"/>
+              </a:rPr>
+              <a:t>github.com</a:t>
+            </a:r>
+            <a:r>
+              <a:rPr lang="en-US" dirty="0">
+                <a:solidFill>
+                  <a:schemeClr val="tx1"/>
+                </a:solidFill>
+                <a:highlight>
+                  <a:srgbClr val="FFFF00"/>
+                </a:highlight>
+                <a:latin typeface="American Typewriter" panose="02090604020004020304" pitchFamily="18" charset="77"/>
+              </a:rPr>
+              <a:t>/</a:t>
+            </a:r>
+            <a:r>
+              <a:rPr lang="en-US" dirty="0" err="1">
+                <a:solidFill>
+                  <a:schemeClr val="tx1"/>
+                </a:solidFill>
+                <a:highlight>
+                  <a:srgbClr val="FFFF00"/>
+                </a:highlight>
+                <a:latin typeface="American Typewriter" panose="02090604020004020304" pitchFamily="18" charset="77"/>
+              </a:rPr>
+              <a:t>golang_practice</a:t>
+            </a:r>
+            <a:r>
+              <a:rPr lang="en-US" dirty="0">
+                <a:solidFill>
+                  <a:schemeClr val="tx1"/>
+                </a:solidFill>
+                <a:highlight>
+                  <a:srgbClr val="FFFF00"/>
+                </a:highlight>
+                <a:latin typeface="American Typewriter" panose="02090604020004020304" pitchFamily="18" charset="77"/>
+              </a:rPr>
+              <a:t>/scripts</a:t>
+            </a:r>
+          </a:p>
+          <a:p>
+            <a:pPr lvl="3">
+              <a:spcBef>
+                <a:spcPts val="0"/>
+              </a:spcBef>
+            </a:pPr>
+            <a:r>
+              <a:rPr lang="en-US" dirty="0">
+                <a:solidFill>
+                  <a:schemeClr val="tx1"/>
+                </a:solidFill>
+                <a:latin typeface="+mn-lt"/>
+              </a:rPr>
+              <a:t>Basically- </a:t>
+            </a:r>
+            <a:r>
+              <a:rPr lang="en-US" dirty="0" err="1">
+                <a:solidFill>
+                  <a:schemeClr val="tx1"/>
+                </a:solidFill>
+                <a:latin typeface="+mn-lt"/>
+              </a:rPr>
+              <a:t>Makefile</a:t>
+            </a:r>
+            <a:r>
+              <a:rPr lang="en-US" dirty="0">
+                <a:solidFill>
+                  <a:schemeClr val="tx1"/>
+                </a:solidFill>
+                <a:latin typeface="+mn-lt"/>
+              </a:rPr>
+              <a:t> scripts and the like</a:t>
+            </a:r>
+          </a:p>
+          <a:p>
+            <a:pPr lvl="2">
+              <a:spcBef>
+                <a:spcPts val="0"/>
+              </a:spcBef>
+            </a:pPr>
+            <a:r>
+              <a:rPr lang="en-US" dirty="0">
+                <a:solidFill>
+                  <a:schemeClr val="tx1"/>
+                </a:solidFill>
+                <a:highlight>
+                  <a:srgbClr val="FFFF00"/>
+                </a:highlight>
+                <a:latin typeface="American Typewriter" panose="02090604020004020304" pitchFamily="18" charset="77"/>
+              </a:rPr>
+              <a:t>/go/</a:t>
+            </a:r>
+            <a:r>
+              <a:rPr lang="en-US" dirty="0" err="1">
+                <a:solidFill>
+                  <a:schemeClr val="tx1"/>
+                </a:solidFill>
+                <a:highlight>
+                  <a:srgbClr val="FFFF00"/>
+                </a:highlight>
+                <a:latin typeface="American Typewriter" panose="02090604020004020304" pitchFamily="18" charset="77"/>
+              </a:rPr>
+              <a:t>src</a:t>
+            </a:r>
+            <a:r>
+              <a:rPr lang="en-US" dirty="0">
+                <a:solidFill>
+                  <a:schemeClr val="tx1"/>
+                </a:solidFill>
+                <a:highlight>
+                  <a:srgbClr val="FFFF00"/>
+                </a:highlight>
+                <a:latin typeface="American Typewriter" panose="02090604020004020304" pitchFamily="18" charset="77"/>
+              </a:rPr>
+              <a:t>/</a:t>
+            </a:r>
+            <a:r>
+              <a:rPr lang="en-US" dirty="0" err="1">
+                <a:solidFill>
+                  <a:schemeClr val="tx1"/>
+                </a:solidFill>
+                <a:highlight>
+                  <a:srgbClr val="FFFF00"/>
+                </a:highlight>
+                <a:latin typeface="American Typewriter" panose="02090604020004020304" pitchFamily="18" charset="77"/>
+              </a:rPr>
+              <a:t>github.com</a:t>
+            </a:r>
+            <a:r>
+              <a:rPr lang="en-US" dirty="0">
+                <a:solidFill>
+                  <a:schemeClr val="tx1"/>
+                </a:solidFill>
+                <a:highlight>
+                  <a:srgbClr val="FFFF00"/>
+                </a:highlight>
+                <a:latin typeface="American Typewriter" panose="02090604020004020304" pitchFamily="18" charset="77"/>
+              </a:rPr>
+              <a:t>/</a:t>
+            </a:r>
+            <a:r>
+              <a:rPr lang="en-US" dirty="0" err="1">
+                <a:solidFill>
+                  <a:schemeClr val="tx1"/>
+                </a:solidFill>
+                <a:highlight>
+                  <a:srgbClr val="FFFF00"/>
+                </a:highlight>
+                <a:latin typeface="American Typewriter" panose="02090604020004020304" pitchFamily="18" charset="77"/>
+              </a:rPr>
+              <a:t>golang_practice</a:t>
+            </a:r>
+            <a:r>
+              <a:rPr lang="en-US" dirty="0">
+                <a:solidFill>
+                  <a:schemeClr val="tx1"/>
+                </a:solidFill>
+                <a:highlight>
+                  <a:srgbClr val="FFFF00"/>
+                </a:highlight>
+                <a:latin typeface="American Typewriter" panose="02090604020004020304" pitchFamily="18" charset="77"/>
+              </a:rPr>
+              <a:t>/build</a:t>
+            </a:r>
+          </a:p>
+          <a:p>
+            <a:pPr lvl="3">
+              <a:spcBef>
+                <a:spcPts val="0"/>
+              </a:spcBef>
+            </a:pPr>
+            <a:r>
+              <a:rPr lang="en-US" dirty="0">
+                <a:solidFill>
+                  <a:schemeClr val="tx1"/>
+                </a:solidFill>
+              </a:rPr>
+              <a:t>Docker, AMI, OS (deb, rpm, </a:t>
+            </a:r>
+            <a:r>
+              <a:rPr lang="en-US" dirty="0" err="1">
+                <a:solidFill>
+                  <a:schemeClr val="tx1"/>
+                </a:solidFill>
+              </a:rPr>
+              <a:t>pkg</a:t>
+            </a:r>
+            <a:r>
+              <a:rPr lang="en-US" dirty="0">
+                <a:solidFill>
+                  <a:schemeClr val="tx1"/>
+                </a:solidFill>
+              </a:rPr>
+              <a:t>) and ci scripts (in a ci subdirectory)</a:t>
+            </a:r>
+          </a:p>
+          <a:p>
+            <a:pPr lvl="2">
+              <a:spcBef>
+                <a:spcPts val="0"/>
+              </a:spcBef>
+            </a:pPr>
+            <a:r>
+              <a:rPr lang="en-US" dirty="0">
+                <a:solidFill>
+                  <a:schemeClr val="tx1"/>
+                </a:solidFill>
+                <a:highlight>
+                  <a:srgbClr val="FFFF00"/>
+                </a:highlight>
+                <a:latin typeface="American Typewriter" panose="02090604020004020304" pitchFamily="18" charset="77"/>
+              </a:rPr>
+              <a:t>/go/</a:t>
+            </a:r>
+            <a:r>
+              <a:rPr lang="en-US" dirty="0" err="1">
+                <a:solidFill>
+                  <a:schemeClr val="tx1"/>
+                </a:solidFill>
+                <a:highlight>
+                  <a:srgbClr val="FFFF00"/>
+                </a:highlight>
+                <a:latin typeface="American Typewriter" panose="02090604020004020304" pitchFamily="18" charset="77"/>
+              </a:rPr>
+              <a:t>src</a:t>
+            </a:r>
+            <a:r>
+              <a:rPr lang="en-US" dirty="0">
+                <a:solidFill>
+                  <a:schemeClr val="tx1"/>
+                </a:solidFill>
+                <a:highlight>
+                  <a:srgbClr val="FFFF00"/>
+                </a:highlight>
+                <a:latin typeface="American Typewriter" panose="02090604020004020304" pitchFamily="18" charset="77"/>
+              </a:rPr>
+              <a:t>/</a:t>
+            </a:r>
+            <a:r>
+              <a:rPr lang="en-US" dirty="0" err="1">
+                <a:solidFill>
+                  <a:schemeClr val="tx1"/>
+                </a:solidFill>
+                <a:highlight>
+                  <a:srgbClr val="FFFF00"/>
+                </a:highlight>
+                <a:latin typeface="American Typewriter" panose="02090604020004020304" pitchFamily="18" charset="77"/>
+              </a:rPr>
+              <a:t>github.com</a:t>
+            </a:r>
+            <a:r>
+              <a:rPr lang="en-US" dirty="0">
+                <a:solidFill>
+                  <a:schemeClr val="tx1"/>
+                </a:solidFill>
+                <a:highlight>
+                  <a:srgbClr val="FFFF00"/>
+                </a:highlight>
+                <a:latin typeface="American Typewriter" panose="02090604020004020304" pitchFamily="18" charset="77"/>
+              </a:rPr>
+              <a:t>/</a:t>
+            </a:r>
+            <a:r>
+              <a:rPr lang="en-US" dirty="0" err="1">
+                <a:solidFill>
+                  <a:schemeClr val="tx1"/>
+                </a:solidFill>
+                <a:highlight>
+                  <a:srgbClr val="FFFF00"/>
+                </a:highlight>
+                <a:latin typeface="American Typewriter" panose="02090604020004020304" pitchFamily="18" charset="77"/>
+              </a:rPr>
+              <a:t>golang_practice</a:t>
+            </a:r>
+            <a:r>
+              <a:rPr lang="en-US" dirty="0">
+                <a:solidFill>
+                  <a:schemeClr val="tx1"/>
+                </a:solidFill>
+                <a:highlight>
+                  <a:srgbClr val="FFFF00"/>
+                </a:highlight>
+                <a:latin typeface="American Typewriter" panose="02090604020004020304" pitchFamily="18" charset="77"/>
+              </a:rPr>
+              <a:t>/deployments</a:t>
+            </a:r>
+          </a:p>
+          <a:p>
+            <a:pPr lvl="3">
+              <a:spcBef>
+                <a:spcPts val="0"/>
+              </a:spcBef>
+            </a:pPr>
+            <a:r>
+              <a:rPr lang="en-US" dirty="0">
+                <a:solidFill>
+                  <a:schemeClr val="tx1"/>
+                </a:solidFill>
+              </a:rPr>
+              <a:t>Docker-</a:t>
+            </a:r>
+            <a:r>
+              <a:rPr lang="en-US" dirty="0" err="1">
+                <a:solidFill>
+                  <a:schemeClr val="tx1"/>
+                </a:solidFill>
+              </a:rPr>
+              <a:t>compose.yml</a:t>
+            </a:r>
+            <a:r>
+              <a:rPr lang="en-US" dirty="0">
+                <a:solidFill>
+                  <a:schemeClr val="tx1"/>
+                </a:solidFill>
+              </a:rPr>
+              <a:t>, </a:t>
+            </a:r>
+            <a:r>
+              <a:rPr lang="en-US" dirty="0" err="1">
+                <a:solidFill>
+                  <a:schemeClr val="tx1"/>
+                </a:solidFill>
+              </a:rPr>
+              <a:t>kubernetes</a:t>
+            </a:r>
+            <a:r>
+              <a:rPr lang="en-US" dirty="0">
+                <a:solidFill>
+                  <a:schemeClr val="tx1"/>
+                </a:solidFill>
+              </a:rPr>
+              <a:t>, helm, </a:t>
+            </a:r>
+            <a:r>
+              <a:rPr lang="en-US" dirty="0" err="1">
+                <a:solidFill>
+                  <a:schemeClr val="tx1"/>
+                </a:solidFill>
+              </a:rPr>
+              <a:t>etc</a:t>
+            </a:r>
+            <a:r>
+              <a:rPr lang="en-US" dirty="0">
+                <a:solidFill>
+                  <a:schemeClr val="tx1"/>
+                </a:solidFill>
+              </a:rPr>
+              <a:t>…</a:t>
+            </a:r>
+          </a:p>
+          <a:p>
+            <a:pPr lvl="2">
+              <a:spcBef>
+                <a:spcPts val="0"/>
+              </a:spcBef>
+            </a:pPr>
+            <a:endParaRPr lang="en-US" dirty="0">
+              <a:solidFill>
+                <a:schemeClr val="tx1"/>
+              </a:solidFill>
+              <a:latin typeface="+mn-lt"/>
+            </a:endParaRPr>
+          </a:p>
+          <a:p>
+            <a:pPr lvl="3">
+              <a:spcBef>
+                <a:spcPts val="0"/>
+              </a:spcBef>
+            </a:pPr>
+            <a:endParaRPr lang="en-US" dirty="0">
+              <a:solidFill>
+                <a:schemeClr val="tx1"/>
+              </a:solidFill>
+              <a:latin typeface="+mn-lt"/>
+            </a:endParaRPr>
+          </a:p>
+          <a:p>
+            <a:pPr marL="1485900" lvl="3" indent="0">
+              <a:spcBef>
+                <a:spcPts val="0"/>
+              </a:spcBef>
+              <a:buNone/>
+            </a:pPr>
+            <a:endParaRPr lang="en-US" dirty="0">
+              <a:solidFill>
+                <a:schemeClr val="tx1"/>
+              </a:solidFill>
+              <a:latin typeface="+mn-lt"/>
+            </a:endParaRPr>
+          </a:p>
+          <a:p>
+            <a:pPr marL="1485900" lvl="3" indent="0">
+              <a:spcBef>
+                <a:spcPts val="0"/>
+              </a:spcBef>
+              <a:buNone/>
+            </a:pPr>
+            <a:endParaRPr lang="en-US" dirty="0">
+              <a:solidFill>
+                <a:schemeClr val="tx1"/>
+              </a:solidFill>
+              <a:latin typeface="+mn-lt"/>
+            </a:endParaRPr>
+          </a:p>
+          <a:p>
+            <a:pPr marL="1485900" lvl="3" indent="0">
+              <a:spcBef>
+                <a:spcPts val="0"/>
+              </a:spcBef>
+              <a:buNone/>
+            </a:pPr>
+            <a:endParaRPr lang="en-US" dirty="0">
+              <a:solidFill>
+                <a:schemeClr val="tx1"/>
+              </a:solidFill>
+              <a:latin typeface="+mn-lt"/>
+            </a:endParaRPr>
+          </a:p>
+          <a:p>
+            <a:pPr marL="1485900" lvl="3" indent="0">
+              <a:spcBef>
+                <a:spcPts val="0"/>
+              </a:spcBef>
+              <a:buNone/>
+            </a:pPr>
+            <a:endParaRPr lang="en-US" dirty="0">
+              <a:solidFill>
+                <a:schemeClr val="tx1"/>
+              </a:solidFill>
+              <a:latin typeface="+mn-lt"/>
+            </a:endParaRPr>
+          </a:p>
+        </p:txBody>
+      </p:sp>
+      <p:pic>
+        <p:nvPicPr>
+          <p:cNvPr id="5" name="Picture 2" descr="Image result for golang gopher">
+            <a:extLst>
+              <a:ext uri="{FF2B5EF4-FFF2-40B4-BE49-F238E27FC236}">
+                <a16:creationId xmlns:a16="http://schemas.microsoft.com/office/drawing/2014/main" id="{5BAA68CB-8062-A644-92BE-C46FDDD5541C}"/>
+              </a:ext>
+            </a:extLst>
+          </p:cNvPr>
+          <p:cNvPicPr>
+            <a:picLocks noChangeAspect="1" noChangeArrowheads="1"/>
+          </p:cNvPicPr>
+          <p:nvPr/>
+        </p:nvPicPr>
+        <p:blipFill>
+          <a:blip r:embed="rId3">
+            <a:extLst>
+              <a:ext uri="{28A0092B-C50C-407E-A947-70E740481C1C}">
+                <a14:useLocalDpi xmlns:a14="http://schemas.microsoft.com/office/drawing/2010/main" val="0"/>
+              </a:ext>
+            </a:extLst>
+          </a:blip>
+          <a:srcRect/>
+          <a:stretch>
+            <a:fillRect/>
+          </a:stretch>
+        </p:blipFill>
+        <p:spPr bwMode="auto">
+          <a:xfrm>
+            <a:off x="7497764" y="3750067"/>
+            <a:ext cx="1327737" cy="1438382"/>
+          </a:xfrm>
+          <a:prstGeom prst="rect">
+            <a:avLst/>
+          </a:prstGeom>
+          <a:noFill/>
+          <a:extLst>
+            <a:ext uri="{909E8E84-426E-40DD-AFC4-6F175D3DCCD1}">
+              <a14:hiddenFill xmlns:a14="http://schemas.microsoft.com/office/drawing/2010/main">
+                <a:solidFill>
+                  <a:srgbClr val="FFFFFF"/>
+                </a:solidFill>
+              </a14:hiddenFill>
+            </a:ext>
+          </a:extLst>
+        </p:spPr>
+      </p:pic>
+    </p:spTree>
+    <p:extLst>
+      <p:ext uri="{BB962C8B-B14F-4D97-AF65-F5344CB8AC3E}">
+        <p14:creationId xmlns:p14="http://schemas.microsoft.com/office/powerpoint/2010/main" val="536995082"/>
+      </p:ext>
+    </p:extLst>
+  </p:cSld>
+  <p:clrMapOvr>
+    <a:masterClrMapping/>
+  </p:clrMapOvr>
+</p:sld>
+</file>
+
+<file path=ppt/slides/slide43.xml><?xml version="1.0" encoding="utf-8"?>
+<p:sld xmlns:a="http://schemas.openxmlformats.org/drawingml/2006/main" xmlns:r="http://schemas.openxmlformats.org/officeDocument/2006/relationships" xmlns:p="http://schemas.openxmlformats.org/presentationml/2006/main">
+  <p:cSld>
+    <p:spTree>
+      <p:nvGrpSpPr>
+        <p:cNvPr id="1" name="Shape 113"/>
+        <p:cNvGrpSpPr/>
+        <p:nvPr/>
+      </p:nvGrpSpPr>
+      <p:grpSpPr>
+        <a:xfrm>
+          <a:off x="0" y="0"/>
+          <a:ext cx="0" cy="0"/>
+          <a:chOff x="0" y="0"/>
+          <a:chExt cx="0" cy="0"/>
+        </a:xfrm>
+      </p:grpSpPr>
+      <p:sp>
+        <p:nvSpPr>
+          <p:cNvPr id="114" name="Shape 114"/>
+          <p:cNvSpPr txBox="1">
+            <a:spLocks noGrp="1"/>
+          </p:cNvSpPr>
+          <p:nvPr>
+            <p:ph type="title"/>
+          </p:nvPr>
+        </p:nvSpPr>
+        <p:spPr>
+          <a:xfrm>
+            <a:off x="76200" y="152400"/>
+            <a:ext cx="8991600" cy="671400"/>
+          </a:xfrm>
+          <a:prstGeom prst="rect">
+            <a:avLst/>
+          </a:prstGeom>
+        </p:spPr>
+        <p:txBody>
+          <a:bodyPr lIns="91425" tIns="91425" rIns="91425" bIns="91425" anchor="ctr" anchorCtr="0">
+            <a:noAutofit/>
+          </a:bodyPr>
+          <a:lstStyle/>
+          <a:p>
+            <a:pPr lvl="0">
+              <a:spcBef>
+                <a:spcPts val="0"/>
+              </a:spcBef>
+              <a:buNone/>
+            </a:pPr>
+            <a:r>
+              <a:rPr lang="en-US" dirty="0"/>
+              <a:t>Golang Setup (follow along)</a:t>
+            </a:r>
+            <a:endParaRPr dirty="0"/>
+          </a:p>
+        </p:txBody>
+      </p:sp>
+      <p:sp>
+        <p:nvSpPr>
+          <p:cNvPr id="115" name="Shape 115"/>
+          <p:cNvSpPr txBox="1">
+            <a:spLocks noGrp="1"/>
+          </p:cNvSpPr>
+          <p:nvPr>
+            <p:ph type="body" idx="1"/>
+          </p:nvPr>
+        </p:nvSpPr>
+        <p:spPr>
+          <a:xfrm>
+            <a:off x="76200" y="1240810"/>
+            <a:ext cx="8991600" cy="4070929"/>
+          </a:xfrm>
+          <a:prstGeom prst="rect">
+            <a:avLst/>
+          </a:prstGeom>
+        </p:spPr>
+        <p:txBody>
+          <a:bodyPr lIns="91425" tIns="91425" rIns="91425" bIns="91425" anchor="t" anchorCtr="0">
+            <a:noAutofit/>
+          </a:bodyPr>
+          <a:lstStyle/>
+          <a:p>
+            <a:pPr lvl="1">
+              <a:spcBef>
+                <a:spcPts val="0"/>
+              </a:spcBef>
+            </a:pPr>
+            <a:r>
+              <a:rPr lang="en-US" b="1" dirty="0"/>
+              <a:t> Other possible directories:</a:t>
+            </a:r>
+          </a:p>
+          <a:p>
+            <a:pPr lvl="2">
+              <a:spcBef>
+                <a:spcPts val="0"/>
+              </a:spcBef>
+            </a:pPr>
+            <a:r>
+              <a:rPr lang="en-US" dirty="0">
+                <a:solidFill>
+                  <a:schemeClr val="tx1"/>
+                </a:solidFill>
+                <a:highlight>
+                  <a:srgbClr val="FFFF00"/>
+                </a:highlight>
+                <a:latin typeface="American Typewriter" panose="02090604020004020304" pitchFamily="18" charset="77"/>
+              </a:rPr>
+              <a:t>/go/</a:t>
+            </a:r>
+            <a:r>
+              <a:rPr lang="en-US" dirty="0" err="1">
+                <a:solidFill>
+                  <a:schemeClr val="tx1"/>
+                </a:solidFill>
+                <a:highlight>
+                  <a:srgbClr val="FFFF00"/>
+                </a:highlight>
+                <a:latin typeface="American Typewriter" panose="02090604020004020304" pitchFamily="18" charset="77"/>
+              </a:rPr>
+              <a:t>src</a:t>
+            </a:r>
+            <a:r>
+              <a:rPr lang="en-US" dirty="0">
+                <a:solidFill>
+                  <a:schemeClr val="tx1"/>
+                </a:solidFill>
+                <a:highlight>
+                  <a:srgbClr val="FFFF00"/>
+                </a:highlight>
+                <a:latin typeface="American Typewriter" panose="02090604020004020304" pitchFamily="18" charset="77"/>
+              </a:rPr>
+              <a:t>/</a:t>
+            </a:r>
+            <a:r>
+              <a:rPr lang="en-US" dirty="0" err="1">
+                <a:solidFill>
+                  <a:schemeClr val="tx1"/>
+                </a:solidFill>
+                <a:highlight>
+                  <a:srgbClr val="FFFF00"/>
+                </a:highlight>
+                <a:latin typeface="American Typewriter" panose="02090604020004020304" pitchFamily="18" charset="77"/>
+              </a:rPr>
+              <a:t>github.com</a:t>
+            </a:r>
+            <a:r>
+              <a:rPr lang="en-US" dirty="0">
+                <a:solidFill>
+                  <a:schemeClr val="tx1"/>
+                </a:solidFill>
+                <a:highlight>
+                  <a:srgbClr val="FFFF00"/>
+                </a:highlight>
+                <a:latin typeface="American Typewriter" panose="02090604020004020304" pitchFamily="18" charset="77"/>
+              </a:rPr>
+              <a:t>/</a:t>
+            </a:r>
+            <a:r>
+              <a:rPr lang="en-US" dirty="0" err="1">
+                <a:solidFill>
+                  <a:schemeClr val="tx1"/>
+                </a:solidFill>
+                <a:highlight>
+                  <a:srgbClr val="FFFF00"/>
+                </a:highlight>
+                <a:latin typeface="American Typewriter" panose="02090604020004020304" pitchFamily="18" charset="77"/>
+              </a:rPr>
+              <a:t>golang_practice</a:t>
+            </a:r>
+            <a:r>
+              <a:rPr lang="en-US" dirty="0">
+                <a:solidFill>
+                  <a:schemeClr val="tx1"/>
+                </a:solidFill>
+                <a:highlight>
+                  <a:srgbClr val="FFFF00"/>
+                </a:highlight>
+                <a:latin typeface="American Typewriter" panose="02090604020004020304" pitchFamily="18" charset="77"/>
+              </a:rPr>
+              <a:t>/test</a:t>
+            </a:r>
+          </a:p>
+          <a:p>
+            <a:pPr lvl="3">
+              <a:spcBef>
+                <a:spcPts val="0"/>
+              </a:spcBef>
+            </a:pPr>
+            <a:r>
+              <a:rPr lang="en-US" dirty="0">
+                <a:solidFill>
+                  <a:schemeClr val="tx1"/>
+                </a:solidFill>
+                <a:latin typeface="American Typewriter" panose="02090604020004020304" pitchFamily="18" charset="77"/>
+              </a:rPr>
+              <a:t> </a:t>
+            </a:r>
+            <a:r>
+              <a:rPr lang="en-US" dirty="0">
+                <a:solidFill>
+                  <a:schemeClr val="tx1"/>
+                </a:solidFill>
+              </a:rPr>
+              <a:t>Tests (duh)</a:t>
+            </a:r>
+          </a:p>
+          <a:p>
+            <a:pPr lvl="2">
+              <a:spcBef>
+                <a:spcPts val="0"/>
+              </a:spcBef>
+            </a:pPr>
+            <a:r>
+              <a:rPr lang="en-US" dirty="0">
+                <a:solidFill>
+                  <a:schemeClr val="tx1"/>
+                </a:solidFill>
+                <a:highlight>
+                  <a:srgbClr val="FFFF00"/>
+                </a:highlight>
+                <a:latin typeface="American Typewriter" panose="02090604020004020304" pitchFamily="18" charset="77"/>
+              </a:rPr>
+              <a:t>/go/</a:t>
+            </a:r>
+            <a:r>
+              <a:rPr lang="en-US" dirty="0" err="1">
+                <a:solidFill>
+                  <a:schemeClr val="tx1"/>
+                </a:solidFill>
+                <a:highlight>
+                  <a:srgbClr val="FFFF00"/>
+                </a:highlight>
+                <a:latin typeface="American Typewriter" panose="02090604020004020304" pitchFamily="18" charset="77"/>
+              </a:rPr>
+              <a:t>src</a:t>
+            </a:r>
+            <a:r>
+              <a:rPr lang="en-US" dirty="0">
+                <a:solidFill>
+                  <a:schemeClr val="tx1"/>
+                </a:solidFill>
+                <a:highlight>
+                  <a:srgbClr val="FFFF00"/>
+                </a:highlight>
+                <a:latin typeface="American Typewriter" panose="02090604020004020304" pitchFamily="18" charset="77"/>
+              </a:rPr>
+              <a:t>/</a:t>
+            </a:r>
+            <a:r>
+              <a:rPr lang="en-US" dirty="0" err="1">
+                <a:solidFill>
+                  <a:schemeClr val="tx1"/>
+                </a:solidFill>
+                <a:highlight>
+                  <a:srgbClr val="FFFF00"/>
+                </a:highlight>
+                <a:latin typeface="American Typewriter" panose="02090604020004020304" pitchFamily="18" charset="77"/>
+              </a:rPr>
+              <a:t>github.com</a:t>
+            </a:r>
+            <a:r>
+              <a:rPr lang="en-US" dirty="0">
+                <a:solidFill>
+                  <a:schemeClr val="tx1"/>
+                </a:solidFill>
+                <a:highlight>
+                  <a:srgbClr val="FFFF00"/>
+                </a:highlight>
+                <a:latin typeface="American Typewriter" panose="02090604020004020304" pitchFamily="18" charset="77"/>
+              </a:rPr>
+              <a:t>/</a:t>
+            </a:r>
+            <a:r>
+              <a:rPr lang="en-US" dirty="0" err="1">
+                <a:solidFill>
+                  <a:schemeClr val="tx1"/>
+                </a:solidFill>
+                <a:highlight>
+                  <a:srgbClr val="FFFF00"/>
+                </a:highlight>
+                <a:latin typeface="American Typewriter" panose="02090604020004020304" pitchFamily="18" charset="77"/>
+              </a:rPr>
+              <a:t>golang_practice</a:t>
+            </a:r>
+            <a:r>
+              <a:rPr lang="en-US" dirty="0">
+                <a:solidFill>
+                  <a:schemeClr val="tx1"/>
+                </a:solidFill>
+                <a:highlight>
+                  <a:srgbClr val="FFFF00"/>
+                </a:highlight>
+                <a:latin typeface="American Typewriter" panose="02090604020004020304" pitchFamily="18" charset="77"/>
+              </a:rPr>
+              <a:t>/docs</a:t>
+            </a:r>
+          </a:p>
+          <a:p>
+            <a:pPr lvl="3">
+              <a:spcBef>
+                <a:spcPts val="0"/>
+              </a:spcBef>
+            </a:pPr>
+            <a:r>
+              <a:rPr lang="en-US" dirty="0">
+                <a:solidFill>
+                  <a:schemeClr val="tx1"/>
+                </a:solidFill>
+              </a:rPr>
+              <a:t>Design and user docs (READMEs)</a:t>
+            </a:r>
+          </a:p>
+          <a:p>
+            <a:pPr lvl="2">
+              <a:spcBef>
+                <a:spcPts val="0"/>
+              </a:spcBef>
+            </a:pPr>
+            <a:r>
+              <a:rPr lang="en-US" dirty="0">
+                <a:solidFill>
+                  <a:schemeClr val="tx1"/>
+                </a:solidFill>
+                <a:highlight>
+                  <a:srgbClr val="FFFF00"/>
+                </a:highlight>
+                <a:latin typeface="American Typewriter" panose="02090604020004020304" pitchFamily="18" charset="77"/>
+              </a:rPr>
+              <a:t>/go/</a:t>
+            </a:r>
+            <a:r>
+              <a:rPr lang="en-US" dirty="0" err="1">
+                <a:solidFill>
+                  <a:schemeClr val="tx1"/>
+                </a:solidFill>
+                <a:highlight>
+                  <a:srgbClr val="FFFF00"/>
+                </a:highlight>
+                <a:latin typeface="American Typewriter" panose="02090604020004020304" pitchFamily="18" charset="77"/>
+              </a:rPr>
+              <a:t>src</a:t>
+            </a:r>
+            <a:r>
+              <a:rPr lang="en-US" dirty="0">
+                <a:solidFill>
+                  <a:schemeClr val="tx1"/>
+                </a:solidFill>
+                <a:highlight>
+                  <a:srgbClr val="FFFF00"/>
+                </a:highlight>
+                <a:latin typeface="American Typewriter" panose="02090604020004020304" pitchFamily="18" charset="77"/>
+              </a:rPr>
+              <a:t>/</a:t>
+            </a:r>
+            <a:r>
+              <a:rPr lang="en-US" dirty="0" err="1">
+                <a:solidFill>
+                  <a:schemeClr val="tx1"/>
+                </a:solidFill>
+                <a:highlight>
+                  <a:srgbClr val="FFFF00"/>
+                </a:highlight>
+                <a:latin typeface="American Typewriter" panose="02090604020004020304" pitchFamily="18" charset="77"/>
+              </a:rPr>
+              <a:t>github.com</a:t>
+            </a:r>
+            <a:r>
+              <a:rPr lang="en-US" dirty="0">
+                <a:solidFill>
+                  <a:schemeClr val="tx1"/>
+                </a:solidFill>
+                <a:highlight>
+                  <a:srgbClr val="FFFF00"/>
+                </a:highlight>
+                <a:latin typeface="American Typewriter" panose="02090604020004020304" pitchFamily="18" charset="77"/>
+              </a:rPr>
+              <a:t>/</a:t>
+            </a:r>
+            <a:r>
+              <a:rPr lang="en-US" dirty="0" err="1">
+                <a:solidFill>
+                  <a:schemeClr val="tx1"/>
+                </a:solidFill>
+                <a:highlight>
+                  <a:srgbClr val="FFFF00"/>
+                </a:highlight>
+                <a:latin typeface="American Typewriter" panose="02090604020004020304" pitchFamily="18" charset="77"/>
+              </a:rPr>
+              <a:t>golang_practice</a:t>
+            </a:r>
+            <a:r>
+              <a:rPr lang="en-US" dirty="0">
+                <a:solidFill>
+                  <a:schemeClr val="tx1"/>
+                </a:solidFill>
+                <a:highlight>
+                  <a:srgbClr val="FFFF00"/>
+                </a:highlight>
+                <a:latin typeface="American Typewriter" panose="02090604020004020304" pitchFamily="18" charset="77"/>
+              </a:rPr>
+              <a:t>/tools</a:t>
+            </a:r>
+          </a:p>
+          <a:p>
+            <a:pPr lvl="3">
+              <a:spcBef>
+                <a:spcPts val="0"/>
+              </a:spcBef>
+            </a:pPr>
+            <a:r>
+              <a:rPr lang="en-US" dirty="0">
+                <a:solidFill>
+                  <a:schemeClr val="tx1"/>
+                </a:solidFill>
+                <a:latin typeface="+mn-lt"/>
+              </a:rPr>
+              <a:t>Supporting tools (can import from /</a:t>
+            </a:r>
+            <a:r>
+              <a:rPr lang="en-US" dirty="0" err="1">
+                <a:solidFill>
+                  <a:schemeClr val="tx1"/>
+                </a:solidFill>
+                <a:latin typeface="+mn-lt"/>
+              </a:rPr>
+              <a:t>pkg</a:t>
+            </a:r>
+            <a:r>
+              <a:rPr lang="en-US" dirty="0">
+                <a:solidFill>
+                  <a:schemeClr val="tx1"/>
+                </a:solidFill>
+                <a:latin typeface="+mn-lt"/>
+              </a:rPr>
+              <a:t> and internal)</a:t>
+            </a:r>
+          </a:p>
+          <a:p>
+            <a:pPr lvl="2">
+              <a:spcBef>
+                <a:spcPts val="0"/>
+              </a:spcBef>
+            </a:pPr>
+            <a:r>
+              <a:rPr lang="en-US" dirty="0">
+                <a:solidFill>
+                  <a:schemeClr val="tx1"/>
+                </a:solidFill>
+                <a:highlight>
+                  <a:srgbClr val="FFFF00"/>
+                </a:highlight>
+                <a:latin typeface="American Typewriter" panose="02090604020004020304" pitchFamily="18" charset="77"/>
+              </a:rPr>
+              <a:t>/go/</a:t>
+            </a:r>
+            <a:r>
+              <a:rPr lang="en-US" dirty="0" err="1">
+                <a:solidFill>
+                  <a:schemeClr val="tx1"/>
+                </a:solidFill>
+                <a:highlight>
+                  <a:srgbClr val="FFFF00"/>
+                </a:highlight>
+                <a:latin typeface="American Typewriter" panose="02090604020004020304" pitchFamily="18" charset="77"/>
+              </a:rPr>
+              <a:t>src</a:t>
+            </a:r>
+            <a:r>
+              <a:rPr lang="en-US" dirty="0">
+                <a:solidFill>
+                  <a:schemeClr val="tx1"/>
+                </a:solidFill>
+                <a:highlight>
+                  <a:srgbClr val="FFFF00"/>
+                </a:highlight>
+                <a:latin typeface="American Typewriter" panose="02090604020004020304" pitchFamily="18" charset="77"/>
+              </a:rPr>
+              <a:t>/</a:t>
+            </a:r>
+            <a:r>
+              <a:rPr lang="en-US" dirty="0" err="1">
+                <a:solidFill>
+                  <a:schemeClr val="tx1"/>
+                </a:solidFill>
+                <a:highlight>
+                  <a:srgbClr val="FFFF00"/>
+                </a:highlight>
+                <a:latin typeface="American Typewriter" panose="02090604020004020304" pitchFamily="18" charset="77"/>
+              </a:rPr>
+              <a:t>github.com</a:t>
+            </a:r>
+            <a:r>
+              <a:rPr lang="en-US" dirty="0">
+                <a:solidFill>
+                  <a:schemeClr val="tx1"/>
+                </a:solidFill>
+                <a:highlight>
+                  <a:srgbClr val="FFFF00"/>
+                </a:highlight>
+                <a:latin typeface="American Typewriter" panose="02090604020004020304" pitchFamily="18" charset="77"/>
+              </a:rPr>
+              <a:t>/</a:t>
+            </a:r>
+            <a:r>
+              <a:rPr lang="en-US" dirty="0" err="1">
+                <a:solidFill>
+                  <a:schemeClr val="tx1"/>
+                </a:solidFill>
+                <a:highlight>
+                  <a:srgbClr val="FFFF00"/>
+                </a:highlight>
+                <a:latin typeface="American Typewriter" panose="02090604020004020304" pitchFamily="18" charset="77"/>
+              </a:rPr>
+              <a:t>golang_practice</a:t>
+            </a:r>
+            <a:r>
+              <a:rPr lang="en-US" dirty="0">
+                <a:solidFill>
+                  <a:schemeClr val="tx1"/>
+                </a:solidFill>
+                <a:highlight>
+                  <a:srgbClr val="FFFF00"/>
+                </a:highlight>
+                <a:latin typeface="American Typewriter" panose="02090604020004020304" pitchFamily="18" charset="77"/>
+              </a:rPr>
+              <a:t>/examples</a:t>
+            </a:r>
+          </a:p>
+          <a:p>
+            <a:pPr lvl="3">
+              <a:spcBef>
+                <a:spcPts val="0"/>
+              </a:spcBef>
+            </a:pPr>
+            <a:r>
+              <a:rPr lang="en-US" dirty="0">
+                <a:solidFill>
+                  <a:schemeClr val="tx1"/>
+                </a:solidFill>
+              </a:rPr>
+              <a:t>HOW </a:t>
+            </a:r>
+            <a:r>
+              <a:rPr lang="en-US" dirty="0" err="1">
+                <a:solidFill>
+                  <a:schemeClr val="tx1"/>
+                </a:solidFill>
+              </a:rPr>
+              <a:t>Tos</a:t>
+            </a:r>
+            <a:endParaRPr lang="en-US" dirty="0">
+              <a:solidFill>
+                <a:schemeClr val="tx1"/>
+              </a:solidFill>
+            </a:endParaRPr>
+          </a:p>
+          <a:p>
+            <a:pPr lvl="2">
+              <a:spcBef>
+                <a:spcPts val="0"/>
+              </a:spcBef>
+            </a:pPr>
+            <a:r>
+              <a:rPr lang="en-US" dirty="0">
+                <a:solidFill>
+                  <a:schemeClr val="tx1"/>
+                </a:solidFill>
+                <a:highlight>
+                  <a:srgbClr val="FFFF00"/>
+                </a:highlight>
+                <a:latin typeface="American Typewriter" panose="02090604020004020304" pitchFamily="18" charset="77"/>
+              </a:rPr>
+              <a:t>/go/</a:t>
+            </a:r>
+            <a:r>
+              <a:rPr lang="en-US" dirty="0" err="1">
+                <a:solidFill>
+                  <a:schemeClr val="tx1"/>
+                </a:solidFill>
+                <a:highlight>
+                  <a:srgbClr val="FFFF00"/>
+                </a:highlight>
+                <a:latin typeface="American Typewriter" panose="02090604020004020304" pitchFamily="18" charset="77"/>
+              </a:rPr>
+              <a:t>src</a:t>
+            </a:r>
+            <a:r>
+              <a:rPr lang="en-US" dirty="0">
+                <a:solidFill>
+                  <a:schemeClr val="tx1"/>
+                </a:solidFill>
+                <a:highlight>
+                  <a:srgbClr val="FFFF00"/>
+                </a:highlight>
+                <a:latin typeface="American Typewriter" panose="02090604020004020304" pitchFamily="18" charset="77"/>
+              </a:rPr>
+              <a:t>/</a:t>
+            </a:r>
+            <a:r>
+              <a:rPr lang="en-US" dirty="0" err="1">
+                <a:solidFill>
+                  <a:schemeClr val="tx1"/>
+                </a:solidFill>
+                <a:highlight>
+                  <a:srgbClr val="FFFF00"/>
+                </a:highlight>
+                <a:latin typeface="American Typewriter" panose="02090604020004020304" pitchFamily="18" charset="77"/>
+              </a:rPr>
+              <a:t>github.com</a:t>
+            </a:r>
+            <a:r>
+              <a:rPr lang="en-US" dirty="0">
+                <a:solidFill>
+                  <a:schemeClr val="tx1"/>
+                </a:solidFill>
+                <a:highlight>
+                  <a:srgbClr val="FFFF00"/>
+                </a:highlight>
+                <a:latin typeface="American Typewriter" panose="02090604020004020304" pitchFamily="18" charset="77"/>
+              </a:rPr>
+              <a:t>/</a:t>
+            </a:r>
+            <a:r>
+              <a:rPr lang="en-US" dirty="0" err="1">
+                <a:solidFill>
+                  <a:schemeClr val="tx1"/>
+                </a:solidFill>
+                <a:highlight>
+                  <a:srgbClr val="FFFF00"/>
+                </a:highlight>
+                <a:latin typeface="American Typewriter" panose="02090604020004020304" pitchFamily="18" charset="77"/>
+              </a:rPr>
+              <a:t>golang_practice</a:t>
+            </a:r>
+            <a:r>
+              <a:rPr lang="en-US" dirty="0">
+                <a:solidFill>
+                  <a:schemeClr val="tx1"/>
+                </a:solidFill>
+                <a:highlight>
+                  <a:srgbClr val="FFFF00"/>
+                </a:highlight>
+                <a:latin typeface="American Typewriter" panose="02090604020004020304" pitchFamily="18" charset="77"/>
+              </a:rPr>
+              <a:t>/assets</a:t>
+            </a:r>
+          </a:p>
+          <a:p>
+            <a:pPr lvl="3">
+              <a:spcBef>
+                <a:spcPts val="0"/>
+              </a:spcBef>
+            </a:pPr>
+            <a:r>
+              <a:rPr lang="en-US" dirty="0">
+                <a:solidFill>
+                  <a:schemeClr val="tx1"/>
+                </a:solidFill>
+              </a:rPr>
+              <a:t>Images, logos, </a:t>
+            </a:r>
+            <a:r>
+              <a:rPr lang="en-US" dirty="0" err="1">
+                <a:solidFill>
+                  <a:schemeClr val="tx1"/>
+                </a:solidFill>
+              </a:rPr>
+              <a:t>etc</a:t>
+            </a:r>
+            <a:endParaRPr lang="en-US" dirty="0">
+              <a:solidFill>
+                <a:schemeClr val="tx1"/>
+              </a:solidFill>
+            </a:endParaRPr>
+          </a:p>
+          <a:p>
+            <a:pPr lvl="3">
+              <a:spcBef>
+                <a:spcPts val="0"/>
+              </a:spcBef>
+            </a:pPr>
+            <a:endParaRPr lang="en-US" dirty="0">
+              <a:solidFill>
+                <a:schemeClr val="tx1"/>
+              </a:solidFill>
+              <a:latin typeface="+mn-lt"/>
+            </a:endParaRPr>
+          </a:p>
+          <a:p>
+            <a:pPr lvl="3">
+              <a:spcBef>
+                <a:spcPts val="0"/>
+              </a:spcBef>
+            </a:pPr>
+            <a:endParaRPr lang="en-US" dirty="0">
+              <a:solidFill>
+                <a:schemeClr val="tx1"/>
+              </a:solidFill>
+              <a:latin typeface="+mn-lt"/>
+            </a:endParaRPr>
+          </a:p>
+          <a:p>
+            <a:pPr lvl="2">
+              <a:spcBef>
+                <a:spcPts val="0"/>
+              </a:spcBef>
+            </a:pPr>
+            <a:endParaRPr lang="en-US" dirty="0">
+              <a:solidFill>
+                <a:schemeClr val="tx1"/>
+              </a:solidFill>
+            </a:endParaRPr>
+          </a:p>
+          <a:p>
+            <a:pPr marL="1485900" lvl="3" indent="0">
+              <a:spcBef>
+                <a:spcPts val="0"/>
+              </a:spcBef>
+              <a:buNone/>
+            </a:pPr>
+            <a:endParaRPr lang="en-US" dirty="0">
+              <a:solidFill>
+                <a:schemeClr val="tx1"/>
+              </a:solidFill>
+              <a:latin typeface="+mn-lt"/>
+            </a:endParaRPr>
+          </a:p>
+          <a:p>
+            <a:pPr marL="1485900" lvl="3" indent="0">
+              <a:spcBef>
+                <a:spcPts val="0"/>
+              </a:spcBef>
+              <a:buNone/>
+            </a:pPr>
+            <a:endParaRPr lang="en-US" dirty="0">
+              <a:solidFill>
+                <a:schemeClr val="tx1"/>
+              </a:solidFill>
+              <a:latin typeface="+mn-lt"/>
+            </a:endParaRPr>
+          </a:p>
+          <a:p>
+            <a:pPr marL="1485900" lvl="3" indent="0">
+              <a:spcBef>
+                <a:spcPts val="0"/>
+              </a:spcBef>
+              <a:buNone/>
+            </a:pPr>
+            <a:endParaRPr lang="en-US" dirty="0">
+              <a:solidFill>
+                <a:schemeClr val="tx1"/>
+              </a:solidFill>
+              <a:latin typeface="+mn-lt"/>
+            </a:endParaRPr>
+          </a:p>
+          <a:p>
+            <a:pPr marL="1485900" lvl="3" indent="0">
+              <a:spcBef>
+                <a:spcPts val="0"/>
+              </a:spcBef>
+              <a:buNone/>
+            </a:pPr>
+            <a:endParaRPr lang="en-US" dirty="0">
+              <a:solidFill>
+                <a:schemeClr val="tx1"/>
+              </a:solidFill>
+              <a:latin typeface="+mn-lt"/>
+            </a:endParaRPr>
+          </a:p>
+          <a:p>
+            <a:pPr marL="1485900" lvl="3" indent="0">
+              <a:spcBef>
+                <a:spcPts val="0"/>
+              </a:spcBef>
+              <a:buNone/>
+            </a:pPr>
+            <a:endParaRPr lang="en-US" dirty="0">
+              <a:solidFill>
+                <a:schemeClr val="tx1"/>
+              </a:solidFill>
+              <a:latin typeface="+mn-lt"/>
+            </a:endParaRPr>
+          </a:p>
+        </p:txBody>
+      </p:sp>
+      <p:pic>
+        <p:nvPicPr>
+          <p:cNvPr id="6146" name="Picture 2" descr="Image result for golang gopher">
+            <a:extLst>
+              <a:ext uri="{FF2B5EF4-FFF2-40B4-BE49-F238E27FC236}">
+                <a16:creationId xmlns:a16="http://schemas.microsoft.com/office/drawing/2014/main" id="{0F5FE951-12F3-CA44-9364-5C57CB2C96C3}"/>
+              </a:ext>
+            </a:extLst>
+          </p:cNvPr>
+          <p:cNvPicPr>
+            <a:picLocks noChangeAspect="1" noChangeArrowheads="1"/>
+          </p:cNvPicPr>
+          <p:nvPr/>
+        </p:nvPicPr>
+        <p:blipFill>
+          <a:blip r:embed="rId3">
+            <a:extLst>
+              <a:ext uri="{28A0092B-C50C-407E-A947-70E740481C1C}">
+                <a14:useLocalDpi xmlns:a14="http://schemas.microsoft.com/office/drawing/2010/main" val="0"/>
+              </a:ext>
+            </a:extLst>
+          </a:blip>
+          <a:srcRect/>
+          <a:stretch>
+            <a:fillRect/>
+          </a:stretch>
+        </p:blipFill>
+        <p:spPr bwMode="auto">
+          <a:xfrm>
+            <a:off x="7398643" y="4510353"/>
+            <a:ext cx="1669157" cy="1808253"/>
+          </a:xfrm>
+          <a:prstGeom prst="rect">
+            <a:avLst/>
+          </a:prstGeom>
+          <a:noFill/>
+          <a:extLst>
+            <a:ext uri="{909E8E84-426E-40DD-AFC4-6F175D3DCCD1}">
+              <a14:hiddenFill xmlns:a14="http://schemas.microsoft.com/office/drawing/2010/main">
+                <a:solidFill>
+                  <a:srgbClr val="FFFFFF"/>
+                </a:solidFill>
+              </a14:hiddenFill>
+            </a:ext>
+          </a:extLst>
+        </p:spPr>
+      </p:pic>
+    </p:spTree>
+    <p:extLst>
+      <p:ext uri="{BB962C8B-B14F-4D97-AF65-F5344CB8AC3E}">
+        <p14:creationId xmlns:p14="http://schemas.microsoft.com/office/powerpoint/2010/main" val="3703617189"/>
+      </p:ext>
+    </p:extLst>
+  </p:cSld>
+  <p:clrMapOvr>
+    <a:masterClrMapping/>
+  </p:clrMapOvr>
+</p:sld>
+</file>
+
+<file path=ppt/slides/slide44.xml><?xml version="1.0" encoding="utf-8"?>
+<p:sld xmlns:a="http://schemas.openxmlformats.org/drawingml/2006/main" xmlns:r="http://schemas.openxmlformats.org/officeDocument/2006/relationships" xmlns:p="http://schemas.openxmlformats.org/presentationml/2006/main">
+  <p:cSld>
+    <p:spTree>
+      <p:nvGrpSpPr>
+        <p:cNvPr id="1" name="Shape 113"/>
+        <p:cNvGrpSpPr/>
+        <p:nvPr/>
+      </p:nvGrpSpPr>
+      <p:grpSpPr>
+        <a:xfrm>
+          <a:off x="0" y="0"/>
+          <a:ext cx="0" cy="0"/>
+          <a:chOff x="0" y="0"/>
+          <a:chExt cx="0" cy="0"/>
+        </a:xfrm>
+      </p:grpSpPr>
+      <p:sp>
+        <p:nvSpPr>
+          <p:cNvPr id="114" name="Shape 114"/>
+          <p:cNvSpPr txBox="1">
+            <a:spLocks noGrp="1"/>
+          </p:cNvSpPr>
+          <p:nvPr>
+            <p:ph type="title"/>
+          </p:nvPr>
+        </p:nvSpPr>
+        <p:spPr>
+          <a:xfrm>
+            <a:off x="76200" y="152400"/>
+            <a:ext cx="8991600" cy="671400"/>
+          </a:xfrm>
+          <a:prstGeom prst="rect">
+            <a:avLst/>
+          </a:prstGeom>
+        </p:spPr>
+        <p:txBody>
+          <a:bodyPr lIns="91425" tIns="91425" rIns="91425" bIns="91425" anchor="ctr" anchorCtr="0">
+            <a:noAutofit/>
+          </a:bodyPr>
+          <a:lstStyle/>
+          <a:p>
+            <a:pPr lvl="0">
+              <a:spcBef>
+                <a:spcPts val="0"/>
+              </a:spcBef>
+              <a:buNone/>
+            </a:pPr>
+            <a:r>
+              <a:rPr lang="en-US" dirty="0"/>
+              <a:t>Golang Setup</a:t>
+            </a:r>
+            <a:endParaRPr dirty="0"/>
+          </a:p>
+        </p:txBody>
+      </p:sp>
+      <p:sp>
+        <p:nvSpPr>
+          <p:cNvPr id="115" name="Shape 115"/>
+          <p:cNvSpPr txBox="1">
+            <a:spLocks noGrp="1"/>
+          </p:cNvSpPr>
+          <p:nvPr>
+            <p:ph type="body" idx="1"/>
+          </p:nvPr>
+        </p:nvSpPr>
+        <p:spPr>
+          <a:xfrm>
+            <a:off x="76200" y="1240810"/>
+            <a:ext cx="8991600" cy="4070929"/>
+          </a:xfrm>
+          <a:prstGeom prst="rect">
+            <a:avLst/>
+          </a:prstGeom>
+        </p:spPr>
+        <p:txBody>
+          <a:bodyPr lIns="91425" tIns="91425" rIns="91425" bIns="91425" anchor="t" anchorCtr="0">
+            <a:noAutofit/>
+          </a:bodyPr>
+          <a:lstStyle/>
+          <a:p>
+            <a:pPr lvl="2">
+              <a:spcBef>
+                <a:spcPts val="0"/>
+              </a:spcBef>
+            </a:pPr>
+            <a:r>
+              <a:rPr lang="en-US" dirty="0">
+                <a:solidFill>
+                  <a:schemeClr val="tx1"/>
+                </a:solidFill>
+                <a:latin typeface="+mn-lt"/>
+              </a:rPr>
+              <a:t>Congratulations! We now have our setup done! If you have followed the instructions your directory structure within your </a:t>
+            </a:r>
+            <a:r>
+              <a:rPr lang="en-US" dirty="0" err="1">
+                <a:solidFill>
+                  <a:schemeClr val="tx1"/>
+                </a:solidFill>
+                <a:latin typeface="+mn-lt"/>
+              </a:rPr>
+              <a:t>vm</a:t>
+            </a:r>
+            <a:r>
+              <a:rPr lang="en-US" dirty="0">
+                <a:solidFill>
+                  <a:schemeClr val="tx1"/>
+                </a:solidFill>
+                <a:latin typeface="+mn-lt"/>
+              </a:rPr>
+              <a:t> should look something like this:</a:t>
+            </a:r>
+          </a:p>
+          <a:p>
+            <a:pPr lvl="3">
+              <a:spcBef>
+                <a:spcPts val="0"/>
+              </a:spcBef>
+            </a:pPr>
+            <a:endParaRPr lang="en-US" dirty="0">
+              <a:solidFill>
+                <a:schemeClr val="tx1"/>
+              </a:solidFill>
+              <a:latin typeface="+mn-lt"/>
+            </a:endParaRPr>
+          </a:p>
+          <a:p>
+            <a:pPr lvl="3">
+              <a:spcBef>
+                <a:spcPts val="0"/>
+              </a:spcBef>
+            </a:pPr>
+            <a:endParaRPr lang="en-US" dirty="0">
+              <a:solidFill>
+                <a:schemeClr val="tx1"/>
+              </a:solidFill>
+              <a:latin typeface="+mn-lt"/>
+            </a:endParaRPr>
+          </a:p>
+          <a:p>
+            <a:pPr lvl="2">
+              <a:spcBef>
+                <a:spcPts val="0"/>
+              </a:spcBef>
+            </a:pPr>
+            <a:endParaRPr lang="en-US" dirty="0">
+              <a:solidFill>
+                <a:schemeClr val="tx1"/>
+              </a:solidFill>
+            </a:endParaRPr>
+          </a:p>
+          <a:p>
+            <a:pPr marL="1485900" lvl="3" indent="0">
+              <a:spcBef>
+                <a:spcPts val="0"/>
+              </a:spcBef>
+              <a:buNone/>
+            </a:pPr>
+            <a:endParaRPr lang="en-US" dirty="0">
+              <a:solidFill>
+                <a:schemeClr val="tx1"/>
+              </a:solidFill>
+              <a:latin typeface="+mn-lt"/>
+            </a:endParaRPr>
+          </a:p>
+          <a:p>
+            <a:pPr marL="1485900" lvl="3" indent="0">
+              <a:spcBef>
+                <a:spcPts val="0"/>
+              </a:spcBef>
+              <a:buNone/>
+            </a:pPr>
+            <a:endParaRPr lang="en-US" dirty="0">
+              <a:solidFill>
+                <a:schemeClr val="tx1"/>
+              </a:solidFill>
+              <a:latin typeface="+mn-lt"/>
+            </a:endParaRPr>
+          </a:p>
+          <a:p>
+            <a:pPr marL="1485900" lvl="3" indent="0">
+              <a:spcBef>
+                <a:spcPts val="0"/>
+              </a:spcBef>
+              <a:buNone/>
+            </a:pPr>
+            <a:endParaRPr lang="en-US" dirty="0">
+              <a:solidFill>
+                <a:schemeClr val="tx1"/>
+              </a:solidFill>
+              <a:latin typeface="+mn-lt"/>
+            </a:endParaRPr>
+          </a:p>
+          <a:p>
+            <a:pPr marL="1485900" lvl="3" indent="0">
+              <a:spcBef>
+                <a:spcPts val="0"/>
+              </a:spcBef>
+              <a:buNone/>
+            </a:pPr>
+            <a:endParaRPr lang="en-US" dirty="0">
+              <a:solidFill>
+                <a:schemeClr val="tx1"/>
+              </a:solidFill>
+              <a:latin typeface="+mn-lt"/>
+            </a:endParaRPr>
+          </a:p>
+          <a:p>
+            <a:pPr marL="1485900" lvl="3" indent="0">
+              <a:spcBef>
+                <a:spcPts val="0"/>
+              </a:spcBef>
+              <a:buNone/>
+            </a:pPr>
+            <a:endParaRPr lang="en-US" dirty="0">
+              <a:solidFill>
+                <a:schemeClr val="tx1"/>
+              </a:solidFill>
+              <a:latin typeface="+mn-lt"/>
+            </a:endParaRPr>
+          </a:p>
+        </p:txBody>
+      </p:sp>
+      <p:pic>
+        <p:nvPicPr>
+          <p:cNvPr id="3" name="Picture 2">
+            <a:extLst>
+              <a:ext uri="{FF2B5EF4-FFF2-40B4-BE49-F238E27FC236}">
+                <a16:creationId xmlns:a16="http://schemas.microsoft.com/office/drawing/2014/main" id="{0BED4E7F-48A8-DD48-AB4E-AC049C6C1637}"/>
+              </a:ext>
+            </a:extLst>
+          </p:cNvPr>
+          <p:cNvPicPr>
+            <a:picLocks noChangeAspect="1"/>
+          </p:cNvPicPr>
+          <p:nvPr/>
+        </p:nvPicPr>
+        <p:blipFill rotWithShape="1">
+          <a:blip r:embed="rId3"/>
+          <a:srcRect r="49093"/>
+          <a:stretch/>
+        </p:blipFill>
+        <p:spPr>
+          <a:xfrm>
+            <a:off x="1960080" y="2363055"/>
+            <a:ext cx="5223840" cy="4284966"/>
+          </a:xfrm>
+          <a:prstGeom prst="rect">
+            <a:avLst/>
+          </a:prstGeom>
+        </p:spPr>
+      </p:pic>
+    </p:spTree>
+    <p:extLst>
+      <p:ext uri="{BB962C8B-B14F-4D97-AF65-F5344CB8AC3E}">
+        <p14:creationId xmlns:p14="http://schemas.microsoft.com/office/powerpoint/2010/main" val="837613583"/>
+      </p:ext>
+    </p:extLst>
+  </p:cSld>
+  <p:clrMapOvr>
+    <a:masterClrMapping/>
+  </p:clrMapOvr>
+</p:sld>
+</file>
+
+<file path=ppt/slides/slide45.xml><?xml version="1.0" encoding="utf-8"?>
+<p:sld xmlns:a="http://schemas.openxmlformats.org/drawingml/2006/main" xmlns:r="http://schemas.openxmlformats.org/officeDocument/2006/relationships" xmlns:p="http://schemas.openxmlformats.org/presentationml/2006/main">
+  <p:cSld>
+    <p:spTree>
+      <p:nvGrpSpPr>
+        <p:cNvPr id="1" name="Shape 113"/>
+        <p:cNvGrpSpPr/>
+        <p:nvPr/>
+      </p:nvGrpSpPr>
+      <p:grpSpPr>
+        <a:xfrm>
+          <a:off x="0" y="0"/>
+          <a:ext cx="0" cy="0"/>
+          <a:chOff x="0" y="0"/>
+          <a:chExt cx="0" cy="0"/>
+        </a:xfrm>
+      </p:grpSpPr>
+      <p:sp>
+        <p:nvSpPr>
+          <p:cNvPr id="114" name="Shape 114"/>
+          <p:cNvSpPr txBox="1">
+            <a:spLocks noGrp="1"/>
+          </p:cNvSpPr>
+          <p:nvPr>
+            <p:ph type="title"/>
+          </p:nvPr>
+        </p:nvSpPr>
+        <p:spPr>
+          <a:xfrm>
+            <a:off x="76200" y="152400"/>
+            <a:ext cx="8991600" cy="671400"/>
+          </a:xfrm>
+          <a:prstGeom prst="rect">
+            <a:avLst/>
+          </a:prstGeom>
+        </p:spPr>
+        <p:txBody>
+          <a:bodyPr lIns="91425" tIns="91425" rIns="91425" bIns="91425" anchor="ctr" anchorCtr="0">
+            <a:noAutofit/>
+          </a:bodyPr>
+          <a:lstStyle/>
+          <a:p>
+            <a:pPr lvl="0">
+              <a:spcBef>
+                <a:spcPts val="0"/>
+              </a:spcBef>
+              <a:buNone/>
+            </a:pPr>
+            <a:r>
+              <a:rPr lang="en-US" sz="3600" dirty="0"/>
+              <a:t>Golang Setup (command line commands)</a:t>
+            </a:r>
+            <a:endParaRPr sz="3600" dirty="0"/>
+          </a:p>
+        </p:txBody>
+      </p:sp>
+      <p:sp>
+        <p:nvSpPr>
+          <p:cNvPr id="115" name="Shape 115"/>
+          <p:cNvSpPr txBox="1">
+            <a:spLocks noGrp="1"/>
+          </p:cNvSpPr>
+          <p:nvPr>
+            <p:ph type="body" idx="1"/>
+          </p:nvPr>
+        </p:nvSpPr>
+        <p:spPr>
+          <a:xfrm>
+            <a:off x="76200" y="1240810"/>
+            <a:ext cx="8991600" cy="4070929"/>
+          </a:xfrm>
+          <a:prstGeom prst="rect">
+            <a:avLst/>
+          </a:prstGeom>
+        </p:spPr>
+        <p:txBody>
+          <a:bodyPr lIns="91425" tIns="91425" rIns="91425" bIns="91425" anchor="t" anchorCtr="0">
+            <a:noAutofit/>
+          </a:bodyPr>
+          <a:lstStyle/>
+          <a:p>
+            <a:pPr lvl="2">
+              <a:spcBef>
+                <a:spcPts val="0"/>
+              </a:spcBef>
+            </a:pPr>
+            <a:r>
+              <a:rPr lang="en-US" dirty="0">
+                <a:solidFill>
+                  <a:schemeClr val="tx1"/>
+                </a:solidFill>
+                <a:latin typeface="+mn-lt"/>
+              </a:rPr>
+              <a:t>Now that we’re set up let’s go over some of the command line commands with go. Let’s go over the most important ones to start with: </a:t>
+            </a:r>
+          </a:p>
+          <a:p>
+            <a:pPr lvl="3">
+              <a:spcBef>
+                <a:spcPts val="0"/>
+              </a:spcBef>
+            </a:pPr>
+            <a:r>
+              <a:rPr lang="en-US" b="1" dirty="0">
+                <a:solidFill>
+                  <a:schemeClr val="tx1"/>
+                </a:solidFill>
+                <a:latin typeface="+mn-lt"/>
+              </a:rPr>
+              <a:t>go get</a:t>
+            </a:r>
+          </a:p>
+          <a:p>
+            <a:pPr lvl="4">
+              <a:spcBef>
+                <a:spcPts val="0"/>
+              </a:spcBef>
+            </a:pPr>
+            <a:r>
+              <a:rPr lang="en-US" dirty="0">
+                <a:solidFill>
+                  <a:schemeClr val="tx1"/>
+                </a:solidFill>
+                <a:latin typeface="+mn-lt"/>
+              </a:rPr>
+              <a:t>This is the package manager- basically the equivalent of </a:t>
+            </a:r>
+            <a:r>
+              <a:rPr lang="en-US" b="1" dirty="0">
+                <a:solidFill>
+                  <a:schemeClr val="tx1"/>
+                </a:solidFill>
+                <a:latin typeface="+mn-lt"/>
+              </a:rPr>
+              <a:t>pip install </a:t>
+            </a:r>
+            <a:r>
+              <a:rPr lang="en-US" dirty="0">
+                <a:solidFill>
+                  <a:schemeClr val="tx1"/>
+                </a:solidFill>
+                <a:latin typeface="+mn-lt"/>
+              </a:rPr>
+              <a:t>or </a:t>
+            </a:r>
+            <a:r>
+              <a:rPr lang="en-US" b="1" dirty="0" err="1">
+                <a:solidFill>
+                  <a:schemeClr val="tx1"/>
+                </a:solidFill>
+                <a:latin typeface="+mn-lt"/>
+              </a:rPr>
+              <a:t>npm</a:t>
+            </a:r>
+            <a:r>
+              <a:rPr lang="en-US" b="1" dirty="0">
+                <a:solidFill>
+                  <a:schemeClr val="tx1"/>
+                </a:solidFill>
+                <a:latin typeface="+mn-lt"/>
+              </a:rPr>
+              <a:t> install.</a:t>
+            </a:r>
+            <a:r>
+              <a:rPr lang="en-US" dirty="0">
+                <a:solidFill>
+                  <a:schemeClr val="tx1"/>
+                </a:solidFill>
+                <a:latin typeface="+mn-lt"/>
+              </a:rPr>
+              <a:t> Let’s “go get” a package.</a:t>
+            </a:r>
+          </a:p>
+          <a:p>
+            <a:pPr lvl="4">
+              <a:spcBef>
+                <a:spcPts val="0"/>
+              </a:spcBef>
+            </a:pPr>
+            <a:r>
+              <a:rPr lang="en-US" dirty="0">
+                <a:solidFill>
+                  <a:schemeClr val="tx1"/>
+                </a:solidFill>
+                <a:latin typeface="+mn-lt"/>
+              </a:rPr>
+              <a:t> Note that “go get” is using your $GOPATH to place the file in it’s correct location (notice how the “</a:t>
+            </a:r>
+            <a:r>
+              <a:rPr lang="en-US" dirty="0" err="1">
+                <a:solidFill>
+                  <a:schemeClr val="tx1"/>
+                </a:solidFill>
+                <a:latin typeface="+mn-lt"/>
+              </a:rPr>
+              <a:t>src</a:t>
+            </a:r>
+            <a:r>
+              <a:rPr lang="en-US" dirty="0">
+                <a:solidFill>
+                  <a:schemeClr val="tx1"/>
+                </a:solidFill>
+                <a:latin typeface="+mn-lt"/>
+              </a:rPr>
+              <a:t>/</a:t>
+            </a:r>
+            <a:r>
+              <a:rPr lang="en-US" dirty="0" err="1">
+                <a:solidFill>
+                  <a:schemeClr val="tx1"/>
+                </a:solidFill>
+                <a:latin typeface="+mn-lt"/>
+              </a:rPr>
+              <a:t>github.com</a:t>
+            </a:r>
+            <a:r>
+              <a:rPr lang="en-US" dirty="0">
+                <a:solidFill>
+                  <a:schemeClr val="tx1"/>
+                </a:solidFill>
+                <a:latin typeface="+mn-lt"/>
+              </a:rPr>
+              <a:t>/” lined up?)</a:t>
+            </a:r>
+          </a:p>
+          <a:p>
+            <a:pPr lvl="4">
+              <a:spcBef>
+                <a:spcPts val="0"/>
+              </a:spcBef>
+            </a:pPr>
+            <a:r>
+              <a:rPr lang="en-US" dirty="0">
+                <a:solidFill>
+                  <a:schemeClr val="tx1"/>
+                </a:solidFill>
+                <a:latin typeface="+mn-lt"/>
+              </a:rPr>
+              <a:t> Now let’s try importing it! To do that we need to create a “</a:t>
+            </a:r>
+            <a:r>
+              <a:rPr lang="en-US" dirty="0" err="1">
+                <a:solidFill>
+                  <a:schemeClr val="tx1"/>
+                </a:solidFill>
+                <a:latin typeface="+mn-lt"/>
+              </a:rPr>
+              <a:t>main.go</a:t>
+            </a:r>
+            <a:r>
+              <a:rPr lang="en-US" dirty="0">
+                <a:solidFill>
+                  <a:schemeClr val="tx1"/>
+                </a:solidFill>
+                <a:latin typeface="+mn-lt"/>
+              </a:rPr>
+              <a:t>” file somewhere. </a:t>
+            </a:r>
+          </a:p>
+          <a:p>
+            <a:pPr lvl="4">
+              <a:spcBef>
+                <a:spcPts val="0"/>
+              </a:spcBef>
+            </a:pPr>
+            <a:r>
+              <a:rPr lang="en-US" b="1" dirty="0">
+                <a:solidFill>
+                  <a:schemeClr val="tx1"/>
+                </a:solidFill>
+                <a:latin typeface="+mn-lt"/>
+              </a:rPr>
+              <a:t>WHERE should we put that </a:t>
+            </a:r>
+            <a:r>
+              <a:rPr lang="en-US" b="1" dirty="0" err="1">
+                <a:solidFill>
+                  <a:schemeClr val="tx1"/>
+                </a:solidFill>
+                <a:latin typeface="+mn-lt"/>
+              </a:rPr>
+              <a:t>main.go</a:t>
+            </a:r>
+            <a:r>
+              <a:rPr lang="en-US" b="1">
+                <a:solidFill>
+                  <a:schemeClr val="tx1"/>
+                </a:solidFill>
+                <a:latin typeface="+mn-lt"/>
+              </a:rPr>
+              <a:t> file??</a:t>
+            </a:r>
+            <a:endParaRPr lang="en-US" b="1" dirty="0">
+              <a:solidFill>
+                <a:schemeClr val="tx1"/>
+              </a:solidFill>
+              <a:latin typeface="+mn-lt"/>
+            </a:endParaRPr>
+          </a:p>
+          <a:p>
+            <a:pPr lvl="3">
+              <a:spcBef>
+                <a:spcPts val="0"/>
+              </a:spcBef>
+            </a:pPr>
+            <a:endParaRPr lang="en-US" dirty="0">
+              <a:solidFill>
+                <a:schemeClr val="tx1"/>
+              </a:solidFill>
+              <a:latin typeface="+mn-lt"/>
+            </a:endParaRPr>
+          </a:p>
+          <a:p>
+            <a:pPr lvl="3">
+              <a:spcBef>
+                <a:spcPts val="0"/>
+              </a:spcBef>
+            </a:pPr>
+            <a:endParaRPr lang="en-US" dirty="0">
+              <a:solidFill>
+                <a:schemeClr val="tx1"/>
+              </a:solidFill>
+              <a:latin typeface="+mn-lt"/>
+            </a:endParaRPr>
+          </a:p>
+          <a:p>
+            <a:pPr lvl="2">
+              <a:spcBef>
+                <a:spcPts val="0"/>
+              </a:spcBef>
+            </a:pPr>
+            <a:endParaRPr lang="en-US" dirty="0">
+              <a:solidFill>
+                <a:schemeClr val="tx1"/>
+              </a:solidFill>
+            </a:endParaRPr>
+          </a:p>
+          <a:p>
+            <a:pPr marL="1485900" lvl="3" indent="0">
+              <a:spcBef>
+                <a:spcPts val="0"/>
+              </a:spcBef>
+              <a:buNone/>
+            </a:pPr>
+            <a:endParaRPr lang="en-US" dirty="0">
+              <a:solidFill>
+                <a:schemeClr val="tx1"/>
+              </a:solidFill>
+              <a:latin typeface="+mn-lt"/>
+            </a:endParaRPr>
+          </a:p>
+          <a:p>
+            <a:pPr marL="1485900" lvl="3" indent="0">
+              <a:spcBef>
+                <a:spcPts val="0"/>
+              </a:spcBef>
+              <a:buNone/>
+            </a:pPr>
+            <a:endParaRPr lang="en-US" dirty="0">
+              <a:solidFill>
+                <a:schemeClr val="tx1"/>
+              </a:solidFill>
+              <a:latin typeface="+mn-lt"/>
+            </a:endParaRPr>
+          </a:p>
+          <a:p>
+            <a:pPr marL="1485900" lvl="3" indent="0">
+              <a:spcBef>
+                <a:spcPts val="0"/>
+              </a:spcBef>
+              <a:buNone/>
+            </a:pPr>
+            <a:endParaRPr lang="en-US" dirty="0">
+              <a:solidFill>
+                <a:schemeClr val="tx1"/>
+              </a:solidFill>
+              <a:latin typeface="+mn-lt"/>
+            </a:endParaRPr>
+          </a:p>
+          <a:p>
+            <a:pPr marL="1485900" lvl="3" indent="0">
+              <a:spcBef>
+                <a:spcPts val="0"/>
+              </a:spcBef>
+              <a:buNone/>
+            </a:pPr>
+            <a:endParaRPr lang="en-US" dirty="0">
+              <a:solidFill>
+                <a:schemeClr val="tx1"/>
+              </a:solidFill>
+              <a:latin typeface="+mn-lt"/>
+            </a:endParaRPr>
+          </a:p>
+          <a:p>
+            <a:pPr marL="1485900" lvl="3" indent="0">
+              <a:spcBef>
+                <a:spcPts val="0"/>
+              </a:spcBef>
+              <a:buNone/>
+            </a:pPr>
+            <a:endParaRPr lang="en-US" dirty="0">
+              <a:solidFill>
+                <a:schemeClr val="tx1"/>
+              </a:solidFill>
+              <a:latin typeface="+mn-lt"/>
+            </a:endParaRPr>
+          </a:p>
+        </p:txBody>
+      </p:sp>
+    </p:spTree>
+    <p:extLst>
+      <p:ext uri="{BB962C8B-B14F-4D97-AF65-F5344CB8AC3E}">
+        <p14:creationId xmlns:p14="http://schemas.microsoft.com/office/powerpoint/2010/main" val="3415736018"/>
       </p:ext>
     </p:extLst>
   </p:cSld>

--- a/Module_One/presentations/module_1_presentation.pptx
+++ b/Module_One/presentations/module_1_presentation.pptx
@@ -5,7 +5,7 @@
     <p:sldMasterId id="2147483655" r:id="rId1"/>
   </p:sldMasterIdLst>
   <p:notesMasterIdLst>
-    <p:notesMasterId r:id="rId47"/>
+    <p:notesMasterId r:id="rId53"/>
   </p:notesMasterIdLst>
   <p:sldIdLst>
     <p:sldId id="256" r:id="rId2"/>
@@ -52,7 +52,13 @@
     <p:sldId id="480" r:id="rId43"/>
     <p:sldId id="481" r:id="rId44"/>
     <p:sldId id="482" r:id="rId45"/>
-    <p:sldId id="483" r:id="rId46"/>
+    <p:sldId id="486" r:id="rId46"/>
+    <p:sldId id="487" r:id="rId47"/>
+    <p:sldId id="488" r:id="rId48"/>
+    <p:sldId id="489" r:id="rId49"/>
+    <p:sldId id="490" r:id="rId50"/>
+    <p:sldId id="492" r:id="rId51"/>
+    <p:sldId id="491" r:id="rId52"/>
   </p:sldIdLst>
   <p:sldSz cx="9144000" cy="6858000" type="screen4x3"/>
   <p:notesSz cx="6858000" cy="9144000"/>
@@ -7451,7 +7457,651 @@
     </p:spTree>
     <p:extLst>
       <p:ext uri="{BB962C8B-B14F-4D97-AF65-F5344CB8AC3E}">
-        <p14:creationId xmlns:p14="http://schemas.microsoft.com/office/powerpoint/2010/main" val="313233885"/>
+        <p14:creationId xmlns:p14="http://schemas.microsoft.com/office/powerpoint/2010/main" val="4106089099"/>
+      </p:ext>
+    </p:extLst>
+  </p:cSld>
+  <p:clrMapOvr>
+    <a:masterClrMapping/>
+  </p:clrMapOvr>
+</p:notes>
+</file>
+
+<file path=ppt/notesSlides/notesSlide46.xml><?xml version="1.0" encoding="utf-8"?>
+<p:notes xmlns:a="http://schemas.openxmlformats.org/drawingml/2006/main" xmlns:r="http://schemas.openxmlformats.org/officeDocument/2006/relationships" xmlns:p="http://schemas.openxmlformats.org/presentationml/2006/main" showMasterSp="0" showMasterPhAnim="0">
+  <p:cSld>
+    <p:spTree>
+      <p:nvGrpSpPr>
+        <p:cNvPr id="1" name="Shape 109"/>
+        <p:cNvGrpSpPr/>
+        <p:nvPr/>
+      </p:nvGrpSpPr>
+      <p:grpSpPr>
+        <a:xfrm>
+          <a:off x="0" y="0"/>
+          <a:ext cx="0" cy="0"/>
+          <a:chOff x="0" y="0"/>
+          <a:chExt cx="0" cy="0"/>
+        </a:xfrm>
+      </p:grpSpPr>
+      <p:sp>
+        <p:nvSpPr>
+          <p:cNvPr id="110" name="Shape 110"/>
+          <p:cNvSpPr>
+            <a:spLocks noGrp="1" noRot="1" noChangeAspect="1"/>
+          </p:cNvSpPr>
+          <p:nvPr>
+            <p:ph type="sldImg" idx="2"/>
+          </p:nvPr>
+        </p:nvSpPr>
+        <p:spPr>
+          <a:xfrm>
+            <a:off x="1143000" y="685800"/>
+            <a:ext cx="4572000" cy="3429000"/>
+          </a:xfrm>
+          <a:custGeom>
+            <a:avLst/>
+            <a:gdLst/>
+            <a:ahLst/>
+            <a:cxnLst/>
+            <a:rect l="0" t="0" r="0" b="0"/>
+            <a:pathLst>
+              <a:path w="120000" h="120000" extrusionOk="0">
+                <a:moveTo>
+                  <a:pt x="0" y="0"/>
+                </a:moveTo>
+                <a:lnTo>
+                  <a:pt x="120000" y="0"/>
+                </a:lnTo>
+                <a:lnTo>
+                  <a:pt x="120000" y="120000"/>
+                </a:lnTo>
+                <a:lnTo>
+                  <a:pt x="0" y="120000"/>
+                </a:lnTo>
+                <a:close/>
+              </a:path>
+            </a:pathLst>
+          </a:custGeom>
+        </p:spPr>
+      </p:sp>
+      <p:sp>
+        <p:nvSpPr>
+          <p:cNvPr id="111" name="Shape 111"/>
+          <p:cNvSpPr txBox="1">
+            <a:spLocks noGrp="1"/>
+          </p:cNvSpPr>
+          <p:nvPr>
+            <p:ph type="body" idx="1"/>
+          </p:nvPr>
+        </p:nvSpPr>
+        <p:spPr>
+          <a:xfrm>
+            <a:off x="685800" y="4343400"/>
+            <a:ext cx="5486399" cy="4114800"/>
+          </a:xfrm>
+          <a:prstGeom prst="rect">
+            <a:avLst/>
+          </a:prstGeom>
+        </p:spPr>
+        <p:txBody>
+          <a:bodyPr lIns="91425" tIns="91425" rIns="91425" bIns="91425" anchor="t" anchorCtr="0">
+            <a:noAutofit/>
+          </a:bodyPr>
+          <a:lstStyle/>
+          <a:p>
+            <a:pPr marL="0" marR="0" lvl="0" indent="0" algn="l" defTabSz="457200" rtl="0" eaLnBrk="1" fontAlgn="auto" latinLnBrk="0" hangingPunct="1">
+              <a:lnSpc>
+                <a:spcPct val="100000"/>
+              </a:lnSpc>
+              <a:spcBef>
+                <a:spcPts val="0"/>
+              </a:spcBef>
+              <a:spcAft>
+                <a:spcPts val="0"/>
+              </a:spcAft>
+              <a:buClrTx/>
+              <a:buSzTx/>
+              <a:buFontTx/>
+              <a:buNone/>
+              <a:tabLst/>
+              <a:defRPr/>
+            </a:pPr>
+            <a:endParaRPr dirty="0"/>
+          </a:p>
+        </p:txBody>
+      </p:sp>
+      <p:sp>
+        <p:nvSpPr>
+          <p:cNvPr id="112" name="Shape 112"/>
+          <p:cNvSpPr txBox="1">
+            <a:spLocks noGrp="1"/>
+          </p:cNvSpPr>
+          <p:nvPr>
+            <p:ph type="sldNum" idx="12"/>
+          </p:nvPr>
+        </p:nvSpPr>
+        <p:spPr>
+          <a:xfrm>
+            <a:off x="3884612" y="8685213"/>
+            <a:ext cx="2971799" cy="457200"/>
+          </a:xfrm>
+          <a:prstGeom prst="rect">
+            <a:avLst/>
+          </a:prstGeom>
+        </p:spPr>
+        <p:txBody>
+          <a:bodyPr lIns="91425" tIns="45700" rIns="91425" bIns="45700" anchor="b" anchorCtr="0">
+            <a:noAutofit/>
+          </a:bodyPr>
+          <a:lstStyle/>
+          <a:p>
+            <a:pPr lvl="0">
+              <a:spcBef>
+                <a:spcPts val="0"/>
+              </a:spcBef>
+              <a:buClr>
+                <a:srgbClr val="000000"/>
+              </a:buClr>
+              <a:buSzPct val="25000"/>
+              <a:buFont typeface="Arial"/>
+              <a:buNone/>
+            </a:pPr>
+            <a:fld id="{00000000-1234-1234-1234-123412341234}" type="slidenum">
+              <a:rPr lang="en-US"/>
+              <a:t>46</a:t>
+            </a:fld>
+            <a:endParaRPr lang="en-US"/>
+          </a:p>
+        </p:txBody>
+      </p:sp>
+    </p:spTree>
+    <p:extLst>
+      <p:ext uri="{BB962C8B-B14F-4D97-AF65-F5344CB8AC3E}">
+        <p14:creationId xmlns:p14="http://schemas.microsoft.com/office/powerpoint/2010/main" val="1540448073"/>
+      </p:ext>
+    </p:extLst>
+  </p:cSld>
+  <p:clrMapOvr>
+    <a:masterClrMapping/>
+  </p:clrMapOvr>
+</p:notes>
+</file>
+
+<file path=ppt/notesSlides/notesSlide47.xml><?xml version="1.0" encoding="utf-8"?>
+<p:notes xmlns:a="http://schemas.openxmlformats.org/drawingml/2006/main" xmlns:r="http://schemas.openxmlformats.org/officeDocument/2006/relationships" xmlns:p="http://schemas.openxmlformats.org/presentationml/2006/main" showMasterSp="0" showMasterPhAnim="0">
+  <p:cSld>
+    <p:spTree>
+      <p:nvGrpSpPr>
+        <p:cNvPr id="1" name="Shape 109"/>
+        <p:cNvGrpSpPr/>
+        <p:nvPr/>
+      </p:nvGrpSpPr>
+      <p:grpSpPr>
+        <a:xfrm>
+          <a:off x="0" y="0"/>
+          <a:ext cx="0" cy="0"/>
+          <a:chOff x="0" y="0"/>
+          <a:chExt cx="0" cy="0"/>
+        </a:xfrm>
+      </p:grpSpPr>
+      <p:sp>
+        <p:nvSpPr>
+          <p:cNvPr id="110" name="Shape 110"/>
+          <p:cNvSpPr>
+            <a:spLocks noGrp="1" noRot="1" noChangeAspect="1"/>
+          </p:cNvSpPr>
+          <p:nvPr>
+            <p:ph type="sldImg" idx="2"/>
+          </p:nvPr>
+        </p:nvSpPr>
+        <p:spPr>
+          <a:xfrm>
+            <a:off x="1143000" y="685800"/>
+            <a:ext cx="4572000" cy="3429000"/>
+          </a:xfrm>
+          <a:custGeom>
+            <a:avLst/>
+            <a:gdLst/>
+            <a:ahLst/>
+            <a:cxnLst/>
+            <a:rect l="0" t="0" r="0" b="0"/>
+            <a:pathLst>
+              <a:path w="120000" h="120000" extrusionOk="0">
+                <a:moveTo>
+                  <a:pt x="0" y="0"/>
+                </a:moveTo>
+                <a:lnTo>
+                  <a:pt x="120000" y="0"/>
+                </a:lnTo>
+                <a:lnTo>
+                  <a:pt x="120000" y="120000"/>
+                </a:lnTo>
+                <a:lnTo>
+                  <a:pt x="0" y="120000"/>
+                </a:lnTo>
+                <a:close/>
+              </a:path>
+            </a:pathLst>
+          </a:custGeom>
+        </p:spPr>
+      </p:sp>
+      <p:sp>
+        <p:nvSpPr>
+          <p:cNvPr id="111" name="Shape 111"/>
+          <p:cNvSpPr txBox="1">
+            <a:spLocks noGrp="1"/>
+          </p:cNvSpPr>
+          <p:nvPr>
+            <p:ph type="body" idx="1"/>
+          </p:nvPr>
+        </p:nvSpPr>
+        <p:spPr>
+          <a:xfrm>
+            <a:off x="685800" y="4343400"/>
+            <a:ext cx="5486399" cy="4114800"/>
+          </a:xfrm>
+          <a:prstGeom prst="rect">
+            <a:avLst/>
+          </a:prstGeom>
+        </p:spPr>
+        <p:txBody>
+          <a:bodyPr lIns="91425" tIns="91425" rIns="91425" bIns="91425" anchor="t" anchorCtr="0">
+            <a:noAutofit/>
+          </a:bodyPr>
+          <a:lstStyle/>
+          <a:p>
+            <a:pPr marL="0" marR="0" lvl="0" indent="0" algn="l" defTabSz="457200" rtl="0" eaLnBrk="1" fontAlgn="auto" latinLnBrk="0" hangingPunct="1">
+              <a:lnSpc>
+                <a:spcPct val="100000"/>
+              </a:lnSpc>
+              <a:spcBef>
+                <a:spcPts val="0"/>
+              </a:spcBef>
+              <a:spcAft>
+                <a:spcPts val="0"/>
+              </a:spcAft>
+              <a:buClrTx/>
+              <a:buSzTx/>
+              <a:buFontTx/>
+              <a:buNone/>
+              <a:tabLst/>
+              <a:defRPr/>
+            </a:pPr>
+            <a:endParaRPr dirty="0"/>
+          </a:p>
+        </p:txBody>
+      </p:sp>
+      <p:sp>
+        <p:nvSpPr>
+          <p:cNvPr id="112" name="Shape 112"/>
+          <p:cNvSpPr txBox="1">
+            <a:spLocks noGrp="1"/>
+          </p:cNvSpPr>
+          <p:nvPr>
+            <p:ph type="sldNum" idx="12"/>
+          </p:nvPr>
+        </p:nvSpPr>
+        <p:spPr>
+          <a:xfrm>
+            <a:off x="3884612" y="8685213"/>
+            <a:ext cx="2971799" cy="457200"/>
+          </a:xfrm>
+          <a:prstGeom prst="rect">
+            <a:avLst/>
+          </a:prstGeom>
+        </p:spPr>
+        <p:txBody>
+          <a:bodyPr lIns="91425" tIns="45700" rIns="91425" bIns="45700" anchor="b" anchorCtr="0">
+            <a:noAutofit/>
+          </a:bodyPr>
+          <a:lstStyle/>
+          <a:p>
+            <a:pPr lvl="0">
+              <a:spcBef>
+                <a:spcPts val="0"/>
+              </a:spcBef>
+              <a:buClr>
+                <a:srgbClr val="000000"/>
+              </a:buClr>
+              <a:buSzPct val="25000"/>
+              <a:buFont typeface="Arial"/>
+              <a:buNone/>
+            </a:pPr>
+            <a:fld id="{00000000-1234-1234-1234-123412341234}" type="slidenum">
+              <a:rPr lang="en-US"/>
+              <a:t>47</a:t>
+            </a:fld>
+            <a:endParaRPr lang="en-US"/>
+          </a:p>
+        </p:txBody>
+      </p:sp>
+    </p:spTree>
+    <p:extLst>
+      <p:ext uri="{BB962C8B-B14F-4D97-AF65-F5344CB8AC3E}">
+        <p14:creationId xmlns:p14="http://schemas.microsoft.com/office/powerpoint/2010/main" val="3315435160"/>
+      </p:ext>
+    </p:extLst>
+  </p:cSld>
+  <p:clrMapOvr>
+    <a:masterClrMapping/>
+  </p:clrMapOvr>
+</p:notes>
+</file>
+
+<file path=ppt/notesSlides/notesSlide48.xml><?xml version="1.0" encoding="utf-8"?>
+<p:notes xmlns:a="http://schemas.openxmlformats.org/drawingml/2006/main" xmlns:r="http://schemas.openxmlformats.org/officeDocument/2006/relationships" xmlns:p="http://schemas.openxmlformats.org/presentationml/2006/main" showMasterSp="0" showMasterPhAnim="0">
+  <p:cSld>
+    <p:spTree>
+      <p:nvGrpSpPr>
+        <p:cNvPr id="1" name="Shape 109"/>
+        <p:cNvGrpSpPr/>
+        <p:nvPr/>
+      </p:nvGrpSpPr>
+      <p:grpSpPr>
+        <a:xfrm>
+          <a:off x="0" y="0"/>
+          <a:ext cx="0" cy="0"/>
+          <a:chOff x="0" y="0"/>
+          <a:chExt cx="0" cy="0"/>
+        </a:xfrm>
+      </p:grpSpPr>
+      <p:sp>
+        <p:nvSpPr>
+          <p:cNvPr id="110" name="Shape 110"/>
+          <p:cNvSpPr>
+            <a:spLocks noGrp="1" noRot="1" noChangeAspect="1"/>
+          </p:cNvSpPr>
+          <p:nvPr>
+            <p:ph type="sldImg" idx="2"/>
+          </p:nvPr>
+        </p:nvSpPr>
+        <p:spPr>
+          <a:xfrm>
+            <a:off x="1143000" y="685800"/>
+            <a:ext cx="4572000" cy="3429000"/>
+          </a:xfrm>
+          <a:custGeom>
+            <a:avLst/>
+            <a:gdLst/>
+            <a:ahLst/>
+            <a:cxnLst/>
+            <a:rect l="0" t="0" r="0" b="0"/>
+            <a:pathLst>
+              <a:path w="120000" h="120000" extrusionOk="0">
+                <a:moveTo>
+                  <a:pt x="0" y="0"/>
+                </a:moveTo>
+                <a:lnTo>
+                  <a:pt x="120000" y="0"/>
+                </a:lnTo>
+                <a:lnTo>
+                  <a:pt x="120000" y="120000"/>
+                </a:lnTo>
+                <a:lnTo>
+                  <a:pt x="0" y="120000"/>
+                </a:lnTo>
+                <a:close/>
+              </a:path>
+            </a:pathLst>
+          </a:custGeom>
+        </p:spPr>
+      </p:sp>
+      <p:sp>
+        <p:nvSpPr>
+          <p:cNvPr id="111" name="Shape 111"/>
+          <p:cNvSpPr txBox="1">
+            <a:spLocks noGrp="1"/>
+          </p:cNvSpPr>
+          <p:nvPr>
+            <p:ph type="body" idx="1"/>
+          </p:nvPr>
+        </p:nvSpPr>
+        <p:spPr>
+          <a:xfrm>
+            <a:off x="685800" y="4343400"/>
+            <a:ext cx="5486399" cy="4114800"/>
+          </a:xfrm>
+          <a:prstGeom prst="rect">
+            <a:avLst/>
+          </a:prstGeom>
+        </p:spPr>
+        <p:txBody>
+          <a:bodyPr lIns="91425" tIns="91425" rIns="91425" bIns="91425" anchor="t" anchorCtr="0">
+            <a:noAutofit/>
+          </a:bodyPr>
+          <a:lstStyle/>
+          <a:p>
+            <a:pPr marL="0" marR="0" lvl="0" indent="0" algn="l" defTabSz="457200" rtl="0" eaLnBrk="1" fontAlgn="auto" latinLnBrk="0" hangingPunct="1">
+              <a:lnSpc>
+                <a:spcPct val="100000"/>
+              </a:lnSpc>
+              <a:spcBef>
+                <a:spcPts val="0"/>
+              </a:spcBef>
+              <a:spcAft>
+                <a:spcPts val="0"/>
+              </a:spcAft>
+              <a:buClrTx/>
+              <a:buSzTx/>
+              <a:buFontTx/>
+              <a:buNone/>
+              <a:tabLst/>
+              <a:defRPr/>
+            </a:pPr>
+            <a:endParaRPr dirty="0"/>
+          </a:p>
+        </p:txBody>
+      </p:sp>
+      <p:sp>
+        <p:nvSpPr>
+          <p:cNvPr id="112" name="Shape 112"/>
+          <p:cNvSpPr txBox="1">
+            <a:spLocks noGrp="1"/>
+          </p:cNvSpPr>
+          <p:nvPr>
+            <p:ph type="sldNum" idx="12"/>
+          </p:nvPr>
+        </p:nvSpPr>
+        <p:spPr>
+          <a:xfrm>
+            <a:off x="3884612" y="8685213"/>
+            <a:ext cx="2971799" cy="457200"/>
+          </a:xfrm>
+          <a:prstGeom prst="rect">
+            <a:avLst/>
+          </a:prstGeom>
+        </p:spPr>
+        <p:txBody>
+          <a:bodyPr lIns="91425" tIns="45700" rIns="91425" bIns="45700" anchor="b" anchorCtr="0">
+            <a:noAutofit/>
+          </a:bodyPr>
+          <a:lstStyle/>
+          <a:p>
+            <a:pPr lvl="0">
+              <a:spcBef>
+                <a:spcPts val="0"/>
+              </a:spcBef>
+              <a:buClr>
+                <a:srgbClr val="000000"/>
+              </a:buClr>
+              <a:buSzPct val="25000"/>
+              <a:buFont typeface="Arial"/>
+              <a:buNone/>
+            </a:pPr>
+            <a:fld id="{00000000-1234-1234-1234-123412341234}" type="slidenum">
+              <a:rPr lang="en-US"/>
+              <a:t>48</a:t>
+            </a:fld>
+            <a:endParaRPr lang="en-US"/>
+          </a:p>
+        </p:txBody>
+      </p:sp>
+    </p:spTree>
+    <p:extLst>
+      <p:ext uri="{BB962C8B-B14F-4D97-AF65-F5344CB8AC3E}">
+        <p14:creationId xmlns:p14="http://schemas.microsoft.com/office/powerpoint/2010/main" val="3037907996"/>
+      </p:ext>
+    </p:extLst>
+  </p:cSld>
+  <p:clrMapOvr>
+    <a:masterClrMapping/>
+  </p:clrMapOvr>
+</p:notes>
+</file>
+
+<file path=ppt/notesSlides/notesSlide49.xml><?xml version="1.0" encoding="utf-8"?>
+<p:notes xmlns:a="http://schemas.openxmlformats.org/drawingml/2006/main" xmlns:r="http://schemas.openxmlformats.org/officeDocument/2006/relationships" xmlns:p="http://schemas.openxmlformats.org/presentationml/2006/main" showMasterSp="0" showMasterPhAnim="0">
+  <p:cSld>
+    <p:spTree>
+      <p:nvGrpSpPr>
+        <p:cNvPr id="1" name="Shape 109"/>
+        <p:cNvGrpSpPr/>
+        <p:nvPr/>
+      </p:nvGrpSpPr>
+      <p:grpSpPr>
+        <a:xfrm>
+          <a:off x="0" y="0"/>
+          <a:ext cx="0" cy="0"/>
+          <a:chOff x="0" y="0"/>
+          <a:chExt cx="0" cy="0"/>
+        </a:xfrm>
+      </p:grpSpPr>
+      <p:sp>
+        <p:nvSpPr>
+          <p:cNvPr id="110" name="Shape 110"/>
+          <p:cNvSpPr>
+            <a:spLocks noGrp="1" noRot="1" noChangeAspect="1"/>
+          </p:cNvSpPr>
+          <p:nvPr>
+            <p:ph type="sldImg" idx="2"/>
+          </p:nvPr>
+        </p:nvSpPr>
+        <p:spPr>
+          <a:xfrm>
+            <a:off x="1143000" y="685800"/>
+            <a:ext cx="4572000" cy="3429000"/>
+          </a:xfrm>
+          <a:custGeom>
+            <a:avLst/>
+            <a:gdLst/>
+            <a:ahLst/>
+            <a:cxnLst/>
+            <a:rect l="0" t="0" r="0" b="0"/>
+            <a:pathLst>
+              <a:path w="120000" h="120000" extrusionOk="0">
+                <a:moveTo>
+                  <a:pt x="0" y="0"/>
+                </a:moveTo>
+                <a:lnTo>
+                  <a:pt x="120000" y="0"/>
+                </a:lnTo>
+                <a:lnTo>
+                  <a:pt x="120000" y="120000"/>
+                </a:lnTo>
+                <a:lnTo>
+                  <a:pt x="0" y="120000"/>
+                </a:lnTo>
+                <a:close/>
+              </a:path>
+            </a:pathLst>
+          </a:custGeom>
+        </p:spPr>
+      </p:sp>
+      <p:sp>
+        <p:nvSpPr>
+          <p:cNvPr id="111" name="Shape 111"/>
+          <p:cNvSpPr txBox="1">
+            <a:spLocks noGrp="1"/>
+          </p:cNvSpPr>
+          <p:nvPr>
+            <p:ph type="body" idx="1"/>
+          </p:nvPr>
+        </p:nvSpPr>
+        <p:spPr>
+          <a:xfrm>
+            <a:off x="685800" y="4343400"/>
+            <a:ext cx="5486399" cy="4114800"/>
+          </a:xfrm>
+          <a:prstGeom prst="rect">
+            <a:avLst/>
+          </a:prstGeom>
+        </p:spPr>
+        <p:txBody>
+          <a:bodyPr lIns="91425" tIns="91425" rIns="91425" bIns="91425" anchor="t" anchorCtr="0">
+            <a:noAutofit/>
+          </a:bodyPr>
+          <a:lstStyle/>
+          <a:p>
+            <a:pPr marL="0" marR="0" lvl="0" indent="0" algn="l" defTabSz="457200" rtl="0" eaLnBrk="1" fontAlgn="auto" latinLnBrk="0" hangingPunct="1">
+              <a:lnSpc>
+                <a:spcPct val="100000"/>
+              </a:lnSpc>
+              <a:spcBef>
+                <a:spcPts val="0"/>
+              </a:spcBef>
+              <a:spcAft>
+                <a:spcPts val="0"/>
+              </a:spcAft>
+              <a:buClrTx/>
+              <a:buSzTx/>
+              <a:buFontTx/>
+              <a:buNone/>
+              <a:tabLst/>
+              <a:defRPr/>
+            </a:pPr>
+            <a:endParaRPr dirty="0"/>
+          </a:p>
+        </p:txBody>
+      </p:sp>
+      <p:sp>
+        <p:nvSpPr>
+          <p:cNvPr id="112" name="Shape 112"/>
+          <p:cNvSpPr txBox="1">
+            <a:spLocks noGrp="1"/>
+          </p:cNvSpPr>
+          <p:nvPr>
+            <p:ph type="sldNum" idx="12"/>
+          </p:nvPr>
+        </p:nvSpPr>
+        <p:spPr>
+          <a:xfrm>
+            <a:off x="3884612" y="8685213"/>
+            <a:ext cx="2971799" cy="457200"/>
+          </a:xfrm>
+          <a:prstGeom prst="rect">
+            <a:avLst/>
+          </a:prstGeom>
+        </p:spPr>
+        <p:txBody>
+          <a:bodyPr lIns="91425" tIns="45700" rIns="91425" bIns="45700" anchor="b" anchorCtr="0">
+            <a:noAutofit/>
+          </a:bodyPr>
+          <a:lstStyle/>
+          <a:p>
+            <a:pPr lvl="0">
+              <a:spcBef>
+                <a:spcPts val="0"/>
+              </a:spcBef>
+              <a:buClr>
+                <a:srgbClr val="000000"/>
+              </a:buClr>
+              <a:buSzPct val="25000"/>
+              <a:buFont typeface="Arial"/>
+              <a:buNone/>
+            </a:pPr>
+            <a:fld id="{00000000-1234-1234-1234-123412341234}" type="slidenum">
+              <a:rPr lang="en-US"/>
+              <a:t>49</a:t>
+            </a:fld>
+            <a:endParaRPr lang="en-US"/>
+          </a:p>
+        </p:txBody>
+      </p:sp>
+    </p:spTree>
+    <p:extLst>
+      <p:ext uri="{BB962C8B-B14F-4D97-AF65-F5344CB8AC3E}">
+        <p14:creationId xmlns:p14="http://schemas.microsoft.com/office/powerpoint/2010/main" val="2989984629"/>
       </p:ext>
     </p:extLst>
   </p:cSld>
@@ -7555,6 +8205,328 @@
         </p:spPr>
       </p:sp>
     </p:spTree>
+  </p:cSld>
+  <p:clrMapOvr>
+    <a:masterClrMapping/>
+  </p:clrMapOvr>
+</p:notes>
+</file>
+
+<file path=ppt/notesSlides/notesSlide50.xml><?xml version="1.0" encoding="utf-8"?>
+<p:notes xmlns:a="http://schemas.openxmlformats.org/drawingml/2006/main" xmlns:r="http://schemas.openxmlformats.org/officeDocument/2006/relationships" xmlns:p="http://schemas.openxmlformats.org/presentationml/2006/main" showMasterSp="0" showMasterPhAnim="0">
+  <p:cSld>
+    <p:spTree>
+      <p:nvGrpSpPr>
+        <p:cNvPr id="1" name="Shape 109"/>
+        <p:cNvGrpSpPr/>
+        <p:nvPr/>
+      </p:nvGrpSpPr>
+      <p:grpSpPr>
+        <a:xfrm>
+          <a:off x="0" y="0"/>
+          <a:ext cx="0" cy="0"/>
+          <a:chOff x="0" y="0"/>
+          <a:chExt cx="0" cy="0"/>
+        </a:xfrm>
+      </p:grpSpPr>
+      <p:sp>
+        <p:nvSpPr>
+          <p:cNvPr id="110" name="Shape 110"/>
+          <p:cNvSpPr>
+            <a:spLocks noGrp="1" noRot="1" noChangeAspect="1"/>
+          </p:cNvSpPr>
+          <p:nvPr>
+            <p:ph type="sldImg" idx="2"/>
+          </p:nvPr>
+        </p:nvSpPr>
+        <p:spPr>
+          <a:xfrm>
+            <a:off x="1143000" y="685800"/>
+            <a:ext cx="4572000" cy="3429000"/>
+          </a:xfrm>
+          <a:custGeom>
+            <a:avLst/>
+            <a:gdLst/>
+            <a:ahLst/>
+            <a:cxnLst/>
+            <a:rect l="0" t="0" r="0" b="0"/>
+            <a:pathLst>
+              <a:path w="120000" h="120000" extrusionOk="0">
+                <a:moveTo>
+                  <a:pt x="0" y="0"/>
+                </a:moveTo>
+                <a:lnTo>
+                  <a:pt x="120000" y="0"/>
+                </a:lnTo>
+                <a:lnTo>
+                  <a:pt x="120000" y="120000"/>
+                </a:lnTo>
+                <a:lnTo>
+                  <a:pt x="0" y="120000"/>
+                </a:lnTo>
+                <a:close/>
+              </a:path>
+            </a:pathLst>
+          </a:custGeom>
+        </p:spPr>
+      </p:sp>
+      <p:sp>
+        <p:nvSpPr>
+          <p:cNvPr id="111" name="Shape 111"/>
+          <p:cNvSpPr txBox="1">
+            <a:spLocks noGrp="1"/>
+          </p:cNvSpPr>
+          <p:nvPr>
+            <p:ph type="body" idx="1"/>
+          </p:nvPr>
+        </p:nvSpPr>
+        <p:spPr>
+          <a:xfrm>
+            <a:off x="685800" y="4343400"/>
+            <a:ext cx="5486399" cy="4114800"/>
+          </a:xfrm>
+          <a:prstGeom prst="rect">
+            <a:avLst/>
+          </a:prstGeom>
+        </p:spPr>
+        <p:txBody>
+          <a:bodyPr lIns="91425" tIns="91425" rIns="91425" bIns="91425" anchor="t" anchorCtr="0">
+            <a:noAutofit/>
+          </a:bodyPr>
+          <a:lstStyle/>
+          <a:p>
+            <a:pPr marL="0" marR="0" lvl="0" indent="0" algn="l" defTabSz="457200" rtl="0" eaLnBrk="1" fontAlgn="auto" latinLnBrk="0" hangingPunct="1">
+              <a:lnSpc>
+                <a:spcPct val="100000"/>
+              </a:lnSpc>
+              <a:spcBef>
+                <a:spcPts val="0"/>
+              </a:spcBef>
+              <a:spcAft>
+                <a:spcPts val="0"/>
+              </a:spcAft>
+              <a:buClrTx/>
+              <a:buSzTx/>
+              <a:buFontTx/>
+              <a:buNone/>
+              <a:tabLst/>
+              <a:defRPr/>
+            </a:pPr>
+            <a:endParaRPr dirty="0"/>
+          </a:p>
+        </p:txBody>
+      </p:sp>
+      <p:sp>
+        <p:nvSpPr>
+          <p:cNvPr id="112" name="Shape 112"/>
+          <p:cNvSpPr txBox="1">
+            <a:spLocks noGrp="1"/>
+          </p:cNvSpPr>
+          <p:nvPr>
+            <p:ph type="sldNum" idx="12"/>
+          </p:nvPr>
+        </p:nvSpPr>
+        <p:spPr>
+          <a:xfrm>
+            <a:off x="3884612" y="8685213"/>
+            <a:ext cx="2971799" cy="457200"/>
+          </a:xfrm>
+          <a:prstGeom prst="rect">
+            <a:avLst/>
+          </a:prstGeom>
+        </p:spPr>
+        <p:txBody>
+          <a:bodyPr lIns="91425" tIns="45700" rIns="91425" bIns="45700" anchor="b" anchorCtr="0">
+            <a:noAutofit/>
+          </a:bodyPr>
+          <a:lstStyle/>
+          <a:p>
+            <a:pPr lvl="0">
+              <a:spcBef>
+                <a:spcPts val="0"/>
+              </a:spcBef>
+              <a:buClr>
+                <a:srgbClr val="000000"/>
+              </a:buClr>
+              <a:buSzPct val="25000"/>
+              <a:buFont typeface="Arial"/>
+              <a:buNone/>
+            </a:pPr>
+            <a:fld id="{00000000-1234-1234-1234-123412341234}" type="slidenum">
+              <a:rPr lang="en-US"/>
+              <a:t>50</a:t>
+            </a:fld>
+            <a:endParaRPr lang="en-US"/>
+          </a:p>
+        </p:txBody>
+      </p:sp>
+    </p:spTree>
+    <p:extLst>
+      <p:ext uri="{BB962C8B-B14F-4D97-AF65-F5344CB8AC3E}">
+        <p14:creationId xmlns:p14="http://schemas.microsoft.com/office/powerpoint/2010/main" val="109236561"/>
+      </p:ext>
+    </p:extLst>
+  </p:cSld>
+  <p:clrMapOvr>
+    <a:masterClrMapping/>
+  </p:clrMapOvr>
+</p:notes>
+</file>
+
+<file path=ppt/notesSlides/notesSlide51.xml><?xml version="1.0" encoding="utf-8"?>
+<p:notes xmlns:a="http://schemas.openxmlformats.org/drawingml/2006/main" xmlns:r="http://schemas.openxmlformats.org/officeDocument/2006/relationships" xmlns:p="http://schemas.openxmlformats.org/presentationml/2006/main" showMasterSp="0" showMasterPhAnim="0">
+  <p:cSld>
+    <p:spTree>
+      <p:nvGrpSpPr>
+        <p:cNvPr id="1" name="Shape 109"/>
+        <p:cNvGrpSpPr/>
+        <p:nvPr/>
+      </p:nvGrpSpPr>
+      <p:grpSpPr>
+        <a:xfrm>
+          <a:off x="0" y="0"/>
+          <a:ext cx="0" cy="0"/>
+          <a:chOff x="0" y="0"/>
+          <a:chExt cx="0" cy="0"/>
+        </a:xfrm>
+      </p:grpSpPr>
+      <p:sp>
+        <p:nvSpPr>
+          <p:cNvPr id="110" name="Shape 110"/>
+          <p:cNvSpPr>
+            <a:spLocks noGrp="1" noRot="1" noChangeAspect="1"/>
+          </p:cNvSpPr>
+          <p:nvPr>
+            <p:ph type="sldImg" idx="2"/>
+          </p:nvPr>
+        </p:nvSpPr>
+        <p:spPr>
+          <a:xfrm>
+            <a:off x="1143000" y="685800"/>
+            <a:ext cx="4572000" cy="3429000"/>
+          </a:xfrm>
+          <a:custGeom>
+            <a:avLst/>
+            <a:gdLst/>
+            <a:ahLst/>
+            <a:cxnLst/>
+            <a:rect l="0" t="0" r="0" b="0"/>
+            <a:pathLst>
+              <a:path w="120000" h="120000" extrusionOk="0">
+                <a:moveTo>
+                  <a:pt x="0" y="0"/>
+                </a:moveTo>
+                <a:lnTo>
+                  <a:pt x="120000" y="0"/>
+                </a:lnTo>
+                <a:lnTo>
+                  <a:pt x="120000" y="120000"/>
+                </a:lnTo>
+                <a:lnTo>
+                  <a:pt x="0" y="120000"/>
+                </a:lnTo>
+                <a:close/>
+              </a:path>
+            </a:pathLst>
+          </a:custGeom>
+        </p:spPr>
+      </p:sp>
+      <p:sp>
+        <p:nvSpPr>
+          <p:cNvPr id="111" name="Shape 111"/>
+          <p:cNvSpPr txBox="1">
+            <a:spLocks noGrp="1"/>
+          </p:cNvSpPr>
+          <p:nvPr>
+            <p:ph type="body" idx="1"/>
+          </p:nvPr>
+        </p:nvSpPr>
+        <p:spPr>
+          <a:xfrm>
+            <a:off x="685800" y="4343400"/>
+            <a:ext cx="5486399" cy="4114800"/>
+          </a:xfrm>
+          <a:prstGeom prst="rect">
+            <a:avLst/>
+          </a:prstGeom>
+        </p:spPr>
+        <p:txBody>
+          <a:bodyPr lIns="91425" tIns="91425" rIns="91425" bIns="91425" anchor="t" anchorCtr="0">
+            <a:noAutofit/>
+          </a:bodyPr>
+          <a:lstStyle/>
+          <a:p>
+            <a:pPr marL="0" marR="0" lvl="0" indent="0" algn="l" defTabSz="457200" rtl="0" eaLnBrk="1" fontAlgn="auto" latinLnBrk="0" hangingPunct="1">
+              <a:lnSpc>
+                <a:spcPct val="100000"/>
+              </a:lnSpc>
+              <a:spcBef>
+                <a:spcPts val="0"/>
+              </a:spcBef>
+              <a:spcAft>
+                <a:spcPts val="0"/>
+              </a:spcAft>
+              <a:buClrTx/>
+              <a:buSzTx/>
+              <a:buFontTx/>
+              <a:buNone/>
+              <a:tabLst/>
+              <a:defRPr/>
+            </a:pPr>
+            <a:endParaRPr dirty="0"/>
+          </a:p>
+        </p:txBody>
+      </p:sp>
+      <p:sp>
+        <p:nvSpPr>
+          <p:cNvPr id="112" name="Shape 112"/>
+          <p:cNvSpPr txBox="1">
+            <a:spLocks noGrp="1"/>
+          </p:cNvSpPr>
+          <p:nvPr>
+            <p:ph type="sldNum" idx="12"/>
+          </p:nvPr>
+        </p:nvSpPr>
+        <p:spPr>
+          <a:xfrm>
+            <a:off x="3884612" y="8685213"/>
+            <a:ext cx="2971799" cy="457200"/>
+          </a:xfrm>
+          <a:prstGeom prst="rect">
+            <a:avLst/>
+          </a:prstGeom>
+        </p:spPr>
+        <p:txBody>
+          <a:bodyPr lIns="91425" tIns="45700" rIns="91425" bIns="45700" anchor="b" anchorCtr="0">
+            <a:noAutofit/>
+          </a:bodyPr>
+          <a:lstStyle/>
+          <a:p>
+            <a:pPr lvl="0">
+              <a:spcBef>
+                <a:spcPts val="0"/>
+              </a:spcBef>
+              <a:buClr>
+                <a:srgbClr val="000000"/>
+              </a:buClr>
+              <a:buSzPct val="25000"/>
+              <a:buFont typeface="Arial"/>
+              <a:buNone/>
+            </a:pPr>
+            <a:fld id="{00000000-1234-1234-1234-123412341234}" type="slidenum">
+              <a:rPr lang="en-US"/>
+              <a:t>51</a:t>
+            </a:fld>
+            <a:endParaRPr lang="en-US"/>
+          </a:p>
+        </p:txBody>
+      </p:sp>
+    </p:spTree>
+    <p:extLst>
+      <p:ext uri="{BB962C8B-B14F-4D97-AF65-F5344CB8AC3E}">
+        <p14:creationId xmlns:p14="http://schemas.microsoft.com/office/powerpoint/2010/main" val="1224623731"/>
+      </p:ext>
+    </p:extLst>
   </p:cSld>
   <p:clrMapOvr>
     <a:masterClrMapping/>
@@ -25406,10 +26378,10 @@
               <a:buNone/>
             </a:pPr>
             <a:r>
-              <a:rPr lang="en-US" sz="3600" dirty="0"/>
-              <a:t>Golang Setup (command line commands)</a:t>
-            </a:r>
-            <a:endParaRPr sz="3600" dirty="0"/>
+              <a:rPr lang="en-US" dirty="0"/>
+              <a:t>Golang Playground</a:t>
+            </a:r>
+            <a:endParaRPr dirty="0"/>
           </a:p>
         </p:txBody>
       </p:sp>
@@ -25450,7 +26422,7 @@
                 </a:solidFill>
                 <a:latin typeface="+mn-lt"/>
               </a:rPr>
-              <a:t>Now that we’re set up let’s go over some of the command line commands with go. Let’s go over the most important ones to start with: </a:t>
+              <a:t> So now that we have created our directory structure let’s put it aside for a moment. Why? </a:t>
             </a:r>
           </a:p>
           <a:p>
@@ -25460,21 +26432,48 @@
               </a:spcBef>
             </a:pPr>
             <a:r>
+              <a:rPr lang="en-US" dirty="0">
+                <a:solidFill>
+                  <a:schemeClr val="tx1"/>
+                </a:solidFill>
+                <a:latin typeface="+mn-lt"/>
+              </a:rPr>
+              <a:t>Well- as many of you probably realize- coding is painful without some sort of CLI (Command Line Interface) to work with.</a:t>
+            </a:r>
+          </a:p>
+          <a:p>
+            <a:pPr lvl="3">
+              <a:spcBef>
+                <a:spcPts val="0"/>
+              </a:spcBef>
+            </a:pPr>
+            <a:r>
+              <a:rPr lang="en-US" dirty="0">
+                <a:solidFill>
+                  <a:schemeClr val="tx1"/>
+                </a:solidFill>
+                <a:latin typeface="+mn-lt"/>
+              </a:rPr>
+              <a:t>In Python we have great programs like typing “python” into your command line (or </a:t>
+            </a:r>
+            <a:r>
               <a:rPr lang="en-US" b="1" dirty="0">
                 <a:solidFill>
                   <a:schemeClr val="tx1"/>
                 </a:solidFill>
                 <a:latin typeface="+mn-lt"/>
               </a:rPr>
-              <a:t>go get</a:t>
-            </a:r>
-          </a:p>
-          <a:p>
-            <a:pPr lvl="4">
-              <a:spcBef>
-                <a:spcPts val="0"/>
-              </a:spcBef>
-            </a:pPr>
+              <a:t>pip install </a:t>
+            </a:r>
+            <a:r>
+              <a:rPr lang="en-US" b="1" dirty="0" err="1">
+                <a:solidFill>
+                  <a:schemeClr val="tx1"/>
+                </a:solidFill>
+                <a:latin typeface="+mn-lt"/>
+              </a:rPr>
+              <a:t>ipython</a:t>
+            </a:r>
             <a:r>
               <a:rPr lang="en-US" dirty="0">
                 <a:solidFill>
@@ -25482,7 +26481,7 @@
                 </a:solidFill>
                 <a:latin typeface="+mn-lt"/>
               </a:rPr>
-              <a:t>This is the package manager- basically the equivalent of </a:t>
+              <a:t> and then typing </a:t>
             </a:r>
             <a:r>
               <a:rPr lang="en-US" b="1" dirty="0">
@@ -25491,7 +26490,16 @@
                 </a:solidFill>
                 <a:latin typeface="+mn-lt"/>
               </a:rPr>
-              <a:t>pip install </a:t>
+              <a:t>“</a:t>
+            </a:r>
+            <a:r>
+              <a:rPr lang="en-US" b="1" dirty="0" err="1">
+                <a:solidFill>
+                  <a:schemeClr val="tx1"/>
+                </a:solidFill>
+                <a:latin typeface="+mn-lt"/>
+              </a:rPr>
+              <a:t>ipython</a:t>
             </a:r>
             <a:r>
               <a:rPr lang="en-US" dirty="0">
@@ -25500,16 +26508,23 @@
                 </a:solidFill>
                 <a:latin typeface="+mn-lt"/>
               </a:rPr>
-              <a:t>or </a:t>
-            </a:r>
-            <a:r>
-              <a:rPr lang="en-US" b="1" dirty="0" err="1">
+              <a:t>” into your CLI).</a:t>
+            </a:r>
+          </a:p>
+          <a:p>
+            <a:pPr lvl="3">
+              <a:spcBef>
+                <a:spcPts val="0"/>
+              </a:spcBef>
+            </a:pPr>
+            <a:r>
+              <a:rPr lang="en-US" dirty="0">
                 <a:solidFill>
                   <a:schemeClr val="tx1"/>
                 </a:solidFill>
                 <a:latin typeface="+mn-lt"/>
               </a:rPr>
-              <a:t>npm</a:t>
+              <a:t>In Node.js we have great programs like </a:t>
             </a:r>
             <a:r>
               <a:rPr lang="en-US" b="1" dirty="0">
@@ -25518,7 +26533,7 @@
                 </a:solidFill>
                 <a:latin typeface="+mn-lt"/>
               </a:rPr>
-              <a:t> install.</a:t>
+              <a:t>node</a:t>
             </a:r>
             <a:r>
               <a:rPr lang="en-US" dirty="0">
@@ -25527,15 +26542,17 @@
                 </a:solidFill>
                 <a:latin typeface="+mn-lt"/>
               </a:rPr>
-              <a:t> Let’s “go get” a package.</a:t>
-            </a:r>
-          </a:p>
-          <a:p>
-            <a:pPr lvl="4">
-              <a:spcBef>
-                <a:spcPts val="0"/>
-              </a:spcBef>
-            </a:pPr>
+              <a:t> or </a:t>
+            </a:r>
+            <a:r>
+              <a:rPr lang="en-US" b="1" dirty="0">
+                <a:solidFill>
+                  <a:schemeClr val="tx1"/>
+                </a:solidFill>
+                <a:latin typeface="+mn-lt"/>
+              </a:rPr>
+              <a:t>nesh</a:t>
+            </a:r>
             <a:r>
               <a:rPr lang="en-US" dirty="0">
                 <a:solidFill>
@@ -25543,118 +26560,24 @@
                 </a:solidFill>
                 <a:latin typeface="+mn-lt"/>
               </a:rPr>
-              <a:t> Note that “go get” is using your $GOPATH to place the file in it’s correct location (notice how the “</a:t>
-            </a:r>
-            <a:r>
-              <a:rPr lang="en-US" dirty="0" err="1">
+              <a:t> which give us awesome command line interfaces to test our code before we push it. </a:t>
+            </a:r>
+          </a:p>
+          <a:p>
+            <a:pPr lvl="3">
+              <a:spcBef>
+                <a:spcPts val="0"/>
+              </a:spcBef>
+            </a:pPr>
+            <a:r>
+              <a:rPr lang="en-US" dirty="0">
                 <a:solidFill>
                   <a:schemeClr val="tx1"/>
                 </a:solidFill>
                 <a:latin typeface="+mn-lt"/>
               </a:rPr>
-              <a:t>src</a:t>
-            </a:r>
-            <a:r>
-              <a:rPr lang="en-US" dirty="0">
-                <a:solidFill>
-                  <a:schemeClr val="tx1"/>
-                </a:solidFill>
-                <a:latin typeface="+mn-lt"/>
-              </a:rPr>
-              <a:t>/</a:t>
-            </a:r>
-            <a:r>
-              <a:rPr lang="en-US" dirty="0" err="1">
-                <a:solidFill>
-                  <a:schemeClr val="tx1"/>
-                </a:solidFill>
-                <a:latin typeface="+mn-lt"/>
-              </a:rPr>
-              <a:t>github.com</a:t>
-            </a:r>
-            <a:r>
-              <a:rPr lang="en-US" dirty="0">
-                <a:solidFill>
-                  <a:schemeClr val="tx1"/>
-                </a:solidFill>
-                <a:latin typeface="+mn-lt"/>
-              </a:rPr>
-              <a:t>/” lined up?)</a:t>
-            </a:r>
-          </a:p>
-          <a:p>
-            <a:pPr lvl="4">
-              <a:spcBef>
-                <a:spcPts val="0"/>
-              </a:spcBef>
-            </a:pPr>
-            <a:r>
-              <a:rPr lang="en-US" dirty="0">
-                <a:solidFill>
-                  <a:schemeClr val="tx1"/>
-                </a:solidFill>
-                <a:latin typeface="+mn-lt"/>
-              </a:rPr>
-              <a:t> Now let’s try importing it! To do that we need to create a “</a:t>
-            </a:r>
-            <a:r>
-              <a:rPr lang="en-US" dirty="0" err="1">
-                <a:solidFill>
-                  <a:schemeClr val="tx1"/>
-                </a:solidFill>
-                <a:latin typeface="+mn-lt"/>
-              </a:rPr>
-              <a:t>main.go</a:t>
-            </a:r>
-            <a:r>
-              <a:rPr lang="en-US" dirty="0">
-                <a:solidFill>
-                  <a:schemeClr val="tx1"/>
-                </a:solidFill>
-                <a:latin typeface="+mn-lt"/>
-              </a:rPr>
-              <a:t>” file somewhere. </a:t>
-            </a:r>
-          </a:p>
-          <a:p>
-            <a:pPr lvl="4">
-              <a:spcBef>
-                <a:spcPts val="0"/>
-              </a:spcBef>
-            </a:pPr>
-            <a:r>
-              <a:rPr lang="en-US" b="1" dirty="0">
-                <a:solidFill>
-                  <a:schemeClr val="tx1"/>
-                </a:solidFill>
-                <a:latin typeface="+mn-lt"/>
-              </a:rPr>
-              <a:t>WHERE should we put that </a:t>
-            </a:r>
-            <a:r>
-              <a:rPr lang="en-US" b="1" dirty="0" err="1">
-                <a:solidFill>
-                  <a:schemeClr val="tx1"/>
-                </a:solidFill>
-                <a:latin typeface="+mn-lt"/>
-              </a:rPr>
-              <a:t>main.go</a:t>
-            </a:r>
-            <a:r>
-              <a:rPr lang="en-US" b="1">
-                <a:solidFill>
-                  <a:schemeClr val="tx1"/>
-                </a:solidFill>
-                <a:latin typeface="+mn-lt"/>
-              </a:rPr>
-              <a:t> file??</a:t>
-            </a:r>
-            <a:endParaRPr lang="en-US" b="1" dirty="0">
-              <a:solidFill>
-                <a:schemeClr val="tx1"/>
-              </a:solidFill>
-              <a:latin typeface="+mn-lt"/>
-            </a:endParaRPr>
+              <a:t>So how do we do this in GOLANG?</a:t>
+            </a:r>
           </a:p>
           <a:p>
             <a:pPr lvl="3">
@@ -25766,10 +26689,1597 @@
           </a:p>
         </p:txBody>
       </p:sp>
+      <p:pic>
+        <p:nvPicPr>
+          <p:cNvPr id="11266" name="Picture 2" descr="Image result for golang gopher images">
+            <a:extLst>
+              <a:ext uri="{FF2B5EF4-FFF2-40B4-BE49-F238E27FC236}">
+                <a16:creationId xmlns:a16="http://schemas.microsoft.com/office/drawing/2014/main" id="{4AFA6BD1-8029-1C47-9CCC-0CEDF6774B26}"/>
+              </a:ext>
+            </a:extLst>
+          </p:cNvPr>
+          <p:cNvPicPr>
+            <a:picLocks noChangeAspect="1" noChangeArrowheads="1"/>
+          </p:cNvPicPr>
+          <p:nvPr/>
+        </p:nvPicPr>
+        <p:blipFill>
+          <a:blip r:embed="rId3">
+            <a:extLst>
+              <a:ext uri="{28A0092B-C50C-407E-A947-70E740481C1C}">
+                <a14:useLocalDpi xmlns:a14="http://schemas.microsoft.com/office/drawing/2010/main" val="0"/>
+              </a:ext>
+            </a:extLst>
+          </a:blip>
+          <a:srcRect/>
+          <a:stretch>
+            <a:fillRect/>
+          </a:stretch>
+        </p:blipFill>
+        <p:spPr bwMode="auto">
+          <a:xfrm>
+            <a:off x="3449451" y="4325419"/>
+            <a:ext cx="1571188" cy="2144017"/>
+          </a:xfrm>
+          <a:prstGeom prst="rect">
+            <a:avLst/>
+          </a:prstGeom>
+          <a:noFill/>
+          <a:extLst>
+            <a:ext uri="{909E8E84-426E-40DD-AFC4-6F175D3DCCD1}">
+              <a14:hiddenFill xmlns:a14="http://schemas.microsoft.com/office/drawing/2010/main">
+                <a:solidFill>
+                  <a:srgbClr val="FFFFFF"/>
+                </a:solidFill>
+              </a14:hiddenFill>
+            </a:ext>
+          </a:extLst>
+        </p:spPr>
+      </p:pic>
     </p:spTree>
     <p:extLst>
       <p:ext uri="{BB962C8B-B14F-4D97-AF65-F5344CB8AC3E}">
-        <p14:creationId xmlns:p14="http://schemas.microsoft.com/office/powerpoint/2010/main" val="3415736018"/>
+        <p14:creationId xmlns:p14="http://schemas.microsoft.com/office/powerpoint/2010/main" val="3946465070"/>
+      </p:ext>
+    </p:extLst>
+  </p:cSld>
+  <p:clrMapOvr>
+    <a:masterClrMapping/>
+  </p:clrMapOvr>
+</p:sld>
+</file>
+
+<file path=ppt/slides/slide46.xml><?xml version="1.0" encoding="utf-8"?>
+<p:sld xmlns:a="http://schemas.openxmlformats.org/drawingml/2006/main" xmlns:r="http://schemas.openxmlformats.org/officeDocument/2006/relationships" xmlns:p="http://schemas.openxmlformats.org/presentationml/2006/main">
+  <p:cSld>
+    <p:spTree>
+      <p:nvGrpSpPr>
+        <p:cNvPr id="1" name="Shape 113"/>
+        <p:cNvGrpSpPr/>
+        <p:nvPr/>
+      </p:nvGrpSpPr>
+      <p:grpSpPr>
+        <a:xfrm>
+          <a:off x="0" y="0"/>
+          <a:ext cx="0" cy="0"/>
+          <a:chOff x="0" y="0"/>
+          <a:chExt cx="0" cy="0"/>
+        </a:xfrm>
+      </p:grpSpPr>
+      <p:sp>
+        <p:nvSpPr>
+          <p:cNvPr id="114" name="Shape 114"/>
+          <p:cNvSpPr txBox="1">
+            <a:spLocks noGrp="1"/>
+          </p:cNvSpPr>
+          <p:nvPr>
+            <p:ph type="title"/>
+          </p:nvPr>
+        </p:nvSpPr>
+        <p:spPr>
+          <a:xfrm>
+            <a:off x="76200" y="152400"/>
+            <a:ext cx="8991600" cy="671400"/>
+          </a:xfrm>
+          <a:prstGeom prst="rect">
+            <a:avLst/>
+          </a:prstGeom>
+        </p:spPr>
+        <p:txBody>
+          <a:bodyPr lIns="91425" tIns="91425" rIns="91425" bIns="91425" anchor="ctr" anchorCtr="0">
+            <a:noAutofit/>
+          </a:bodyPr>
+          <a:lstStyle/>
+          <a:p>
+            <a:pPr lvl="0">
+              <a:spcBef>
+                <a:spcPts val="0"/>
+              </a:spcBef>
+              <a:buNone/>
+            </a:pPr>
+            <a:r>
+              <a:rPr lang="en-US" dirty="0"/>
+              <a:t>Golang Playground</a:t>
+            </a:r>
+            <a:endParaRPr dirty="0"/>
+          </a:p>
+        </p:txBody>
+      </p:sp>
+      <p:sp>
+        <p:nvSpPr>
+          <p:cNvPr id="115" name="Shape 115"/>
+          <p:cNvSpPr txBox="1">
+            <a:spLocks noGrp="1"/>
+          </p:cNvSpPr>
+          <p:nvPr>
+            <p:ph type="body" idx="1"/>
+          </p:nvPr>
+        </p:nvSpPr>
+        <p:spPr>
+          <a:xfrm>
+            <a:off x="76200" y="1240810"/>
+            <a:ext cx="8991600" cy="4070929"/>
+          </a:xfrm>
+          <a:prstGeom prst="rect">
+            <a:avLst/>
+          </a:prstGeom>
+        </p:spPr>
+        <p:txBody>
+          <a:bodyPr lIns="91425" tIns="91425" rIns="91425" bIns="91425" anchor="t" anchorCtr="0">
+            <a:noAutofit/>
+          </a:bodyPr>
+          <a:lstStyle/>
+          <a:p>
+            <a:pPr lvl="2">
+              <a:spcBef>
+                <a:spcPts val="0"/>
+              </a:spcBef>
+            </a:pPr>
+            <a:r>
+              <a:rPr lang="en-US" dirty="0">
+                <a:solidFill>
+                  <a:schemeClr val="tx1"/>
+                </a:solidFill>
+                <a:latin typeface="+mn-lt"/>
+              </a:rPr>
+              <a:t>Before we dive deep into creating GO projects we need a fun environment in which to test our code before we drive it! Usually CLIs fill this role (and there </a:t>
+            </a:r>
+            <a:r>
+              <a:rPr lang="en-US" b="1" dirty="0">
+                <a:solidFill>
+                  <a:schemeClr val="tx1"/>
+                </a:solidFill>
+                <a:latin typeface="+mn-lt"/>
+              </a:rPr>
+              <a:t>are</a:t>
+            </a:r>
+            <a:r>
+              <a:rPr lang="en-US" dirty="0">
+                <a:solidFill>
+                  <a:schemeClr val="tx1"/>
+                </a:solidFill>
+                <a:latin typeface="+mn-lt"/>
+              </a:rPr>
+              <a:t> </a:t>
+            </a:r>
+            <a:r>
+              <a:rPr lang="en-US" dirty="0" err="1">
+                <a:solidFill>
+                  <a:schemeClr val="tx1"/>
+                </a:solidFill>
+                <a:latin typeface="+mn-lt"/>
+              </a:rPr>
+              <a:t>golang</a:t>
+            </a:r>
+            <a:r>
+              <a:rPr lang="en-US" dirty="0">
+                <a:solidFill>
+                  <a:schemeClr val="tx1"/>
+                </a:solidFill>
+                <a:latin typeface="+mn-lt"/>
+              </a:rPr>
+              <a:t> CLIs out there!)</a:t>
+            </a:r>
+          </a:p>
+          <a:p>
+            <a:pPr lvl="2">
+              <a:spcBef>
+                <a:spcPts val="0"/>
+              </a:spcBef>
+            </a:pPr>
+            <a:r>
+              <a:rPr lang="en-US" dirty="0">
+                <a:solidFill>
+                  <a:schemeClr val="tx1"/>
+                </a:solidFill>
+                <a:latin typeface="+mn-lt"/>
+              </a:rPr>
+              <a:t>With GO- navigate here: </a:t>
+            </a:r>
+            <a:r>
+              <a:rPr lang="en-US" dirty="0">
+                <a:solidFill>
+                  <a:srgbClr val="0070C0"/>
+                </a:solidFill>
+                <a:latin typeface="+mn-lt"/>
+              </a:rPr>
+              <a:t>https://</a:t>
+            </a:r>
+            <a:r>
+              <a:rPr lang="en-US" dirty="0" err="1">
+                <a:solidFill>
+                  <a:srgbClr val="0070C0"/>
+                </a:solidFill>
+                <a:latin typeface="+mn-lt"/>
+              </a:rPr>
+              <a:t>play.golang.org</a:t>
+            </a:r>
+            <a:r>
+              <a:rPr lang="en-US" dirty="0">
+                <a:solidFill>
+                  <a:srgbClr val="0070C0"/>
+                </a:solidFill>
+                <a:latin typeface="+mn-lt"/>
+              </a:rPr>
+              <a:t>/</a:t>
+            </a:r>
+          </a:p>
+          <a:p>
+            <a:pPr lvl="3">
+              <a:spcBef>
+                <a:spcPts val="0"/>
+              </a:spcBef>
+            </a:pPr>
+            <a:r>
+              <a:rPr lang="en-US" dirty="0">
+                <a:solidFill>
+                  <a:schemeClr val="tx1"/>
+                </a:solidFill>
+                <a:latin typeface="+mn-lt"/>
+              </a:rPr>
+              <a:t>Usually, as a coder, when I need to test something this is the first location I head to. It’s a nice little testing area </a:t>
+            </a:r>
+            <a:r>
+              <a:rPr lang="en-US" b="1" dirty="0">
+                <a:solidFill>
+                  <a:schemeClr val="tx1"/>
+                </a:solidFill>
+                <a:latin typeface="+mn-lt"/>
+              </a:rPr>
+              <a:t>and</a:t>
+            </a:r>
+            <a:r>
+              <a:rPr lang="en-US" dirty="0">
+                <a:solidFill>
+                  <a:schemeClr val="tx1"/>
+                </a:solidFill>
+                <a:latin typeface="+mn-lt"/>
+              </a:rPr>
+              <a:t> because of the easy “share” feature at the top- I can instantly create a link</a:t>
+            </a:r>
+          </a:p>
+          <a:p>
+            <a:pPr lvl="3">
+              <a:spcBef>
+                <a:spcPts val="0"/>
+              </a:spcBef>
+            </a:pPr>
+            <a:endParaRPr lang="en-US" dirty="0">
+              <a:solidFill>
+                <a:schemeClr val="tx1"/>
+              </a:solidFill>
+              <a:latin typeface="+mn-lt"/>
+            </a:endParaRPr>
+          </a:p>
+          <a:p>
+            <a:pPr lvl="2">
+              <a:spcBef>
+                <a:spcPts val="0"/>
+              </a:spcBef>
+            </a:pPr>
+            <a:endParaRPr lang="en-US" dirty="0">
+              <a:solidFill>
+                <a:schemeClr val="tx1"/>
+              </a:solidFill>
+            </a:endParaRPr>
+          </a:p>
+          <a:p>
+            <a:pPr marL="1485900" lvl="3" indent="0">
+              <a:spcBef>
+                <a:spcPts val="0"/>
+              </a:spcBef>
+              <a:buNone/>
+            </a:pPr>
+            <a:endParaRPr lang="en-US" dirty="0">
+              <a:solidFill>
+                <a:schemeClr val="tx1"/>
+              </a:solidFill>
+              <a:latin typeface="+mn-lt"/>
+            </a:endParaRPr>
+          </a:p>
+          <a:p>
+            <a:pPr marL="1485900" lvl="3" indent="0">
+              <a:spcBef>
+                <a:spcPts val="0"/>
+              </a:spcBef>
+              <a:buNone/>
+            </a:pPr>
+            <a:endParaRPr lang="en-US" dirty="0">
+              <a:solidFill>
+                <a:schemeClr val="tx1"/>
+              </a:solidFill>
+              <a:latin typeface="+mn-lt"/>
+            </a:endParaRPr>
+          </a:p>
+          <a:p>
+            <a:pPr marL="1485900" lvl="3" indent="0">
+              <a:spcBef>
+                <a:spcPts val="0"/>
+              </a:spcBef>
+              <a:buNone/>
+            </a:pPr>
+            <a:endParaRPr lang="en-US" dirty="0">
+              <a:solidFill>
+                <a:schemeClr val="tx1"/>
+              </a:solidFill>
+              <a:latin typeface="+mn-lt"/>
+            </a:endParaRPr>
+          </a:p>
+          <a:p>
+            <a:pPr marL="1485900" lvl="3" indent="0">
+              <a:spcBef>
+                <a:spcPts val="0"/>
+              </a:spcBef>
+              <a:buNone/>
+            </a:pPr>
+            <a:endParaRPr lang="en-US" dirty="0">
+              <a:solidFill>
+                <a:schemeClr val="tx1"/>
+              </a:solidFill>
+              <a:latin typeface="+mn-lt"/>
+            </a:endParaRPr>
+          </a:p>
+          <a:p>
+            <a:pPr marL="1485900" lvl="3" indent="0">
+              <a:spcBef>
+                <a:spcPts val="0"/>
+              </a:spcBef>
+              <a:buNone/>
+            </a:pPr>
+            <a:endParaRPr lang="en-US" dirty="0">
+              <a:solidFill>
+                <a:schemeClr val="tx1"/>
+              </a:solidFill>
+              <a:latin typeface="+mn-lt"/>
+            </a:endParaRPr>
+          </a:p>
+        </p:txBody>
+      </p:sp>
+      <p:pic>
+        <p:nvPicPr>
+          <p:cNvPr id="12292" name="Picture 4" descr="Image result for golang go playground">
+            <a:extLst>
+              <a:ext uri="{FF2B5EF4-FFF2-40B4-BE49-F238E27FC236}">
+                <a16:creationId xmlns:a16="http://schemas.microsoft.com/office/drawing/2014/main" id="{F24EBB5E-C392-5548-A507-0E4206042AD8}"/>
+              </a:ext>
+            </a:extLst>
+          </p:cNvPr>
+          <p:cNvPicPr>
+            <a:picLocks noChangeAspect="1" noChangeArrowheads="1"/>
+          </p:cNvPicPr>
+          <p:nvPr/>
+        </p:nvPicPr>
+        <p:blipFill>
+          <a:blip r:embed="rId3">
+            <a:extLst>
+              <a:ext uri="{28A0092B-C50C-407E-A947-70E740481C1C}">
+                <a14:useLocalDpi xmlns:a14="http://schemas.microsoft.com/office/drawing/2010/main" val="0"/>
+              </a:ext>
+            </a:extLst>
+          </a:blip>
+          <a:srcRect/>
+          <a:stretch>
+            <a:fillRect/>
+          </a:stretch>
+        </p:blipFill>
+        <p:spPr bwMode="auto">
+          <a:xfrm>
+            <a:off x="1552253" y="3748782"/>
+            <a:ext cx="5845139" cy="2710019"/>
+          </a:xfrm>
+          <a:prstGeom prst="rect">
+            <a:avLst/>
+          </a:prstGeom>
+          <a:noFill/>
+          <a:extLst>
+            <a:ext uri="{909E8E84-426E-40DD-AFC4-6F175D3DCCD1}">
+              <a14:hiddenFill xmlns:a14="http://schemas.microsoft.com/office/drawing/2010/main">
+                <a:solidFill>
+                  <a:srgbClr val="FFFFFF"/>
+                </a:solidFill>
+              </a14:hiddenFill>
+            </a:ext>
+          </a:extLst>
+        </p:spPr>
+      </p:pic>
+    </p:spTree>
+    <p:extLst>
+      <p:ext uri="{BB962C8B-B14F-4D97-AF65-F5344CB8AC3E}">
+        <p14:creationId xmlns:p14="http://schemas.microsoft.com/office/powerpoint/2010/main" val="522103369"/>
+      </p:ext>
+    </p:extLst>
+  </p:cSld>
+  <p:clrMapOvr>
+    <a:masterClrMapping/>
+  </p:clrMapOvr>
+</p:sld>
+</file>
+
+<file path=ppt/slides/slide47.xml><?xml version="1.0" encoding="utf-8"?>
+<p:sld xmlns:a="http://schemas.openxmlformats.org/drawingml/2006/main" xmlns:r="http://schemas.openxmlformats.org/officeDocument/2006/relationships" xmlns:p="http://schemas.openxmlformats.org/presentationml/2006/main">
+  <p:cSld>
+    <p:spTree>
+      <p:nvGrpSpPr>
+        <p:cNvPr id="1" name="Shape 113"/>
+        <p:cNvGrpSpPr/>
+        <p:nvPr/>
+      </p:nvGrpSpPr>
+      <p:grpSpPr>
+        <a:xfrm>
+          <a:off x="0" y="0"/>
+          <a:ext cx="0" cy="0"/>
+          <a:chOff x="0" y="0"/>
+          <a:chExt cx="0" cy="0"/>
+        </a:xfrm>
+      </p:grpSpPr>
+      <p:sp>
+        <p:nvSpPr>
+          <p:cNvPr id="114" name="Shape 114"/>
+          <p:cNvSpPr txBox="1">
+            <a:spLocks noGrp="1"/>
+          </p:cNvSpPr>
+          <p:nvPr>
+            <p:ph type="title"/>
+          </p:nvPr>
+        </p:nvSpPr>
+        <p:spPr>
+          <a:xfrm>
+            <a:off x="76200" y="152400"/>
+            <a:ext cx="8991600" cy="671400"/>
+          </a:xfrm>
+          <a:prstGeom prst="rect">
+            <a:avLst/>
+          </a:prstGeom>
+        </p:spPr>
+        <p:txBody>
+          <a:bodyPr lIns="91425" tIns="91425" rIns="91425" bIns="91425" anchor="ctr" anchorCtr="0">
+            <a:noAutofit/>
+          </a:bodyPr>
+          <a:lstStyle/>
+          <a:p>
+            <a:pPr lvl="0">
+              <a:spcBef>
+                <a:spcPts val="0"/>
+              </a:spcBef>
+              <a:buNone/>
+            </a:pPr>
+            <a:r>
+              <a:rPr lang="en-US" dirty="0"/>
+              <a:t>Golang Playground</a:t>
+            </a:r>
+            <a:endParaRPr dirty="0"/>
+          </a:p>
+        </p:txBody>
+      </p:sp>
+      <p:sp>
+        <p:nvSpPr>
+          <p:cNvPr id="115" name="Shape 115"/>
+          <p:cNvSpPr txBox="1">
+            <a:spLocks noGrp="1"/>
+          </p:cNvSpPr>
+          <p:nvPr>
+            <p:ph type="body" idx="1"/>
+          </p:nvPr>
+        </p:nvSpPr>
+        <p:spPr>
+          <a:xfrm>
+            <a:off x="76200" y="1240810"/>
+            <a:ext cx="8991600" cy="4070929"/>
+          </a:xfrm>
+          <a:prstGeom prst="rect">
+            <a:avLst/>
+          </a:prstGeom>
+        </p:spPr>
+        <p:txBody>
+          <a:bodyPr lIns="91425" tIns="91425" rIns="91425" bIns="91425" anchor="t" anchorCtr="0">
+            <a:noAutofit/>
+          </a:bodyPr>
+          <a:lstStyle/>
+          <a:p>
+            <a:pPr lvl="2">
+              <a:spcBef>
+                <a:spcPts val="0"/>
+              </a:spcBef>
+            </a:pPr>
+            <a:r>
+              <a:rPr lang="en-US" dirty="0">
+                <a:solidFill>
+                  <a:schemeClr val="tx1"/>
+                </a:solidFill>
+                <a:latin typeface="+mn-lt"/>
+              </a:rPr>
+              <a:t>Now- there ARE huge drawbacks to the GO playground in it’s current implementation. They include the following:</a:t>
+            </a:r>
+          </a:p>
+          <a:p>
+            <a:pPr lvl="3">
+              <a:spcBef>
+                <a:spcPts val="0"/>
+              </a:spcBef>
+            </a:pPr>
+            <a:r>
+              <a:rPr lang="en-US" dirty="0">
+                <a:solidFill>
+                  <a:schemeClr val="tx1"/>
+                </a:solidFill>
+                <a:latin typeface="+mn-lt"/>
+              </a:rPr>
+              <a:t>The big one is </a:t>
+            </a:r>
+            <a:r>
+              <a:rPr lang="en-US" b="1" dirty="0">
+                <a:solidFill>
+                  <a:schemeClr val="tx1"/>
+                </a:solidFill>
+                <a:latin typeface="+mn-lt"/>
+              </a:rPr>
+              <a:t>no third party package imports</a:t>
+            </a:r>
+            <a:r>
+              <a:rPr lang="en-US" dirty="0">
+                <a:solidFill>
+                  <a:schemeClr val="tx1"/>
+                </a:solidFill>
+                <a:latin typeface="+mn-lt"/>
+              </a:rPr>
+              <a:t> which REALLY cripples it (it’s nice in Python that I can simply run </a:t>
+            </a:r>
+            <a:r>
+              <a:rPr lang="en-US" b="1" dirty="0">
+                <a:solidFill>
+                  <a:schemeClr val="tx1"/>
+                </a:solidFill>
+                <a:latin typeface="+mn-lt"/>
+              </a:rPr>
+              <a:t>pip install whatever</a:t>
+            </a:r>
+            <a:r>
+              <a:rPr lang="en-US" dirty="0">
+                <a:solidFill>
+                  <a:schemeClr val="tx1"/>
+                </a:solidFill>
+                <a:latin typeface="+mn-lt"/>
+              </a:rPr>
+              <a:t> then go into my command line and </a:t>
+            </a:r>
+            <a:r>
+              <a:rPr lang="en-US" b="1" dirty="0">
+                <a:solidFill>
+                  <a:schemeClr val="tx1"/>
+                </a:solidFill>
+                <a:latin typeface="+mn-lt"/>
+              </a:rPr>
+              <a:t>import whatever</a:t>
+            </a:r>
+            <a:r>
+              <a:rPr lang="en-US" dirty="0">
+                <a:solidFill>
+                  <a:schemeClr val="tx1"/>
+                </a:solidFill>
+                <a:latin typeface="+mn-lt"/>
+              </a:rPr>
+              <a:t>). </a:t>
+            </a:r>
+          </a:p>
+          <a:p>
+            <a:pPr lvl="3">
+              <a:spcBef>
+                <a:spcPts val="0"/>
+              </a:spcBef>
+            </a:pPr>
+            <a:r>
+              <a:rPr lang="en-US" dirty="0">
+                <a:solidFill>
+                  <a:schemeClr val="tx1"/>
+                </a:solidFill>
+                <a:latin typeface="+mn-lt"/>
+              </a:rPr>
+              <a:t>There are time and memory limits set up on it.</a:t>
+            </a:r>
+          </a:p>
+          <a:p>
+            <a:pPr lvl="3">
+              <a:spcBef>
+                <a:spcPts val="0"/>
+              </a:spcBef>
+            </a:pPr>
+            <a:r>
+              <a:rPr lang="en-US" dirty="0">
+                <a:solidFill>
+                  <a:schemeClr val="tx1"/>
+                </a:solidFill>
+                <a:latin typeface="+mn-lt"/>
+              </a:rPr>
+              <a:t>The time begins at 2009-11-10 23:00:00 UTC…which is just </a:t>
+            </a:r>
+            <a:r>
+              <a:rPr lang="en-US" b="1" dirty="0">
+                <a:solidFill>
+                  <a:schemeClr val="tx1"/>
+                </a:solidFill>
+                <a:latin typeface="+mn-lt"/>
+              </a:rPr>
+              <a:t>really weird</a:t>
+            </a:r>
+            <a:r>
+              <a:rPr lang="en-US" dirty="0">
+                <a:solidFill>
+                  <a:schemeClr val="tx1"/>
+                </a:solidFill>
+                <a:latin typeface="+mn-lt"/>
+              </a:rPr>
+              <a:t>.</a:t>
+            </a:r>
+          </a:p>
+          <a:p>
+            <a:pPr lvl="2">
+              <a:spcBef>
+                <a:spcPts val="0"/>
+              </a:spcBef>
+            </a:pPr>
+            <a:r>
+              <a:rPr lang="en-US" dirty="0">
+                <a:solidFill>
+                  <a:schemeClr val="tx1"/>
+                </a:solidFill>
+                <a:latin typeface="+mn-lt"/>
+              </a:rPr>
+              <a:t>That being said- it’s nice to be an instructor and know that all of my students (for the practical portion) are on the same </a:t>
+            </a:r>
+            <a:r>
+              <a:rPr lang="en-US" dirty="0" err="1">
+                <a:solidFill>
+                  <a:schemeClr val="tx1"/>
+                </a:solidFill>
+                <a:latin typeface="+mn-lt"/>
+              </a:rPr>
+              <a:t>gui</a:t>
+            </a:r>
+            <a:r>
+              <a:rPr lang="en-US" dirty="0">
+                <a:solidFill>
+                  <a:schemeClr val="tx1"/>
+                </a:solidFill>
+                <a:latin typeface="+mn-lt"/>
+              </a:rPr>
+              <a:t> (basically). </a:t>
+            </a:r>
+          </a:p>
+          <a:p>
+            <a:pPr lvl="3">
+              <a:spcBef>
+                <a:spcPts val="0"/>
+              </a:spcBef>
+            </a:pPr>
+            <a:endParaRPr lang="en-US" dirty="0">
+              <a:solidFill>
+                <a:schemeClr val="tx1"/>
+              </a:solidFill>
+              <a:latin typeface="+mn-lt"/>
+            </a:endParaRPr>
+          </a:p>
+          <a:p>
+            <a:pPr lvl="2">
+              <a:spcBef>
+                <a:spcPts val="0"/>
+              </a:spcBef>
+            </a:pPr>
+            <a:endParaRPr lang="en-US" dirty="0">
+              <a:solidFill>
+                <a:schemeClr val="tx1"/>
+              </a:solidFill>
+            </a:endParaRPr>
+          </a:p>
+          <a:p>
+            <a:pPr marL="1485900" lvl="3" indent="0">
+              <a:spcBef>
+                <a:spcPts val="0"/>
+              </a:spcBef>
+              <a:buNone/>
+            </a:pPr>
+            <a:endParaRPr lang="en-US" dirty="0">
+              <a:solidFill>
+                <a:schemeClr val="tx1"/>
+              </a:solidFill>
+              <a:latin typeface="+mn-lt"/>
+            </a:endParaRPr>
+          </a:p>
+          <a:p>
+            <a:pPr marL="1485900" lvl="3" indent="0">
+              <a:spcBef>
+                <a:spcPts val="0"/>
+              </a:spcBef>
+              <a:buNone/>
+            </a:pPr>
+            <a:endParaRPr lang="en-US" dirty="0">
+              <a:solidFill>
+                <a:schemeClr val="tx1"/>
+              </a:solidFill>
+              <a:latin typeface="+mn-lt"/>
+            </a:endParaRPr>
+          </a:p>
+          <a:p>
+            <a:pPr marL="1485900" lvl="3" indent="0">
+              <a:spcBef>
+                <a:spcPts val="0"/>
+              </a:spcBef>
+              <a:buNone/>
+            </a:pPr>
+            <a:endParaRPr lang="en-US" dirty="0">
+              <a:solidFill>
+                <a:schemeClr val="tx1"/>
+              </a:solidFill>
+              <a:latin typeface="+mn-lt"/>
+            </a:endParaRPr>
+          </a:p>
+          <a:p>
+            <a:pPr marL="1485900" lvl="3" indent="0">
+              <a:spcBef>
+                <a:spcPts val="0"/>
+              </a:spcBef>
+              <a:buNone/>
+            </a:pPr>
+            <a:endParaRPr lang="en-US" dirty="0">
+              <a:solidFill>
+                <a:schemeClr val="tx1"/>
+              </a:solidFill>
+              <a:latin typeface="+mn-lt"/>
+            </a:endParaRPr>
+          </a:p>
+          <a:p>
+            <a:pPr marL="1485900" lvl="3" indent="0">
+              <a:spcBef>
+                <a:spcPts val="0"/>
+              </a:spcBef>
+              <a:buNone/>
+            </a:pPr>
+            <a:endParaRPr lang="en-US" dirty="0">
+              <a:solidFill>
+                <a:schemeClr val="tx1"/>
+              </a:solidFill>
+              <a:latin typeface="+mn-lt"/>
+            </a:endParaRPr>
+          </a:p>
+        </p:txBody>
+      </p:sp>
+      <p:pic>
+        <p:nvPicPr>
+          <p:cNvPr id="13314" name="Picture 2" descr="Image result for golang go playground">
+            <a:extLst>
+              <a:ext uri="{FF2B5EF4-FFF2-40B4-BE49-F238E27FC236}">
+                <a16:creationId xmlns:a16="http://schemas.microsoft.com/office/drawing/2014/main" id="{F3687B55-4ECF-9047-8F9A-388DDDC554DB}"/>
+              </a:ext>
+            </a:extLst>
+          </p:cNvPr>
+          <p:cNvPicPr>
+            <a:picLocks noChangeAspect="1" noChangeArrowheads="1"/>
+          </p:cNvPicPr>
+          <p:nvPr/>
+        </p:nvPicPr>
+        <p:blipFill>
+          <a:blip r:embed="rId3">
+            <a:extLst>
+              <a:ext uri="{28A0092B-C50C-407E-A947-70E740481C1C}">
+                <a14:useLocalDpi xmlns:a14="http://schemas.microsoft.com/office/drawing/2010/main" val="0"/>
+              </a:ext>
+            </a:extLst>
+          </a:blip>
+          <a:srcRect/>
+          <a:stretch>
+            <a:fillRect/>
+          </a:stretch>
+        </p:blipFill>
+        <p:spPr bwMode="auto">
+          <a:xfrm>
+            <a:off x="3657600" y="4397339"/>
+            <a:ext cx="2184400" cy="2184400"/>
+          </a:xfrm>
+          <a:prstGeom prst="rect">
+            <a:avLst/>
+          </a:prstGeom>
+          <a:noFill/>
+          <a:extLst>
+            <a:ext uri="{909E8E84-426E-40DD-AFC4-6F175D3DCCD1}">
+              <a14:hiddenFill xmlns:a14="http://schemas.microsoft.com/office/drawing/2010/main">
+                <a:solidFill>
+                  <a:srgbClr val="FFFFFF"/>
+                </a:solidFill>
+              </a14:hiddenFill>
+            </a:ext>
+          </a:extLst>
+        </p:spPr>
+      </p:pic>
+    </p:spTree>
+    <p:extLst>
+      <p:ext uri="{BB962C8B-B14F-4D97-AF65-F5344CB8AC3E}">
+        <p14:creationId xmlns:p14="http://schemas.microsoft.com/office/powerpoint/2010/main" val="1104103585"/>
+      </p:ext>
+    </p:extLst>
+  </p:cSld>
+  <p:clrMapOvr>
+    <a:masterClrMapping/>
+  </p:clrMapOvr>
+</p:sld>
+</file>
+
+<file path=ppt/slides/slide48.xml><?xml version="1.0" encoding="utf-8"?>
+<p:sld xmlns:a="http://schemas.openxmlformats.org/drawingml/2006/main" xmlns:r="http://schemas.openxmlformats.org/officeDocument/2006/relationships" xmlns:p="http://schemas.openxmlformats.org/presentationml/2006/main">
+  <p:cSld>
+    <p:spTree>
+      <p:nvGrpSpPr>
+        <p:cNvPr id="1" name="Shape 113"/>
+        <p:cNvGrpSpPr/>
+        <p:nvPr/>
+      </p:nvGrpSpPr>
+      <p:grpSpPr>
+        <a:xfrm>
+          <a:off x="0" y="0"/>
+          <a:ext cx="0" cy="0"/>
+          <a:chOff x="0" y="0"/>
+          <a:chExt cx="0" cy="0"/>
+        </a:xfrm>
+      </p:grpSpPr>
+      <p:sp>
+        <p:nvSpPr>
+          <p:cNvPr id="114" name="Shape 114"/>
+          <p:cNvSpPr txBox="1">
+            <a:spLocks noGrp="1"/>
+          </p:cNvSpPr>
+          <p:nvPr>
+            <p:ph type="title"/>
+          </p:nvPr>
+        </p:nvSpPr>
+        <p:spPr>
+          <a:xfrm>
+            <a:off x="76200" y="152400"/>
+            <a:ext cx="8991600" cy="671400"/>
+          </a:xfrm>
+          <a:prstGeom prst="rect">
+            <a:avLst/>
+          </a:prstGeom>
+        </p:spPr>
+        <p:txBody>
+          <a:bodyPr lIns="91425" tIns="91425" rIns="91425" bIns="91425" anchor="ctr" anchorCtr="0">
+            <a:noAutofit/>
+          </a:bodyPr>
+          <a:lstStyle/>
+          <a:p>
+            <a:pPr lvl="0">
+              <a:spcBef>
+                <a:spcPts val="0"/>
+              </a:spcBef>
+              <a:buNone/>
+            </a:pPr>
+            <a:r>
+              <a:rPr lang="en-US" dirty="0"/>
+              <a:t>Golang Playground</a:t>
+            </a:r>
+            <a:endParaRPr dirty="0"/>
+          </a:p>
+        </p:txBody>
+      </p:sp>
+      <p:sp>
+        <p:nvSpPr>
+          <p:cNvPr id="115" name="Shape 115"/>
+          <p:cNvSpPr txBox="1">
+            <a:spLocks noGrp="1"/>
+          </p:cNvSpPr>
+          <p:nvPr>
+            <p:ph type="body" idx="1"/>
+          </p:nvPr>
+        </p:nvSpPr>
+        <p:spPr>
+          <a:xfrm>
+            <a:off x="76200" y="1240810"/>
+            <a:ext cx="8991600" cy="4070929"/>
+          </a:xfrm>
+          <a:prstGeom prst="rect">
+            <a:avLst/>
+          </a:prstGeom>
+        </p:spPr>
+        <p:txBody>
+          <a:bodyPr lIns="91425" tIns="91425" rIns="91425" bIns="91425" anchor="t" anchorCtr="0">
+            <a:noAutofit/>
+          </a:bodyPr>
+          <a:lstStyle/>
+          <a:p>
+            <a:pPr lvl="2">
+              <a:spcBef>
+                <a:spcPts val="0"/>
+              </a:spcBef>
+            </a:pPr>
+            <a:r>
+              <a:rPr lang="en-US" dirty="0">
+                <a:solidFill>
+                  <a:schemeClr val="tx1"/>
+                </a:solidFill>
+                <a:latin typeface="+mn-lt"/>
+              </a:rPr>
+              <a:t>All of this being said- this is what we’re going to use going forward for most of our intro coding!</a:t>
+            </a:r>
+          </a:p>
+          <a:p>
+            <a:pPr lvl="2">
+              <a:spcBef>
+                <a:spcPts val="0"/>
+              </a:spcBef>
+            </a:pPr>
+            <a:r>
+              <a:rPr lang="en-US" dirty="0">
+                <a:solidFill>
+                  <a:schemeClr val="tx1"/>
+                </a:solidFill>
+                <a:latin typeface="+mn-lt"/>
+              </a:rPr>
+              <a:t>We are now set up and ready to ”go!”</a:t>
+            </a:r>
+          </a:p>
+          <a:p>
+            <a:pPr lvl="2">
+              <a:spcBef>
+                <a:spcPts val="0"/>
+              </a:spcBef>
+            </a:pPr>
+            <a:r>
+              <a:rPr lang="en-US" dirty="0">
+                <a:solidFill>
+                  <a:schemeClr val="tx1"/>
+                </a:solidFill>
+                <a:latin typeface="+mn-lt"/>
+              </a:rPr>
+              <a:t> </a:t>
+            </a:r>
+            <a:r>
+              <a:rPr lang="en-US" sz="3200" dirty="0">
+                <a:solidFill>
+                  <a:schemeClr val="tx1"/>
+                </a:solidFill>
+                <a:latin typeface="+mn-lt"/>
+              </a:rPr>
+              <a:t>ANY QUESTIONS?!?</a:t>
+            </a:r>
+          </a:p>
+          <a:p>
+            <a:pPr lvl="3">
+              <a:spcBef>
+                <a:spcPts val="0"/>
+              </a:spcBef>
+            </a:pPr>
+            <a:endParaRPr lang="en-US" dirty="0">
+              <a:solidFill>
+                <a:schemeClr val="tx1"/>
+              </a:solidFill>
+              <a:latin typeface="+mn-lt"/>
+            </a:endParaRPr>
+          </a:p>
+          <a:p>
+            <a:pPr lvl="2">
+              <a:spcBef>
+                <a:spcPts val="0"/>
+              </a:spcBef>
+            </a:pPr>
+            <a:endParaRPr lang="en-US" dirty="0">
+              <a:solidFill>
+                <a:schemeClr val="tx1"/>
+              </a:solidFill>
+            </a:endParaRPr>
+          </a:p>
+          <a:p>
+            <a:pPr marL="1485900" lvl="3" indent="0">
+              <a:spcBef>
+                <a:spcPts val="0"/>
+              </a:spcBef>
+              <a:buNone/>
+            </a:pPr>
+            <a:endParaRPr lang="en-US" dirty="0">
+              <a:solidFill>
+                <a:schemeClr val="tx1"/>
+              </a:solidFill>
+              <a:latin typeface="+mn-lt"/>
+            </a:endParaRPr>
+          </a:p>
+          <a:p>
+            <a:pPr marL="1485900" lvl="3" indent="0">
+              <a:spcBef>
+                <a:spcPts val="0"/>
+              </a:spcBef>
+              <a:buNone/>
+            </a:pPr>
+            <a:endParaRPr lang="en-US" dirty="0">
+              <a:solidFill>
+                <a:schemeClr val="tx1"/>
+              </a:solidFill>
+              <a:latin typeface="+mn-lt"/>
+            </a:endParaRPr>
+          </a:p>
+          <a:p>
+            <a:pPr marL="1485900" lvl="3" indent="0">
+              <a:spcBef>
+                <a:spcPts val="0"/>
+              </a:spcBef>
+              <a:buNone/>
+            </a:pPr>
+            <a:endParaRPr lang="en-US" dirty="0">
+              <a:solidFill>
+                <a:schemeClr val="tx1"/>
+              </a:solidFill>
+              <a:latin typeface="+mn-lt"/>
+            </a:endParaRPr>
+          </a:p>
+          <a:p>
+            <a:pPr marL="1485900" lvl="3" indent="0">
+              <a:spcBef>
+                <a:spcPts val="0"/>
+              </a:spcBef>
+              <a:buNone/>
+            </a:pPr>
+            <a:endParaRPr lang="en-US" dirty="0">
+              <a:solidFill>
+                <a:schemeClr val="tx1"/>
+              </a:solidFill>
+              <a:latin typeface="+mn-lt"/>
+            </a:endParaRPr>
+          </a:p>
+          <a:p>
+            <a:pPr marL="1485900" lvl="3" indent="0">
+              <a:spcBef>
+                <a:spcPts val="0"/>
+              </a:spcBef>
+              <a:buNone/>
+            </a:pPr>
+            <a:endParaRPr lang="en-US" dirty="0">
+              <a:solidFill>
+                <a:schemeClr val="tx1"/>
+              </a:solidFill>
+              <a:latin typeface="+mn-lt"/>
+            </a:endParaRPr>
+          </a:p>
+        </p:txBody>
+      </p:sp>
+      <p:pic>
+        <p:nvPicPr>
+          <p:cNvPr id="14338" name="Picture 2" descr="Image result for golang gopher, images">
+            <a:extLst>
+              <a:ext uri="{FF2B5EF4-FFF2-40B4-BE49-F238E27FC236}">
+                <a16:creationId xmlns:a16="http://schemas.microsoft.com/office/drawing/2014/main" id="{99F98B07-359E-7D45-BFB0-9CFB89F92F9B}"/>
+              </a:ext>
+            </a:extLst>
+          </p:cNvPr>
+          <p:cNvPicPr>
+            <a:picLocks noChangeAspect="1" noChangeArrowheads="1"/>
+          </p:cNvPicPr>
+          <p:nvPr/>
+        </p:nvPicPr>
+        <p:blipFill>
+          <a:blip r:embed="rId3">
+            <a:extLst>
+              <a:ext uri="{28A0092B-C50C-407E-A947-70E740481C1C}">
+                <a14:useLocalDpi xmlns:a14="http://schemas.microsoft.com/office/drawing/2010/main" val="0"/>
+              </a:ext>
+            </a:extLst>
+          </a:blip>
+          <a:srcRect/>
+          <a:stretch>
+            <a:fillRect/>
+          </a:stretch>
+        </p:blipFill>
+        <p:spPr bwMode="auto">
+          <a:xfrm>
+            <a:off x="3075040" y="3147245"/>
+            <a:ext cx="2603500" cy="3111500"/>
+          </a:xfrm>
+          <a:prstGeom prst="rect">
+            <a:avLst/>
+          </a:prstGeom>
+          <a:noFill/>
+          <a:extLst>
+            <a:ext uri="{909E8E84-426E-40DD-AFC4-6F175D3DCCD1}">
+              <a14:hiddenFill xmlns:a14="http://schemas.microsoft.com/office/drawing/2010/main">
+                <a:solidFill>
+                  <a:srgbClr val="FFFFFF"/>
+                </a:solidFill>
+              </a14:hiddenFill>
+            </a:ext>
+          </a:extLst>
+        </p:spPr>
+      </p:pic>
+    </p:spTree>
+    <p:extLst>
+      <p:ext uri="{BB962C8B-B14F-4D97-AF65-F5344CB8AC3E}">
+        <p14:creationId xmlns:p14="http://schemas.microsoft.com/office/powerpoint/2010/main" val="3120604218"/>
+      </p:ext>
+    </p:extLst>
+  </p:cSld>
+  <p:clrMapOvr>
+    <a:masterClrMapping/>
+  </p:clrMapOvr>
+</p:sld>
+</file>
+
+<file path=ppt/slides/slide49.xml><?xml version="1.0" encoding="utf-8"?>
+<p:sld xmlns:a="http://schemas.openxmlformats.org/drawingml/2006/main" xmlns:r="http://schemas.openxmlformats.org/officeDocument/2006/relationships" xmlns:p="http://schemas.openxmlformats.org/presentationml/2006/main">
+  <p:cSld>
+    <p:spTree>
+      <p:nvGrpSpPr>
+        <p:cNvPr id="1" name="Shape 113"/>
+        <p:cNvGrpSpPr/>
+        <p:nvPr/>
+      </p:nvGrpSpPr>
+      <p:grpSpPr>
+        <a:xfrm>
+          <a:off x="0" y="0"/>
+          <a:ext cx="0" cy="0"/>
+          <a:chOff x="0" y="0"/>
+          <a:chExt cx="0" cy="0"/>
+        </a:xfrm>
+      </p:grpSpPr>
+      <p:sp>
+        <p:nvSpPr>
+          <p:cNvPr id="114" name="Shape 114"/>
+          <p:cNvSpPr txBox="1">
+            <a:spLocks noGrp="1"/>
+          </p:cNvSpPr>
+          <p:nvPr>
+            <p:ph type="title"/>
+          </p:nvPr>
+        </p:nvSpPr>
+        <p:spPr>
+          <a:xfrm>
+            <a:off x="76200" y="152400"/>
+            <a:ext cx="8991600" cy="671400"/>
+          </a:xfrm>
+          <a:prstGeom prst="rect">
+            <a:avLst/>
+          </a:prstGeom>
+        </p:spPr>
+        <p:txBody>
+          <a:bodyPr lIns="91425" tIns="91425" rIns="91425" bIns="91425" anchor="ctr" anchorCtr="0">
+            <a:noAutofit/>
+          </a:bodyPr>
+          <a:lstStyle/>
+          <a:p>
+            <a:pPr lvl="0">
+              <a:spcBef>
+                <a:spcPts val="0"/>
+              </a:spcBef>
+              <a:buNone/>
+            </a:pPr>
+            <a:r>
+              <a:rPr lang="en-US" dirty="0"/>
+              <a:t>REVIEW</a:t>
+            </a:r>
+            <a:endParaRPr dirty="0"/>
+          </a:p>
+        </p:txBody>
+      </p:sp>
+      <p:sp>
+        <p:nvSpPr>
+          <p:cNvPr id="115" name="Shape 115"/>
+          <p:cNvSpPr txBox="1">
+            <a:spLocks noGrp="1"/>
+          </p:cNvSpPr>
+          <p:nvPr>
+            <p:ph type="body" idx="1"/>
+          </p:nvPr>
+        </p:nvSpPr>
+        <p:spPr>
+          <a:xfrm>
+            <a:off x="76200" y="1281906"/>
+            <a:ext cx="8991600" cy="4070929"/>
+          </a:xfrm>
+          <a:prstGeom prst="rect">
+            <a:avLst/>
+          </a:prstGeom>
+        </p:spPr>
+        <p:txBody>
+          <a:bodyPr lIns="91425" tIns="91425" rIns="91425" bIns="91425" anchor="t" anchorCtr="0">
+            <a:noAutofit/>
+          </a:bodyPr>
+          <a:lstStyle/>
+          <a:p>
+            <a:pPr>
+              <a:spcBef>
+                <a:spcPts val="0"/>
+              </a:spcBef>
+            </a:pPr>
+            <a:r>
+              <a:rPr lang="en-US" dirty="0">
+                <a:solidFill>
+                  <a:schemeClr val="tx1"/>
+                </a:solidFill>
+                <a:latin typeface="+mn-lt"/>
+              </a:rPr>
+              <a:t> GO is a </a:t>
+            </a:r>
+            <a:r>
+              <a:rPr lang="en-US" b="1" dirty="0">
+                <a:solidFill>
+                  <a:schemeClr val="tx1"/>
+                </a:solidFill>
+                <a:latin typeface="+mn-lt"/>
+              </a:rPr>
+              <a:t>statically typed, compiled</a:t>
+            </a:r>
+            <a:r>
+              <a:rPr lang="en-US" dirty="0">
+                <a:solidFill>
+                  <a:schemeClr val="tx1"/>
+                </a:solidFill>
+                <a:latin typeface="+mn-lt"/>
+              </a:rPr>
+              <a:t> language developed at GOOGLE</a:t>
+            </a:r>
+          </a:p>
+          <a:p>
+            <a:pPr>
+              <a:spcBef>
+                <a:spcPts val="0"/>
+              </a:spcBef>
+            </a:pPr>
+            <a:r>
+              <a:rPr lang="en-US" dirty="0">
+                <a:solidFill>
+                  <a:schemeClr val="tx1"/>
+                </a:solidFill>
+                <a:latin typeface="+mn-lt"/>
+              </a:rPr>
+              <a:t> GO depends on </a:t>
+            </a:r>
+            <a:r>
+              <a:rPr lang="en-US" b="1" dirty="0">
+                <a:solidFill>
+                  <a:schemeClr val="tx1"/>
+                </a:solidFill>
+                <a:latin typeface="+mn-lt"/>
+              </a:rPr>
+              <a:t>type safety</a:t>
+            </a:r>
+            <a:r>
+              <a:rPr lang="en-US" dirty="0">
+                <a:solidFill>
+                  <a:schemeClr val="tx1"/>
+                </a:solidFill>
+                <a:latin typeface="+mn-lt"/>
+              </a:rPr>
+              <a:t> so </a:t>
+            </a:r>
+            <a:r>
+              <a:rPr lang="en-US" b="1" dirty="0">
+                <a:solidFill>
+                  <a:schemeClr val="tx1"/>
+                </a:solidFill>
+                <a:latin typeface="+mn-lt"/>
+              </a:rPr>
+              <a:t>no generics</a:t>
+            </a:r>
+            <a:endParaRPr lang="en-US" dirty="0">
+              <a:solidFill>
+                <a:schemeClr val="tx1"/>
+              </a:solidFill>
+              <a:latin typeface="+mn-lt"/>
+            </a:endParaRPr>
+          </a:p>
+          <a:p>
+            <a:pPr>
+              <a:spcBef>
+                <a:spcPts val="0"/>
+              </a:spcBef>
+            </a:pPr>
+            <a:r>
+              <a:rPr lang="en-US" dirty="0">
+                <a:solidFill>
+                  <a:schemeClr val="tx1"/>
+                </a:solidFill>
+                <a:latin typeface="+mn-lt"/>
+              </a:rPr>
+              <a:t> GO has </a:t>
+            </a:r>
+            <a:r>
+              <a:rPr lang="en-US" b="1" dirty="0">
+                <a:solidFill>
+                  <a:schemeClr val="tx1"/>
+                </a:solidFill>
+                <a:latin typeface="+mn-lt"/>
+              </a:rPr>
+              <a:t>No Type Hierarchy</a:t>
+            </a:r>
+          </a:p>
+          <a:p>
+            <a:pPr>
+              <a:spcBef>
+                <a:spcPts val="0"/>
+              </a:spcBef>
+            </a:pPr>
+            <a:r>
+              <a:rPr lang="en-US" b="1" dirty="0">
+                <a:solidFill>
+                  <a:schemeClr val="tx1"/>
+                </a:solidFill>
+                <a:latin typeface="+mn-lt"/>
+              </a:rPr>
+              <a:t> </a:t>
+            </a:r>
+            <a:r>
+              <a:rPr lang="en-US" dirty="0">
+                <a:solidFill>
+                  <a:schemeClr val="tx1"/>
+                </a:solidFill>
+                <a:latin typeface="+mn-lt"/>
+              </a:rPr>
+              <a:t>GO uses </a:t>
+            </a:r>
+            <a:r>
+              <a:rPr lang="en-US" b="1" dirty="0">
+                <a:solidFill>
+                  <a:schemeClr val="tx1"/>
+                </a:solidFill>
+                <a:latin typeface="+mn-lt"/>
+              </a:rPr>
+              <a:t>structs</a:t>
+            </a:r>
+            <a:r>
+              <a:rPr lang="en-US" dirty="0">
+                <a:solidFill>
+                  <a:schemeClr val="tx1"/>
+                </a:solidFill>
+                <a:latin typeface="+mn-lt"/>
+              </a:rPr>
+              <a:t> instead of </a:t>
+            </a:r>
+            <a:r>
+              <a:rPr lang="en-US" b="1" dirty="0">
+                <a:solidFill>
+                  <a:schemeClr val="tx1"/>
+                </a:solidFill>
+                <a:latin typeface="+mn-lt"/>
+              </a:rPr>
+              <a:t>objects</a:t>
+            </a:r>
+            <a:r>
+              <a:rPr lang="en-US" dirty="0">
+                <a:solidFill>
+                  <a:schemeClr val="tx1"/>
+                </a:solidFill>
+                <a:latin typeface="+mn-lt"/>
+              </a:rPr>
+              <a:t> and </a:t>
+            </a:r>
+            <a:r>
+              <a:rPr lang="en-US" b="1" dirty="0">
+                <a:solidFill>
+                  <a:schemeClr val="tx1"/>
+                </a:solidFill>
+                <a:latin typeface="+mn-lt"/>
+              </a:rPr>
+              <a:t>interfaces </a:t>
+            </a:r>
+            <a:r>
+              <a:rPr lang="en-US" dirty="0">
+                <a:solidFill>
+                  <a:schemeClr val="tx1"/>
+                </a:solidFill>
+                <a:latin typeface="+mn-lt"/>
+              </a:rPr>
+              <a:t>to fake a </a:t>
+            </a:r>
+            <a:r>
+              <a:rPr lang="en-US" i="1" dirty="0">
+                <a:solidFill>
+                  <a:schemeClr val="tx1"/>
+                </a:solidFill>
+                <a:latin typeface="+mn-lt"/>
+              </a:rPr>
+              <a:t>type hierarchy</a:t>
+            </a:r>
+          </a:p>
+          <a:p>
+            <a:pPr>
+              <a:spcBef>
+                <a:spcPts val="0"/>
+              </a:spcBef>
+            </a:pPr>
+            <a:r>
+              <a:rPr lang="en-US" i="1" dirty="0">
+                <a:solidFill>
+                  <a:schemeClr val="tx1"/>
+                </a:solidFill>
+                <a:latin typeface="+mn-lt"/>
+              </a:rPr>
+              <a:t> </a:t>
+            </a:r>
+            <a:r>
+              <a:rPr lang="en-US" dirty="0">
+                <a:solidFill>
+                  <a:schemeClr val="tx1"/>
+                </a:solidFill>
+                <a:latin typeface="+mn-lt"/>
+              </a:rPr>
+              <a:t>GO uses a </a:t>
+            </a:r>
+            <a:r>
+              <a:rPr lang="en-US" b="1" dirty="0">
+                <a:solidFill>
+                  <a:schemeClr val="tx1"/>
+                </a:solidFill>
+                <a:latin typeface="+mn-lt"/>
+              </a:rPr>
+              <a:t>workspace</a:t>
+            </a:r>
+            <a:r>
+              <a:rPr lang="en-US" dirty="0">
+                <a:solidFill>
+                  <a:schemeClr val="tx1"/>
+                </a:solidFill>
+                <a:latin typeface="+mn-lt"/>
+              </a:rPr>
+              <a:t> that contains multiple </a:t>
+            </a:r>
+            <a:r>
+              <a:rPr lang="en-US" b="1" dirty="0">
+                <a:solidFill>
+                  <a:schemeClr val="tx1"/>
+                </a:solidFill>
+                <a:latin typeface="+mn-lt"/>
+              </a:rPr>
+              <a:t>packages</a:t>
+            </a:r>
+            <a:endParaRPr lang="en-US" dirty="0">
+              <a:solidFill>
+                <a:schemeClr val="tx1"/>
+              </a:solidFill>
+              <a:latin typeface="+mn-lt"/>
+            </a:endParaRPr>
+          </a:p>
+          <a:p>
+            <a:pPr lvl="2">
+              <a:spcBef>
+                <a:spcPts val="0"/>
+              </a:spcBef>
+            </a:pPr>
+            <a:endParaRPr lang="en-US" dirty="0">
+              <a:solidFill>
+                <a:schemeClr val="tx1"/>
+              </a:solidFill>
+            </a:endParaRPr>
+          </a:p>
+          <a:p>
+            <a:pPr lvl="3">
+              <a:spcBef>
+                <a:spcPts val="0"/>
+              </a:spcBef>
+            </a:pPr>
+            <a:endParaRPr lang="en-US" dirty="0">
+              <a:solidFill>
+                <a:schemeClr val="tx1"/>
+              </a:solidFill>
+              <a:latin typeface="+mn-lt"/>
+            </a:endParaRPr>
+          </a:p>
+          <a:p>
+            <a:pPr lvl="3">
+              <a:spcBef>
+                <a:spcPts val="0"/>
+              </a:spcBef>
+            </a:pPr>
+            <a:endParaRPr lang="en-US" dirty="0">
+              <a:solidFill>
+                <a:schemeClr val="tx1"/>
+              </a:solidFill>
+              <a:latin typeface="+mn-lt"/>
+            </a:endParaRPr>
+          </a:p>
+          <a:p>
+            <a:pPr lvl="3">
+              <a:spcBef>
+                <a:spcPts val="0"/>
+              </a:spcBef>
+            </a:pPr>
+            <a:endParaRPr lang="en-US" dirty="0">
+              <a:solidFill>
+                <a:schemeClr val="tx1"/>
+              </a:solidFill>
+              <a:latin typeface="+mn-lt"/>
+            </a:endParaRPr>
+          </a:p>
+          <a:p>
+            <a:pPr lvl="3">
+              <a:spcBef>
+                <a:spcPts val="0"/>
+              </a:spcBef>
+            </a:pPr>
+            <a:endParaRPr lang="en-US" dirty="0">
+              <a:solidFill>
+                <a:schemeClr val="tx1"/>
+              </a:solidFill>
+              <a:latin typeface="+mn-lt"/>
+            </a:endParaRPr>
+          </a:p>
+          <a:p>
+            <a:pPr lvl="3">
+              <a:spcBef>
+                <a:spcPts val="0"/>
+              </a:spcBef>
+            </a:pPr>
+            <a:endParaRPr lang="en-US" dirty="0">
+              <a:solidFill>
+                <a:schemeClr val="tx1"/>
+              </a:solidFill>
+              <a:latin typeface="+mn-lt"/>
+            </a:endParaRPr>
+          </a:p>
+        </p:txBody>
+      </p:sp>
+      <p:pic>
+        <p:nvPicPr>
+          <p:cNvPr id="1026" name="Picture 2" descr="Image result for golang gopher image">
+            <a:extLst>
+              <a:ext uri="{FF2B5EF4-FFF2-40B4-BE49-F238E27FC236}">
+                <a16:creationId xmlns:a16="http://schemas.microsoft.com/office/drawing/2014/main" id="{A8AE8788-B2E5-5F41-91B7-AC191FF7BCE2}"/>
+              </a:ext>
+            </a:extLst>
+          </p:cNvPr>
+          <p:cNvPicPr>
+            <a:picLocks noChangeAspect="1" noChangeArrowheads="1"/>
+          </p:cNvPicPr>
+          <p:nvPr/>
+        </p:nvPicPr>
+        <p:blipFill>
+          <a:blip r:embed="rId3">
+            <a:extLst>
+              <a:ext uri="{28A0092B-C50C-407E-A947-70E740481C1C}">
+                <a14:useLocalDpi xmlns:a14="http://schemas.microsoft.com/office/drawing/2010/main" val="0"/>
+              </a:ext>
+            </a:extLst>
+          </a:blip>
+          <a:srcRect/>
+          <a:stretch>
+            <a:fillRect/>
+          </a:stretch>
+        </p:blipFill>
+        <p:spPr bwMode="auto">
+          <a:xfrm>
+            <a:off x="3421294" y="4476964"/>
+            <a:ext cx="1921909" cy="1921909"/>
+          </a:xfrm>
+          <a:prstGeom prst="rect">
+            <a:avLst/>
+          </a:prstGeom>
+          <a:noFill/>
+          <a:extLst>
+            <a:ext uri="{909E8E84-426E-40DD-AFC4-6F175D3DCCD1}">
+              <a14:hiddenFill xmlns:a14="http://schemas.microsoft.com/office/drawing/2010/main">
+                <a:solidFill>
+                  <a:srgbClr val="FFFFFF"/>
+                </a:solidFill>
+              </a14:hiddenFill>
+            </a:ext>
+          </a:extLst>
+        </p:spPr>
+      </p:pic>
+    </p:spTree>
+    <p:extLst>
+      <p:ext uri="{BB962C8B-B14F-4D97-AF65-F5344CB8AC3E}">
+        <p14:creationId xmlns:p14="http://schemas.microsoft.com/office/powerpoint/2010/main" val="66836016"/>
       </p:ext>
     </p:extLst>
   </p:cSld>
@@ -26052,6 +28562,777 @@
         </p:txBody>
       </p:sp>
     </p:spTree>
+  </p:cSld>
+  <p:clrMapOvr>
+    <a:masterClrMapping/>
+  </p:clrMapOvr>
+</p:sld>
+</file>
+
+<file path=ppt/slides/slide50.xml><?xml version="1.0" encoding="utf-8"?>
+<p:sld xmlns:a="http://schemas.openxmlformats.org/drawingml/2006/main" xmlns:r="http://schemas.openxmlformats.org/officeDocument/2006/relationships" xmlns:p="http://schemas.openxmlformats.org/presentationml/2006/main">
+  <p:cSld>
+    <p:spTree>
+      <p:nvGrpSpPr>
+        <p:cNvPr id="1" name="Shape 113"/>
+        <p:cNvGrpSpPr/>
+        <p:nvPr/>
+      </p:nvGrpSpPr>
+      <p:grpSpPr>
+        <a:xfrm>
+          <a:off x="0" y="0"/>
+          <a:ext cx="0" cy="0"/>
+          <a:chOff x="0" y="0"/>
+          <a:chExt cx="0" cy="0"/>
+        </a:xfrm>
+      </p:grpSpPr>
+      <p:sp>
+        <p:nvSpPr>
+          <p:cNvPr id="114" name="Shape 114"/>
+          <p:cNvSpPr txBox="1">
+            <a:spLocks noGrp="1"/>
+          </p:cNvSpPr>
+          <p:nvPr>
+            <p:ph type="title"/>
+          </p:nvPr>
+        </p:nvSpPr>
+        <p:spPr>
+          <a:xfrm>
+            <a:off x="76200" y="152400"/>
+            <a:ext cx="8991600" cy="671400"/>
+          </a:xfrm>
+          <a:prstGeom prst="rect">
+            <a:avLst/>
+          </a:prstGeom>
+        </p:spPr>
+        <p:txBody>
+          <a:bodyPr lIns="91425" tIns="91425" rIns="91425" bIns="91425" anchor="ctr" anchorCtr="0">
+            <a:noAutofit/>
+          </a:bodyPr>
+          <a:lstStyle/>
+          <a:p>
+            <a:pPr lvl="0">
+              <a:spcBef>
+                <a:spcPts val="0"/>
+              </a:spcBef>
+              <a:buNone/>
+            </a:pPr>
+            <a:r>
+              <a:rPr lang="en-US" dirty="0"/>
+              <a:t>REVIEW</a:t>
+            </a:r>
+            <a:endParaRPr dirty="0"/>
+          </a:p>
+        </p:txBody>
+      </p:sp>
+      <p:sp>
+        <p:nvSpPr>
+          <p:cNvPr id="115" name="Shape 115"/>
+          <p:cNvSpPr txBox="1">
+            <a:spLocks noGrp="1"/>
+          </p:cNvSpPr>
+          <p:nvPr>
+            <p:ph type="body" idx="1"/>
+          </p:nvPr>
+        </p:nvSpPr>
+        <p:spPr>
+          <a:xfrm>
+            <a:off x="76200" y="1281906"/>
+            <a:ext cx="8991600" cy="4070929"/>
+          </a:xfrm>
+          <a:prstGeom prst="rect">
+            <a:avLst/>
+          </a:prstGeom>
+        </p:spPr>
+        <p:txBody>
+          <a:bodyPr lIns="91425" tIns="91425" rIns="91425" bIns="91425" anchor="t" anchorCtr="0">
+            <a:noAutofit/>
+          </a:bodyPr>
+          <a:lstStyle/>
+          <a:p>
+            <a:pPr>
+              <a:spcBef>
+                <a:spcPts val="0"/>
+              </a:spcBef>
+            </a:pPr>
+            <a:r>
+              <a:rPr lang="en-US" dirty="0">
+                <a:solidFill>
+                  <a:schemeClr val="tx1"/>
+                </a:solidFill>
+                <a:latin typeface="+mn-lt"/>
+              </a:rPr>
+              <a:t> A GO workspace has two main folders:</a:t>
+            </a:r>
+          </a:p>
+          <a:p>
+            <a:pPr lvl="1">
+              <a:spcBef>
+                <a:spcPts val="0"/>
+              </a:spcBef>
+            </a:pPr>
+            <a:r>
+              <a:rPr lang="en-US" dirty="0">
+                <a:solidFill>
+                  <a:schemeClr val="tx1"/>
+                </a:solidFill>
+                <a:latin typeface="+mn-lt"/>
+              </a:rPr>
+              <a:t> </a:t>
+            </a:r>
+            <a:r>
+              <a:rPr lang="en-US" b="1" dirty="0" err="1">
+                <a:solidFill>
+                  <a:schemeClr val="tx1"/>
+                </a:solidFill>
+                <a:latin typeface="+mn-lt"/>
+              </a:rPr>
+              <a:t>src</a:t>
+            </a:r>
+            <a:r>
+              <a:rPr lang="en-US" b="1" dirty="0">
+                <a:solidFill>
+                  <a:schemeClr val="tx1"/>
+                </a:solidFill>
+                <a:latin typeface="+mn-lt"/>
+              </a:rPr>
+              <a:t>/ </a:t>
+            </a:r>
+            <a:r>
+              <a:rPr lang="en-US" dirty="0">
+                <a:solidFill>
+                  <a:schemeClr val="tx1"/>
+                </a:solidFill>
+                <a:latin typeface="+mn-lt"/>
+              </a:rPr>
+              <a:t>- where we keep </a:t>
+            </a:r>
+            <a:r>
+              <a:rPr lang="en-US" b="1" dirty="0">
+                <a:solidFill>
+                  <a:schemeClr val="tx1"/>
+                </a:solidFill>
+                <a:latin typeface="+mn-lt"/>
+              </a:rPr>
+              <a:t>uncompiled</a:t>
+            </a:r>
+            <a:r>
+              <a:rPr lang="en-US" dirty="0">
+                <a:solidFill>
+                  <a:schemeClr val="tx1"/>
+                </a:solidFill>
+                <a:latin typeface="+mn-lt"/>
+              </a:rPr>
+              <a:t> code and </a:t>
+            </a:r>
+          </a:p>
+          <a:p>
+            <a:pPr lvl="1">
+              <a:spcBef>
+                <a:spcPts val="0"/>
+              </a:spcBef>
+            </a:pPr>
+            <a:r>
+              <a:rPr lang="en-US" b="1" dirty="0">
+                <a:solidFill>
+                  <a:schemeClr val="tx1"/>
+                </a:solidFill>
+                <a:latin typeface="+mn-lt"/>
+              </a:rPr>
+              <a:t> bin/</a:t>
+            </a:r>
+            <a:r>
+              <a:rPr lang="en-US" dirty="0">
+                <a:solidFill>
+                  <a:schemeClr val="tx1"/>
+                </a:solidFill>
+                <a:latin typeface="+mn-lt"/>
+              </a:rPr>
+              <a:t> - where we keep our binaries</a:t>
+            </a:r>
+          </a:p>
+          <a:p>
+            <a:pPr>
+              <a:spcBef>
+                <a:spcPts val="0"/>
+              </a:spcBef>
+            </a:pPr>
+            <a:r>
+              <a:rPr lang="en-US" b="1" dirty="0">
+                <a:solidFill>
+                  <a:schemeClr val="tx1"/>
+                </a:solidFill>
+                <a:latin typeface="+mn-lt"/>
+              </a:rPr>
+              <a:t> </a:t>
+            </a:r>
+            <a:r>
+              <a:rPr lang="en-US" dirty="0">
+                <a:solidFill>
+                  <a:schemeClr val="tx1"/>
+                </a:solidFill>
+                <a:latin typeface="+mn-lt"/>
+              </a:rPr>
+              <a:t>We have set up a directory structure under the main workspace that includes things like </a:t>
+            </a:r>
+            <a:r>
+              <a:rPr lang="en-US" b="1" dirty="0">
+                <a:solidFill>
+                  <a:schemeClr val="tx1"/>
+                </a:solidFill>
+                <a:latin typeface="+mn-lt"/>
+              </a:rPr>
+              <a:t>internal, </a:t>
+            </a:r>
+            <a:r>
+              <a:rPr lang="en-US" b="1" dirty="0" err="1">
+                <a:solidFill>
+                  <a:schemeClr val="tx1"/>
+                </a:solidFill>
+                <a:latin typeface="+mn-lt"/>
+              </a:rPr>
+              <a:t>cmd</a:t>
+            </a:r>
+            <a:r>
+              <a:rPr lang="en-US" b="1" dirty="0">
+                <a:solidFill>
+                  <a:schemeClr val="tx1"/>
+                </a:solidFill>
+                <a:latin typeface="+mn-lt"/>
+              </a:rPr>
+              <a:t>, </a:t>
+            </a:r>
+            <a:r>
+              <a:rPr lang="en-US" b="1" dirty="0" err="1">
+                <a:solidFill>
+                  <a:schemeClr val="tx1"/>
+                </a:solidFill>
+                <a:latin typeface="+mn-lt"/>
+              </a:rPr>
+              <a:t>pkg</a:t>
+            </a:r>
+            <a:r>
+              <a:rPr lang="en-US" b="1" dirty="0">
+                <a:solidFill>
+                  <a:schemeClr val="tx1"/>
+                </a:solidFill>
+                <a:latin typeface="+mn-lt"/>
+              </a:rPr>
+              <a:t>, </a:t>
+            </a:r>
+            <a:r>
+              <a:rPr lang="en-US" b="1" dirty="0" err="1">
+                <a:solidFill>
+                  <a:schemeClr val="tx1"/>
+                </a:solidFill>
+                <a:latin typeface="+mn-lt"/>
+              </a:rPr>
+              <a:t>github.com</a:t>
+            </a:r>
+            <a:endParaRPr lang="en-US" dirty="0">
+              <a:solidFill>
+                <a:schemeClr val="tx1"/>
+              </a:solidFill>
+              <a:latin typeface="+mn-lt"/>
+            </a:endParaRPr>
+          </a:p>
+          <a:p>
+            <a:pPr>
+              <a:spcBef>
+                <a:spcPts val="0"/>
+              </a:spcBef>
+            </a:pPr>
+            <a:r>
+              <a:rPr lang="en-US" b="1" dirty="0">
+                <a:solidFill>
+                  <a:schemeClr val="tx1"/>
+                </a:solidFill>
+                <a:latin typeface="+mn-lt"/>
+              </a:rPr>
+              <a:t> </a:t>
+            </a:r>
+            <a:r>
+              <a:rPr lang="en-US" dirty="0">
+                <a:solidFill>
+                  <a:schemeClr val="tx1"/>
+                </a:solidFill>
+                <a:latin typeface="+mn-lt"/>
+              </a:rPr>
+              <a:t>The </a:t>
+            </a:r>
+            <a:r>
+              <a:rPr lang="en-US" b="1" dirty="0">
+                <a:solidFill>
+                  <a:schemeClr val="tx1"/>
+                </a:solidFill>
+                <a:latin typeface="+mn-lt"/>
+              </a:rPr>
+              <a:t>GOPATH </a:t>
+            </a:r>
+            <a:r>
+              <a:rPr lang="en-US" dirty="0">
+                <a:solidFill>
+                  <a:schemeClr val="tx1"/>
+                </a:solidFill>
+                <a:latin typeface="+mn-lt"/>
+              </a:rPr>
+              <a:t>variable will determine where you put packages from </a:t>
+            </a:r>
+            <a:r>
+              <a:rPr lang="en-US" b="1" dirty="0">
+                <a:solidFill>
+                  <a:schemeClr val="tx1"/>
+                </a:solidFill>
+                <a:latin typeface="+mn-lt"/>
+              </a:rPr>
+              <a:t>go get</a:t>
+            </a:r>
+          </a:p>
+          <a:p>
+            <a:pPr lvl="1">
+              <a:spcBef>
+                <a:spcPts val="0"/>
+              </a:spcBef>
+            </a:pPr>
+            <a:endParaRPr lang="en-US" dirty="0">
+              <a:solidFill>
+                <a:schemeClr val="tx1"/>
+              </a:solidFill>
+              <a:latin typeface="+mn-lt"/>
+            </a:endParaRPr>
+          </a:p>
+          <a:p>
+            <a:pPr lvl="2">
+              <a:spcBef>
+                <a:spcPts val="0"/>
+              </a:spcBef>
+            </a:pPr>
+            <a:endParaRPr lang="en-US" dirty="0">
+              <a:solidFill>
+                <a:schemeClr val="tx1"/>
+              </a:solidFill>
+            </a:endParaRPr>
+          </a:p>
+          <a:p>
+            <a:pPr lvl="3">
+              <a:spcBef>
+                <a:spcPts val="0"/>
+              </a:spcBef>
+            </a:pPr>
+            <a:endParaRPr lang="en-US" dirty="0">
+              <a:solidFill>
+                <a:schemeClr val="tx1"/>
+              </a:solidFill>
+              <a:latin typeface="+mn-lt"/>
+            </a:endParaRPr>
+          </a:p>
+          <a:p>
+            <a:pPr lvl="3">
+              <a:spcBef>
+                <a:spcPts val="0"/>
+              </a:spcBef>
+            </a:pPr>
+            <a:endParaRPr lang="en-US" dirty="0">
+              <a:solidFill>
+                <a:schemeClr val="tx1"/>
+              </a:solidFill>
+              <a:latin typeface="+mn-lt"/>
+            </a:endParaRPr>
+          </a:p>
+          <a:p>
+            <a:pPr lvl="3">
+              <a:spcBef>
+                <a:spcPts val="0"/>
+              </a:spcBef>
+            </a:pPr>
+            <a:endParaRPr lang="en-US" dirty="0">
+              <a:solidFill>
+                <a:schemeClr val="tx1"/>
+              </a:solidFill>
+              <a:latin typeface="+mn-lt"/>
+            </a:endParaRPr>
+          </a:p>
+          <a:p>
+            <a:pPr lvl="3">
+              <a:spcBef>
+                <a:spcPts val="0"/>
+              </a:spcBef>
+            </a:pPr>
+            <a:endParaRPr lang="en-US" dirty="0">
+              <a:solidFill>
+                <a:schemeClr val="tx1"/>
+              </a:solidFill>
+              <a:latin typeface="+mn-lt"/>
+            </a:endParaRPr>
+          </a:p>
+          <a:p>
+            <a:pPr lvl="3">
+              <a:spcBef>
+                <a:spcPts val="0"/>
+              </a:spcBef>
+            </a:pPr>
+            <a:endParaRPr lang="en-US" dirty="0">
+              <a:solidFill>
+                <a:schemeClr val="tx1"/>
+              </a:solidFill>
+              <a:latin typeface="+mn-lt"/>
+            </a:endParaRPr>
+          </a:p>
+        </p:txBody>
+      </p:sp>
+      <p:pic>
+        <p:nvPicPr>
+          <p:cNvPr id="2050" name="Picture 2" descr="Image result for golang gopher image">
+            <a:extLst>
+              <a:ext uri="{FF2B5EF4-FFF2-40B4-BE49-F238E27FC236}">
+                <a16:creationId xmlns:a16="http://schemas.microsoft.com/office/drawing/2014/main" id="{F7B1219D-D540-764B-A16A-A2972E612FEE}"/>
+              </a:ext>
+            </a:extLst>
+          </p:cNvPr>
+          <p:cNvPicPr>
+            <a:picLocks noChangeAspect="1" noChangeArrowheads="1"/>
+          </p:cNvPicPr>
+          <p:nvPr/>
+        </p:nvPicPr>
+        <p:blipFill>
+          <a:blip r:embed="rId3">
+            <a:extLst>
+              <a:ext uri="{28A0092B-C50C-407E-A947-70E740481C1C}">
+                <a14:useLocalDpi xmlns:a14="http://schemas.microsoft.com/office/drawing/2010/main" val="0"/>
+              </a:ext>
+            </a:extLst>
+          </a:blip>
+          <a:srcRect/>
+          <a:stretch>
+            <a:fillRect/>
+          </a:stretch>
+        </p:blipFill>
+        <p:spPr bwMode="auto">
+          <a:xfrm>
+            <a:off x="5013788" y="4306729"/>
+            <a:ext cx="2695111" cy="2225922"/>
+          </a:xfrm>
+          <a:prstGeom prst="rect">
+            <a:avLst/>
+          </a:prstGeom>
+          <a:noFill/>
+          <a:extLst>
+            <a:ext uri="{909E8E84-426E-40DD-AFC4-6F175D3DCCD1}">
+              <a14:hiddenFill xmlns:a14="http://schemas.microsoft.com/office/drawing/2010/main">
+                <a:solidFill>
+                  <a:srgbClr val="FFFFFF"/>
+                </a:solidFill>
+              </a14:hiddenFill>
+            </a:ext>
+          </a:extLst>
+        </p:spPr>
+      </p:pic>
+    </p:spTree>
+    <p:extLst>
+      <p:ext uri="{BB962C8B-B14F-4D97-AF65-F5344CB8AC3E}">
+        <p14:creationId xmlns:p14="http://schemas.microsoft.com/office/powerpoint/2010/main" val="242680074"/>
+      </p:ext>
+    </p:extLst>
+  </p:cSld>
+  <p:clrMapOvr>
+    <a:masterClrMapping/>
+  </p:clrMapOvr>
+</p:sld>
+</file>
+
+<file path=ppt/slides/slide51.xml><?xml version="1.0" encoding="utf-8"?>
+<p:sld xmlns:a="http://schemas.openxmlformats.org/drawingml/2006/main" xmlns:r="http://schemas.openxmlformats.org/officeDocument/2006/relationships" xmlns:p="http://schemas.openxmlformats.org/presentationml/2006/main">
+  <p:cSld>
+    <p:spTree>
+      <p:nvGrpSpPr>
+        <p:cNvPr id="1" name="Shape 113"/>
+        <p:cNvGrpSpPr/>
+        <p:nvPr/>
+      </p:nvGrpSpPr>
+      <p:grpSpPr>
+        <a:xfrm>
+          <a:off x="0" y="0"/>
+          <a:ext cx="0" cy="0"/>
+          <a:chOff x="0" y="0"/>
+          <a:chExt cx="0" cy="0"/>
+        </a:xfrm>
+      </p:grpSpPr>
+      <p:sp>
+        <p:nvSpPr>
+          <p:cNvPr id="114" name="Shape 114"/>
+          <p:cNvSpPr txBox="1">
+            <a:spLocks noGrp="1"/>
+          </p:cNvSpPr>
+          <p:nvPr>
+            <p:ph type="title"/>
+          </p:nvPr>
+        </p:nvSpPr>
+        <p:spPr>
+          <a:xfrm>
+            <a:off x="76200" y="152400"/>
+            <a:ext cx="8991600" cy="671400"/>
+          </a:xfrm>
+          <a:prstGeom prst="rect">
+            <a:avLst/>
+          </a:prstGeom>
+        </p:spPr>
+        <p:txBody>
+          <a:bodyPr lIns="91425" tIns="91425" rIns="91425" bIns="91425" anchor="ctr" anchorCtr="0">
+            <a:noAutofit/>
+          </a:bodyPr>
+          <a:lstStyle/>
+          <a:p>
+            <a:pPr lvl="0">
+              <a:spcBef>
+                <a:spcPts val="0"/>
+              </a:spcBef>
+              <a:buNone/>
+            </a:pPr>
+            <a:r>
+              <a:rPr lang="en-US" dirty="0"/>
+              <a:t>QUIZ</a:t>
+            </a:r>
+            <a:endParaRPr dirty="0"/>
+          </a:p>
+        </p:txBody>
+      </p:sp>
+      <p:sp>
+        <p:nvSpPr>
+          <p:cNvPr id="115" name="Shape 115"/>
+          <p:cNvSpPr txBox="1">
+            <a:spLocks noGrp="1"/>
+          </p:cNvSpPr>
+          <p:nvPr>
+            <p:ph type="body" idx="1"/>
+          </p:nvPr>
+        </p:nvSpPr>
+        <p:spPr>
+          <a:xfrm>
+            <a:off x="76200" y="1312729"/>
+            <a:ext cx="8991600" cy="4070929"/>
+          </a:xfrm>
+          <a:prstGeom prst="rect">
+            <a:avLst/>
+          </a:prstGeom>
+        </p:spPr>
+        <p:txBody>
+          <a:bodyPr lIns="91425" tIns="91425" rIns="91425" bIns="91425" anchor="t" anchorCtr="0">
+            <a:noAutofit/>
+          </a:bodyPr>
+          <a:lstStyle/>
+          <a:p>
+            <a:pPr>
+              <a:spcBef>
+                <a:spcPts val="0"/>
+              </a:spcBef>
+            </a:pPr>
+            <a:r>
+              <a:rPr lang="en-US" dirty="0">
+                <a:solidFill>
+                  <a:schemeClr val="tx1"/>
+                </a:solidFill>
+                <a:latin typeface="+mn-lt"/>
+              </a:rPr>
+              <a:t> Where should I put the </a:t>
+            </a:r>
+            <a:r>
+              <a:rPr lang="en-US" b="1" dirty="0" err="1">
+                <a:solidFill>
+                  <a:schemeClr val="tx1"/>
+                </a:solidFill>
+                <a:latin typeface="+mn-lt"/>
+              </a:rPr>
+              <a:t>main.go</a:t>
+            </a:r>
+            <a:r>
+              <a:rPr lang="en-US" dirty="0">
+                <a:solidFill>
+                  <a:schemeClr val="tx1"/>
+                </a:solidFill>
+                <a:latin typeface="+mn-lt"/>
+              </a:rPr>
+              <a:t> package? </a:t>
+            </a:r>
+          </a:p>
+          <a:p>
+            <a:pPr>
+              <a:spcBef>
+                <a:spcPts val="0"/>
+              </a:spcBef>
+            </a:pPr>
+            <a:r>
+              <a:rPr lang="en-US" dirty="0">
+                <a:solidFill>
+                  <a:schemeClr val="tx1"/>
+                </a:solidFill>
+                <a:latin typeface="+mn-lt"/>
+              </a:rPr>
+              <a:t> How do I set up a new package within my workspace with git? </a:t>
+            </a:r>
+          </a:p>
+          <a:p>
+            <a:pPr>
+              <a:spcBef>
+                <a:spcPts val="0"/>
+              </a:spcBef>
+            </a:pPr>
+            <a:r>
+              <a:rPr lang="en-US" dirty="0">
+                <a:solidFill>
+                  <a:schemeClr val="tx1"/>
+                </a:solidFill>
+                <a:latin typeface="+mn-lt"/>
+              </a:rPr>
+              <a:t> How can I manipulate where my </a:t>
+            </a:r>
+            <a:r>
+              <a:rPr lang="en-US" b="1" dirty="0">
+                <a:solidFill>
+                  <a:schemeClr val="tx1"/>
+                </a:solidFill>
+                <a:latin typeface="+mn-lt"/>
+              </a:rPr>
+              <a:t>go get</a:t>
+            </a:r>
+            <a:r>
+              <a:rPr lang="en-US" dirty="0">
+                <a:solidFill>
+                  <a:schemeClr val="tx1"/>
+                </a:solidFill>
+                <a:latin typeface="+mn-lt"/>
+              </a:rPr>
+              <a:t> command line sends my packages? </a:t>
+            </a:r>
+          </a:p>
+          <a:p>
+            <a:pPr>
+              <a:spcBef>
+                <a:spcPts val="0"/>
+              </a:spcBef>
+            </a:pPr>
+            <a:r>
+              <a:rPr lang="en-US" dirty="0">
+                <a:solidFill>
+                  <a:schemeClr val="tx1"/>
+                </a:solidFill>
+                <a:latin typeface="+mn-lt"/>
+              </a:rPr>
+              <a:t> How do I run basic code? </a:t>
+            </a:r>
+          </a:p>
+          <a:p>
+            <a:pPr>
+              <a:spcBef>
+                <a:spcPts val="0"/>
+              </a:spcBef>
+            </a:pPr>
+            <a:r>
+              <a:rPr lang="en-US" dirty="0">
+                <a:solidFill>
+                  <a:schemeClr val="tx1"/>
+                </a:solidFill>
+                <a:latin typeface="+mn-lt"/>
+              </a:rPr>
+              <a:t> How do I build a binary?</a:t>
+            </a:r>
+          </a:p>
+          <a:p>
+            <a:pPr marL="1485900" lvl="3" indent="0">
+              <a:spcBef>
+                <a:spcPts val="0"/>
+              </a:spcBef>
+              <a:buNone/>
+            </a:pPr>
+            <a:endParaRPr lang="en-US" dirty="0">
+              <a:solidFill>
+                <a:schemeClr val="tx1"/>
+              </a:solidFill>
+              <a:latin typeface="+mn-lt"/>
+            </a:endParaRPr>
+          </a:p>
+          <a:p>
+            <a:pPr marL="1485900" lvl="3" indent="0">
+              <a:spcBef>
+                <a:spcPts val="0"/>
+              </a:spcBef>
+              <a:buNone/>
+            </a:pPr>
+            <a:endParaRPr lang="en-US" dirty="0">
+              <a:solidFill>
+                <a:schemeClr val="tx1"/>
+              </a:solidFill>
+              <a:latin typeface="+mn-lt"/>
+            </a:endParaRPr>
+          </a:p>
+          <a:p>
+            <a:pPr marL="1485900" lvl="3" indent="0">
+              <a:spcBef>
+                <a:spcPts val="0"/>
+              </a:spcBef>
+              <a:buNone/>
+            </a:pPr>
+            <a:endParaRPr lang="en-US" dirty="0">
+              <a:solidFill>
+                <a:schemeClr val="tx1"/>
+              </a:solidFill>
+              <a:latin typeface="+mn-lt"/>
+            </a:endParaRPr>
+          </a:p>
+        </p:txBody>
+      </p:sp>
+      <p:pic>
+        <p:nvPicPr>
+          <p:cNvPr id="3074" name="Picture 2" descr="Image result for golang gopher image">
+            <a:extLst>
+              <a:ext uri="{FF2B5EF4-FFF2-40B4-BE49-F238E27FC236}">
+                <a16:creationId xmlns:a16="http://schemas.microsoft.com/office/drawing/2014/main" id="{DCB5CA80-FE1F-8F44-8B56-04CDCAA19647}"/>
+              </a:ext>
+            </a:extLst>
+          </p:cNvPr>
+          <p:cNvPicPr>
+            <a:picLocks noChangeAspect="1" noChangeArrowheads="1"/>
+          </p:cNvPicPr>
+          <p:nvPr/>
+        </p:nvPicPr>
+        <p:blipFill>
+          <a:blip r:embed="rId3">
+            <a:extLst>
+              <a:ext uri="{28A0092B-C50C-407E-A947-70E740481C1C}">
+                <a14:useLocalDpi xmlns:a14="http://schemas.microsoft.com/office/drawing/2010/main" val="0"/>
+              </a:ext>
+            </a:extLst>
+          </a:blip>
+          <a:srcRect/>
+          <a:stretch>
+            <a:fillRect/>
+          </a:stretch>
+        </p:blipFill>
+        <p:spPr bwMode="auto">
+          <a:xfrm>
+            <a:off x="5149351" y="3758415"/>
+            <a:ext cx="3098800" cy="2628900"/>
+          </a:xfrm>
+          <a:prstGeom prst="rect">
+            <a:avLst/>
+          </a:prstGeom>
+          <a:noFill/>
+          <a:extLst>
+            <a:ext uri="{909E8E84-426E-40DD-AFC4-6F175D3DCCD1}">
+              <a14:hiddenFill xmlns:a14="http://schemas.microsoft.com/office/drawing/2010/main">
+                <a:solidFill>
+                  <a:srgbClr val="FFFFFF"/>
+                </a:solidFill>
+              </a14:hiddenFill>
+            </a:ext>
+          </a:extLst>
+        </p:spPr>
+      </p:pic>
+    </p:spTree>
+    <p:extLst>
+      <p:ext uri="{BB962C8B-B14F-4D97-AF65-F5344CB8AC3E}">
+        <p14:creationId xmlns:p14="http://schemas.microsoft.com/office/powerpoint/2010/main" val="2560586821"/>
+      </p:ext>
+    </p:extLst>
   </p:cSld>
   <p:clrMapOvr>
     <a:masterClrMapping/>
